--- a/CIS434 Project Presentation.pptx
+++ b/CIS434 Project Presentation.pptx
@@ -7241,7 +7241,7 @@
           <a:p>
             <a:r>
               <a:rPr lang="en-US" dirty="0"/>
-              <a:t>[More Games]</a:t>
+              <a:t>[Series Over]</a:t>
             </a:r>
           </a:p>
         </p:txBody>
@@ -7348,8 +7348,8 @@
         </p:nvSpPr>
         <p:spPr>
           <a:xfrm>
-            <a:off x="9050550" y="3073767"/>
-            <a:ext cx="1454914" cy="369332"/>
+            <a:off x="8813923" y="2958827"/>
+            <a:ext cx="1687679" cy="646331"/>
           </a:xfrm>
           <a:prstGeom prst="rect">
             <a:avLst/>
@@ -7362,9 +7362,17 @@
           </a:bodyPr>
           <a:lstStyle/>
           <a:p>
+            <a:pPr algn="ctr"/>
             <a:r>
               <a:rPr lang="en-US" dirty="0"/>
-              <a:t>Play Match</a:t>
+              <a:t>Play Next</a:t>
+            </a:r>
+          </a:p>
+          <a:p>
+            <a:pPr algn="ctr"/>
+            <a:r>
+              <a:rPr lang="en-US" dirty="0"/>
+              <a:t>Match</a:t>
             </a:r>
           </a:p>
         </p:txBody>
@@ -7383,7 +7391,7 @@
         </p:nvSpPr>
         <p:spPr>
           <a:xfrm>
-            <a:off x="8323870" y="2864061"/>
+            <a:off x="7124264" y="3471805"/>
             <a:ext cx="623707" cy="369332"/>
           </a:xfrm>
           <a:prstGeom prst="rect">
@@ -7418,7 +7426,7 @@
         </p:nvSpPr>
         <p:spPr>
           <a:xfrm>
-            <a:off x="7064585" y="3458517"/>
+            <a:off x="8327814" y="2912660"/>
             <a:ext cx="623707" cy="369332"/>
           </a:xfrm>
           <a:prstGeom prst="rect">

--- a/CIS434 Project Presentation.pptx
+++ b/CIS434 Project Presentation.pptx
@@ -2,7 +2,7 @@
 <file path=ppt/presentation.xml><?xml version="1.0" encoding="utf-8"?>
 <p:presentation xmlns:a="http://schemas.openxmlformats.org/drawingml/2006/main" xmlns:r="http://schemas.openxmlformats.org/officeDocument/2006/relationships" xmlns:p="http://schemas.openxmlformats.org/presentationml/2006/main" saveSubsetFonts="1">
   <p:sldMasterIdLst>
-    <p:sldMasterId id="2147483648" r:id="rId1"/>
+    <p:sldMasterId id="2147483684" r:id="rId1"/>
   </p:sldMasterIdLst>
   <p:sldIdLst>
     <p:sldId id="257" r:id="rId2"/>
@@ -18,7 +18,7 @@
     <a:defPPr>
       <a:defRPr lang="en-US"/>
     </a:defPPr>
-    <a:lvl1pPr marL="0" algn="l" defTabSz="914400" rtl="0" eaLnBrk="1" latinLnBrk="0" hangingPunct="1">
+    <a:lvl1pPr marL="0" algn="l" defTabSz="457200" rtl="0" eaLnBrk="1" latinLnBrk="0" hangingPunct="1">
       <a:defRPr sz="1800" kern="1200">
         <a:solidFill>
           <a:schemeClr val="tx1"/>
@@ -28,7 +28,7 @@
         <a:cs typeface="+mn-cs"/>
       </a:defRPr>
     </a:lvl1pPr>
-    <a:lvl2pPr marL="457200" algn="l" defTabSz="914400" rtl="0" eaLnBrk="1" latinLnBrk="0" hangingPunct="1">
+    <a:lvl2pPr marL="457200" algn="l" defTabSz="457200" rtl="0" eaLnBrk="1" latinLnBrk="0" hangingPunct="1">
       <a:defRPr sz="1800" kern="1200">
         <a:solidFill>
           <a:schemeClr val="tx1"/>
@@ -38,7 +38,7 @@
         <a:cs typeface="+mn-cs"/>
       </a:defRPr>
     </a:lvl2pPr>
-    <a:lvl3pPr marL="914400" algn="l" defTabSz="914400" rtl="0" eaLnBrk="1" latinLnBrk="0" hangingPunct="1">
+    <a:lvl3pPr marL="914400" algn="l" defTabSz="457200" rtl="0" eaLnBrk="1" latinLnBrk="0" hangingPunct="1">
       <a:defRPr sz="1800" kern="1200">
         <a:solidFill>
           <a:schemeClr val="tx1"/>
@@ -48,7 +48,7 @@
         <a:cs typeface="+mn-cs"/>
       </a:defRPr>
     </a:lvl3pPr>
-    <a:lvl4pPr marL="1371600" algn="l" defTabSz="914400" rtl="0" eaLnBrk="1" latinLnBrk="0" hangingPunct="1">
+    <a:lvl4pPr marL="1371600" algn="l" defTabSz="457200" rtl="0" eaLnBrk="1" latinLnBrk="0" hangingPunct="1">
       <a:defRPr sz="1800" kern="1200">
         <a:solidFill>
           <a:schemeClr val="tx1"/>
@@ -58,7 +58,7 @@
         <a:cs typeface="+mn-cs"/>
       </a:defRPr>
     </a:lvl4pPr>
-    <a:lvl5pPr marL="1828800" algn="l" defTabSz="914400" rtl="0" eaLnBrk="1" latinLnBrk="0" hangingPunct="1">
+    <a:lvl5pPr marL="1828800" algn="l" defTabSz="457200" rtl="0" eaLnBrk="1" latinLnBrk="0" hangingPunct="1">
       <a:defRPr sz="1800" kern="1200">
         <a:solidFill>
           <a:schemeClr val="tx1"/>
@@ -68,7 +68,7 @@
         <a:cs typeface="+mn-cs"/>
       </a:defRPr>
     </a:lvl5pPr>
-    <a:lvl6pPr marL="2286000" algn="l" defTabSz="914400" rtl="0" eaLnBrk="1" latinLnBrk="0" hangingPunct="1">
+    <a:lvl6pPr marL="2286000" algn="l" defTabSz="457200" rtl="0" eaLnBrk="1" latinLnBrk="0" hangingPunct="1">
       <a:defRPr sz="1800" kern="1200">
         <a:solidFill>
           <a:schemeClr val="tx1"/>
@@ -78,7 +78,7 @@
         <a:cs typeface="+mn-cs"/>
       </a:defRPr>
     </a:lvl6pPr>
-    <a:lvl7pPr marL="2743200" algn="l" defTabSz="914400" rtl="0" eaLnBrk="1" latinLnBrk="0" hangingPunct="1">
+    <a:lvl7pPr marL="2743200" algn="l" defTabSz="457200" rtl="0" eaLnBrk="1" latinLnBrk="0" hangingPunct="1">
       <a:defRPr sz="1800" kern="1200">
         <a:solidFill>
           <a:schemeClr val="tx1"/>
@@ -88,7 +88,7 @@
         <a:cs typeface="+mn-cs"/>
       </a:defRPr>
     </a:lvl7pPr>
-    <a:lvl8pPr marL="3200400" algn="l" defTabSz="914400" rtl="0" eaLnBrk="1" latinLnBrk="0" hangingPunct="1">
+    <a:lvl8pPr marL="3200400" algn="l" defTabSz="457200" rtl="0" eaLnBrk="1" latinLnBrk="0" hangingPunct="1">
       <a:defRPr sz="1800" kern="1200">
         <a:solidFill>
           <a:schemeClr val="tx1"/>
@@ -98,7 +98,7 @@
         <a:cs typeface="+mn-cs"/>
       </a:defRPr>
     </a:lvl8pPr>
-    <a:lvl9pPr marL="3657600" algn="l" defTabSz="914400" rtl="0" eaLnBrk="1" latinLnBrk="0" hangingPunct="1">
+    <a:lvl9pPr marL="3657600" algn="l" defTabSz="457200" rtl="0" eaLnBrk="1" latinLnBrk="0" hangingPunct="1">
       <a:defRPr sz="1800" kern="1200">
         <a:solidFill>
           <a:schemeClr val="tx1"/>
@@ -136,13 +136,7 @@
       </p:grpSpPr>
       <p:sp>
         <p:nvSpPr>
-          <p:cNvPr id="2" name="Title 1">
-            <a:extLst>
-              <a:ext uri="{FF2B5EF4-FFF2-40B4-BE49-F238E27FC236}">
-                <a16:creationId xmlns:a16="http://schemas.microsoft.com/office/drawing/2014/main" id="{63E2DD1D-E430-4DEF-9DD2-8E3921BD782F}"/>
-              </a:ext>
-            </a:extLst>
-          </p:cNvPr>
+          <p:cNvPr id="2" name="Title 1"/>
           <p:cNvSpPr>
             <a:spLocks noGrp="1"/>
           </p:cNvSpPr>
@@ -152,15 +146,15 @@
         </p:nvSpPr>
         <p:spPr>
           <a:xfrm>
-            <a:off x="1524000" y="1122363"/>
-            <a:ext cx="9144000" cy="2387600"/>
+            <a:off x="1154955" y="1447800"/>
+            <a:ext cx="8825658" cy="3329581"/>
           </a:xfrm>
         </p:spPr>
         <p:txBody>
           <a:bodyPr anchor="b"/>
           <a:lstStyle>
-            <a:lvl1pPr algn="ctr">
-              <a:defRPr sz="6000"/>
+            <a:lvl1pPr>
+              <a:defRPr sz="7200"/>
             </a:lvl1pPr>
           </a:lstStyle>
           <a:p>
@@ -168,18 +162,13 @@
               <a:rPr lang="en-US"/>
               <a:t>Click to edit Master title style</a:t>
             </a:r>
-          </a:p>
-        </p:txBody>
-      </p:sp>
-      <p:sp>
-        <p:nvSpPr>
-          <p:cNvPr id="3" name="Subtitle 2">
-            <a:extLst>
-              <a:ext uri="{FF2B5EF4-FFF2-40B4-BE49-F238E27FC236}">
-                <a16:creationId xmlns:a16="http://schemas.microsoft.com/office/drawing/2014/main" id="{15C6C5AC-E828-406A-ADCC-6A4478B25742}"/>
-              </a:ext>
-            </a:extLst>
-          </p:cNvPr>
+            <a:endParaRPr lang="en-US" dirty="0"/>
+          </a:p>
+        </p:txBody>
+      </p:sp>
+      <p:sp>
+        <p:nvSpPr>
+          <p:cNvPr id="3" name="Subtitle 2"/>
           <p:cNvSpPr>
             <a:spLocks noGrp="1"/>
           </p:cNvSpPr>
@@ -189,48 +178,103 @@
         </p:nvSpPr>
         <p:spPr>
           <a:xfrm>
-            <a:off x="1524000" y="3602038"/>
-            <a:ext cx="9144000" cy="1655762"/>
-          </a:xfrm>
-        </p:spPr>
-        <p:txBody>
-          <a:bodyPr/>
+            <a:off x="1154955" y="4777380"/>
+            <a:ext cx="8825658" cy="861420"/>
+          </a:xfrm>
+        </p:spPr>
+        <p:txBody>
+          <a:bodyPr anchor="t"/>
           <a:lstStyle>
-            <a:lvl1pPr marL="0" indent="0" algn="ctr">
-              <a:buNone/>
-              <a:defRPr sz="2400"/>
+            <a:lvl1pPr marL="0" indent="0" algn="l">
+              <a:buNone/>
+              <a:defRPr cap="all">
+                <a:solidFill>
+                  <a:schemeClr val="bg2">
+                    <a:lumMod val="40000"/>
+                    <a:lumOff val="60000"/>
+                  </a:schemeClr>
+                </a:solidFill>
+              </a:defRPr>
             </a:lvl1pPr>
             <a:lvl2pPr marL="457200" indent="0" algn="ctr">
               <a:buNone/>
-              <a:defRPr sz="2000"/>
+              <a:defRPr>
+                <a:solidFill>
+                  <a:schemeClr val="tx1">
+                    <a:tint val="75000"/>
+                  </a:schemeClr>
+                </a:solidFill>
+              </a:defRPr>
             </a:lvl2pPr>
             <a:lvl3pPr marL="914400" indent="0" algn="ctr">
               <a:buNone/>
-              <a:defRPr sz="1800"/>
+              <a:defRPr>
+                <a:solidFill>
+                  <a:schemeClr val="tx1">
+                    <a:tint val="75000"/>
+                  </a:schemeClr>
+                </a:solidFill>
+              </a:defRPr>
             </a:lvl3pPr>
             <a:lvl4pPr marL="1371600" indent="0" algn="ctr">
               <a:buNone/>
-              <a:defRPr sz="1600"/>
+              <a:defRPr>
+                <a:solidFill>
+                  <a:schemeClr val="tx1">
+                    <a:tint val="75000"/>
+                  </a:schemeClr>
+                </a:solidFill>
+              </a:defRPr>
             </a:lvl4pPr>
             <a:lvl5pPr marL="1828800" indent="0" algn="ctr">
               <a:buNone/>
-              <a:defRPr sz="1600"/>
+              <a:defRPr>
+                <a:solidFill>
+                  <a:schemeClr val="tx1">
+                    <a:tint val="75000"/>
+                  </a:schemeClr>
+                </a:solidFill>
+              </a:defRPr>
             </a:lvl5pPr>
             <a:lvl6pPr marL="2286000" indent="0" algn="ctr">
               <a:buNone/>
-              <a:defRPr sz="1600"/>
+              <a:defRPr>
+                <a:solidFill>
+                  <a:schemeClr val="tx1">
+                    <a:tint val="75000"/>
+                  </a:schemeClr>
+                </a:solidFill>
+              </a:defRPr>
             </a:lvl6pPr>
             <a:lvl7pPr marL="2743200" indent="0" algn="ctr">
               <a:buNone/>
-              <a:defRPr sz="1600"/>
+              <a:defRPr>
+                <a:solidFill>
+                  <a:schemeClr val="tx1">
+                    <a:tint val="75000"/>
+                  </a:schemeClr>
+                </a:solidFill>
+              </a:defRPr>
             </a:lvl7pPr>
             <a:lvl8pPr marL="3200400" indent="0" algn="ctr">
               <a:buNone/>
-              <a:defRPr sz="1600"/>
+              <a:defRPr>
+                <a:solidFill>
+                  <a:schemeClr val="tx1">
+                    <a:tint val="75000"/>
+                  </a:schemeClr>
+                </a:solidFill>
+              </a:defRPr>
             </a:lvl8pPr>
             <a:lvl9pPr marL="3657600" indent="0" algn="ctr">
               <a:buNone/>
-              <a:defRPr sz="1600"/>
+              <a:defRPr>
+                <a:solidFill>
+                  <a:schemeClr val="tx1">
+                    <a:tint val="75000"/>
+                  </a:schemeClr>
+                </a:solidFill>
+              </a:defRPr>
             </a:lvl9pPr>
           </a:lstStyle>
           <a:p>
@@ -238,18 +282,13 @@
               <a:rPr lang="en-US"/>
               <a:t>Click to edit Master subtitle style</a:t>
             </a:r>
-          </a:p>
-        </p:txBody>
-      </p:sp>
-      <p:sp>
-        <p:nvSpPr>
-          <p:cNvPr id="4" name="Date Placeholder 3">
-            <a:extLst>
-              <a:ext uri="{FF2B5EF4-FFF2-40B4-BE49-F238E27FC236}">
-                <a16:creationId xmlns:a16="http://schemas.microsoft.com/office/drawing/2014/main" id="{3E8E6C04-0A32-4A2F-ACA2-7DF66E62C371}"/>
-              </a:ext>
-            </a:extLst>
-          </p:cNvPr>
+            <a:endParaRPr lang="en-US" dirty="0"/>
+          </a:p>
+        </p:txBody>
+      </p:sp>
+      <p:sp>
+        <p:nvSpPr>
+          <p:cNvPr id="4" name="Date Placeholder 3"/>
           <p:cNvSpPr>
             <a:spLocks noGrp="1"/>
           </p:cNvSpPr>
@@ -264,7 +303,7 @@
           <a:p>
             <a:fld id="{E36813AB-CC3A-4F77-A52E-D5F44D60AF1B}" type="datetimeFigureOut">
               <a:rPr lang="en-US" smtClean="0"/>
-              <a:t>4/9/2019</a:t>
+              <a:t>4/11/2019</a:t>
             </a:fld>
             <a:endParaRPr lang="en-US"/>
           </a:p>
@@ -272,13 +311,7 @@
       </p:sp>
       <p:sp>
         <p:nvSpPr>
-          <p:cNvPr id="5" name="Footer Placeholder 4">
-            <a:extLst>
-              <a:ext uri="{FF2B5EF4-FFF2-40B4-BE49-F238E27FC236}">
-                <a16:creationId xmlns:a16="http://schemas.microsoft.com/office/drawing/2014/main" id="{6B11B33A-24CA-4B5B-9CDF-DAFEFE514D92}"/>
-              </a:ext>
-            </a:extLst>
-          </p:cNvPr>
+          <p:cNvPr id="5" name="Footer Placeholder 4"/>
           <p:cNvSpPr>
             <a:spLocks noGrp="1"/>
           </p:cNvSpPr>
@@ -297,13 +330,7 @@
       </p:sp>
       <p:sp>
         <p:nvSpPr>
-          <p:cNvPr id="6" name="Slide Number Placeholder 5">
-            <a:extLst>
-              <a:ext uri="{FF2B5EF4-FFF2-40B4-BE49-F238E27FC236}">
-                <a16:creationId xmlns:a16="http://schemas.microsoft.com/office/drawing/2014/main" id="{0773E399-0335-43AA-9AB2-014935A9BD58}"/>
-              </a:ext>
-            </a:extLst>
-          </p:cNvPr>
+          <p:cNvPr id="6" name="Slide Number Placeholder 5"/>
           <p:cNvSpPr>
             <a:spLocks noGrp="1"/>
           </p:cNvSpPr>
@@ -327,7 +354,7 @@
     </p:spTree>
     <p:extLst>
       <p:ext uri="{BB962C8B-B14F-4D97-AF65-F5344CB8AC3E}">
-        <p14:creationId xmlns:p14="http://schemas.microsoft.com/office/powerpoint/2010/main" val="2640875540"/>
+        <p14:creationId xmlns:p14="http://schemas.microsoft.com/office/powerpoint/2010/main" val="3144056151"/>
       </p:ext>
     </p:extLst>
   </p:cSld>
@@ -338,6 +365,2572 @@
 </file>
 
 <file path=ppt/slideLayouts/slideLayout10.xml><?xml version="1.0" encoding="utf-8"?>
+<p:sldLayout xmlns:a="http://schemas.openxmlformats.org/drawingml/2006/main" xmlns:r="http://schemas.openxmlformats.org/officeDocument/2006/relationships" xmlns:p="http://schemas.openxmlformats.org/presentationml/2006/main" preserve="1">
+  <p:cSld name="Panoramic Picture with Caption">
+    <p:spTree>
+      <p:nvGrpSpPr>
+        <p:cNvPr id="1" name=""/>
+        <p:cNvGrpSpPr/>
+        <p:nvPr/>
+      </p:nvGrpSpPr>
+      <p:grpSpPr>
+        <a:xfrm>
+          <a:off x="0" y="0"/>
+          <a:ext cx="0" cy="0"/>
+          <a:chOff x="0" y="0"/>
+          <a:chExt cx="0" cy="0"/>
+        </a:xfrm>
+      </p:grpSpPr>
+      <p:sp>
+        <p:nvSpPr>
+          <p:cNvPr id="2" name="Title 1"/>
+          <p:cNvSpPr>
+            <a:spLocks noGrp="1"/>
+          </p:cNvSpPr>
+          <p:nvPr>
+            <p:ph type="title"/>
+          </p:nvPr>
+        </p:nvSpPr>
+        <p:spPr>
+          <a:xfrm>
+            <a:off x="1154956" y="4800587"/>
+            <a:ext cx="8825657" cy="566738"/>
+          </a:xfrm>
+        </p:spPr>
+        <p:txBody>
+          <a:bodyPr anchor="b">
+            <a:normAutofit/>
+          </a:bodyPr>
+          <a:lstStyle>
+            <a:lvl1pPr algn="l">
+              <a:defRPr sz="2400" b="0"/>
+            </a:lvl1pPr>
+          </a:lstStyle>
+          <a:p>
+            <a:r>
+              <a:rPr lang="en-US"/>
+              <a:t>Click to edit Master title style</a:t>
+            </a:r>
+            <a:endParaRPr lang="en-US" dirty="0"/>
+          </a:p>
+        </p:txBody>
+      </p:sp>
+      <p:sp>
+        <p:nvSpPr>
+          <p:cNvPr id="3" name="Picture Placeholder 2"/>
+          <p:cNvSpPr>
+            <a:spLocks noGrp="1" noChangeAspect="1"/>
+          </p:cNvSpPr>
+          <p:nvPr>
+            <p:ph type="pic" idx="1"/>
+          </p:nvPr>
+        </p:nvSpPr>
+        <p:spPr>
+          <a:xfrm>
+            <a:off x="1154955" y="685800"/>
+            <a:ext cx="8825658" cy="3640666"/>
+          </a:xfrm>
+          <a:prstGeom prst="roundRect">
+            <a:avLst>
+              <a:gd name="adj" fmla="val 1858"/>
+            </a:avLst>
+          </a:prstGeom>
+          <a:effectLst>
+            <a:outerShdw blurRad="50800" dist="50800" dir="5400000" algn="tl" rotWithShape="0">
+              <a:srgbClr val="000000">
+                <a:alpha val="43000"/>
+              </a:srgbClr>
+            </a:outerShdw>
+          </a:effectLst>
+        </p:spPr>
+        <p:txBody>
+          <a:bodyPr anchor="t">
+            <a:normAutofit/>
+          </a:bodyPr>
+          <a:lstStyle>
+            <a:lvl1pPr marL="0" indent="0" algn="ctr">
+              <a:buNone/>
+              <a:defRPr sz="1600"/>
+            </a:lvl1pPr>
+            <a:lvl2pPr marL="457200" indent="0">
+              <a:buNone/>
+              <a:defRPr sz="1600"/>
+            </a:lvl2pPr>
+            <a:lvl3pPr marL="914400" indent="0">
+              <a:buNone/>
+              <a:defRPr sz="1600"/>
+            </a:lvl3pPr>
+            <a:lvl4pPr marL="1371600" indent="0">
+              <a:buNone/>
+              <a:defRPr sz="1600"/>
+            </a:lvl4pPr>
+            <a:lvl5pPr marL="1828800" indent="0">
+              <a:buNone/>
+              <a:defRPr sz="1600"/>
+            </a:lvl5pPr>
+            <a:lvl6pPr marL="2286000" indent="0">
+              <a:buNone/>
+              <a:defRPr sz="1600"/>
+            </a:lvl6pPr>
+            <a:lvl7pPr marL="2743200" indent="0">
+              <a:buNone/>
+              <a:defRPr sz="1600"/>
+            </a:lvl7pPr>
+            <a:lvl8pPr marL="3200400" indent="0">
+              <a:buNone/>
+              <a:defRPr sz="1600"/>
+            </a:lvl8pPr>
+            <a:lvl9pPr marL="3657600" indent="0">
+              <a:buNone/>
+              <a:defRPr sz="1600"/>
+            </a:lvl9pPr>
+          </a:lstStyle>
+          <a:p>
+            <a:r>
+              <a:rPr lang="en-US"/>
+              <a:t>Click icon to add picture</a:t>
+            </a:r>
+            <a:endParaRPr lang="en-US" dirty="0"/>
+          </a:p>
+        </p:txBody>
+      </p:sp>
+      <p:sp>
+        <p:nvSpPr>
+          <p:cNvPr id="4" name="Text Placeholder 3"/>
+          <p:cNvSpPr>
+            <a:spLocks noGrp="1"/>
+          </p:cNvSpPr>
+          <p:nvPr>
+            <p:ph type="body" sz="half" idx="2"/>
+          </p:nvPr>
+        </p:nvSpPr>
+        <p:spPr>
+          <a:xfrm>
+            <a:off x="1154956" y="5367325"/>
+            <a:ext cx="8825656" cy="493712"/>
+          </a:xfrm>
+        </p:spPr>
+        <p:txBody>
+          <a:bodyPr>
+            <a:normAutofit/>
+          </a:bodyPr>
+          <a:lstStyle>
+            <a:lvl1pPr marL="0" indent="0">
+              <a:buNone/>
+              <a:defRPr sz="1200"/>
+            </a:lvl1pPr>
+            <a:lvl2pPr marL="457200" indent="0">
+              <a:buNone/>
+              <a:defRPr sz="1200"/>
+            </a:lvl2pPr>
+            <a:lvl3pPr marL="914400" indent="0">
+              <a:buNone/>
+              <a:defRPr sz="1000"/>
+            </a:lvl3pPr>
+            <a:lvl4pPr marL="1371600" indent="0">
+              <a:buNone/>
+              <a:defRPr sz="900"/>
+            </a:lvl4pPr>
+            <a:lvl5pPr marL="1828800" indent="0">
+              <a:buNone/>
+              <a:defRPr sz="900"/>
+            </a:lvl5pPr>
+            <a:lvl6pPr marL="2286000" indent="0">
+              <a:buNone/>
+              <a:defRPr sz="900"/>
+            </a:lvl6pPr>
+            <a:lvl7pPr marL="2743200" indent="0">
+              <a:buNone/>
+              <a:defRPr sz="900"/>
+            </a:lvl7pPr>
+            <a:lvl8pPr marL="3200400" indent="0">
+              <a:buNone/>
+              <a:defRPr sz="900"/>
+            </a:lvl8pPr>
+            <a:lvl9pPr marL="3657600" indent="0">
+              <a:buNone/>
+              <a:defRPr sz="900"/>
+            </a:lvl9pPr>
+          </a:lstStyle>
+          <a:p>
+            <a:pPr lvl="0"/>
+            <a:r>
+              <a:rPr lang="en-US"/>
+              <a:t>Click to edit Master text styles</a:t>
+            </a:r>
+          </a:p>
+        </p:txBody>
+      </p:sp>
+      <p:sp>
+        <p:nvSpPr>
+          <p:cNvPr id="5" name="Date Placeholder 4"/>
+          <p:cNvSpPr>
+            <a:spLocks noGrp="1"/>
+          </p:cNvSpPr>
+          <p:nvPr>
+            <p:ph type="dt" sz="half" idx="10"/>
+          </p:nvPr>
+        </p:nvSpPr>
+        <p:spPr/>
+        <p:txBody>
+          <a:bodyPr/>
+          <a:lstStyle/>
+          <a:p>
+            <a:fld id="{E36813AB-CC3A-4F77-A52E-D5F44D60AF1B}" type="datetimeFigureOut">
+              <a:rPr lang="en-US" smtClean="0"/>
+              <a:t>4/11/2019</a:t>
+            </a:fld>
+            <a:endParaRPr lang="en-US"/>
+          </a:p>
+        </p:txBody>
+      </p:sp>
+      <p:sp>
+        <p:nvSpPr>
+          <p:cNvPr id="6" name="Footer Placeholder 5"/>
+          <p:cNvSpPr>
+            <a:spLocks noGrp="1"/>
+          </p:cNvSpPr>
+          <p:nvPr>
+            <p:ph type="ftr" sz="quarter" idx="11"/>
+          </p:nvPr>
+        </p:nvSpPr>
+        <p:spPr/>
+        <p:txBody>
+          <a:bodyPr/>
+          <a:lstStyle/>
+          <a:p>
+            <a:endParaRPr lang="en-US"/>
+          </a:p>
+        </p:txBody>
+      </p:sp>
+      <p:sp>
+        <p:nvSpPr>
+          <p:cNvPr id="7" name="Slide Number Placeholder 6"/>
+          <p:cNvSpPr>
+            <a:spLocks noGrp="1"/>
+          </p:cNvSpPr>
+          <p:nvPr>
+            <p:ph type="sldNum" sz="quarter" idx="12"/>
+          </p:nvPr>
+        </p:nvSpPr>
+        <p:spPr/>
+        <p:txBody>
+          <a:bodyPr/>
+          <a:lstStyle/>
+          <a:p>
+            <a:fld id="{085031BE-66DF-4239-8715-85892B3646D5}" type="slidenum">
+              <a:rPr lang="en-US" smtClean="0"/>
+              <a:t>‹#›</a:t>
+            </a:fld>
+            <a:endParaRPr lang="en-US"/>
+          </a:p>
+        </p:txBody>
+      </p:sp>
+    </p:spTree>
+    <p:extLst>
+      <p:ext uri="{BB962C8B-B14F-4D97-AF65-F5344CB8AC3E}">
+        <p14:creationId xmlns:p14="http://schemas.microsoft.com/office/powerpoint/2010/main" val="1915094867"/>
+      </p:ext>
+    </p:extLst>
+  </p:cSld>
+  <p:clrMapOvr>
+    <a:masterClrMapping/>
+  </p:clrMapOvr>
+</p:sldLayout>
+</file>
+
+<file path=ppt/slideLayouts/slideLayout11.xml><?xml version="1.0" encoding="utf-8"?>
+<p:sldLayout xmlns:a="http://schemas.openxmlformats.org/drawingml/2006/main" xmlns:r="http://schemas.openxmlformats.org/officeDocument/2006/relationships" xmlns:p="http://schemas.openxmlformats.org/presentationml/2006/main" preserve="1">
+  <p:cSld name="Title and Caption">
+    <p:spTree>
+      <p:nvGrpSpPr>
+        <p:cNvPr id="1" name=""/>
+        <p:cNvGrpSpPr/>
+        <p:nvPr/>
+      </p:nvGrpSpPr>
+      <p:grpSpPr>
+        <a:xfrm>
+          <a:off x="0" y="0"/>
+          <a:ext cx="0" cy="0"/>
+          <a:chOff x="0" y="0"/>
+          <a:chExt cx="0" cy="0"/>
+        </a:xfrm>
+      </p:grpSpPr>
+      <p:sp>
+        <p:nvSpPr>
+          <p:cNvPr id="2" name="Title 1"/>
+          <p:cNvSpPr>
+            <a:spLocks noGrp="1"/>
+          </p:cNvSpPr>
+          <p:nvPr>
+            <p:ph type="title"/>
+          </p:nvPr>
+        </p:nvSpPr>
+        <p:spPr>
+          <a:xfrm>
+            <a:off x="1154954" y="1447800"/>
+            <a:ext cx="8825659" cy="1981200"/>
+          </a:xfrm>
+        </p:spPr>
+        <p:txBody>
+          <a:bodyPr/>
+          <a:lstStyle>
+            <a:lvl1pPr>
+              <a:defRPr sz="4800"/>
+            </a:lvl1pPr>
+          </a:lstStyle>
+          <a:p>
+            <a:r>
+              <a:rPr lang="en-US"/>
+              <a:t>Click to edit Master title style</a:t>
+            </a:r>
+            <a:endParaRPr lang="en-US" dirty="0"/>
+          </a:p>
+        </p:txBody>
+      </p:sp>
+      <p:sp>
+        <p:nvSpPr>
+          <p:cNvPr id="8" name="Text Placeholder 3"/>
+          <p:cNvSpPr>
+            <a:spLocks noGrp="1"/>
+          </p:cNvSpPr>
+          <p:nvPr>
+            <p:ph type="body" sz="half" idx="2"/>
+          </p:nvPr>
+        </p:nvSpPr>
+        <p:spPr>
+          <a:xfrm>
+            <a:off x="1154954" y="3657600"/>
+            <a:ext cx="8825659" cy="2362200"/>
+          </a:xfrm>
+        </p:spPr>
+        <p:txBody>
+          <a:bodyPr anchor="ctr">
+            <a:normAutofit/>
+          </a:bodyPr>
+          <a:lstStyle>
+            <a:lvl1pPr marL="0" indent="0">
+              <a:buNone/>
+              <a:defRPr sz="1800"/>
+            </a:lvl1pPr>
+            <a:lvl2pPr marL="457200" indent="0">
+              <a:buNone/>
+              <a:defRPr sz="1200"/>
+            </a:lvl2pPr>
+            <a:lvl3pPr marL="914400" indent="0">
+              <a:buNone/>
+              <a:defRPr sz="1000"/>
+            </a:lvl3pPr>
+            <a:lvl4pPr marL="1371600" indent="0">
+              <a:buNone/>
+              <a:defRPr sz="900"/>
+            </a:lvl4pPr>
+            <a:lvl5pPr marL="1828800" indent="0">
+              <a:buNone/>
+              <a:defRPr sz="900"/>
+            </a:lvl5pPr>
+            <a:lvl6pPr marL="2286000" indent="0">
+              <a:buNone/>
+              <a:defRPr sz="900"/>
+            </a:lvl6pPr>
+            <a:lvl7pPr marL="2743200" indent="0">
+              <a:buNone/>
+              <a:defRPr sz="900"/>
+            </a:lvl7pPr>
+            <a:lvl8pPr marL="3200400" indent="0">
+              <a:buNone/>
+              <a:defRPr sz="900"/>
+            </a:lvl8pPr>
+            <a:lvl9pPr marL="3657600" indent="0">
+              <a:buNone/>
+              <a:defRPr sz="900"/>
+            </a:lvl9pPr>
+          </a:lstStyle>
+          <a:p>
+            <a:pPr lvl="0"/>
+            <a:r>
+              <a:rPr lang="en-US"/>
+              <a:t>Click to edit Master text styles</a:t>
+            </a:r>
+          </a:p>
+        </p:txBody>
+      </p:sp>
+      <p:sp>
+        <p:nvSpPr>
+          <p:cNvPr id="4" name="Date Placeholder 3"/>
+          <p:cNvSpPr>
+            <a:spLocks noGrp="1"/>
+          </p:cNvSpPr>
+          <p:nvPr>
+            <p:ph type="dt" sz="half" idx="10"/>
+          </p:nvPr>
+        </p:nvSpPr>
+        <p:spPr/>
+        <p:txBody>
+          <a:bodyPr/>
+          <a:lstStyle/>
+          <a:p>
+            <a:fld id="{E36813AB-CC3A-4F77-A52E-D5F44D60AF1B}" type="datetimeFigureOut">
+              <a:rPr lang="en-US" smtClean="0"/>
+              <a:t>4/11/2019</a:t>
+            </a:fld>
+            <a:endParaRPr lang="en-US"/>
+          </a:p>
+        </p:txBody>
+      </p:sp>
+      <p:sp>
+        <p:nvSpPr>
+          <p:cNvPr id="5" name="Footer Placeholder 4"/>
+          <p:cNvSpPr>
+            <a:spLocks noGrp="1"/>
+          </p:cNvSpPr>
+          <p:nvPr>
+            <p:ph type="ftr" sz="quarter" idx="11"/>
+          </p:nvPr>
+        </p:nvSpPr>
+        <p:spPr/>
+        <p:txBody>
+          <a:bodyPr/>
+          <a:lstStyle/>
+          <a:p>
+            <a:endParaRPr lang="en-US"/>
+          </a:p>
+        </p:txBody>
+      </p:sp>
+      <p:sp>
+        <p:nvSpPr>
+          <p:cNvPr id="6" name="Slide Number Placeholder 5"/>
+          <p:cNvSpPr>
+            <a:spLocks noGrp="1"/>
+          </p:cNvSpPr>
+          <p:nvPr>
+            <p:ph type="sldNum" sz="quarter" idx="12"/>
+          </p:nvPr>
+        </p:nvSpPr>
+        <p:spPr/>
+        <p:txBody>
+          <a:bodyPr/>
+          <a:lstStyle/>
+          <a:p>
+            <a:fld id="{085031BE-66DF-4239-8715-85892B3646D5}" type="slidenum">
+              <a:rPr lang="en-US" smtClean="0"/>
+              <a:t>‹#›</a:t>
+            </a:fld>
+            <a:endParaRPr lang="en-US"/>
+          </a:p>
+        </p:txBody>
+      </p:sp>
+    </p:spTree>
+    <p:extLst>
+      <p:ext uri="{BB962C8B-B14F-4D97-AF65-F5344CB8AC3E}">
+        <p14:creationId xmlns:p14="http://schemas.microsoft.com/office/powerpoint/2010/main" val="32467491"/>
+      </p:ext>
+    </p:extLst>
+  </p:cSld>
+  <p:clrMapOvr>
+    <a:masterClrMapping/>
+  </p:clrMapOvr>
+</p:sldLayout>
+</file>
+
+<file path=ppt/slideLayouts/slideLayout12.xml><?xml version="1.0" encoding="utf-8"?>
+<p:sldLayout xmlns:a="http://schemas.openxmlformats.org/drawingml/2006/main" xmlns:r="http://schemas.openxmlformats.org/officeDocument/2006/relationships" xmlns:p="http://schemas.openxmlformats.org/presentationml/2006/main" preserve="1">
+  <p:cSld name="Quote with Caption">
+    <p:spTree>
+      <p:nvGrpSpPr>
+        <p:cNvPr id="1" name=""/>
+        <p:cNvGrpSpPr/>
+        <p:nvPr/>
+      </p:nvGrpSpPr>
+      <p:grpSpPr>
+        <a:xfrm>
+          <a:off x="0" y="0"/>
+          <a:ext cx="0" cy="0"/>
+          <a:chOff x="0" y="0"/>
+          <a:chExt cx="0" cy="0"/>
+        </a:xfrm>
+      </p:grpSpPr>
+      <p:sp>
+        <p:nvSpPr>
+          <p:cNvPr id="2" name="Title 1"/>
+          <p:cNvSpPr>
+            <a:spLocks noGrp="1"/>
+          </p:cNvSpPr>
+          <p:nvPr>
+            <p:ph type="title"/>
+          </p:nvPr>
+        </p:nvSpPr>
+        <p:spPr>
+          <a:xfrm>
+            <a:off x="1574801" y="1447800"/>
+            <a:ext cx="7999315" cy="2323374"/>
+          </a:xfrm>
+        </p:spPr>
+        <p:txBody>
+          <a:bodyPr/>
+          <a:lstStyle>
+            <a:lvl1pPr>
+              <a:defRPr sz="4800"/>
+            </a:lvl1pPr>
+          </a:lstStyle>
+          <a:p>
+            <a:r>
+              <a:rPr lang="en-US"/>
+              <a:t>Click to edit Master title style</a:t>
+            </a:r>
+            <a:endParaRPr lang="en-US" dirty="0"/>
+          </a:p>
+        </p:txBody>
+      </p:sp>
+      <p:sp>
+        <p:nvSpPr>
+          <p:cNvPr id="11" name="Text Placeholder 3"/>
+          <p:cNvSpPr>
+            <a:spLocks noGrp="1"/>
+          </p:cNvSpPr>
+          <p:nvPr>
+            <p:ph type="body" sz="half" idx="14"/>
+          </p:nvPr>
+        </p:nvSpPr>
+        <p:spPr>
+          <a:xfrm>
+            <a:off x="1930400" y="3771174"/>
+            <a:ext cx="7279649" cy="342174"/>
+          </a:xfrm>
+        </p:spPr>
+        <p:txBody>
+          <a:bodyPr vert="horz" lIns="91440" tIns="45720" rIns="91440" bIns="45720" rtlCol="0" anchor="t">
+            <a:normAutofit/>
+          </a:bodyPr>
+          <a:lstStyle>
+            <a:lvl1pPr marL="0" indent="0">
+              <a:buNone/>
+              <a:defRPr lang="en-US" sz="1400" b="0" i="0" kern="1200" cap="small" dirty="0">
+                <a:solidFill>
+                  <a:schemeClr val="bg2">
+                    <a:lumMod val="40000"/>
+                    <a:lumOff val="60000"/>
+                  </a:schemeClr>
+                </a:solidFill>
+                <a:latin typeface="+mj-lt"/>
+                <a:ea typeface="+mj-ea"/>
+                <a:cs typeface="+mj-cs"/>
+              </a:defRPr>
+            </a:lvl1pPr>
+            <a:lvl2pPr marL="457200" indent="0">
+              <a:buNone/>
+              <a:defRPr sz="1200"/>
+            </a:lvl2pPr>
+            <a:lvl3pPr marL="914400" indent="0">
+              <a:buNone/>
+              <a:defRPr sz="1000"/>
+            </a:lvl3pPr>
+            <a:lvl4pPr marL="1371600" indent="0">
+              <a:buNone/>
+              <a:defRPr sz="900"/>
+            </a:lvl4pPr>
+            <a:lvl5pPr marL="1828800" indent="0">
+              <a:buNone/>
+              <a:defRPr sz="900"/>
+            </a:lvl5pPr>
+            <a:lvl6pPr marL="2286000" indent="0">
+              <a:buNone/>
+              <a:defRPr sz="900"/>
+            </a:lvl6pPr>
+            <a:lvl7pPr marL="2743200" indent="0">
+              <a:buNone/>
+              <a:defRPr sz="900"/>
+            </a:lvl7pPr>
+            <a:lvl8pPr marL="3200400" indent="0">
+              <a:buNone/>
+              <a:defRPr sz="900"/>
+            </a:lvl8pPr>
+            <a:lvl9pPr marL="3657600" indent="0">
+              <a:buNone/>
+              <a:defRPr sz="900"/>
+            </a:lvl9pPr>
+          </a:lstStyle>
+          <a:p>
+            <a:pPr marL="0" lvl="0" indent="0">
+              <a:buNone/>
+            </a:pPr>
+            <a:r>
+              <a:rPr lang="en-US"/>
+              <a:t>Click to edit Master text styles</a:t>
+            </a:r>
+          </a:p>
+        </p:txBody>
+      </p:sp>
+      <p:sp>
+        <p:nvSpPr>
+          <p:cNvPr id="10" name="Text Placeholder 3"/>
+          <p:cNvSpPr>
+            <a:spLocks noGrp="1"/>
+          </p:cNvSpPr>
+          <p:nvPr>
+            <p:ph type="body" sz="half" idx="2"/>
+          </p:nvPr>
+        </p:nvSpPr>
+        <p:spPr>
+          <a:xfrm>
+            <a:off x="1154954" y="4350657"/>
+            <a:ext cx="8825659" cy="1676400"/>
+          </a:xfrm>
+        </p:spPr>
+        <p:txBody>
+          <a:bodyPr anchor="ctr">
+            <a:normAutofit/>
+          </a:bodyPr>
+          <a:lstStyle>
+            <a:lvl1pPr marL="0" indent="0">
+              <a:buNone/>
+              <a:defRPr sz="1800"/>
+            </a:lvl1pPr>
+            <a:lvl2pPr marL="457200" indent="0">
+              <a:buNone/>
+              <a:defRPr sz="1200"/>
+            </a:lvl2pPr>
+            <a:lvl3pPr marL="914400" indent="0">
+              <a:buNone/>
+              <a:defRPr sz="1000"/>
+            </a:lvl3pPr>
+            <a:lvl4pPr marL="1371600" indent="0">
+              <a:buNone/>
+              <a:defRPr sz="900"/>
+            </a:lvl4pPr>
+            <a:lvl5pPr marL="1828800" indent="0">
+              <a:buNone/>
+              <a:defRPr sz="900"/>
+            </a:lvl5pPr>
+            <a:lvl6pPr marL="2286000" indent="0">
+              <a:buNone/>
+              <a:defRPr sz="900"/>
+            </a:lvl6pPr>
+            <a:lvl7pPr marL="2743200" indent="0">
+              <a:buNone/>
+              <a:defRPr sz="900"/>
+            </a:lvl7pPr>
+            <a:lvl8pPr marL="3200400" indent="0">
+              <a:buNone/>
+              <a:defRPr sz="900"/>
+            </a:lvl8pPr>
+            <a:lvl9pPr marL="3657600" indent="0">
+              <a:buNone/>
+              <a:defRPr sz="900"/>
+            </a:lvl9pPr>
+          </a:lstStyle>
+          <a:p>
+            <a:pPr lvl="0"/>
+            <a:r>
+              <a:rPr lang="en-US"/>
+              <a:t>Click to edit Master text styles</a:t>
+            </a:r>
+          </a:p>
+        </p:txBody>
+      </p:sp>
+      <p:sp>
+        <p:nvSpPr>
+          <p:cNvPr id="4" name="Date Placeholder 3"/>
+          <p:cNvSpPr>
+            <a:spLocks noGrp="1"/>
+          </p:cNvSpPr>
+          <p:nvPr>
+            <p:ph type="dt" sz="half" idx="10"/>
+          </p:nvPr>
+        </p:nvSpPr>
+        <p:spPr/>
+        <p:txBody>
+          <a:bodyPr/>
+          <a:lstStyle/>
+          <a:p>
+            <a:fld id="{E36813AB-CC3A-4F77-A52E-D5F44D60AF1B}" type="datetimeFigureOut">
+              <a:rPr lang="en-US" smtClean="0"/>
+              <a:t>4/11/2019</a:t>
+            </a:fld>
+            <a:endParaRPr lang="en-US"/>
+          </a:p>
+        </p:txBody>
+      </p:sp>
+      <p:sp>
+        <p:nvSpPr>
+          <p:cNvPr id="5" name="Footer Placeholder 4"/>
+          <p:cNvSpPr>
+            <a:spLocks noGrp="1"/>
+          </p:cNvSpPr>
+          <p:nvPr>
+            <p:ph type="ftr" sz="quarter" idx="11"/>
+          </p:nvPr>
+        </p:nvSpPr>
+        <p:spPr/>
+        <p:txBody>
+          <a:bodyPr/>
+          <a:lstStyle/>
+          <a:p>
+            <a:endParaRPr lang="en-US"/>
+          </a:p>
+        </p:txBody>
+      </p:sp>
+      <p:sp>
+        <p:nvSpPr>
+          <p:cNvPr id="6" name="Slide Number Placeholder 5"/>
+          <p:cNvSpPr>
+            <a:spLocks noGrp="1"/>
+          </p:cNvSpPr>
+          <p:nvPr>
+            <p:ph type="sldNum" sz="quarter" idx="12"/>
+          </p:nvPr>
+        </p:nvSpPr>
+        <p:spPr/>
+        <p:txBody>
+          <a:bodyPr/>
+          <a:lstStyle/>
+          <a:p>
+            <a:fld id="{085031BE-66DF-4239-8715-85892B3646D5}" type="slidenum">
+              <a:rPr lang="en-US" smtClean="0"/>
+              <a:t>‹#›</a:t>
+            </a:fld>
+            <a:endParaRPr lang="en-US"/>
+          </a:p>
+        </p:txBody>
+      </p:sp>
+      <p:sp>
+        <p:nvSpPr>
+          <p:cNvPr id="12" name="TextBox 11"/>
+          <p:cNvSpPr txBox="1"/>
+          <p:nvPr/>
+        </p:nvSpPr>
+        <p:spPr>
+          <a:xfrm>
+            <a:off x="898295" y="971253"/>
+            <a:ext cx="801912" cy="1969770"/>
+          </a:xfrm>
+          <a:prstGeom prst="rect">
+            <a:avLst/>
+          </a:prstGeom>
+          <a:noFill/>
+        </p:spPr>
+        <p:txBody>
+          <a:bodyPr wrap="square" rtlCol="0">
+            <a:spAutoFit/>
+          </a:bodyPr>
+          <a:lstStyle>
+            <a:defPPr>
+              <a:defRPr lang="en-US"/>
+            </a:defPPr>
+            <a:lvl1pPr algn="r">
+              <a:defRPr sz="12200" b="0" i="0">
+                <a:solidFill>
+                  <a:schemeClr val="bg2">
+                    <a:lumMod val="40000"/>
+                    <a:lumOff val="60000"/>
+                  </a:schemeClr>
+                </a:solidFill>
+                <a:latin typeface="Arial"/>
+                <a:ea typeface="+mj-ea"/>
+                <a:cs typeface="+mj-cs"/>
+              </a:defRPr>
+            </a:lvl1pPr>
+          </a:lstStyle>
+          <a:p>
+            <a:pPr lvl="0"/>
+            <a:r>
+              <a:rPr lang="en-US" dirty="0"/>
+              <a:t>“</a:t>
+            </a:r>
+          </a:p>
+        </p:txBody>
+      </p:sp>
+      <p:sp>
+        <p:nvSpPr>
+          <p:cNvPr id="15" name="TextBox 14"/>
+          <p:cNvSpPr txBox="1"/>
+          <p:nvPr/>
+        </p:nvSpPr>
+        <p:spPr>
+          <a:xfrm>
+            <a:off x="9330490" y="2613787"/>
+            <a:ext cx="801912" cy="1969770"/>
+          </a:xfrm>
+          <a:prstGeom prst="rect">
+            <a:avLst/>
+          </a:prstGeom>
+          <a:noFill/>
+        </p:spPr>
+        <p:txBody>
+          <a:bodyPr wrap="square" rtlCol="0">
+            <a:spAutoFit/>
+          </a:bodyPr>
+          <a:lstStyle>
+            <a:defPPr>
+              <a:defRPr lang="en-US"/>
+            </a:defPPr>
+            <a:lvl1pPr algn="r">
+              <a:defRPr sz="12200" b="0" i="0">
+                <a:solidFill>
+                  <a:schemeClr val="bg2">
+                    <a:lumMod val="40000"/>
+                    <a:lumOff val="60000"/>
+                  </a:schemeClr>
+                </a:solidFill>
+                <a:latin typeface="Arial"/>
+                <a:ea typeface="+mj-ea"/>
+                <a:cs typeface="+mj-cs"/>
+              </a:defRPr>
+            </a:lvl1pPr>
+          </a:lstStyle>
+          <a:p>
+            <a:pPr lvl="0"/>
+            <a:r>
+              <a:rPr lang="en-US" dirty="0"/>
+              <a:t>”</a:t>
+            </a:r>
+          </a:p>
+        </p:txBody>
+      </p:sp>
+    </p:spTree>
+    <p:extLst>
+      <p:ext uri="{BB962C8B-B14F-4D97-AF65-F5344CB8AC3E}">
+        <p14:creationId xmlns:p14="http://schemas.microsoft.com/office/powerpoint/2010/main" val="1921499273"/>
+      </p:ext>
+    </p:extLst>
+  </p:cSld>
+  <p:clrMapOvr>
+    <a:masterClrMapping/>
+  </p:clrMapOvr>
+</p:sldLayout>
+</file>
+
+<file path=ppt/slideLayouts/slideLayout13.xml><?xml version="1.0" encoding="utf-8"?>
+<p:sldLayout xmlns:a="http://schemas.openxmlformats.org/drawingml/2006/main" xmlns:r="http://schemas.openxmlformats.org/officeDocument/2006/relationships" xmlns:p="http://schemas.openxmlformats.org/presentationml/2006/main" preserve="1">
+  <p:cSld name="Name Card">
+    <p:spTree>
+      <p:nvGrpSpPr>
+        <p:cNvPr id="1" name=""/>
+        <p:cNvGrpSpPr/>
+        <p:nvPr/>
+      </p:nvGrpSpPr>
+      <p:grpSpPr>
+        <a:xfrm>
+          <a:off x="0" y="0"/>
+          <a:ext cx="0" cy="0"/>
+          <a:chOff x="0" y="0"/>
+          <a:chExt cx="0" cy="0"/>
+        </a:xfrm>
+      </p:grpSpPr>
+      <p:sp>
+        <p:nvSpPr>
+          <p:cNvPr id="2" name="Title 1"/>
+          <p:cNvSpPr>
+            <a:spLocks noGrp="1"/>
+          </p:cNvSpPr>
+          <p:nvPr>
+            <p:ph type="title"/>
+          </p:nvPr>
+        </p:nvSpPr>
+        <p:spPr>
+          <a:xfrm>
+            <a:off x="1154954" y="3124201"/>
+            <a:ext cx="8825660" cy="1653180"/>
+          </a:xfrm>
+        </p:spPr>
+        <p:txBody>
+          <a:bodyPr anchor="b"/>
+          <a:lstStyle>
+            <a:lvl1pPr algn="l">
+              <a:defRPr sz="4000" b="0" cap="none"/>
+            </a:lvl1pPr>
+          </a:lstStyle>
+          <a:p>
+            <a:r>
+              <a:rPr lang="en-US"/>
+              <a:t>Click to edit Master title style</a:t>
+            </a:r>
+            <a:endParaRPr lang="en-US" dirty="0"/>
+          </a:p>
+        </p:txBody>
+      </p:sp>
+      <p:sp>
+        <p:nvSpPr>
+          <p:cNvPr id="3" name="Text Placeholder 2"/>
+          <p:cNvSpPr>
+            <a:spLocks noGrp="1"/>
+          </p:cNvSpPr>
+          <p:nvPr>
+            <p:ph type="body" idx="1"/>
+          </p:nvPr>
+        </p:nvSpPr>
+        <p:spPr>
+          <a:xfrm>
+            <a:off x="1154954" y="4777381"/>
+            <a:ext cx="8825659" cy="860400"/>
+          </a:xfrm>
+        </p:spPr>
+        <p:txBody>
+          <a:bodyPr anchor="t"/>
+          <a:lstStyle>
+            <a:lvl1pPr marL="0" indent="0" algn="l">
+              <a:buNone/>
+              <a:defRPr sz="2000" cap="none">
+                <a:solidFill>
+                  <a:schemeClr val="bg2">
+                    <a:lumMod val="40000"/>
+                    <a:lumOff val="60000"/>
+                  </a:schemeClr>
+                </a:solidFill>
+              </a:defRPr>
+            </a:lvl1pPr>
+            <a:lvl2pPr marL="457200" indent="0">
+              <a:buNone/>
+              <a:defRPr sz="1800">
+                <a:solidFill>
+                  <a:schemeClr val="tx1">
+                    <a:tint val="75000"/>
+                  </a:schemeClr>
+                </a:solidFill>
+              </a:defRPr>
+            </a:lvl2pPr>
+            <a:lvl3pPr marL="914400" indent="0">
+              <a:buNone/>
+              <a:defRPr sz="1600">
+                <a:solidFill>
+                  <a:schemeClr val="tx1">
+                    <a:tint val="75000"/>
+                  </a:schemeClr>
+                </a:solidFill>
+              </a:defRPr>
+            </a:lvl3pPr>
+            <a:lvl4pPr marL="1371600" indent="0">
+              <a:buNone/>
+              <a:defRPr sz="1400">
+                <a:solidFill>
+                  <a:schemeClr val="tx1">
+                    <a:tint val="75000"/>
+                  </a:schemeClr>
+                </a:solidFill>
+              </a:defRPr>
+            </a:lvl4pPr>
+            <a:lvl5pPr marL="1828800" indent="0">
+              <a:buNone/>
+              <a:defRPr sz="1400">
+                <a:solidFill>
+                  <a:schemeClr val="tx1">
+                    <a:tint val="75000"/>
+                  </a:schemeClr>
+                </a:solidFill>
+              </a:defRPr>
+            </a:lvl5pPr>
+            <a:lvl6pPr marL="2286000" indent="0">
+              <a:buNone/>
+              <a:defRPr sz="1400">
+                <a:solidFill>
+                  <a:schemeClr val="tx1">
+                    <a:tint val="75000"/>
+                  </a:schemeClr>
+                </a:solidFill>
+              </a:defRPr>
+            </a:lvl6pPr>
+            <a:lvl7pPr marL="2743200" indent="0">
+              <a:buNone/>
+              <a:defRPr sz="1400">
+                <a:solidFill>
+                  <a:schemeClr val="tx1">
+                    <a:tint val="75000"/>
+                  </a:schemeClr>
+                </a:solidFill>
+              </a:defRPr>
+            </a:lvl7pPr>
+            <a:lvl8pPr marL="3200400" indent="0">
+              <a:buNone/>
+              <a:defRPr sz="1400">
+                <a:solidFill>
+                  <a:schemeClr val="tx1">
+                    <a:tint val="75000"/>
+                  </a:schemeClr>
+                </a:solidFill>
+              </a:defRPr>
+            </a:lvl8pPr>
+            <a:lvl9pPr marL="3657600" indent="0">
+              <a:buNone/>
+              <a:defRPr sz="1400">
+                <a:solidFill>
+                  <a:schemeClr val="tx1">
+                    <a:tint val="75000"/>
+                  </a:schemeClr>
+                </a:solidFill>
+              </a:defRPr>
+            </a:lvl9pPr>
+          </a:lstStyle>
+          <a:p>
+            <a:pPr lvl="0"/>
+            <a:r>
+              <a:rPr lang="en-US"/>
+              <a:t>Click to edit Master text styles</a:t>
+            </a:r>
+          </a:p>
+        </p:txBody>
+      </p:sp>
+      <p:sp>
+        <p:nvSpPr>
+          <p:cNvPr id="4" name="Date Placeholder 3"/>
+          <p:cNvSpPr>
+            <a:spLocks noGrp="1"/>
+          </p:cNvSpPr>
+          <p:nvPr>
+            <p:ph type="dt" sz="half" idx="10"/>
+          </p:nvPr>
+        </p:nvSpPr>
+        <p:spPr/>
+        <p:txBody>
+          <a:bodyPr/>
+          <a:lstStyle/>
+          <a:p>
+            <a:fld id="{E36813AB-CC3A-4F77-A52E-D5F44D60AF1B}" type="datetimeFigureOut">
+              <a:rPr lang="en-US" smtClean="0"/>
+              <a:t>4/11/2019</a:t>
+            </a:fld>
+            <a:endParaRPr lang="en-US"/>
+          </a:p>
+        </p:txBody>
+      </p:sp>
+      <p:sp>
+        <p:nvSpPr>
+          <p:cNvPr id="5" name="Footer Placeholder 4"/>
+          <p:cNvSpPr>
+            <a:spLocks noGrp="1"/>
+          </p:cNvSpPr>
+          <p:nvPr>
+            <p:ph type="ftr" sz="quarter" idx="11"/>
+          </p:nvPr>
+        </p:nvSpPr>
+        <p:spPr/>
+        <p:txBody>
+          <a:bodyPr/>
+          <a:lstStyle/>
+          <a:p>
+            <a:endParaRPr lang="en-US"/>
+          </a:p>
+        </p:txBody>
+      </p:sp>
+      <p:sp>
+        <p:nvSpPr>
+          <p:cNvPr id="6" name="Slide Number Placeholder 5"/>
+          <p:cNvSpPr>
+            <a:spLocks noGrp="1"/>
+          </p:cNvSpPr>
+          <p:nvPr>
+            <p:ph type="sldNum" sz="quarter" idx="12"/>
+          </p:nvPr>
+        </p:nvSpPr>
+        <p:spPr/>
+        <p:txBody>
+          <a:bodyPr/>
+          <a:lstStyle/>
+          <a:p>
+            <a:fld id="{085031BE-66DF-4239-8715-85892B3646D5}" type="slidenum">
+              <a:rPr lang="en-US" smtClean="0"/>
+              <a:t>‹#›</a:t>
+            </a:fld>
+            <a:endParaRPr lang="en-US"/>
+          </a:p>
+        </p:txBody>
+      </p:sp>
+    </p:spTree>
+    <p:extLst>
+      <p:ext uri="{BB962C8B-B14F-4D97-AF65-F5344CB8AC3E}">
+        <p14:creationId xmlns:p14="http://schemas.microsoft.com/office/powerpoint/2010/main" val="686453244"/>
+      </p:ext>
+    </p:extLst>
+  </p:cSld>
+  <p:clrMapOvr>
+    <a:masterClrMapping/>
+  </p:clrMapOvr>
+</p:sldLayout>
+</file>
+
+<file path=ppt/slideLayouts/slideLayout14.xml><?xml version="1.0" encoding="utf-8"?>
+<p:sldLayout xmlns:a="http://schemas.openxmlformats.org/drawingml/2006/main" xmlns:r="http://schemas.openxmlformats.org/officeDocument/2006/relationships" xmlns:p="http://schemas.openxmlformats.org/presentationml/2006/main" preserve="1">
+  <p:cSld name="3 Column">
+    <p:spTree>
+      <p:nvGrpSpPr>
+        <p:cNvPr id="1" name=""/>
+        <p:cNvGrpSpPr/>
+        <p:nvPr/>
+      </p:nvGrpSpPr>
+      <p:grpSpPr>
+        <a:xfrm>
+          <a:off x="0" y="0"/>
+          <a:ext cx="0" cy="0"/>
+          <a:chOff x="0" y="0"/>
+          <a:chExt cx="0" cy="0"/>
+        </a:xfrm>
+      </p:grpSpPr>
+      <p:sp>
+        <p:nvSpPr>
+          <p:cNvPr id="2" name="Title 1"/>
+          <p:cNvSpPr>
+            <a:spLocks noGrp="1"/>
+          </p:cNvSpPr>
+          <p:nvPr>
+            <p:ph type="title"/>
+          </p:nvPr>
+        </p:nvSpPr>
+        <p:spPr/>
+        <p:txBody>
+          <a:bodyPr/>
+          <a:lstStyle>
+            <a:lvl1pPr>
+              <a:defRPr sz="4200"/>
+            </a:lvl1pPr>
+          </a:lstStyle>
+          <a:p>
+            <a:r>
+              <a:rPr lang="en-US"/>
+              <a:t>Click to edit Master title style</a:t>
+            </a:r>
+            <a:endParaRPr lang="en-US" dirty="0"/>
+          </a:p>
+        </p:txBody>
+      </p:sp>
+      <p:sp>
+        <p:nvSpPr>
+          <p:cNvPr id="3" name="Text Placeholder 2"/>
+          <p:cNvSpPr>
+            <a:spLocks noGrp="1"/>
+          </p:cNvSpPr>
+          <p:nvPr>
+            <p:ph type="body" idx="1"/>
+          </p:nvPr>
+        </p:nvSpPr>
+        <p:spPr>
+          <a:xfrm>
+            <a:off x="632947" y="1981200"/>
+            <a:ext cx="2946866" cy="576262"/>
+          </a:xfrm>
+        </p:spPr>
+        <p:txBody>
+          <a:bodyPr anchor="b">
+            <a:noAutofit/>
+          </a:bodyPr>
+          <a:lstStyle>
+            <a:lvl1pPr marL="0" indent="0">
+              <a:buNone/>
+              <a:defRPr sz="2400" b="0">
+                <a:solidFill>
+                  <a:schemeClr val="bg2">
+                    <a:lumMod val="40000"/>
+                    <a:lumOff val="60000"/>
+                  </a:schemeClr>
+                </a:solidFill>
+              </a:defRPr>
+            </a:lvl1pPr>
+            <a:lvl2pPr marL="457200" indent="0">
+              <a:buNone/>
+              <a:defRPr sz="2000" b="1"/>
+            </a:lvl2pPr>
+            <a:lvl3pPr marL="914400" indent="0">
+              <a:buNone/>
+              <a:defRPr sz="1800" b="1"/>
+            </a:lvl3pPr>
+            <a:lvl4pPr marL="1371600" indent="0">
+              <a:buNone/>
+              <a:defRPr sz="1600" b="1"/>
+            </a:lvl4pPr>
+            <a:lvl5pPr marL="1828800" indent="0">
+              <a:buNone/>
+              <a:defRPr sz="1600" b="1"/>
+            </a:lvl5pPr>
+            <a:lvl6pPr marL="2286000" indent="0">
+              <a:buNone/>
+              <a:defRPr sz="1600" b="1"/>
+            </a:lvl6pPr>
+            <a:lvl7pPr marL="2743200" indent="0">
+              <a:buNone/>
+              <a:defRPr sz="1600" b="1"/>
+            </a:lvl7pPr>
+            <a:lvl8pPr marL="3200400" indent="0">
+              <a:buNone/>
+              <a:defRPr sz="1600" b="1"/>
+            </a:lvl8pPr>
+            <a:lvl9pPr marL="3657600" indent="0">
+              <a:buNone/>
+              <a:defRPr sz="1600" b="1"/>
+            </a:lvl9pPr>
+          </a:lstStyle>
+          <a:p>
+            <a:pPr lvl="0"/>
+            <a:r>
+              <a:rPr lang="en-US"/>
+              <a:t>Click to edit Master text styles</a:t>
+            </a:r>
+          </a:p>
+        </p:txBody>
+      </p:sp>
+      <p:sp>
+        <p:nvSpPr>
+          <p:cNvPr id="16" name="Text Placeholder 3"/>
+          <p:cNvSpPr>
+            <a:spLocks noGrp="1"/>
+          </p:cNvSpPr>
+          <p:nvPr>
+            <p:ph type="body" sz="half" idx="15"/>
+          </p:nvPr>
+        </p:nvSpPr>
+        <p:spPr>
+          <a:xfrm>
+            <a:off x="652463" y="2667000"/>
+            <a:ext cx="2927350" cy="3589338"/>
+          </a:xfrm>
+        </p:spPr>
+        <p:txBody>
+          <a:bodyPr anchor="t">
+            <a:normAutofit/>
+          </a:bodyPr>
+          <a:lstStyle>
+            <a:lvl1pPr marL="0" indent="0">
+              <a:buNone/>
+              <a:defRPr sz="1400"/>
+            </a:lvl1pPr>
+            <a:lvl2pPr marL="457200" indent="0">
+              <a:buNone/>
+              <a:defRPr sz="1200"/>
+            </a:lvl2pPr>
+            <a:lvl3pPr marL="914400" indent="0">
+              <a:buNone/>
+              <a:defRPr sz="1000"/>
+            </a:lvl3pPr>
+            <a:lvl4pPr marL="1371600" indent="0">
+              <a:buNone/>
+              <a:defRPr sz="900"/>
+            </a:lvl4pPr>
+            <a:lvl5pPr marL="1828800" indent="0">
+              <a:buNone/>
+              <a:defRPr sz="900"/>
+            </a:lvl5pPr>
+            <a:lvl6pPr marL="2286000" indent="0">
+              <a:buNone/>
+              <a:defRPr sz="900"/>
+            </a:lvl6pPr>
+            <a:lvl7pPr marL="2743200" indent="0">
+              <a:buNone/>
+              <a:defRPr sz="900"/>
+            </a:lvl7pPr>
+            <a:lvl8pPr marL="3200400" indent="0">
+              <a:buNone/>
+              <a:defRPr sz="900"/>
+            </a:lvl8pPr>
+            <a:lvl9pPr marL="3657600" indent="0">
+              <a:buNone/>
+              <a:defRPr sz="900"/>
+            </a:lvl9pPr>
+          </a:lstStyle>
+          <a:p>
+            <a:pPr lvl="0"/>
+            <a:r>
+              <a:rPr lang="en-US"/>
+              <a:t>Click to edit Master text styles</a:t>
+            </a:r>
+          </a:p>
+        </p:txBody>
+      </p:sp>
+      <p:sp>
+        <p:nvSpPr>
+          <p:cNvPr id="5" name="Text Placeholder 4"/>
+          <p:cNvSpPr>
+            <a:spLocks noGrp="1"/>
+          </p:cNvSpPr>
+          <p:nvPr>
+            <p:ph type="body" sz="quarter" idx="3"/>
+          </p:nvPr>
+        </p:nvSpPr>
+        <p:spPr>
+          <a:xfrm>
+            <a:off x="3883659" y="1981200"/>
+            <a:ext cx="2936241" cy="576262"/>
+          </a:xfrm>
+        </p:spPr>
+        <p:txBody>
+          <a:bodyPr anchor="b">
+            <a:noAutofit/>
+          </a:bodyPr>
+          <a:lstStyle>
+            <a:lvl1pPr marL="0" indent="0">
+              <a:buNone/>
+              <a:defRPr sz="2400" b="0">
+                <a:solidFill>
+                  <a:schemeClr val="bg2">
+                    <a:lumMod val="40000"/>
+                    <a:lumOff val="60000"/>
+                  </a:schemeClr>
+                </a:solidFill>
+              </a:defRPr>
+            </a:lvl1pPr>
+            <a:lvl2pPr marL="457200" indent="0">
+              <a:buNone/>
+              <a:defRPr sz="2000" b="1"/>
+            </a:lvl2pPr>
+            <a:lvl3pPr marL="914400" indent="0">
+              <a:buNone/>
+              <a:defRPr sz="1800" b="1"/>
+            </a:lvl3pPr>
+            <a:lvl4pPr marL="1371600" indent="0">
+              <a:buNone/>
+              <a:defRPr sz="1600" b="1"/>
+            </a:lvl4pPr>
+            <a:lvl5pPr marL="1828800" indent="0">
+              <a:buNone/>
+              <a:defRPr sz="1600" b="1"/>
+            </a:lvl5pPr>
+            <a:lvl6pPr marL="2286000" indent="0">
+              <a:buNone/>
+              <a:defRPr sz="1600" b="1"/>
+            </a:lvl6pPr>
+            <a:lvl7pPr marL="2743200" indent="0">
+              <a:buNone/>
+              <a:defRPr sz="1600" b="1"/>
+            </a:lvl7pPr>
+            <a:lvl8pPr marL="3200400" indent="0">
+              <a:buNone/>
+              <a:defRPr sz="1600" b="1"/>
+            </a:lvl8pPr>
+            <a:lvl9pPr marL="3657600" indent="0">
+              <a:buNone/>
+              <a:defRPr sz="1600" b="1"/>
+            </a:lvl9pPr>
+          </a:lstStyle>
+          <a:p>
+            <a:pPr lvl="0"/>
+            <a:r>
+              <a:rPr lang="en-US"/>
+              <a:t>Click to edit Master text styles</a:t>
+            </a:r>
+          </a:p>
+        </p:txBody>
+      </p:sp>
+      <p:sp>
+        <p:nvSpPr>
+          <p:cNvPr id="19" name="Text Placeholder 3"/>
+          <p:cNvSpPr>
+            <a:spLocks noGrp="1"/>
+          </p:cNvSpPr>
+          <p:nvPr>
+            <p:ph type="body" sz="half" idx="16"/>
+          </p:nvPr>
+        </p:nvSpPr>
+        <p:spPr>
+          <a:xfrm>
+            <a:off x="3873106" y="2667000"/>
+            <a:ext cx="2946794" cy="3589338"/>
+          </a:xfrm>
+        </p:spPr>
+        <p:txBody>
+          <a:bodyPr anchor="t">
+            <a:normAutofit/>
+          </a:bodyPr>
+          <a:lstStyle>
+            <a:lvl1pPr marL="0" indent="0">
+              <a:buNone/>
+              <a:defRPr sz="1400"/>
+            </a:lvl1pPr>
+            <a:lvl2pPr marL="457200" indent="0">
+              <a:buNone/>
+              <a:defRPr sz="1200"/>
+            </a:lvl2pPr>
+            <a:lvl3pPr marL="914400" indent="0">
+              <a:buNone/>
+              <a:defRPr sz="1000"/>
+            </a:lvl3pPr>
+            <a:lvl4pPr marL="1371600" indent="0">
+              <a:buNone/>
+              <a:defRPr sz="900"/>
+            </a:lvl4pPr>
+            <a:lvl5pPr marL="1828800" indent="0">
+              <a:buNone/>
+              <a:defRPr sz="900"/>
+            </a:lvl5pPr>
+            <a:lvl6pPr marL="2286000" indent="0">
+              <a:buNone/>
+              <a:defRPr sz="900"/>
+            </a:lvl6pPr>
+            <a:lvl7pPr marL="2743200" indent="0">
+              <a:buNone/>
+              <a:defRPr sz="900"/>
+            </a:lvl7pPr>
+            <a:lvl8pPr marL="3200400" indent="0">
+              <a:buNone/>
+              <a:defRPr sz="900"/>
+            </a:lvl8pPr>
+            <a:lvl9pPr marL="3657600" indent="0">
+              <a:buNone/>
+              <a:defRPr sz="900"/>
+            </a:lvl9pPr>
+          </a:lstStyle>
+          <a:p>
+            <a:pPr lvl="0"/>
+            <a:r>
+              <a:rPr lang="en-US"/>
+              <a:t>Click to edit Master text styles</a:t>
+            </a:r>
+          </a:p>
+        </p:txBody>
+      </p:sp>
+      <p:sp>
+        <p:nvSpPr>
+          <p:cNvPr id="14" name="Text Placeholder 4"/>
+          <p:cNvSpPr>
+            <a:spLocks noGrp="1"/>
+          </p:cNvSpPr>
+          <p:nvPr>
+            <p:ph type="body" sz="quarter" idx="13"/>
+          </p:nvPr>
+        </p:nvSpPr>
+        <p:spPr>
+          <a:xfrm>
+            <a:off x="7124700" y="1981200"/>
+            <a:ext cx="2932113" cy="576262"/>
+          </a:xfrm>
+        </p:spPr>
+        <p:txBody>
+          <a:bodyPr anchor="b">
+            <a:noAutofit/>
+          </a:bodyPr>
+          <a:lstStyle>
+            <a:lvl1pPr marL="0" indent="0">
+              <a:buNone/>
+              <a:defRPr sz="2400" b="0">
+                <a:solidFill>
+                  <a:schemeClr val="bg2">
+                    <a:lumMod val="40000"/>
+                    <a:lumOff val="60000"/>
+                  </a:schemeClr>
+                </a:solidFill>
+              </a:defRPr>
+            </a:lvl1pPr>
+            <a:lvl2pPr marL="457200" indent="0">
+              <a:buNone/>
+              <a:defRPr sz="2000" b="1"/>
+            </a:lvl2pPr>
+            <a:lvl3pPr marL="914400" indent="0">
+              <a:buNone/>
+              <a:defRPr sz="1800" b="1"/>
+            </a:lvl3pPr>
+            <a:lvl4pPr marL="1371600" indent="0">
+              <a:buNone/>
+              <a:defRPr sz="1600" b="1"/>
+            </a:lvl4pPr>
+            <a:lvl5pPr marL="1828800" indent="0">
+              <a:buNone/>
+              <a:defRPr sz="1600" b="1"/>
+            </a:lvl5pPr>
+            <a:lvl6pPr marL="2286000" indent="0">
+              <a:buNone/>
+              <a:defRPr sz="1600" b="1"/>
+            </a:lvl6pPr>
+            <a:lvl7pPr marL="2743200" indent="0">
+              <a:buNone/>
+              <a:defRPr sz="1600" b="1"/>
+            </a:lvl7pPr>
+            <a:lvl8pPr marL="3200400" indent="0">
+              <a:buNone/>
+              <a:defRPr sz="1600" b="1"/>
+            </a:lvl8pPr>
+            <a:lvl9pPr marL="3657600" indent="0">
+              <a:buNone/>
+              <a:defRPr sz="1600" b="1"/>
+            </a:lvl9pPr>
+          </a:lstStyle>
+          <a:p>
+            <a:pPr lvl="0"/>
+            <a:r>
+              <a:rPr lang="en-US"/>
+              <a:t>Click to edit Master text styles</a:t>
+            </a:r>
+          </a:p>
+        </p:txBody>
+      </p:sp>
+      <p:sp>
+        <p:nvSpPr>
+          <p:cNvPr id="20" name="Text Placeholder 3"/>
+          <p:cNvSpPr>
+            <a:spLocks noGrp="1"/>
+          </p:cNvSpPr>
+          <p:nvPr>
+            <p:ph type="body" sz="half" idx="17"/>
+          </p:nvPr>
+        </p:nvSpPr>
+        <p:spPr>
+          <a:xfrm>
+            <a:off x="7124700" y="2667000"/>
+            <a:ext cx="2932113" cy="3589338"/>
+          </a:xfrm>
+        </p:spPr>
+        <p:txBody>
+          <a:bodyPr anchor="t">
+            <a:normAutofit/>
+          </a:bodyPr>
+          <a:lstStyle>
+            <a:lvl1pPr marL="0" indent="0">
+              <a:buNone/>
+              <a:defRPr sz="1400"/>
+            </a:lvl1pPr>
+            <a:lvl2pPr marL="457200" indent="0">
+              <a:buNone/>
+              <a:defRPr sz="1200"/>
+            </a:lvl2pPr>
+            <a:lvl3pPr marL="914400" indent="0">
+              <a:buNone/>
+              <a:defRPr sz="1000"/>
+            </a:lvl3pPr>
+            <a:lvl4pPr marL="1371600" indent="0">
+              <a:buNone/>
+              <a:defRPr sz="900"/>
+            </a:lvl4pPr>
+            <a:lvl5pPr marL="1828800" indent="0">
+              <a:buNone/>
+              <a:defRPr sz="900"/>
+            </a:lvl5pPr>
+            <a:lvl6pPr marL="2286000" indent="0">
+              <a:buNone/>
+              <a:defRPr sz="900"/>
+            </a:lvl6pPr>
+            <a:lvl7pPr marL="2743200" indent="0">
+              <a:buNone/>
+              <a:defRPr sz="900"/>
+            </a:lvl7pPr>
+            <a:lvl8pPr marL="3200400" indent="0">
+              <a:buNone/>
+              <a:defRPr sz="900"/>
+            </a:lvl8pPr>
+            <a:lvl9pPr marL="3657600" indent="0">
+              <a:buNone/>
+              <a:defRPr sz="900"/>
+            </a:lvl9pPr>
+          </a:lstStyle>
+          <a:p>
+            <a:pPr lvl="0"/>
+            <a:r>
+              <a:rPr lang="en-US"/>
+              <a:t>Click to edit Master text styles</a:t>
+            </a:r>
+          </a:p>
+        </p:txBody>
+      </p:sp>
+      <p:cxnSp>
+        <p:nvCxnSpPr>
+          <p:cNvPr id="17" name="Straight Connector 16"/>
+          <p:cNvCxnSpPr/>
+          <p:nvPr/>
+        </p:nvCxnSpPr>
+        <p:spPr>
+          <a:xfrm>
+            <a:off x="3726142" y="2133600"/>
+            <a:ext cx="0" cy="3962400"/>
+          </a:xfrm>
+          <a:prstGeom prst="line">
+            <a:avLst/>
+          </a:prstGeom>
+          <a:ln w="12700" cmpd="sng">
+            <a:solidFill>
+              <a:schemeClr val="bg2">
+                <a:lumMod val="40000"/>
+                <a:lumOff val="60000"/>
+                <a:alpha val="40000"/>
+              </a:schemeClr>
+            </a:solidFill>
+          </a:ln>
+        </p:spPr>
+        <p:style>
+          <a:lnRef idx="2">
+            <a:schemeClr val="accent1"/>
+          </a:lnRef>
+          <a:fillRef idx="0">
+            <a:schemeClr val="accent1"/>
+          </a:fillRef>
+          <a:effectRef idx="1">
+            <a:schemeClr val="accent1"/>
+          </a:effectRef>
+          <a:fontRef idx="minor">
+            <a:schemeClr val="tx1"/>
+          </a:fontRef>
+        </p:style>
+      </p:cxnSp>
+      <p:cxnSp>
+        <p:nvCxnSpPr>
+          <p:cNvPr id="18" name="Straight Connector 17"/>
+          <p:cNvCxnSpPr/>
+          <p:nvPr/>
+        </p:nvCxnSpPr>
+        <p:spPr>
+          <a:xfrm>
+            <a:off x="6962227" y="2133600"/>
+            <a:ext cx="0" cy="3966882"/>
+          </a:xfrm>
+          <a:prstGeom prst="line">
+            <a:avLst/>
+          </a:prstGeom>
+          <a:ln w="12700" cmpd="sng">
+            <a:solidFill>
+              <a:schemeClr val="bg2">
+                <a:lumMod val="40000"/>
+                <a:lumOff val="60000"/>
+                <a:alpha val="40000"/>
+              </a:schemeClr>
+            </a:solidFill>
+          </a:ln>
+        </p:spPr>
+        <p:style>
+          <a:lnRef idx="2">
+            <a:schemeClr val="accent1"/>
+          </a:lnRef>
+          <a:fillRef idx="0">
+            <a:schemeClr val="accent1"/>
+          </a:fillRef>
+          <a:effectRef idx="1">
+            <a:schemeClr val="accent1"/>
+          </a:effectRef>
+          <a:fontRef idx="minor">
+            <a:schemeClr val="tx1"/>
+          </a:fontRef>
+        </p:style>
+      </p:cxnSp>
+      <p:sp>
+        <p:nvSpPr>
+          <p:cNvPr id="7" name="Date Placeholder 3"/>
+          <p:cNvSpPr>
+            <a:spLocks noGrp="1"/>
+          </p:cNvSpPr>
+          <p:nvPr>
+            <p:ph type="dt" sz="half" idx="10"/>
+          </p:nvPr>
+        </p:nvSpPr>
+        <p:spPr/>
+        <p:txBody>
+          <a:bodyPr/>
+          <a:lstStyle/>
+          <a:p>
+            <a:fld id="{E36813AB-CC3A-4F77-A52E-D5F44D60AF1B}" type="datetimeFigureOut">
+              <a:rPr lang="en-US" smtClean="0"/>
+              <a:t>4/11/2019</a:t>
+            </a:fld>
+            <a:endParaRPr lang="en-US"/>
+          </a:p>
+        </p:txBody>
+      </p:sp>
+      <p:sp>
+        <p:nvSpPr>
+          <p:cNvPr id="4" name="Footer Placeholder 4"/>
+          <p:cNvSpPr>
+            <a:spLocks noGrp="1"/>
+          </p:cNvSpPr>
+          <p:nvPr>
+            <p:ph type="ftr" sz="quarter" idx="11"/>
+          </p:nvPr>
+        </p:nvSpPr>
+        <p:spPr/>
+        <p:txBody>
+          <a:bodyPr/>
+          <a:lstStyle/>
+          <a:p>
+            <a:endParaRPr lang="en-US"/>
+          </a:p>
+        </p:txBody>
+      </p:sp>
+      <p:sp>
+        <p:nvSpPr>
+          <p:cNvPr id="6" name="Slide Number Placeholder 5"/>
+          <p:cNvSpPr>
+            <a:spLocks noGrp="1"/>
+          </p:cNvSpPr>
+          <p:nvPr>
+            <p:ph type="sldNum" sz="quarter" idx="12"/>
+          </p:nvPr>
+        </p:nvSpPr>
+        <p:spPr/>
+        <p:txBody>
+          <a:bodyPr/>
+          <a:lstStyle/>
+          <a:p>
+            <a:fld id="{085031BE-66DF-4239-8715-85892B3646D5}" type="slidenum">
+              <a:rPr lang="en-US" smtClean="0"/>
+              <a:t>‹#›</a:t>
+            </a:fld>
+            <a:endParaRPr lang="en-US"/>
+          </a:p>
+        </p:txBody>
+      </p:sp>
+    </p:spTree>
+    <p:extLst>
+      <p:ext uri="{BB962C8B-B14F-4D97-AF65-F5344CB8AC3E}">
+        <p14:creationId xmlns:p14="http://schemas.microsoft.com/office/powerpoint/2010/main" val="2693439380"/>
+      </p:ext>
+    </p:extLst>
+  </p:cSld>
+  <p:clrMapOvr>
+    <a:masterClrMapping/>
+  </p:clrMapOvr>
+</p:sldLayout>
+</file>
+
+<file path=ppt/slideLayouts/slideLayout15.xml><?xml version="1.0" encoding="utf-8"?>
+<p:sldLayout xmlns:a="http://schemas.openxmlformats.org/drawingml/2006/main" xmlns:r="http://schemas.openxmlformats.org/officeDocument/2006/relationships" xmlns:p="http://schemas.openxmlformats.org/presentationml/2006/main" preserve="1">
+  <p:cSld name="3 Picture Column">
+    <p:spTree>
+      <p:nvGrpSpPr>
+        <p:cNvPr id="1" name=""/>
+        <p:cNvGrpSpPr/>
+        <p:nvPr/>
+      </p:nvGrpSpPr>
+      <p:grpSpPr>
+        <a:xfrm>
+          <a:off x="0" y="0"/>
+          <a:ext cx="0" cy="0"/>
+          <a:chOff x="0" y="0"/>
+          <a:chExt cx="0" cy="0"/>
+        </a:xfrm>
+      </p:grpSpPr>
+      <p:sp>
+        <p:nvSpPr>
+          <p:cNvPr id="2" name="Title 1"/>
+          <p:cNvSpPr>
+            <a:spLocks noGrp="1"/>
+          </p:cNvSpPr>
+          <p:nvPr>
+            <p:ph type="title"/>
+          </p:nvPr>
+        </p:nvSpPr>
+        <p:spPr/>
+        <p:txBody>
+          <a:bodyPr/>
+          <a:lstStyle>
+            <a:lvl1pPr>
+              <a:defRPr sz="4200"/>
+            </a:lvl1pPr>
+          </a:lstStyle>
+          <a:p>
+            <a:r>
+              <a:rPr lang="en-US"/>
+              <a:t>Click to edit Master title style</a:t>
+            </a:r>
+            <a:endParaRPr lang="en-US" dirty="0"/>
+          </a:p>
+        </p:txBody>
+      </p:sp>
+      <p:sp>
+        <p:nvSpPr>
+          <p:cNvPr id="3" name="Text Placeholder 2"/>
+          <p:cNvSpPr>
+            <a:spLocks noGrp="1"/>
+          </p:cNvSpPr>
+          <p:nvPr>
+            <p:ph type="body" idx="1"/>
+          </p:nvPr>
+        </p:nvSpPr>
+        <p:spPr>
+          <a:xfrm>
+            <a:off x="652463" y="4250949"/>
+            <a:ext cx="2940050" cy="576262"/>
+          </a:xfrm>
+        </p:spPr>
+        <p:txBody>
+          <a:bodyPr anchor="b">
+            <a:noAutofit/>
+          </a:bodyPr>
+          <a:lstStyle>
+            <a:lvl1pPr marL="0" indent="0">
+              <a:buNone/>
+              <a:defRPr sz="2400" b="0">
+                <a:solidFill>
+                  <a:schemeClr val="bg2">
+                    <a:lumMod val="40000"/>
+                    <a:lumOff val="60000"/>
+                  </a:schemeClr>
+                </a:solidFill>
+              </a:defRPr>
+            </a:lvl1pPr>
+            <a:lvl2pPr marL="457200" indent="0">
+              <a:buNone/>
+              <a:defRPr sz="2000" b="1"/>
+            </a:lvl2pPr>
+            <a:lvl3pPr marL="914400" indent="0">
+              <a:buNone/>
+              <a:defRPr sz="1800" b="1"/>
+            </a:lvl3pPr>
+            <a:lvl4pPr marL="1371600" indent="0">
+              <a:buNone/>
+              <a:defRPr sz="1600" b="1"/>
+            </a:lvl4pPr>
+            <a:lvl5pPr marL="1828800" indent="0">
+              <a:buNone/>
+              <a:defRPr sz="1600" b="1"/>
+            </a:lvl5pPr>
+            <a:lvl6pPr marL="2286000" indent="0">
+              <a:buNone/>
+              <a:defRPr sz="1600" b="1"/>
+            </a:lvl6pPr>
+            <a:lvl7pPr marL="2743200" indent="0">
+              <a:buNone/>
+              <a:defRPr sz="1600" b="1"/>
+            </a:lvl7pPr>
+            <a:lvl8pPr marL="3200400" indent="0">
+              <a:buNone/>
+              <a:defRPr sz="1600" b="1"/>
+            </a:lvl8pPr>
+            <a:lvl9pPr marL="3657600" indent="0">
+              <a:buNone/>
+              <a:defRPr sz="1600" b="1"/>
+            </a:lvl9pPr>
+          </a:lstStyle>
+          <a:p>
+            <a:pPr lvl="0"/>
+            <a:r>
+              <a:rPr lang="en-US"/>
+              <a:t>Click to edit Master text styles</a:t>
+            </a:r>
+          </a:p>
+        </p:txBody>
+      </p:sp>
+      <p:sp>
+        <p:nvSpPr>
+          <p:cNvPr id="29" name="Picture Placeholder 2"/>
+          <p:cNvSpPr>
+            <a:spLocks noGrp="1" noChangeAspect="1"/>
+          </p:cNvSpPr>
+          <p:nvPr>
+            <p:ph type="pic" idx="15"/>
+          </p:nvPr>
+        </p:nvSpPr>
+        <p:spPr>
+          <a:xfrm>
+            <a:off x="652463" y="2209800"/>
+            <a:ext cx="2940050" cy="1524000"/>
+          </a:xfrm>
+          <a:prstGeom prst="roundRect">
+            <a:avLst>
+              <a:gd name="adj" fmla="val 1858"/>
+            </a:avLst>
+          </a:prstGeom>
+          <a:effectLst>
+            <a:outerShdw blurRad="50800" dist="50800" dir="5400000" algn="tl" rotWithShape="0">
+              <a:srgbClr val="000000">
+                <a:alpha val="43000"/>
+              </a:srgbClr>
+            </a:outerShdw>
+          </a:effectLst>
+        </p:spPr>
+        <p:txBody>
+          <a:bodyPr anchor="t">
+            <a:normAutofit/>
+          </a:bodyPr>
+          <a:lstStyle>
+            <a:lvl1pPr marL="0" indent="0" algn="ctr">
+              <a:buNone/>
+              <a:defRPr sz="1600"/>
+            </a:lvl1pPr>
+            <a:lvl2pPr marL="457200" indent="0">
+              <a:buNone/>
+              <a:defRPr sz="1600"/>
+            </a:lvl2pPr>
+            <a:lvl3pPr marL="914400" indent="0">
+              <a:buNone/>
+              <a:defRPr sz="1600"/>
+            </a:lvl3pPr>
+            <a:lvl4pPr marL="1371600" indent="0">
+              <a:buNone/>
+              <a:defRPr sz="1600"/>
+            </a:lvl4pPr>
+            <a:lvl5pPr marL="1828800" indent="0">
+              <a:buNone/>
+              <a:defRPr sz="1600"/>
+            </a:lvl5pPr>
+            <a:lvl6pPr marL="2286000" indent="0">
+              <a:buNone/>
+              <a:defRPr sz="1600"/>
+            </a:lvl6pPr>
+            <a:lvl7pPr marL="2743200" indent="0">
+              <a:buNone/>
+              <a:defRPr sz="1600"/>
+            </a:lvl7pPr>
+            <a:lvl8pPr marL="3200400" indent="0">
+              <a:buNone/>
+              <a:defRPr sz="1600"/>
+            </a:lvl8pPr>
+            <a:lvl9pPr marL="3657600" indent="0">
+              <a:buNone/>
+              <a:defRPr sz="1600"/>
+            </a:lvl9pPr>
+          </a:lstStyle>
+          <a:p>
+            <a:r>
+              <a:rPr lang="en-US"/>
+              <a:t>Click icon to add picture</a:t>
+            </a:r>
+            <a:endParaRPr lang="en-US" dirty="0"/>
+          </a:p>
+        </p:txBody>
+      </p:sp>
+      <p:sp>
+        <p:nvSpPr>
+          <p:cNvPr id="22" name="Text Placeholder 3"/>
+          <p:cNvSpPr>
+            <a:spLocks noGrp="1"/>
+          </p:cNvSpPr>
+          <p:nvPr>
+            <p:ph type="body" sz="half" idx="18"/>
+          </p:nvPr>
+        </p:nvSpPr>
+        <p:spPr>
+          <a:xfrm>
+            <a:off x="652463" y="4827211"/>
+            <a:ext cx="2940050" cy="659189"/>
+          </a:xfrm>
+        </p:spPr>
+        <p:txBody>
+          <a:bodyPr anchor="t">
+            <a:normAutofit/>
+          </a:bodyPr>
+          <a:lstStyle>
+            <a:lvl1pPr marL="0" indent="0">
+              <a:buNone/>
+              <a:defRPr sz="1400"/>
+            </a:lvl1pPr>
+            <a:lvl2pPr marL="457200" indent="0">
+              <a:buNone/>
+              <a:defRPr sz="1200"/>
+            </a:lvl2pPr>
+            <a:lvl3pPr marL="914400" indent="0">
+              <a:buNone/>
+              <a:defRPr sz="1000"/>
+            </a:lvl3pPr>
+            <a:lvl4pPr marL="1371600" indent="0">
+              <a:buNone/>
+              <a:defRPr sz="900"/>
+            </a:lvl4pPr>
+            <a:lvl5pPr marL="1828800" indent="0">
+              <a:buNone/>
+              <a:defRPr sz="900"/>
+            </a:lvl5pPr>
+            <a:lvl6pPr marL="2286000" indent="0">
+              <a:buNone/>
+              <a:defRPr sz="900"/>
+            </a:lvl6pPr>
+            <a:lvl7pPr marL="2743200" indent="0">
+              <a:buNone/>
+              <a:defRPr sz="900"/>
+            </a:lvl7pPr>
+            <a:lvl8pPr marL="3200400" indent="0">
+              <a:buNone/>
+              <a:defRPr sz="900"/>
+            </a:lvl8pPr>
+            <a:lvl9pPr marL="3657600" indent="0">
+              <a:buNone/>
+              <a:defRPr sz="900"/>
+            </a:lvl9pPr>
+          </a:lstStyle>
+          <a:p>
+            <a:pPr lvl="0"/>
+            <a:r>
+              <a:rPr lang="en-US"/>
+              <a:t>Click to edit Master text styles</a:t>
+            </a:r>
+          </a:p>
+        </p:txBody>
+      </p:sp>
+      <p:sp>
+        <p:nvSpPr>
+          <p:cNvPr id="5" name="Text Placeholder 4"/>
+          <p:cNvSpPr>
+            <a:spLocks noGrp="1"/>
+          </p:cNvSpPr>
+          <p:nvPr>
+            <p:ph type="body" sz="quarter" idx="3"/>
+          </p:nvPr>
+        </p:nvSpPr>
+        <p:spPr>
+          <a:xfrm>
+            <a:off x="3889375" y="4250949"/>
+            <a:ext cx="2930525" cy="576262"/>
+          </a:xfrm>
+        </p:spPr>
+        <p:txBody>
+          <a:bodyPr anchor="b">
+            <a:noAutofit/>
+          </a:bodyPr>
+          <a:lstStyle>
+            <a:lvl1pPr marL="0" indent="0">
+              <a:buNone/>
+              <a:defRPr sz="2400" b="0">
+                <a:solidFill>
+                  <a:schemeClr val="bg2">
+                    <a:lumMod val="40000"/>
+                    <a:lumOff val="60000"/>
+                  </a:schemeClr>
+                </a:solidFill>
+              </a:defRPr>
+            </a:lvl1pPr>
+            <a:lvl2pPr marL="457200" indent="0">
+              <a:buNone/>
+              <a:defRPr sz="2000" b="1"/>
+            </a:lvl2pPr>
+            <a:lvl3pPr marL="914400" indent="0">
+              <a:buNone/>
+              <a:defRPr sz="1800" b="1"/>
+            </a:lvl3pPr>
+            <a:lvl4pPr marL="1371600" indent="0">
+              <a:buNone/>
+              <a:defRPr sz="1600" b="1"/>
+            </a:lvl4pPr>
+            <a:lvl5pPr marL="1828800" indent="0">
+              <a:buNone/>
+              <a:defRPr sz="1600" b="1"/>
+            </a:lvl5pPr>
+            <a:lvl6pPr marL="2286000" indent="0">
+              <a:buNone/>
+              <a:defRPr sz="1600" b="1"/>
+            </a:lvl6pPr>
+            <a:lvl7pPr marL="2743200" indent="0">
+              <a:buNone/>
+              <a:defRPr sz="1600" b="1"/>
+            </a:lvl7pPr>
+            <a:lvl8pPr marL="3200400" indent="0">
+              <a:buNone/>
+              <a:defRPr sz="1600" b="1"/>
+            </a:lvl8pPr>
+            <a:lvl9pPr marL="3657600" indent="0">
+              <a:buNone/>
+              <a:defRPr sz="1600" b="1"/>
+            </a:lvl9pPr>
+          </a:lstStyle>
+          <a:p>
+            <a:pPr lvl="0"/>
+            <a:r>
+              <a:rPr lang="en-US"/>
+              <a:t>Click to edit Master text styles</a:t>
+            </a:r>
+          </a:p>
+        </p:txBody>
+      </p:sp>
+      <p:sp>
+        <p:nvSpPr>
+          <p:cNvPr id="30" name="Picture Placeholder 2"/>
+          <p:cNvSpPr>
+            <a:spLocks noGrp="1" noChangeAspect="1"/>
+          </p:cNvSpPr>
+          <p:nvPr>
+            <p:ph type="pic" idx="21"/>
+          </p:nvPr>
+        </p:nvSpPr>
+        <p:spPr>
+          <a:xfrm>
+            <a:off x="3889374" y="2209800"/>
+            <a:ext cx="2930525" cy="1524000"/>
+          </a:xfrm>
+          <a:prstGeom prst="roundRect">
+            <a:avLst>
+              <a:gd name="adj" fmla="val 1858"/>
+            </a:avLst>
+          </a:prstGeom>
+          <a:effectLst>
+            <a:outerShdw blurRad="50800" dist="50800" dir="5400000" algn="tl" rotWithShape="0">
+              <a:srgbClr val="000000">
+                <a:alpha val="43000"/>
+              </a:srgbClr>
+            </a:outerShdw>
+          </a:effectLst>
+        </p:spPr>
+        <p:txBody>
+          <a:bodyPr anchor="t">
+            <a:normAutofit/>
+          </a:bodyPr>
+          <a:lstStyle>
+            <a:lvl1pPr marL="0" indent="0" algn="ctr">
+              <a:buNone/>
+              <a:defRPr sz="1600"/>
+            </a:lvl1pPr>
+            <a:lvl2pPr marL="457200" indent="0">
+              <a:buNone/>
+              <a:defRPr sz="1600"/>
+            </a:lvl2pPr>
+            <a:lvl3pPr marL="914400" indent="0">
+              <a:buNone/>
+              <a:defRPr sz="1600"/>
+            </a:lvl3pPr>
+            <a:lvl4pPr marL="1371600" indent="0">
+              <a:buNone/>
+              <a:defRPr sz="1600"/>
+            </a:lvl4pPr>
+            <a:lvl5pPr marL="1828800" indent="0">
+              <a:buNone/>
+              <a:defRPr sz="1600"/>
+            </a:lvl5pPr>
+            <a:lvl6pPr marL="2286000" indent="0">
+              <a:buNone/>
+              <a:defRPr sz="1600"/>
+            </a:lvl6pPr>
+            <a:lvl7pPr marL="2743200" indent="0">
+              <a:buNone/>
+              <a:defRPr sz="1600"/>
+            </a:lvl7pPr>
+            <a:lvl8pPr marL="3200400" indent="0">
+              <a:buNone/>
+              <a:defRPr sz="1600"/>
+            </a:lvl8pPr>
+            <a:lvl9pPr marL="3657600" indent="0">
+              <a:buNone/>
+              <a:defRPr sz="1600"/>
+            </a:lvl9pPr>
+          </a:lstStyle>
+          <a:p>
+            <a:r>
+              <a:rPr lang="en-US"/>
+              <a:t>Click icon to add picture</a:t>
+            </a:r>
+            <a:endParaRPr lang="en-US" dirty="0"/>
+          </a:p>
+        </p:txBody>
+      </p:sp>
+      <p:sp>
+        <p:nvSpPr>
+          <p:cNvPr id="23" name="Text Placeholder 3"/>
+          <p:cNvSpPr>
+            <a:spLocks noGrp="1"/>
+          </p:cNvSpPr>
+          <p:nvPr>
+            <p:ph type="body" sz="half" idx="19"/>
+          </p:nvPr>
+        </p:nvSpPr>
+        <p:spPr>
+          <a:xfrm>
+            <a:off x="3888022" y="4827210"/>
+            <a:ext cx="2934406" cy="659189"/>
+          </a:xfrm>
+        </p:spPr>
+        <p:txBody>
+          <a:bodyPr anchor="t">
+            <a:normAutofit/>
+          </a:bodyPr>
+          <a:lstStyle>
+            <a:lvl1pPr marL="0" indent="0">
+              <a:buNone/>
+              <a:defRPr sz="1400"/>
+            </a:lvl1pPr>
+            <a:lvl2pPr marL="457200" indent="0">
+              <a:buNone/>
+              <a:defRPr sz="1200"/>
+            </a:lvl2pPr>
+            <a:lvl3pPr marL="914400" indent="0">
+              <a:buNone/>
+              <a:defRPr sz="1000"/>
+            </a:lvl3pPr>
+            <a:lvl4pPr marL="1371600" indent="0">
+              <a:buNone/>
+              <a:defRPr sz="900"/>
+            </a:lvl4pPr>
+            <a:lvl5pPr marL="1828800" indent="0">
+              <a:buNone/>
+              <a:defRPr sz="900"/>
+            </a:lvl5pPr>
+            <a:lvl6pPr marL="2286000" indent="0">
+              <a:buNone/>
+              <a:defRPr sz="900"/>
+            </a:lvl6pPr>
+            <a:lvl7pPr marL="2743200" indent="0">
+              <a:buNone/>
+              <a:defRPr sz="900"/>
+            </a:lvl7pPr>
+            <a:lvl8pPr marL="3200400" indent="0">
+              <a:buNone/>
+              <a:defRPr sz="900"/>
+            </a:lvl8pPr>
+            <a:lvl9pPr marL="3657600" indent="0">
+              <a:buNone/>
+              <a:defRPr sz="900"/>
+            </a:lvl9pPr>
+          </a:lstStyle>
+          <a:p>
+            <a:pPr lvl="0"/>
+            <a:r>
+              <a:rPr lang="en-US"/>
+              <a:t>Click to edit Master text styles</a:t>
+            </a:r>
+          </a:p>
+        </p:txBody>
+      </p:sp>
+      <p:sp>
+        <p:nvSpPr>
+          <p:cNvPr id="14" name="Text Placeholder 4"/>
+          <p:cNvSpPr>
+            <a:spLocks noGrp="1"/>
+          </p:cNvSpPr>
+          <p:nvPr>
+            <p:ph type="body" sz="quarter" idx="13"/>
+          </p:nvPr>
+        </p:nvSpPr>
+        <p:spPr>
+          <a:xfrm>
+            <a:off x="7124700" y="4250949"/>
+            <a:ext cx="2932113" cy="576262"/>
+          </a:xfrm>
+        </p:spPr>
+        <p:txBody>
+          <a:bodyPr anchor="b">
+            <a:noAutofit/>
+          </a:bodyPr>
+          <a:lstStyle>
+            <a:lvl1pPr marL="0" indent="0">
+              <a:buNone/>
+              <a:defRPr sz="2400" b="0">
+                <a:solidFill>
+                  <a:schemeClr val="bg2">
+                    <a:lumMod val="40000"/>
+                    <a:lumOff val="60000"/>
+                  </a:schemeClr>
+                </a:solidFill>
+              </a:defRPr>
+            </a:lvl1pPr>
+            <a:lvl2pPr marL="457200" indent="0">
+              <a:buNone/>
+              <a:defRPr sz="2000" b="1"/>
+            </a:lvl2pPr>
+            <a:lvl3pPr marL="914400" indent="0">
+              <a:buNone/>
+              <a:defRPr sz="1800" b="1"/>
+            </a:lvl3pPr>
+            <a:lvl4pPr marL="1371600" indent="0">
+              <a:buNone/>
+              <a:defRPr sz="1600" b="1"/>
+            </a:lvl4pPr>
+            <a:lvl5pPr marL="1828800" indent="0">
+              <a:buNone/>
+              <a:defRPr sz="1600" b="1"/>
+            </a:lvl5pPr>
+            <a:lvl6pPr marL="2286000" indent="0">
+              <a:buNone/>
+              <a:defRPr sz="1600" b="1"/>
+            </a:lvl6pPr>
+            <a:lvl7pPr marL="2743200" indent="0">
+              <a:buNone/>
+              <a:defRPr sz="1600" b="1"/>
+            </a:lvl7pPr>
+            <a:lvl8pPr marL="3200400" indent="0">
+              <a:buNone/>
+              <a:defRPr sz="1600" b="1"/>
+            </a:lvl8pPr>
+            <a:lvl9pPr marL="3657600" indent="0">
+              <a:buNone/>
+              <a:defRPr sz="1600" b="1"/>
+            </a:lvl9pPr>
+          </a:lstStyle>
+          <a:p>
+            <a:pPr lvl="0"/>
+            <a:r>
+              <a:rPr lang="en-US"/>
+              <a:t>Click to edit Master text styles</a:t>
+            </a:r>
+          </a:p>
+        </p:txBody>
+      </p:sp>
+      <p:sp>
+        <p:nvSpPr>
+          <p:cNvPr id="31" name="Picture Placeholder 2"/>
+          <p:cNvSpPr>
+            <a:spLocks noGrp="1" noChangeAspect="1"/>
+          </p:cNvSpPr>
+          <p:nvPr>
+            <p:ph type="pic" idx="22"/>
+          </p:nvPr>
+        </p:nvSpPr>
+        <p:spPr>
+          <a:xfrm>
+            <a:off x="7124699" y="2209800"/>
+            <a:ext cx="2932113" cy="1524000"/>
+          </a:xfrm>
+          <a:prstGeom prst="roundRect">
+            <a:avLst>
+              <a:gd name="adj" fmla="val 1858"/>
+            </a:avLst>
+          </a:prstGeom>
+          <a:effectLst>
+            <a:outerShdw blurRad="50800" dist="50800" dir="5400000" algn="tl" rotWithShape="0">
+              <a:srgbClr val="000000">
+                <a:alpha val="43000"/>
+              </a:srgbClr>
+            </a:outerShdw>
+          </a:effectLst>
+        </p:spPr>
+        <p:txBody>
+          <a:bodyPr anchor="t">
+            <a:normAutofit/>
+          </a:bodyPr>
+          <a:lstStyle>
+            <a:lvl1pPr marL="0" indent="0" algn="ctr">
+              <a:buNone/>
+              <a:defRPr sz="1600"/>
+            </a:lvl1pPr>
+            <a:lvl2pPr marL="457200" indent="0">
+              <a:buNone/>
+              <a:defRPr sz="1600"/>
+            </a:lvl2pPr>
+            <a:lvl3pPr marL="914400" indent="0">
+              <a:buNone/>
+              <a:defRPr sz="1600"/>
+            </a:lvl3pPr>
+            <a:lvl4pPr marL="1371600" indent="0">
+              <a:buNone/>
+              <a:defRPr sz="1600"/>
+            </a:lvl4pPr>
+            <a:lvl5pPr marL="1828800" indent="0">
+              <a:buNone/>
+              <a:defRPr sz="1600"/>
+            </a:lvl5pPr>
+            <a:lvl6pPr marL="2286000" indent="0">
+              <a:buNone/>
+              <a:defRPr sz="1600"/>
+            </a:lvl6pPr>
+            <a:lvl7pPr marL="2743200" indent="0">
+              <a:buNone/>
+              <a:defRPr sz="1600"/>
+            </a:lvl7pPr>
+            <a:lvl8pPr marL="3200400" indent="0">
+              <a:buNone/>
+              <a:defRPr sz="1600"/>
+            </a:lvl8pPr>
+            <a:lvl9pPr marL="3657600" indent="0">
+              <a:buNone/>
+              <a:defRPr sz="1600"/>
+            </a:lvl9pPr>
+          </a:lstStyle>
+          <a:p>
+            <a:r>
+              <a:rPr lang="en-US"/>
+              <a:t>Click icon to add picture</a:t>
+            </a:r>
+            <a:endParaRPr lang="en-US" dirty="0"/>
+          </a:p>
+        </p:txBody>
+      </p:sp>
+      <p:sp>
+        <p:nvSpPr>
+          <p:cNvPr id="24" name="Text Placeholder 3"/>
+          <p:cNvSpPr>
+            <a:spLocks noGrp="1"/>
+          </p:cNvSpPr>
+          <p:nvPr>
+            <p:ph type="body" sz="half" idx="20"/>
+          </p:nvPr>
+        </p:nvSpPr>
+        <p:spPr>
+          <a:xfrm>
+            <a:off x="7124575" y="4827208"/>
+            <a:ext cx="2935997" cy="659189"/>
+          </a:xfrm>
+        </p:spPr>
+        <p:txBody>
+          <a:bodyPr anchor="t">
+            <a:normAutofit/>
+          </a:bodyPr>
+          <a:lstStyle>
+            <a:lvl1pPr marL="0" indent="0">
+              <a:buNone/>
+              <a:defRPr sz="1400"/>
+            </a:lvl1pPr>
+            <a:lvl2pPr marL="457200" indent="0">
+              <a:buNone/>
+              <a:defRPr sz="1200"/>
+            </a:lvl2pPr>
+            <a:lvl3pPr marL="914400" indent="0">
+              <a:buNone/>
+              <a:defRPr sz="1000"/>
+            </a:lvl3pPr>
+            <a:lvl4pPr marL="1371600" indent="0">
+              <a:buNone/>
+              <a:defRPr sz="900"/>
+            </a:lvl4pPr>
+            <a:lvl5pPr marL="1828800" indent="0">
+              <a:buNone/>
+              <a:defRPr sz="900"/>
+            </a:lvl5pPr>
+            <a:lvl6pPr marL="2286000" indent="0">
+              <a:buNone/>
+              <a:defRPr sz="900"/>
+            </a:lvl6pPr>
+            <a:lvl7pPr marL="2743200" indent="0">
+              <a:buNone/>
+              <a:defRPr sz="900"/>
+            </a:lvl7pPr>
+            <a:lvl8pPr marL="3200400" indent="0">
+              <a:buNone/>
+              <a:defRPr sz="900"/>
+            </a:lvl8pPr>
+            <a:lvl9pPr marL="3657600" indent="0">
+              <a:buNone/>
+              <a:defRPr sz="900"/>
+            </a:lvl9pPr>
+          </a:lstStyle>
+          <a:p>
+            <a:pPr lvl="0"/>
+            <a:r>
+              <a:rPr lang="en-US"/>
+              <a:t>Click to edit Master text styles</a:t>
+            </a:r>
+          </a:p>
+        </p:txBody>
+      </p:sp>
+      <p:cxnSp>
+        <p:nvCxnSpPr>
+          <p:cNvPr id="19" name="Straight Connector 18"/>
+          <p:cNvCxnSpPr/>
+          <p:nvPr/>
+        </p:nvCxnSpPr>
+        <p:spPr>
+          <a:xfrm>
+            <a:off x="3726142" y="2133600"/>
+            <a:ext cx="0" cy="3962400"/>
+          </a:xfrm>
+          <a:prstGeom prst="line">
+            <a:avLst/>
+          </a:prstGeom>
+          <a:ln w="12700" cmpd="sng">
+            <a:solidFill>
+              <a:schemeClr val="bg2">
+                <a:lumMod val="40000"/>
+                <a:lumOff val="60000"/>
+                <a:alpha val="40000"/>
+              </a:schemeClr>
+            </a:solidFill>
+          </a:ln>
+        </p:spPr>
+        <p:style>
+          <a:lnRef idx="2">
+            <a:schemeClr val="accent1"/>
+          </a:lnRef>
+          <a:fillRef idx="0">
+            <a:schemeClr val="accent1"/>
+          </a:fillRef>
+          <a:effectRef idx="1">
+            <a:schemeClr val="accent1"/>
+          </a:effectRef>
+          <a:fontRef idx="minor">
+            <a:schemeClr val="tx1"/>
+          </a:fontRef>
+        </p:style>
+      </p:cxnSp>
+      <p:cxnSp>
+        <p:nvCxnSpPr>
+          <p:cNvPr id="20" name="Straight Connector 19"/>
+          <p:cNvCxnSpPr/>
+          <p:nvPr/>
+        </p:nvCxnSpPr>
+        <p:spPr>
+          <a:xfrm>
+            <a:off x="6962227" y="2133600"/>
+            <a:ext cx="0" cy="3966882"/>
+          </a:xfrm>
+          <a:prstGeom prst="line">
+            <a:avLst/>
+          </a:prstGeom>
+          <a:ln w="12700" cmpd="sng">
+            <a:solidFill>
+              <a:schemeClr val="bg2">
+                <a:lumMod val="40000"/>
+                <a:lumOff val="60000"/>
+                <a:alpha val="40000"/>
+              </a:schemeClr>
+            </a:solidFill>
+          </a:ln>
+        </p:spPr>
+        <p:style>
+          <a:lnRef idx="2">
+            <a:schemeClr val="accent1"/>
+          </a:lnRef>
+          <a:fillRef idx="0">
+            <a:schemeClr val="accent1"/>
+          </a:fillRef>
+          <a:effectRef idx="1">
+            <a:schemeClr val="accent1"/>
+          </a:effectRef>
+          <a:fontRef idx="minor">
+            <a:schemeClr val="tx1"/>
+          </a:fontRef>
+        </p:style>
+      </p:cxnSp>
+      <p:sp>
+        <p:nvSpPr>
+          <p:cNvPr id="7" name="Date Placeholder 3"/>
+          <p:cNvSpPr>
+            <a:spLocks noGrp="1"/>
+          </p:cNvSpPr>
+          <p:nvPr>
+            <p:ph type="dt" sz="half" idx="10"/>
+          </p:nvPr>
+        </p:nvSpPr>
+        <p:spPr/>
+        <p:txBody>
+          <a:bodyPr/>
+          <a:lstStyle/>
+          <a:p>
+            <a:fld id="{E36813AB-CC3A-4F77-A52E-D5F44D60AF1B}" type="datetimeFigureOut">
+              <a:rPr lang="en-US" smtClean="0"/>
+              <a:t>4/11/2019</a:t>
+            </a:fld>
+            <a:endParaRPr lang="en-US"/>
+          </a:p>
+        </p:txBody>
+      </p:sp>
+      <p:sp>
+        <p:nvSpPr>
+          <p:cNvPr id="4" name="Footer Placeholder 4"/>
+          <p:cNvSpPr>
+            <a:spLocks noGrp="1"/>
+          </p:cNvSpPr>
+          <p:nvPr>
+            <p:ph type="ftr" sz="quarter" idx="11"/>
+          </p:nvPr>
+        </p:nvSpPr>
+        <p:spPr/>
+        <p:txBody>
+          <a:bodyPr/>
+          <a:lstStyle/>
+          <a:p>
+            <a:endParaRPr lang="en-US"/>
+          </a:p>
+        </p:txBody>
+      </p:sp>
+      <p:sp>
+        <p:nvSpPr>
+          <p:cNvPr id="6" name="Slide Number Placeholder 5"/>
+          <p:cNvSpPr>
+            <a:spLocks noGrp="1"/>
+          </p:cNvSpPr>
+          <p:nvPr>
+            <p:ph type="sldNum" sz="quarter" idx="12"/>
+          </p:nvPr>
+        </p:nvSpPr>
+        <p:spPr/>
+        <p:txBody>
+          <a:bodyPr/>
+          <a:lstStyle/>
+          <a:p>
+            <a:fld id="{085031BE-66DF-4239-8715-85892B3646D5}" type="slidenum">
+              <a:rPr lang="en-US" smtClean="0"/>
+              <a:t>‹#›</a:t>
+            </a:fld>
+            <a:endParaRPr lang="en-US"/>
+          </a:p>
+        </p:txBody>
+      </p:sp>
+    </p:spTree>
+    <p:extLst>
+      <p:ext uri="{BB962C8B-B14F-4D97-AF65-F5344CB8AC3E}">
+        <p14:creationId xmlns:p14="http://schemas.microsoft.com/office/powerpoint/2010/main" val="1740476369"/>
+      </p:ext>
+    </p:extLst>
+  </p:cSld>
+  <p:clrMapOvr>
+    <a:masterClrMapping/>
+  </p:clrMapOvr>
+</p:sldLayout>
+</file>
+
+<file path=ppt/slideLayouts/slideLayout16.xml><?xml version="1.0" encoding="utf-8"?>
 <p:sldLayout xmlns:a="http://schemas.openxmlformats.org/drawingml/2006/main" xmlns:r="http://schemas.openxmlformats.org/officeDocument/2006/relationships" xmlns:p="http://schemas.openxmlformats.org/presentationml/2006/main" type="vertTx" preserve="1">
   <p:cSld name="Title and Vertical Text">
     <p:spTree>
@@ -356,13 +2949,7 @@
       </p:grpSpPr>
       <p:sp>
         <p:nvSpPr>
-          <p:cNvPr id="2" name="Title 1">
-            <a:extLst>
-              <a:ext uri="{FF2B5EF4-FFF2-40B4-BE49-F238E27FC236}">
-                <a16:creationId xmlns:a16="http://schemas.microsoft.com/office/drawing/2014/main" id="{70EC990F-857C-4991-B0E8-4EEAC0BEB400}"/>
-              </a:ext>
-            </a:extLst>
-          </p:cNvPr>
+          <p:cNvPr id="2" name="Title 1"/>
           <p:cNvSpPr>
             <a:spLocks noGrp="1"/>
           </p:cNvSpPr>
@@ -379,18 +2966,13 @@
               <a:rPr lang="en-US"/>
               <a:t>Click to edit Master title style</a:t>
             </a:r>
-          </a:p>
-        </p:txBody>
-      </p:sp>
-      <p:sp>
-        <p:nvSpPr>
-          <p:cNvPr id="3" name="Vertical Text Placeholder 2">
-            <a:extLst>
-              <a:ext uri="{FF2B5EF4-FFF2-40B4-BE49-F238E27FC236}">
-                <a16:creationId xmlns:a16="http://schemas.microsoft.com/office/drawing/2014/main" id="{3634B745-9060-4AB4-ABFF-0314AECBC344}"/>
-              </a:ext>
-            </a:extLst>
-          </p:cNvPr>
+            <a:endParaRPr lang="en-US" dirty="0"/>
+          </a:p>
+        </p:txBody>
+      </p:sp>
+      <p:sp>
+        <p:nvSpPr>
+          <p:cNvPr id="3" name="Vertical Text Placeholder 2"/>
           <p:cNvSpPr>
             <a:spLocks noGrp="1"/>
           </p:cNvSpPr>
@@ -400,13 +2982,13 @@
         </p:nvSpPr>
         <p:spPr/>
         <p:txBody>
-          <a:bodyPr vert="eaVert"/>
+          <a:bodyPr vert="eaVert" anchor="t" anchorCtr="0"/>
           <a:lstStyle/>
           <a:p>
             <a:pPr lvl="0"/>
             <a:r>
               <a:rPr lang="en-US"/>
-              <a:t>Edit Master text styles</a:t>
+              <a:t>Click to edit Master text styles</a:t>
             </a:r>
           </a:p>
           <a:p>
@@ -436,18 +3018,13 @@
               <a:rPr lang="en-US"/>
               <a:t>Fifth level</a:t>
             </a:r>
-          </a:p>
-        </p:txBody>
-      </p:sp>
-      <p:sp>
-        <p:nvSpPr>
-          <p:cNvPr id="4" name="Date Placeholder 3">
-            <a:extLst>
-              <a:ext uri="{FF2B5EF4-FFF2-40B4-BE49-F238E27FC236}">
-                <a16:creationId xmlns:a16="http://schemas.microsoft.com/office/drawing/2014/main" id="{CE523E5D-C582-4C7F-B530-0A0C16D351D5}"/>
-              </a:ext>
-            </a:extLst>
-          </p:cNvPr>
+            <a:endParaRPr lang="en-US" dirty="0"/>
+          </a:p>
+        </p:txBody>
+      </p:sp>
+      <p:sp>
+        <p:nvSpPr>
+          <p:cNvPr id="4" name="Date Placeholder 3"/>
           <p:cNvSpPr>
             <a:spLocks noGrp="1"/>
           </p:cNvSpPr>
@@ -462,7 +3039,7 @@
           <a:p>
             <a:fld id="{E36813AB-CC3A-4F77-A52E-D5F44D60AF1B}" type="datetimeFigureOut">
               <a:rPr lang="en-US" smtClean="0"/>
-              <a:t>4/9/2019</a:t>
+              <a:t>4/11/2019</a:t>
             </a:fld>
             <a:endParaRPr lang="en-US"/>
           </a:p>
@@ -470,13 +3047,7 @@
       </p:sp>
       <p:sp>
         <p:nvSpPr>
-          <p:cNvPr id="5" name="Footer Placeholder 4">
-            <a:extLst>
-              <a:ext uri="{FF2B5EF4-FFF2-40B4-BE49-F238E27FC236}">
-                <a16:creationId xmlns:a16="http://schemas.microsoft.com/office/drawing/2014/main" id="{5B0C87D1-009B-43DD-B53D-A89225AF4DD6}"/>
-              </a:ext>
-            </a:extLst>
-          </p:cNvPr>
+          <p:cNvPr id="5" name="Footer Placeholder 4"/>
           <p:cNvSpPr>
             <a:spLocks noGrp="1"/>
           </p:cNvSpPr>
@@ -495,13 +3066,7 @@
       </p:sp>
       <p:sp>
         <p:nvSpPr>
-          <p:cNvPr id="6" name="Slide Number Placeholder 5">
-            <a:extLst>
-              <a:ext uri="{FF2B5EF4-FFF2-40B4-BE49-F238E27FC236}">
-                <a16:creationId xmlns:a16="http://schemas.microsoft.com/office/drawing/2014/main" id="{7CE1E0B7-1964-4104-AE25-35A566945714}"/>
-              </a:ext>
-            </a:extLst>
-          </p:cNvPr>
+          <p:cNvPr id="6" name="Slide Number Placeholder 5"/>
           <p:cNvSpPr>
             <a:spLocks noGrp="1"/>
           </p:cNvSpPr>
@@ -525,7 +3090,7 @@
     </p:spTree>
     <p:extLst>
       <p:ext uri="{BB962C8B-B14F-4D97-AF65-F5344CB8AC3E}">
-        <p14:creationId xmlns:p14="http://schemas.microsoft.com/office/powerpoint/2010/main" val="378291040"/>
+        <p14:creationId xmlns:p14="http://schemas.microsoft.com/office/powerpoint/2010/main" val="572582106"/>
       </p:ext>
     </p:extLst>
   </p:cSld>
@@ -535,7 +3100,7 @@
 </p:sldLayout>
 </file>
 
-<file path=ppt/slideLayouts/slideLayout11.xml><?xml version="1.0" encoding="utf-8"?>
+<file path=ppt/slideLayouts/slideLayout17.xml><?xml version="1.0" encoding="utf-8"?>
 <p:sldLayout xmlns:a="http://schemas.openxmlformats.org/drawingml/2006/main" xmlns:r="http://schemas.openxmlformats.org/officeDocument/2006/relationships" xmlns:p="http://schemas.openxmlformats.org/presentationml/2006/main" type="vertTitleAndTx" preserve="1">
   <p:cSld name="Vertical Title and Text">
     <p:spTree>
@@ -554,13 +3119,7 @@
       </p:grpSpPr>
       <p:sp>
         <p:nvSpPr>
-          <p:cNvPr id="2" name="Vertical Title 1">
-            <a:extLst>
-              <a:ext uri="{FF2B5EF4-FFF2-40B4-BE49-F238E27FC236}">
-                <a16:creationId xmlns:a16="http://schemas.microsoft.com/office/drawing/2014/main" id="{A8E78535-31AD-4190-BA92-4B79CC2DB454}"/>
-              </a:ext>
-            </a:extLst>
-          </p:cNvPr>
+          <p:cNvPr id="2" name="Vertical Title 1"/>
           <p:cNvSpPr>
             <a:spLocks noGrp="1"/>
           </p:cNvSpPr>
@@ -570,30 +3129,25 @@
         </p:nvSpPr>
         <p:spPr>
           <a:xfrm>
-            <a:off x="8724900" y="365125"/>
-            <a:ext cx="2628900" cy="5811838"/>
-          </a:xfrm>
-        </p:spPr>
-        <p:txBody>
-          <a:bodyPr vert="eaVert"/>
+            <a:off x="8304212" y="430213"/>
+            <a:ext cx="1752601" cy="5826125"/>
+          </a:xfrm>
+        </p:spPr>
+        <p:txBody>
+          <a:bodyPr vert="eaVert" anchor="b" anchorCtr="0"/>
           <a:lstStyle/>
           <a:p>
             <a:r>
               <a:rPr lang="en-US"/>
               <a:t>Click to edit Master title style</a:t>
             </a:r>
-          </a:p>
-        </p:txBody>
-      </p:sp>
-      <p:sp>
-        <p:nvSpPr>
-          <p:cNvPr id="3" name="Vertical Text Placeholder 2">
-            <a:extLst>
-              <a:ext uri="{FF2B5EF4-FFF2-40B4-BE49-F238E27FC236}">
-                <a16:creationId xmlns:a16="http://schemas.microsoft.com/office/drawing/2014/main" id="{0E7D5E61-29B8-41AD-A24E-C6D903C3B9DA}"/>
-              </a:ext>
-            </a:extLst>
-          </p:cNvPr>
+            <a:endParaRPr lang="en-US" dirty="0"/>
+          </a:p>
+        </p:txBody>
+      </p:sp>
+      <p:sp>
+        <p:nvSpPr>
+          <p:cNvPr id="3" name="Vertical Text Placeholder 2"/>
           <p:cNvSpPr>
             <a:spLocks noGrp="1"/>
           </p:cNvSpPr>
@@ -603,8 +3157,8 @@
         </p:nvSpPr>
         <p:spPr>
           <a:xfrm>
-            <a:off x="838200" y="365125"/>
-            <a:ext cx="7734300" cy="5811838"/>
+            <a:off x="652463" y="887414"/>
+            <a:ext cx="7423149" cy="5368924"/>
           </a:xfrm>
         </p:spPr>
         <p:txBody>
@@ -614,7 +3168,7 @@
             <a:pPr lvl="0"/>
             <a:r>
               <a:rPr lang="en-US"/>
-              <a:t>Edit Master text styles</a:t>
+              <a:t>Click to edit Master text styles</a:t>
             </a:r>
           </a:p>
           <a:p>
@@ -644,18 +3198,13 @@
               <a:rPr lang="en-US"/>
               <a:t>Fifth level</a:t>
             </a:r>
-          </a:p>
-        </p:txBody>
-      </p:sp>
-      <p:sp>
-        <p:nvSpPr>
-          <p:cNvPr id="4" name="Date Placeholder 3">
-            <a:extLst>
-              <a:ext uri="{FF2B5EF4-FFF2-40B4-BE49-F238E27FC236}">
-                <a16:creationId xmlns:a16="http://schemas.microsoft.com/office/drawing/2014/main" id="{224645FB-A42F-49A2-910E-645FDF55F5D6}"/>
-              </a:ext>
-            </a:extLst>
-          </p:cNvPr>
+            <a:endParaRPr lang="en-US" dirty="0"/>
+          </a:p>
+        </p:txBody>
+      </p:sp>
+      <p:sp>
+        <p:nvSpPr>
+          <p:cNvPr id="4" name="Date Placeholder 3"/>
           <p:cNvSpPr>
             <a:spLocks noGrp="1"/>
           </p:cNvSpPr>
@@ -670,7 +3219,7 @@
           <a:p>
             <a:fld id="{E36813AB-CC3A-4F77-A52E-D5F44D60AF1B}" type="datetimeFigureOut">
               <a:rPr lang="en-US" smtClean="0"/>
-              <a:t>4/9/2019</a:t>
+              <a:t>4/11/2019</a:t>
             </a:fld>
             <a:endParaRPr lang="en-US"/>
           </a:p>
@@ -678,13 +3227,7 @@
       </p:sp>
       <p:sp>
         <p:nvSpPr>
-          <p:cNvPr id="5" name="Footer Placeholder 4">
-            <a:extLst>
-              <a:ext uri="{FF2B5EF4-FFF2-40B4-BE49-F238E27FC236}">
-                <a16:creationId xmlns:a16="http://schemas.microsoft.com/office/drawing/2014/main" id="{12F3C971-313E-4BFD-86EE-3A159DA22538}"/>
-              </a:ext>
-            </a:extLst>
-          </p:cNvPr>
+          <p:cNvPr id="5" name="Footer Placeholder 4"/>
           <p:cNvSpPr>
             <a:spLocks noGrp="1"/>
           </p:cNvSpPr>
@@ -703,13 +3246,7 @@
       </p:sp>
       <p:sp>
         <p:nvSpPr>
-          <p:cNvPr id="6" name="Slide Number Placeholder 5">
-            <a:extLst>
-              <a:ext uri="{FF2B5EF4-FFF2-40B4-BE49-F238E27FC236}">
-                <a16:creationId xmlns:a16="http://schemas.microsoft.com/office/drawing/2014/main" id="{93959F6E-2410-456C-9603-B9E0FB62BC26}"/>
-              </a:ext>
-            </a:extLst>
-          </p:cNvPr>
+          <p:cNvPr id="6" name="Slide Number Placeholder 5"/>
           <p:cNvSpPr>
             <a:spLocks noGrp="1"/>
           </p:cNvSpPr>
@@ -733,7 +3270,7 @@
     </p:spTree>
     <p:extLst>
       <p:ext uri="{BB962C8B-B14F-4D97-AF65-F5344CB8AC3E}">
-        <p14:creationId xmlns:p14="http://schemas.microsoft.com/office/powerpoint/2010/main" val="2067308169"/>
+        <p14:creationId xmlns:p14="http://schemas.microsoft.com/office/powerpoint/2010/main" val="1645056210"/>
       </p:ext>
     </p:extLst>
   </p:cSld>
@@ -762,13 +3299,7 @@
       </p:grpSpPr>
       <p:sp>
         <p:nvSpPr>
-          <p:cNvPr id="2" name="Title 1">
-            <a:extLst>
-              <a:ext uri="{FF2B5EF4-FFF2-40B4-BE49-F238E27FC236}">
-                <a16:creationId xmlns:a16="http://schemas.microsoft.com/office/drawing/2014/main" id="{7687378B-0409-4829-AA9F-5344A60076CD}"/>
-              </a:ext>
-            </a:extLst>
-          </p:cNvPr>
+          <p:cNvPr id="2" name="Title 1"/>
           <p:cNvSpPr>
             <a:spLocks noGrp="1"/>
           </p:cNvSpPr>
@@ -785,18 +3316,13 @@
               <a:rPr lang="en-US"/>
               <a:t>Click to edit Master title style</a:t>
             </a:r>
-          </a:p>
-        </p:txBody>
-      </p:sp>
-      <p:sp>
-        <p:nvSpPr>
-          <p:cNvPr id="3" name="Content Placeholder 2">
-            <a:extLst>
-              <a:ext uri="{FF2B5EF4-FFF2-40B4-BE49-F238E27FC236}">
-                <a16:creationId xmlns:a16="http://schemas.microsoft.com/office/drawing/2014/main" id="{0C003B66-2DFB-4B4D-9931-E0643D2FDA81}"/>
-              </a:ext>
-            </a:extLst>
-          </p:cNvPr>
+            <a:endParaRPr lang="en-US" dirty="0"/>
+          </a:p>
+        </p:txBody>
+      </p:sp>
+      <p:sp>
+        <p:nvSpPr>
+          <p:cNvPr id="3" name="Content Placeholder 2"/>
           <p:cNvSpPr>
             <a:spLocks noGrp="1"/>
           </p:cNvSpPr>
@@ -812,7 +3338,7 @@
             <a:pPr lvl="0"/>
             <a:r>
               <a:rPr lang="en-US"/>
-              <a:t>Edit Master text styles</a:t>
+              <a:t>Click to edit Master text styles</a:t>
             </a:r>
           </a:p>
           <a:p>
@@ -842,18 +3368,13 @@
               <a:rPr lang="en-US"/>
               <a:t>Fifth level</a:t>
             </a:r>
-          </a:p>
-        </p:txBody>
-      </p:sp>
-      <p:sp>
-        <p:nvSpPr>
-          <p:cNvPr id="4" name="Date Placeholder 3">
-            <a:extLst>
-              <a:ext uri="{FF2B5EF4-FFF2-40B4-BE49-F238E27FC236}">
-                <a16:creationId xmlns:a16="http://schemas.microsoft.com/office/drawing/2014/main" id="{0129398F-D554-4573-A172-906E2BFB63A2}"/>
-              </a:ext>
-            </a:extLst>
-          </p:cNvPr>
+            <a:endParaRPr lang="en-US" dirty="0"/>
+          </a:p>
+        </p:txBody>
+      </p:sp>
+      <p:sp>
+        <p:nvSpPr>
+          <p:cNvPr id="7" name="Date Placeholder 3"/>
           <p:cNvSpPr>
             <a:spLocks noGrp="1"/>
           </p:cNvSpPr>
@@ -868,7 +3389,7 @@
           <a:p>
             <a:fld id="{E36813AB-CC3A-4F77-A52E-D5F44D60AF1B}" type="datetimeFigureOut">
               <a:rPr lang="en-US" smtClean="0"/>
-              <a:t>4/9/2019</a:t>
+              <a:t>4/11/2019</a:t>
             </a:fld>
             <a:endParaRPr lang="en-US"/>
           </a:p>
@@ -876,13 +3397,7 @@
       </p:sp>
       <p:sp>
         <p:nvSpPr>
-          <p:cNvPr id="5" name="Footer Placeholder 4">
-            <a:extLst>
-              <a:ext uri="{FF2B5EF4-FFF2-40B4-BE49-F238E27FC236}">
-                <a16:creationId xmlns:a16="http://schemas.microsoft.com/office/drawing/2014/main" id="{29BFB048-9B4E-4DFC-81A8-388AFFB406AD}"/>
-              </a:ext>
-            </a:extLst>
-          </p:cNvPr>
+          <p:cNvPr id="5" name="Footer Placeholder 4"/>
           <p:cNvSpPr>
             <a:spLocks noGrp="1"/>
           </p:cNvSpPr>
@@ -901,13 +3416,7 @@
       </p:sp>
       <p:sp>
         <p:nvSpPr>
-          <p:cNvPr id="6" name="Slide Number Placeholder 5">
-            <a:extLst>
-              <a:ext uri="{FF2B5EF4-FFF2-40B4-BE49-F238E27FC236}">
-                <a16:creationId xmlns:a16="http://schemas.microsoft.com/office/drawing/2014/main" id="{EE7F0EF7-DF2B-4AFA-975C-44A956DC1772}"/>
-              </a:ext>
-            </a:extLst>
-          </p:cNvPr>
+          <p:cNvPr id="6" name="Slide Number Placeholder 5"/>
           <p:cNvSpPr>
             <a:spLocks noGrp="1"/>
           </p:cNvSpPr>
@@ -931,7 +3440,7 @@
     </p:spTree>
     <p:extLst>
       <p:ext uri="{BB962C8B-B14F-4D97-AF65-F5344CB8AC3E}">
-        <p14:creationId xmlns:p14="http://schemas.microsoft.com/office/powerpoint/2010/main" val="428555601"/>
+        <p14:creationId xmlns:p14="http://schemas.microsoft.com/office/powerpoint/2010/main" val="3226119757"/>
       </p:ext>
     </p:extLst>
   </p:cSld>
@@ -960,13 +3469,7 @@
       </p:grpSpPr>
       <p:sp>
         <p:nvSpPr>
-          <p:cNvPr id="2" name="Title 1">
-            <a:extLst>
-              <a:ext uri="{FF2B5EF4-FFF2-40B4-BE49-F238E27FC236}">
-                <a16:creationId xmlns:a16="http://schemas.microsoft.com/office/drawing/2014/main" id="{D36403CF-24D8-40EF-BA86-970789DE0425}"/>
-              </a:ext>
-            </a:extLst>
-          </p:cNvPr>
+          <p:cNvPr id="2" name="Title 1"/>
           <p:cNvSpPr>
             <a:spLocks noGrp="1"/>
           </p:cNvSpPr>
@@ -976,15 +3479,15 @@
         </p:nvSpPr>
         <p:spPr>
           <a:xfrm>
-            <a:off x="831850" y="1709738"/>
-            <a:ext cx="10515600" cy="2852737"/>
+            <a:off x="1154956" y="2861733"/>
+            <a:ext cx="8825657" cy="1915647"/>
           </a:xfrm>
         </p:spPr>
         <p:txBody>
           <a:bodyPr anchor="b"/>
           <a:lstStyle>
-            <a:lvl1pPr>
-              <a:defRPr sz="6000"/>
+            <a:lvl1pPr algn="l">
+              <a:defRPr sz="4000" b="0" cap="none"/>
             </a:lvl1pPr>
           </a:lstStyle>
           <a:p>
@@ -992,18 +3495,13 @@
               <a:rPr lang="en-US"/>
               <a:t>Click to edit Master title style</a:t>
             </a:r>
-          </a:p>
-        </p:txBody>
-      </p:sp>
-      <p:sp>
-        <p:nvSpPr>
-          <p:cNvPr id="3" name="Text Placeholder 2">
-            <a:extLst>
-              <a:ext uri="{FF2B5EF4-FFF2-40B4-BE49-F238E27FC236}">
-                <a16:creationId xmlns:a16="http://schemas.microsoft.com/office/drawing/2014/main" id="{FBD992C1-4003-452F-B071-E2AB399D5355}"/>
-              </a:ext>
-            </a:extLst>
-          </p:cNvPr>
+            <a:endParaRPr lang="en-US" dirty="0"/>
+          </a:p>
+        </p:txBody>
+      </p:sp>
+      <p:sp>
+        <p:nvSpPr>
+          <p:cNvPr id="3" name="Text Placeholder 2"/>
           <p:cNvSpPr>
             <a:spLocks noGrp="1"/>
           </p:cNvSpPr>
@@ -1013,26 +3511,27 @@
         </p:nvSpPr>
         <p:spPr>
           <a:xfrm>
-            <a:off x="831850" y="4589463"/>
-            <a:ext cx="10515600" cy="1500187"/>
-          </a:xfrm>
-        </p:spPr>
-        <p:txBody>
-          <a:bodyPr/>
+            <a:off x="1154955" y="4777381"/>
+            <a:ext cx="8825658" cy="860400"/>
+          </a:xfrm>
+        </p:spPr>
+        <p:txBody>
+          <a:bodyPr anchor="t"/>
           <a:lstStyle>
-            <a:lvl1pPr marL="0" indent="0">
-              <a:buNone/>
-              <a:defRPr sz="2400">
+            <a:lvl1pPr marL="0" indent="0" algn="l">
+              <a:buNone/>
+              <a:defRPr sz="2000" cap="all">
                 <a:solidFill>
-                  <a:schemeClr val="tx1">
-                    <a:tint val="75000"/>
+                  <a:schemeClr val="bg2">
+                    <a:lumMod val="40000"/>
+                    <a:lumOff val="60000"/>
                   </a:schemeClr>
                 </a:solidFill>
               </a:defRPr>
             </a:lvl1pPr>
             <a:lvl2pPr marL="457200" indent="0">
               <a:buNone/>
-              <a:defRPr sz="2000">
+              <a:defRPr sz="1800">
                 <a:solidFill>
                   <a:schemeClr val="tx1">
                     <a:tint val="75000"/>
@@ -1042,7 +3541,7 @@
             </a:lvl2pPr>
             <a:lvl3pPr marL="914400" indent="0">
               <a:buNone/>
-              <a:defRPr sz="1800">
+              <a:defRPr sz="1600">
                 <a:solidFill>
                   <a:schemeClr val="tx1">
                     <a:tint val="75000"/>
@@ -1052,7 +3551,7 @@
             </a:lvl3pPr>
             <a:lvl4pPr marL="1371600" indent="0">
               <a:buNone/>
-              <a:defRPr sz="1600">
+              <a:defRPr sz="1400">
                 <a:solidFill>
                   <a:schemeClr val="tx1">
                     <a:tint val="75000"/>
@@ -1062,7 +3561,7 @@
             </a:lvl4pPr>
             <a:lvl5pPr marL="1828800" indent="0">
               <a:buNone/>
-              <a:defRPr sz="1600">
+              <a:defRPr sz="1400">
                 <a:solidFill>
                   <a:schemeClr val="tx1">
                     <a:tint val="75000"/>
@@ -1072,7 +3571,7 @@
             </a:lvl5pPr>
             <a:lvl6pPr marL="2286000" indent="0">
               <a:buNone/>
-              <a:defRPr sz="1600">
+              <a:defRPr sz="1400">
                 <a:solidFill>
                   <a:schemeClr val="tx1">
                     <a:tint val="75000"/>
@@ -1082,7 +3581,7 @@
             </a:lvl6pPr>
             <a:lvl7pPr marL="2743200" indent="0">
               <a:buNone/>
-              <a:defRPr sz="1600">
+              <a:defRPr sz="1400">
                 <a:solidFill>
                   <a:schemeClr val="tx1">
                     <a:tint val="75000"/>
@@ -1092,7 +3591,7 @@
             </a:lvl7pPr>
             <a:lvl8pPr marL="3200400" indent="0">
               <a:buNone/>
-              <a:defRPr sz="1600">
+              <a:defRPr sz="1400">
                 <a:solidFill>
                   <a:schemeClr val="tx1">
                     <a:tint val="75000"/>
@@ -1102,7 +3601,7 @@
             </a:lvl8pPr>
             <a:lvl9pPr marL="3657600" indent="0">
               <a:buNone/>
-              <a:defRPr sz="1600">
+              <a:defRPr sz="1400">
                 <a:solidFill>
                   <a:schemeClr val="tx1">
                     <a:tint val="75000"/>
@@ -1115,20 +3614,14 @@
             <a:pPr lvl="0"/>
             <a:r>
               <a:rPr lang="en-US"/>
-              <a:t>Edit Master text styles</a:t>
-            </a:r>
-          </a:p>
-        </p:txBody>
-      </p:sp>
-      <p:sp>
-        <p:nvSpPr>
-          <p:cNvPr id="4" name="Date Placeholder 3">
-            <a:extLst>
-              <a:ext uri="{FF2B5EF4-FFF2-40B4-BE49-F238E27FC236}">
-                <a16:creationId xmlns:a16="http://schemas.microsoft.com/office/drawing/2014/main" id="{85CB9F04-C4DE-4ED8-92F9-FCD627C38F74}"/>
-              </a:ext>
-            </a:extLst>
-          </p:cNvPr>
+              <a:t>Click to edit Master text styles</a:t>
+            </a:r>
+          </a:p>
+        </p:txBody>
+      </p:sp>
+      <p:sp>
+        <p:nvSpPr>
+          <p:cNvPr id="4" name="Date Placeholder 3"/>
           <p:cNvSpPr>
             <a:spLocks noGrp="1"/>
           </p:cNvSpPr>
@@ -1143,7 +3636,7 @@
           <a:p>
             <a:fld id="{E36813AB-CC3A-4F77-A52E-D5F44D60AF1B}" type="datetimeFigureOut">
               <a:rPr lang="en-US" smtClean="0"/>
-              <a:t>4/9/2019</a:t>
+              <a:t>4/11/2019</a:t>
             </a:fld>
             <a:endParaRPr lang="en-US"/>
           </a:p>
@@ -1151,13 +3644,7 @@
       </p:sp>
       <p:sp>
         <p:nvSpPr>
-          <p:cNvPr id="5" name="Footer Placeholder 4">
-            <a:extLst>
-              <a:ext uri="{FF2B5EF4-FFF2-40B4-BE49-F238E27FC236}">
-                <a16:creationId xmlns:a16="http://schemas.microsoft.com/office/drawing/2014/main" id="{14AFE8B2-A395-46A0-B319-E66DC7CC0F21}"/>
-              </a:ext>
-            </a:extLst>
-          </p:cNvPr>
+          <p:cNvPr id="5" name="Footer Placeholder 4"/>
           <p:cNvSpPr>
             <a:spLocks noGrp="1"/>
           </p:cNvSpPr>
@@ -1176,13 +3663,7 @@
       </p:sp>
       <p:sp>
         <p:nvSpPr>
-          <p:cNvPr id="6" name="Slide Number Placeholder 5">
-            <a:extLst>
-              <a:ext uri="{FF2B5EF4-FFF2-40B4-BE49-F238E27FC236}">
-                <a16:creationId xmlns:a16="http://schemas.microsoft.com/office/drawing/2014/main" id="{C74C9B32-3D8E-4902-9720-C8D81680548C}"/>
-              </a:ext>
-            </a:extLst>
-          </p:cNvPr>
+          <p:cNvPr id="6" name="Slide Number Placeholder 5"/>
           <p:cNvSpPr>
             <a:spLocks noGrp="1"/>
           </p:cNvSpPr>
@@ -1206,7 +3687,7 @@
     </p:spTree>
     <p:extLst>
       <p:ext uri="{BB962C8B-B14F-4D97-AF65-F5344CB8AC3E}">
-        <p14:creationId xmlns:p14="http://schemas.microsoft.com/office/powerpoint/2010/main" val="3916548182"/>
+        <p14:creationId xmlns:p14="http://schemas.microsoft.com/office/powerpoint/2010/main" val="3727460822"/>
       </p:ext>
     </p:extLst>
   </p:cSld>
@@ -1235,13 +3716,7 @@
       </p:grpSpPr>
       <p:sp>
         <p:nvSpPr>
-          <p:cNvPr id="2" name="Title 1">
-            <a:extLst>
-              <a:ext uri="{FF2B5EF4-FFF2-40B4-BE49-F238E27FC236}">
-                <a16:creationId xmlns:a16="http://schemas.microsoft.com/office/drawing/2014/main" id="{63F23FD3-61BD-47CC-B83F-112DACDBA56F}"/>
-              </a:ext>
-            </a:extLst>
-          </p:cNvPr>
+          <p:cNvPr id="2" name="Title 1"/>
           <p:cNvSpPr>
             <a:spLocks noGrp="1"/>
           </p:cNvSpPr>
@@ -1258,18 +3733,13 @@
               <a:rPr lang="en-US"/>
               <a:t>Click to edit Master title style</a:t>
             </a:r>
-          </a:p>
-        </p:txBody>
-      </p:sp>
-      <p:sp>
-        <p:nvSpPr>
-          <p:cNvPr id="3" name="Content Placeholder 2">
-            <a:extLst>
-              <a:ext uri="{FF2B5EF4-FFF2-40B4-BE49-F238E27FC236}">
-                <a16:creationId xmlns:a16="http://schemas.microsoft.com/office/drawing/2014/main" id="{455CB0EF-EE6E-41B8-962B-6E5F2CF9F104}"/>
-              </a:ext>
-            </a:extLst>
-          </p:cNvPr>
+            <a:endParaRPr lang="en-US" dirty="0"/>
+          </a:p>
+        </p:txBody>
+      </p:sp>
+      <p:sp>
+        <p:nvSpPr>
+          <p:cNvPr id="3" name="Content Placeholder 2"/>
           <p:cNvSpPr>
             <a:spLocks noGrp="1"/>
           </p:cNvSpPr>
@@ -1279,18 +3749,48 @@
         </p:nvSpPr>
         <p:spPr>
           <a:xfrm>
-            <a:off x="838200" y="1825625"/>
-            <a:ext cx="5181600" cy="4351338"/>
-          </a:xfrm>
-        </p:spPr>
-        <p:txBody>
-          <a:bodyPr/>
-          <a:lstStyle/>
+            <a:off x="1103312" y="2060575"/>
+            <a:ext cx="4396339" cy="4195763"/>
+          </a:xfrm>
+        </p:spPr>
+        <p:txBody>
+          <a:bodyPr>
+            <a:normAutofit/>
+          </a:bodyPr>
+          <a:lstStyle>
+            <a:lvl1pPr>
+              <a:defRPr sz="1800"/>
+            </a:lvl1pPr>
+            <a:lvl2pPr>
+              <a:defRPr sz="1600"/>
+            </a:lvl2pPr>
+            <a:lvl3pPr>
+              <a:defRPr sz="1400"/>
+            </a:lvl3pPr>
+            <a:lvl4pPr>
+              <a:defRPr sz="1200"/>
+            </a:lvl4pPr>
+            <a:lvl5pPr>
+              <a:defRPr sz="1200"/>
+            </a:lvl5pPr>
+            <a:lvl6pPr>
+              <a:defRPr sz="1200"/>
+            </a:lvl6pPr>
+            <a:lvl7pPr>
+              <a:defRPr sz="1200"/>
+            </a:lvl7pPr>
+            <a:lvl8pPr>
+              <a:defRPr sz="1200"/>
+            </a:lvl8pPr>
+            <a:lvl9pPr>
+              <a:defRPr sz="1200"/>
+            </a:lvl9pPr>
+          </a:lstStyle>
           <a:p>
             <a:pPr lvl="0"/>
             <a:r>
               <a:rPr lang="en-US"/>
-              <a:t>Edit Master text styles</a:t>
+              <a:t>Click to edit Master text styles</a:t>
             </a:r>
           </a:p>
           <a:p>
@@ -1320,18 +3820,13 @@
               <a:rPr lang="en-US"/>
               <a:t>Fifth level</a:t>
             </a:r>
-          </a:p>
-        </p:txBody>
-      </p:sp>
-      <p:sp>
-        <p:nvSpPr>
-          <p:cNvPr id="4" name="Content Placeholder 3">
-            <a:extLst>
-              <a:ext uri="{FF2B5EF4-FFF2-40B4-BE49-F238E27FC236}">
-                <a16:creationId xmlns:a16="http://schemas.microsoft.com/office/drawing/2014/main" id="{1F999C94-501A-4EF0-89DA-8165258BFC78}"/>
-              </a:ext>
-            </a:extLst>
-          </p:cNvPr>
+            <a:endParaRPr lang="en-US" dirty="0"/>
+          </a:p>
+        </p:txBody>
+      </p:sp>
+      <p:sp>
+        <p:nvSpPr>
+          <p:cNvPr id="4" name="Content Placeholder 3"/>
           <p:cNvSpPr>
             <a:spLocks noGrp="1"/>
           </p:cNvSpPr>
@@ -1341,18 +3836,48 @@
         </p:nvSpPr>
         <p:spPr>
           <a:xfrm>
-            <a:off x="6172200" y="1825625"/>
-            <a:ext cx="5181600" cy="4351338"/>
-          </a:xfrm>
-        </p:spPr>
-        <p:txBody>
-          <a:bodyPr/>
-          <a:lstStyle/>
+            <a:off x="5654493" y="2056092"/>
+            <a:ext cx="4396341" cy="4200245"/>
+          </a:xfrm>
+        </p:spPr>
+        <p:txBody>
+          <a:bodyPr>
+            <a:normAutofit/>
+          </a:bodyPr>
+          <a:lstStyle>
+            <a:lvl1pPr>
+              <a:defRPr sz="1800"/>
+            </a:lvl1pPr>
+            <a:lvl2pPr>
+              <a:defRPr sz="1600"/>
+            </a:lvl2pPr>
+            <a:lvl3pPr>
+              <a:defRPr sz="1400"/>
+            </a:lvl3pPr>
+            <a:lvl4pPr>
+              <a:defRPr sz="1200"/>
+            </a:lvl4pPr>
+            <a:lvl5pPr>
+              <a:defRPr sz="1200"/>
+            </a:lvl5pPr>
+            <a:lvl6pPr>
+              <a:defRPr sz="1200"/>
+            </a:lvl6pPr>
+            <a:lvl7pPr>
+              <a:defRPr sz="1200"/>
+            </a:lvl7pPr>
+            <a:lvl8pPr>
+              <a:defRPr sz="1200"/>
+            </a:lvl8pPr>
+            <a:lvl9pPr>
+              <a:defRPr sz="1200"/>
+            </a:lvl9pPr>
+          </a:lstStyle>
           <a:p>
             <a:pPr lvl="0"/>
             <a:r>
               <a:rPr lang="en-US"/>
-              <a:t>Edit Master text styles</a:t>
+              <a:t>Click to edit Master text styles</a:t>
             </a:r>
           </a:p>
           <a:p>
@@ -1382,18 +3907,13 @@
               <a:rPr lang="en-US"/>
               <a:t>Fifth level</a:t>
             </a:r>
-          </a:p>
-        </p:txBody>
-      </p:sp>
-      <p:sp>
-        <p:nvSpPr>
-          <p:cNvPr id="5" name="Date Placeholder 4">
-            <a:extLst>
-              <a:ext uri="{FF2B5EF4-FFF2-40B4-BE49-F238E27FC236}">
-                <a16:creationId xmlns:a16="http://schemas.microsoft.com/office/drawing/2014/main" id="{9711626C-57CF-417B-8706-D5513A06DF48}"/>
-              </a:ext>
-            </a:extLst>
-          </p:cNvPr>
+            <a:endParaRPr lang="en-US" dirty="0"/>
+          </a:p>
+        </p:txBody>
+      </p:sp>
+      <p:sp>
+        <p:nvSpPr>
+          <p:cNvPr id="5" name="Date Placeholder 4"/>
           <p:cNvSpPr>
             <a:spLocks noGrp="1"/>
           </p:cNvSpPr>
@@ -1408,7 +3928,7 @@
           <a:p>
             <a:fld id="{E36813AB-CC3A-4F77-A52E-D5F44D60AF1B}" type="datetimeFigureOut">
               <a:rPr lang="en-US" smtClean="0"/>
-              <a:t>4/9/2019</a:t>
+              <a:t>4/11/2019</a:t>
             </a:fld>
             <a:endParaRPr lang="en-US"/>
           </a:p>
@@ -1416,13 +3936,7 @@
       </p:sp>
       <p:sp>
         <p:nvSpPr>
-          <p:cNvPr id="6" name="Footer Placeholder 5">
-            <a:extLst>
-              <a:ext uri="{FF2B5EF4-FFF2-40B4-BE49-F238E27FC236}">
-                <a16:creationId xmlns:a16="http://schemas.microsoft.com/office/drawing/2014/main" id="{47C1EAF0-7B64-4B29-9D9A-30085FCAFB27}"/>
-              </a:ext>
-            </a:extLst>
-          </p:cNvPr>
+          <p:cNvPr id="6" name="Footer Placeholder 5"/>
           <p:cNvSpPr>
             <a:spLocks noGrp="1"/>
           </p:cNvSpPr>
@@ -1441,13 +3955,7 @@
       </p:sp>
       <p:sp>
         <p:nvSpPr>
-          <p:cNvPr id="7" name="Slide Number Placeholder 6">
-            <a:extLst>
-              <a:ext uri="{FF2B5EF4-FFF2-40B4-BE49-F238E27FC236}">
-                <a16:creationId xmlns:a16="http://schemas.microsoft.com/office/drawing/2014/main" id="{0E961F1D-59FE-464C-9268-F8036AA81289}"/>
-              </a:ext>
-            </a:extLst>
-          </p:cNvPr>
+          <p:cNvPr id="7" name="Slide Number Placeholder 6"/>
           <p:cNvSpPr>
             <a:spLocks noGrp="1"/>
           </p:cNvSpPr>
@@ -1471,7 +3979,7 @@
     </p:spTree>
     <p:extLst>
       <p:ext uri="{BB962C8B-B14F-4D97-AF65-F5344CB8AC3E}">
-        <p14:creationId xmlns:p14="http://schemas.microsoft.com/office/powerpoint/2010/main" val="200522631"/>
+        <p14:creationId xmlns:p14="http://schemas.microsoft.com/office/powerpoint/2010/main" val="3781219976"/>
       </p:ext>
     </p:extLst>
   </p:cSld>
@@ -1500,13 +4008,7 @@
       </p:grpSpPr>
       <p:sp>
         <p:nvSpPr>
-          <p:cNvPr id="2" name="Title 1">
-            <a:extLst>
-              <a:ext uri="{FF2B5EF4-FFF2-40B4-BE49-F238E27FC236}">
-                <a16:creationId xmlns:a16="http://schemas.microsoft.com/office/drawing/2014/main" id="{24986BFD-18B4-4FCA-8DD6-F455CEBF07FC}"/>
-              </a:ext>
-            </a:extLst>
-          </p:cNvPr>
+          <p:cNvPr id="2" name="Title 1"/>
           <p:cNvSpPr>
             <a:spLocks noGrp="1"/>
           </p:cNvSpPr>
@@ -1514,32 +4016,26 @@
             <p:ph type="title"/>
           </p:nvPr>
         </p:nvSpPr>
-        <p:spPr>
-          <a:xfrm>
-            <a:off x="839788" y="365125"/>
-            <a:ext cx="10515600" cy="1325563"/>
-          </a:xfrm>
-        </p:spPr>
+        <p:spPr/>
         <p:txBody>
           <a:bodyPr/>
-          <a:lstStyle/>
+          <a:lstStyle>
+            <a:lvl1pPr>
+              <a:defRPr/>
+            </a:lvl1pPr>
+          </a:lstStyle>
           <a:p>
             <a:r>
               <a:rPr lang="en-US"/>
               <a:t>Click to edit Master title style</a:t>
             </a:r>
-          </a:p>
-        </p:txBody>
-      </p:sp>
-      <p:sp>
-        <p:nvSpPr>
-          <p:cNvPr id="3" name="Text Placeholder 2">
-            <a:extLst>
-              <a:ext uri="{FF2B5EF4-FFF2-40B4-BE49-F238E27FC236}">
-                <a16:creationId xmlns:a16="http://schemas.microsoft.com/office/drawing/2014/main" id="{59EF843D-B36A-41BE-A005-C3CDAC4F9B31}"/>
-              </a:ext>
-            </a:extLst>
-          </p:cNvPr>
+            <a:endParaRPr lang="en-US" dirty="0"/>
+          </a:p>
+        </p:txBody>
+      </p:sp>
+      <p:sp>
+        <p:nvSpPr>
+          <p:cNvPr id="3" name="Text Placeholder 2"/>
           <p:cNvSpPr>
             <a:spLocks noGrp="1"/>
           </p:cNvSpPr>
@@ -1549,16 +4045,25 @@
         </p:nvSpPr>
         <p:spPr>
           <a:xfrm>
-            <a:off x="839788" y="1681163"/>
-            <a:ext cx="5157787" cy="823912"/>
-          </a:xfrm>
-        </p:spPr>
-        <p:txBody>
-          <a:bodyPr anchor="b"/>
+            <a:off x="1103313" y="1905000"/>
+            <a:ext cx="4396338" cy="576262"/>
+          </a:xfrm>
+        </p:spPr>
+        <p:txBody>
+          <a:bodyPr anchor="b">
+            <a:noAutofit/>
+          </a:bodyPr>
           <a:lstStyle>
             <a:lvl1pPr marL="0" indent="0">
               <a:buNone/>
-              <a:defRPr sz="2400" b="1"/>
+              <a:defRPr sz="2400" b="0">
+                <a:solidFill>
+                  <a:schemeClr val="bg2">
+                    <a:lumMod val="40000"/>
+                    <a:lumOff val="60000"/>
+                  </a:schemeClr>
+                </a:solidFill>
+              </a:defRPr>
             </a:lvl1pPr>
             <a:lvl2pPr marL="457200" indent="0">
               <a:buNone/>
@@ -1597,20 +4102,14 @@
             <a:pPr lvl="0"/>
             <a:r>
               <a:rPr lang="en-US"/>
-              <a:t>Edit Master text styles</a:t>
-            </a:r>
-          </a:p>
-        </p:txBody>
-      </p:sp>
-      <p:sp>
-        <p:nvSpPr>
-          <p:cNvPr id="4" name="Content Placeholder 3">
-            <a:extLst>
-              <a:ext uri="{FF2B5EF4-FFF2-40B4-BE49-F238E27FC236}">
-                <a16:creationId xmlns:a16="http://schemas.microsoft.com/office/drawing/2014/main" id="{52A7751B-CEE0-4308-BA7F-8E2E213DB383}"/>
-              </a:ext>
-            </a:extLst>
-          </p:cNvPr>
+              <a:t>Click to edit Master text styles</a:t>
+            </a:r>
+          </a:p>
+        </p:txBody>
+      </p:sp>
+      <p:sp>
+        <p:nvSpPr>
+          <p:cNvPr id="4" name="Content Placeholder 3"/>
           <p:cNvSpPr>
             <a:spLocks noGrp="1"/>
           </p:cNvSpPr>
@@ -1620,18 +4119,48 @@
         </p:nvSpPr>
         <p:spPr>
           <a:xfrm>
-            <a:off x="839788" y="2505075"/>
-            <a:ext cx="5157787" cy="3684588"/>
-          </a:xfrm>
-        </p:spPr>
-        <p:txBody>
-          <a:bodyPr/>
-          <a:lstStyle/>
+            <a:off x="1103312" y="2514600"/>
+            <a:ext cx="4396339" cy="3741738"/>
+          </a:xfrm>
+        </p:spPr>
+        <p:txBody>
+          <a:bodyPr>
+            <a:normAutofit/>
+          </a:bodyPr>
+          <a:lstStyle>
+            <a:lvl1pPr>
+              <a:defRPr sz="1800"/>
+            </a:lvl1pPr>
+            <a:lvl2pPr>
+              <a:defRPr sz="1600"/>
+            </a:lvl2pPr>
+            <a:lvl3pPr>
+              <a:defRPr sz="1400"/>
+            </a:lvl3pPr>
+            <a:lvl4pPr>
+              <a:defRPr sz="1200"/>
+            </a:lvl4pPr>
+            <a:lvl5pPr>
+              <a:defRPr sz="1200"/>
+            </a:lvl5pPr>
+            <a:lvl6pPr>
+              <a:defRPr sz="1200"/>
+            </a:lvl6pPr>
+            <a:lvl7pPr>
+              <a:defRPr sz="1200"/>
+            </a:lvl7pPr>
+            <a:lvl8pPr>
+              <a:defRPr sz="1200"/>
+            </a:lvl8pPr>
+            <a:lvl9pPr>
+              <a:defRPr sz="1200"/>
+            </a:lvl9pPr>
+          </a:lstStyle>
           <a:p>
             <a:pPr lvl="0"/>
             <a:r>
               <a:rPr lang="en-US"/>
-              <a:t>Edit Master text styles</a:t>
+              <a:t>Click to edit Master text styles</a:t>
             </a:r>
           </a:p>
           <a:p>
@@ -1661,18 +4190,13 @@
               <a:rPr lang="en-US"/>
               <a:t>Fifth level</a:t>
             </a:r>
-          </a:p>
-        </p:txBody>
-      </p:sp>
-      <p:sp>
-        <p:nvSpPr>
-          <p:cNvPr id="5" name="Text Placeholder 4">
-            <a:extLst>
-              <a:ext uri="{FF2B5EF4-FFF2-40B4-BE49-F238E27FC236}">
-                <a16:creationId xmlns:a16="http://schemas.microsoft.com/office/drawing/2014/main" id="{853D3638-1F93-419C-9A44-F9B126B9AA25}"/>
-              </a:ext>
-            </a:extLst>
-          </p:cNvPr>
+            <a:endParaRPr lang="en-US" dirty="0"/>
+          </a:p>
+        </p:txBody>
+      </p:sp>
+      <p:sp>
+        <p:nvSpPr>
+          <p:cNvPr id="5" name="Text Placeholder 4"/>
           <p:cNvSpPr>
             <a:spLocks noGrp="1"/>
           </p:cNvSpPr>
@@ -1682,16 +4206,25 @@
         </p:nvSpPr>
         <p:spPr>
           <a:xfrm>
-            <a:off x="6172200" y="1681163"/>
-            <a:ext cx="5183188" cy="823912"/>
-          </a:xfrm>
-        </p:spPr>
-        <p:txBody>
-          <a:bodyPr anchor="b"/>
+            <a:off x="5654495" y="1905000"/>
+            <a:ext cx="4396339" cy="576262"/>
+          </a:xfrm>
+        </p:spPr>
+        <p:txBody>
+          <a:bodyPr anchor="b">
+            <a:noAutofit/>
+          </a:bodyPr>
           <a:lstStyle>
             <a:lvl1pPr marL="0" indent="0">
               <a:buNone/>
-              <a:defRPr sz="2400" b="1"/>
+              <a:defRPr sz="2400" b="0">
+                <a:solidFill>
+                  <a:schemeClr val="bg2">
+                    <a:lumMod val="40000"/>
+                    <a:lumOff val="60000"/>
+                  </a:schemeClr>
+                </a:solidFill>
+              </a:defRPr>
             </a:lvl1pPr>
             <a:lvl2pPr marL="457200" indent="0">
               <a:buNone/>
@@ -1730,20 +4263,14 @@
             <a:pPr lvl="0"/>
             <a:r>
               <a:rPr lang="en-US"/>
-              <a:t>Edit Master text styles</a:t>
-            </a:r>
-          </a:p>
-        </p:txBody>
-      </p:sp>
-      <p:sp>
-        <p:nvSpPr>
-          <p:cNvPr id="6" name="Content Placeholder 5">
-            <a:extLst>
-              <a:ext uri="{FF2B5EF4-FFF2-40B4-BE49-F238E27FC236}">
-                <a16:creationId xmlns:a16="http://schemas.microsoft.com/office/drawing/2014/main" id="{B05E5913-B82A-48AA-BA06-1668C3D31BEC}"/>
-              </a:ext>
-            </a:extLst>
-          </p:cNvPr>
+              <a:t>Click to edit Master text styles</a:t>
+            </a:r>
+          </a:p>
+        </p:txBody>
+      </p:sp>
+      <p:sp>
+        <p:nvSpPr>
+          <p:cNvPr id="6" name="Content Placeholder 5"/>
           <p:cNvSpPr>
             <a:spLocks noGrp="1"/>
           </p:cNvSpPr>
@@ -1753,18 +4280,48 @@
         </p:nvSpPr>
         <p:spPr>
           <a:xfrm>
-            <a:off x="6172200" y="2505075"/>
-            <a:ext cx="5183188" cy="3684588"/>
-          </a:xfrm>
-        </p:spPr>
-        <p:txBody>
-          <a:bodyPr/>
-          <a:lstStyle/>
+            <a:off x="5654495" y="2514600"/>
+            <a:ext cx="4396339" cy="3741738"/>
+          </a:xfrm>
+        </p:spPr>
+        <p:txBody>
+          <a:bodyPr>
+            <a:normAutofit/>
+          </a:bodyPr>
+          <a:lstStyle>
+            <a:lvl1pPr>
+              <a:defRPr sz="1800"/>
+            </a:lvl1pPr>
+            <a:lvl2pPr>
+              <a:defRPr sz="1600"/>
+            </a:lvl2pPr>
+            <a:lvl3pPr>
+              <a:defRPr sz="1400"/>
+            </a:lvl3pPr>
+            <a:lvl4pPr>
+              <a:defRPr sz="1200"/>
+            </a:lvl4pPr>
+            <a:lvl5pPr>
+              <a:defRPr sz="1200"/>
+            </a:lvl5pPr>
+            <a:lvl6pPr>
+              <a:defRPr sz="1200"/>
+            </a:lvl6pPr>
+            <a:lvl7pPr>
+              <a:defRPr sz="1200"/>
+            </a:lvl7pPr>
+            <a:lvl8pPr>
+              <a:defRPr sz="1200"/>
+            </a:lvl8pPr>
+            <a:lvl9pPr>
+              <a:defRPr sz="1200"/>
+            </a:lvl9pPr>
+          </a:lstStyle>
           <a:p>
             <a:pPr lvl="0"/>
             <a:r>
               <a:rPr lang="en-US"/>
-              <a:t>Edit Master text styles</a:t>
+              <a:t>Click to edit Master text styles</a:t>
             </a:r>
           </a:p>
           <a:p>
@@ -1794,18 +4351,13 @@
               <a:rPr lang="en-US"/>
               <a:t>Fifth level</a:t>
             </a:r>
-          </a:p>
-        </p:txBody>
-      </p:sp>
-      <p:sp>
-        <p:nvSpPr>
-          <p:cNvPr id="7" name="Date Placeholder 6">
-            <a:extLst>
-              <a:ext uri="{FF2B5EF4-FFF2-40B4-BE49-F238E27FC236}">
-                <a16:creationId xmlns:a16="http://schemas.microsoft.com/office/drawing/2014/main" id="{DE07F1B9-C6FA-4087-A1C2-3D7105412899}"/>
-              </a:ext>
-            </a:extLst>
-          </p:cNvPr>
+            <a:endParaRPr lang="en-US" dirty="0"/>
+          </a:p>
+        </p:txBody>
+      </p:sp>
+      <p:sp>
+        <p:nvSpPr>
+          <p:cNvPr id="7" name="Date Placeholder 6"/>
           <p:cNvSpPr>
             <a:spLocks noGrp="1"/>
           </p:cNvSpPr>
@@ -1820,7 +4372,7 @@
           <a:p>
             <a:fld id="{E36813AB-CC3A-4F77-A52E-D5F44D60AF1B}" type="datetimeFigureOut">
               <a:rPr lang="en-US" smtClean="0"/>
-              <a:t>4/9/2019</a:t>
+              <a:t>4/11/2019</a:t>
             </a:fld>
             <a:endParaRPr lang="en-US"/>
           </a:p>
@@ -1828,13 +4380,7 @@
       </p:sp>
       <p:sp>
         <p:nvSpPr>
-          <p:cNvPr id="8" name="Footer Placeholder 7">
-            <a:extLst>
-              <a:ext uri="{FF2B5EF4-FFF2-40B4-BE49-F238E27FC236}">
-                <a16:creationId xmlns:a16="http://schemas.microsoft.com/office/drawing/2014/main" id="{902EECE4-BC57-4EE6-BFB7-36E0EFF8B2F8}"/>
-              </a:ext>
-            </a:extLst>
-          </p:cNvPr>
+          <p:cNvPr id="8" name="Footer Placeholder 7"/>
           <p:cNvSpPr>
             <a:spLocks noGrp="1"/>
           </p:cNvSpPr>
@@ -1853,13 +4399,7 @@
       </p:sp>
       <p:sp>
         <p:nvSpPr>
-          <p:cNvPr id="9" name="Slide Number Placeholder 8">
-            <a:extLst>
-              <a:ext uri="{FF2B5EF4-FFF2-40B4-BE49-F238E27FC236}">
-                <a16:creationId xmlns:a16="http://schemas.microsoft.com/office/drawing/2014/main" id="{8E022007-E966-4E68-AE9C-0EA55C47579D}"/>
-              </a:ext>
-            </a:extLst>
-          </p:cNvPr>
+          <p:cNvPr id="9" name="Slide Number Placeholder 8"/>
           <p:cNvSpPr>
             <a:spLocks noGrp="1"/>
           </p:cNvSpPr>
@@ -1883,7 +4423,7 @@
     </p:spTree>
     <p:extLst>
       <p:ext uri="{BB962C8B-B14F-4D97-AF65-F5344CB8AC3E}">
-        <p14:creationId xmlns:p14="http://schemas.microsoft.com/office/powerpoint/2010/main" val="928890752"/>
+        <p14:creationId xmlns:p14="http://schemas.microsoft.com/office/powerpoint/2010/main" val="3144004572"/>
       </p:ext>
     </p:extLst>
   </p:cSld>
@@ -1912,13 +4452,7 @@
       </p:grpSpPr>
       <p:sp>
         <p:nvSpPr>
-          <p:cNvPr id="2" name="Title 1">
-            <a:extLst>
-              <a:ext uri="{FF2B5EF4-FFF2-40B4-BE49-F238E27FC236}">
-                <a16:creationId xmlns:a16="http://schemas.microsoft.com/office/drawing/2014/main" id="{B24BE117-4CA4-4C11-8850-AA94ED2D07E2}"/>
-              </a:ext>
-            </a:extLst>
-          </p:cNvPr>
+          <p:cNvPr id="2" name="Title 1"/>
           <p:cNvSpPr>
             <a:spLocks noGrp="1"/>
           </p:cNvSpPr>
@@ -1935,18 +4469,13 @@
               <a:rPr lang="en-US"/>
               <a:t>Click to edit Master title style</a:t>
             </a:r>
-          </a:p>
-        </p:txBody>
-      </p:sp>
-      <p:sp>
-        <p:nvSpPr>
-          <p:cNvPr id="3" name="Date Placeholder 2">
-            <a:extLst>
-              <a:ext uri="{FF2B5EF4-FFF2-40B4-BE49-F238E27FC236}">
-                <a16:creationId xmlns:a16="http://schemas.microsoft.com/office/drawing/2014/main" id="{2532E6B5-9DE8-4B1C-84FF-A4E035425529}"/>
-              </a:ext>
-            </a:extLst>
-          </p:cNvPr>
+            <a:endParaRPr lang="en-US" dirty="0"/>
+          </a:p>
+        </p:txBody>
+      </p:sp>
+      <p:sp>
+        <p:nvSpPr>
+          <p:cNvPr id="7" name="Date Placeholder 2"/>
           <p:cNvSpPr>
             <a:spLocks noGrp="1"/>
           </p:cNvSpPr>
@@ -1961,7 +4490,7 @@
           <a:p>
             <a:fld id="{E36813AB-CC3A-4F77-A52E-D5F44D60AF1B}" type="datetimeFigureOut">
               <a:rPr lang="en-US" smtClean="0"/>
-              <a:t>4/9/2019</a:t>
+              <a:t>4/11/2019</a:t>
             </a:fld>
             <a:endParaRPr lang="en-US"/>
           </a:p>
@@ -1969,13 +4498,7 @@
       </p:sp>
       <p:sp>
         <p:nvSpPr>
-          <p:cNvPr id="4" name="Footer Placeholder 3">
-            <a:extLst>
-              <a:ext uri="{FF2B5EF4-FFF2-40B4-BE49-F238E27FC236}">
-                <a16:creationId xmlns:a16="http://schemas.microsoft.com/office/drawing/2014/main" id="{5D093516-75D2-4ADB-83CF-C5E7930214AE}"/>
-              </a:ext>
-            </a:extLst>
-          </p:cNvPr>
+          <p:cNvPr id="5" name="Footer Placeholder 3"/>
           <p:cNvSpPr>
             <a:spLocks noGrp="1"/>
           </p:cNvSpPr>
@@ -1994,13 +4517,7 @@
       </p:sp>
       <p:sp>
         <p:nvSpPr>
-          <p:cNvPr id="5" name="Slide Number Placeholder 4">
-            <a:extLst>
-              <a:ext uri="{FF2B5EF4-FFF2-40B4-BE49-F238E27FC236}">
-                <a16:creationId xmlns:a16="http://schemas.microsoft.com/office/drawing/2014/main" id="{FFF4A17C-7CE7-4491-B9F4-D980E0233220}"/>
-              </a:ext>
-            </a:extLst>
-          </p:cNvPr>
+          <p:cNvPr id="6" name="Slide Number Placeholder 4"/>
           <p:cNvSpPr>
             <a:spLocks noGrp="1"/>
           </p:cNvSpPr>
@@ -2024,7 +4541,7 @@
     </p:spTree>
     <p:extLst>
       <p:ext uri="{BB962C8B-B14F-4D97-AF65-F5344CB8AC3E}">
-        <p14:creationId xmlns:p14="http://schemas.microsoft.com/office/powerpoint/2010/main" val="801147337"/>
+        <p14:creationId xmlns:p14="http://schemas.microsoft.com/office/powerpoint/2010/main" val="1046559563"/>
       </p:ext>
     </p:extLst>
   </p:cSld>
@@ -2053,13 +4570,7 @@
       </p:grpSpPr>
       <p:sp>
         <p:nvSpPr>
-          <p:cNvPr id="2" name="Date Placeholder 1">
-            <a:extLst>
-              <a:ext uri="{FF2B5EF4-FFF2-40B4-BE49-F238E27FC236}">
-                <a16:creationId xmlns:a16="http://schemas.microsoft.com/office/drawing/2014/main" id="{F43E1EE0-DE73-4B20-B651-39A3BE030A6A}"/>
-              </a:ext>
-            </a:extLst>
-          </p:cNvPr>
+          <p:cNvPr id="7" name="Date Placeholder 1"/>
           <p:cNvSpPr>
             <a:spLocks noGrp="1"/>
           </p:cNvSpPr>
@@ -2074,7 +4585,7 @@
           <a:p>
             <a:fld id="{E36813AB-CC3A-4F77-A52E-D5F44D60AF1B}" type="datetimeFigureOut">
               <a:rPr lang="en-US" smtClean="0"/>
-              <a:t>4/9/2019</a:t>
+              <a:t>4/11/2019</a:t>
             </a:fld>
             <a:endParaRPr lang="en-US"/>
           </a:p>
@@ -2082,13 +4593,7 @@
       </p:sp>
       <p:sp>
         <p:nvSpPr>
-          <p:cNvPr id="3" name="Footer Placeholder 2">
-            <a:extLst>
-              <a:ext uri="{FF2B5EF4-FFF2-40B4-BE49-F238E27FC236}">
-                <a16:creationId xmlns:a16="http://schemas.microsoft.com/office/drawing/2014/main" id="{CE64CAAA-56E8-460C-9BAA-88441F35635B}"/>
-              </a:ext>
-            </a:extLst>
-          </p:cNvPr>
+          <p:cNvPr id="5" name="Footer Placeholder 2"/>
           <p:cNvSpPr>
             <a:spLocks noGrp="1"/>
           </p:cNvSpPr>
@@ -2107,13 +4612,7 @@
       </p:sp>
       <p:sp>
         <p:nvSpPr>
-          <p:cNvPr id="4" name="Slide Number Placeholder 3">
-            <a:extLst>
-              <a:ext uri="{FF2B5EF4-FFF2-40B4-BE49-F238E27FC236}">
-                <a16:creationId xmlns:a16="http://schemas.microsoft.com/office/drawing/2014/main" id="{3B4EF557-C494-455A-9382-035DC5B68AFD}"/>
-              </a:ext>
-            </a:extLst>
-          </p:cNvPr>
+          <p:cNvPr id="6" name="Slide Number Placeholder 3"/>
           <p:cNvSpPr>
             <a:spLocks noGrp="1"/>
           </p:cNvSpPr>
@@ -2137,7 +4636,7 @@
     </p:spTree>
     <p:extLst>
       <p:ext uri="{BB962C8B-B14F-4D97-AF65-F5344CB8AC3E}">
-        <p14:creationId xmlns:p14="http://schemas.microsoft.com/office/powerpoint/2010/main" val="291412752"/>
+        <p14:creationId xmlns:p14="http://schemas.microsoft.com/office/powerpoint/2010/main" val="91679361"/>
       </p:ext>
     </p:extLst>
   </p:cSld>
@@ -2166,13 +4665,7 @@
       </p:grpSpPr>
       <p:sp>
         <p:nvSpPr>
-          <p:cNvPr id="2" name="Title 1">
-            <a:extLst>
-              <a:ext uri="{FF2B5EF4-FFF2-40B4-BE49-F238E27FC236}">
-                <a16:creationId xmlns:a16="http://schemas.microsoft.com/office/drawing/2014/main" id="{8EF1BCEB-9D46-48F7-A299-A3DE4D90AA23}"/>
-              </a:ext>
-            </a:extLst>
-          </p:cNvPr>
+          <p:cNvPr id="2" name="Title 1"/>
           <p:cNvSpPr>
             <a:spLocks noGrp="1"/>
           </p:cNvSpPr>
@@ -2182,15 +4675,15 @@
         </p:nvSpPr>
         <p:spPr>
           <a:xfrm>
-            <a:off x="839788" y="457200"/>
-            <a:ext cx="3932237" cy="1600200"/>
+            <a:off x="1154953" y="1447800"/>
+            <a:ext cx="3401064" cy="1447800"/>
           </a:xfrm>
         </p:spPr>
         <p:txBody>
           <a:bodyPr anchor="b"/>
           <a:lstStyle>
-            <a:lvl1pPr>
-              <a:defRPr sz="3200"/>
+            <a:lvl1pPr algn="l">
+              <a:defRPr sz="2400" b="0"/>
             </a:lvl1pPr>
           </a:lstStyle>
           <a:p>
@@ -2198,18 +4691,13 @@
               <a:rPr lang="en-US"/>
               <a:t>Click to edit Master title style</a:t>
             </a:r>
-          </a:p>
-        </p:txBody>
-      </p:sp>
-      <p:sp>
-        <p:nvSpPr>
-          <p:cNvPr id="3" name="Content Placeholder 2">
-            <a:extLst>
-              <a:ext uri="{FF2B5EF4-FFF2-40B4-BE49-F238E27FC236}">
-                <a16:creationId xmlns:a16="http://schemas.microsoft.com/office/drawing/2014/main" id="{7A555A57-99DD-4AA0-8DB5-EC94DDC5885B}"/>
-              </a:ext>
-            </a:extLst>
-          </p:cNvPr>
+            <a:endParaRPr lang="en-US" dirty="0"/>
+          </a:p>
+        </p:txBody>
+      </p:sp>
+      <p:sp>
+        <p:nvSpPr>
+          <p:cNvPr id="3" name="Content Placeholder 2"/>
           <p:cNvSpPr>
             <a:spLocks noGrp="1"/>
           </p:cNvSpPr>
@@ -2219,46 +4707,48 @@
         </p:nvSpPr>
         <p:spPr>
           <a:xfrm>
-            <a:off x="5183188" y="987425"/>
-            <a:ext cx="6172200" cy="4873625"/>
-          </a:xfrm>
-        </p:spPr>
-        <p:txBody>
-          <a:bodyPr/>
+            <a:off x="4784616" y="1447800"/>
+            <a:ext cx="5195997" cy="4572000"/>
+          </a:xfrm>
+        </p:spPr>
+        <p:txBody>
+          <a:bodyPr anchor="ctr">
+            <a:normAutofit/>
+          </a:bodyPr>
           <a:lstStyle>
             <a:lvl1pPr>
-              <a:defRPr sz="3200"/>
+              <a:defRPr sz="2000"/>
             </a:lvl1pPr>
             <a:lvl2pPr>
-              <a:defRPr sz="2800"/>
+              <a:defRPr sz="1800"/>
             </a:lvl2pPr>
             <a:lvl3pPr>
-              <a:defRPr sz="2400"/>
+              <a:defRPr sz="1600"/>
             </a:lvl3pPr>
             <a:lvl4pPr>
-              <a:defRPr sz="2000"/>
+              <a:defRPr sz="1400"/>
             </a:lvl4pPr>
             <a:lvl5pPr>
-              <a:defRPr sz="2000"/>
+              <a:defRPr sz="1400"/>
             </a:lvl5pPr>
             <a:lvl6pPr>
-              <a:defRPr sz="2000"/>
+              <a:defRPr sz="1400"/>
             </a:lvl6pPr>
             <a:lvl7pPr>
-              <a:defRPr sz="2000"/>
+              <a:defRPr sz="1400"/>
             </a:lvl7pPr>
             <a:lvl8pPr>
-              <a:defRPr sz="2000"/>
+              <a:defRPr sz="1400"/>
             </a:lvl8pPr>
             <a:lvl9pPr>
-              <a:defRPr sz="2000"/>
+              <a:defRPr sz="1400"/>
             </a:lvl9pPr>
           </a:lstStyle>
           <a:p>
             <a:pPr lvl="0"/>
             <a:r>
               <a:rPr lang="en-US"/>
-              <a:t>Edit Master text styles</a:t>
+              <a:t>Click to edit Master text styles</a:t>
             </a:r>
           </a:p>
           <a:p>
@@ -2288,18 +4778,13 @@
               <a:rPr lang="en-US"/>
               <a:t>Fifth level</a:t>
             </a:r>
-          </a:p>
-        </p:txBody>
-      </p:sp>
-      <p:sp>
-        <p:nvSpPr>
-          <p:cNvPr id="4" name="Text Placeholder 3">
-            <a:extLst>
-              <a:ext uri="{FF2B5EF4-FFF2-40B4-BE49-F238E27FC236}">
-                <a16:creationId xmlns:a16="http://schemas.microsoft.com/office/drawing/2014/main" id="{EF61AFC1-F37A-437D-8EC5-3796626489F5}"/>
-              </a:ext>
-            </a:extLst>
-          </p:cNvPr>
+            <a:endParaRPr lang="en-US" dirty="0"/>
+          </a:p>
+        </p:txBody>
+      </p:sp>
+      <p:sp>
+        <p:nvSpPr>
+          <p:cNvPr id="4" name="Text Placeholder 3"/>
           <p:cNvSpPr>
             <a:spLocks noGrp="1"/>
           </p:cNvSpPr>
@@ -2309,8 +4794,8 @@
         </p:nvSpPr>
         <p:spPr>
           <a:xfrm>
-            <a:off x="839788" y="2057400"/>
-            <a:ext cx="3932237" cy="3811588"/>
+            <a:off x="1154953" y="3129280"/>
+            <a:ext cx="3401063" cy="2895599"/>
           </a:xfrm>
         </p:spPr>
         <p:txBody>
@@ -2318,59 +4803,53 @@
           <a:lstStyle>
             <a:lvl1pPr marL="0" indent="0">
               <a:buNone/>
-              <a:defRPr sz="1600"/>
+              <a:defRPr sz="1400"/>
             </a:lvl1pPr>
             <a:lvl2pPr marL="457200" indent="0">
               <a:buNone/>
-              <a:defRPr sz="1400"/>
+              <a:defRPr sz="1200"/>
             </a:lvl2pPr>
             <a:lvl3pPr marL="914400" indent="0">
               <a:buNone/>
-              <a:defRPr sz="1200"/>
+              <a:defRPr sz="1000"/>
             </a:lvl3pPr>
             <a:lvl4pPr marL="1371600" indent="0">
               <a:buNone/>
-              <a:defRPr sz="1000"/>
+              <a:defRPr sz="900"/>
             </a:lvl4pPr>
             <a:lvl5pPr marL="1828800" indent="0">
               <a:buNone/>
-              <a:defRPr sz="1000"/>
+              <a:defRPr sz="900"/>
             </a:lvl5pPr>
             <a:lvl6pPr marL="2286000" indent="0">
               <a:buNone/>
-              <a:defRPr sz="1000"/>
+              <a:defRPr sz="900"/>
             </a:lvl6pPr>
             <a:lvl7pPr marL="2743200" indent="0">
               <a:buNone/>
-              <a:defRPr sz="1000"/>
+              <a:defRPr sz="900"/>
             </a:lvl7pPr>
             <a:lvl8pPr marL="3200400" indent="0">
               <a:buNone/>
-              <a:defRPr sz="1000"/>
+              <a:defRPr sz="900"/>
             </a:lvl8pPr>
             <a:lvl9pPr marL="3657600" indent="0">
               <a:buNone/>
-              <a:defRPr sz="1000"/>
+              <a:defRPr sz="900"/>
             </a:lvl9pPr>
           </a:lstStyle>
           <a:p>
             <a:pPr lvl="0"/>
             <a:r>
               <a:rPr lang="en-US"/>
-              <a:t>Edit Master text styles</a:t>
-            </a:r>
-          </a:p>
-        </p:txBody>
-      </p:sp>
-      <p:sp>
-        <p:nvSpPr>
-          <p:cNvPr id="5" name="Date Placeholder 4">
-            <a:extLst>
-              <a:ext uri="{FF2B5EF4-FFF2-40B4-BE49-F238E27FC236}">
-                <a16:creationId xmlns:a16="http://schemas.microsoft.com/office/drawing/2014/main" id="{D6C48B87-48E4-4946-82FF-5B57C1FC8319}"/>
-              </a:ext>
-            </a:extLst>
-          </p:cNvPr>
+              <a:t>Click to edit Master text styles</a:t>
+            </a:r>
+          </a:p>
+        </p:txBody>
+      </p:sp>
+      <p:sp>
+        <p:nvSpPr>
+          <p:cNvPr id="7" name="Date Placeholder 4"/>
           <p:cNvSpPr>
             <a:spLocks noGrp="1"/>
           </p:cNvSpPr>
@@ -2385,7 +4864,7 @@
           <a:p>
             <a:fld id="{E36813AB-CC3A-4F77-A52E-D5F44D60AF1B}" type="datetimeFigureOut">
               <a:rPr lang="en-US" smtClean="0"/>
-              <a:t>4/9/2019</a:t>
+              <a:t>4/11/2019</a:t>
             </a:fld>
             <a:endParaRPr lang="en-US"/>
           </a:p>
@@ -2393,13 +4872,7 @@
       </p:sp>
       <p:sp>
         <p:nvSpPr>
-          <p:cNvPr id="6" name="Footer Placeholder 5">
-            <a:extLst>
-              <a:ext uri="{FF2B5EF4-FFF2-40B4-BE49-F238E27FC236}">
-                <a16:creationId xmlns:a16="http://schemas.microsoft.com/office/drawing/2014/main" id="{2BB8BA64-D1C8-40BB-9674-297493C85A9F}"/>
-              </a:ext>
-            </a:extLst>
-          </p:cNvPr>
+          <p:cNvPr id="5" name="Footer Placeholder 5"/>
           <p:cNvSpPr>
             <a:spLocks noGrp="1"/>
           </p:cNvSpPr>
@@ -2418,13 +4891,7 @@
       </p:sp>
       <p:sp>
         <p:nvSpPr>
-          <p:cNvPr id="7" name="Slide Number Placeholder 6">
-            <a:extLst>
-              <a:ext uri="{FF2B5EF4-FFF2-40B4-BE49-F238E27FC236}">
-                <a16:creationId xmlns:a16="http://schemas.microsoft.com/office/drawing/2014/main" id="{DAB1F459-64EB-4F9A-BCA5-51405BBCA2F7}"/>
-              </a:ext>
-            </a:extLst>
-          </p:cNvPr>
+          <p:cNvPr id="6" name="Slide Number Placeholder 6"/>
           <p:cNvSpPr>
             <a:spLocks noGrp="1"/>
           </p:cNvSpPr>
@@ -2448,7 +4915,7 @@
     </p:spTree>
     <p:extLst>
       <p:ext uri="{BB962C8B-B14F-4D97-AF65-F5344CB8AC3E}">
-        <p14:creationId xmlns:p14="http://schemas.microsoft.com/office/powerpoint/2010/main" val="3262647796"/>
+        <p14:creationId xmlns:p14="http://schemas.microsoft.com/office/powerpoint/2010/main" val="1243897817"/>
       </p:ext>
     </p:extLst>
   </p:cSld>
@@ -2477,13 +4944,7 @@
       </p:grpSpPr>
       <p:sp>
         <p:nvSpPr>
-          <p:cNvPr id="2" name="Title 1">
-            <a:extLst>
-              <a:ext uri="{FF2B5EF4-FFF2-40B4-BE49-F238E27FC236}">
-                <a16:creationId xmlns:a16="http://schemas.microsoft.com/office/drawing/2014/main" id="{5D40A249-6199-43C9-B86D-F46B3166F7DA}"/>
-              </a:ext>
-            </a:extLst>
-          </p:cNvPr>
+          <p:cNvPr id="2" name="Title 1"/>
           <p:cNvSpPr>
             <a:spLocks noGrp="1"/>
           </p:cNvSpPr>
@@ -2493,15 +4954,17 @@
         </p:nvSpPr>
         <p:spPr>
           <a:xfrm>
-            <a:off x="839788" y="457200"/>
-            <a:ext cx="3932237" cy="1600200"/>
-          </a:xfrm>
-        </p:spPr>
-        <p:txBody>
-          <a:bodyPr anchor="b"/>
+            <a:off x="1153907" y="1854192"/>
+            <a:ext cx="5092906" cy="1574808"/>
+          </a:xfrm>
+        </p:spPr>
+        <p:txBody>
+          <a:bodyPr anchor="b">
+            <a:normAutofit/>
+          </a:bodyPr>
           <a:lstStyle>
-            <a:lvl1pPr>
-              <a:defRPr sz="3200"/>
+            <a:lvl1pPr algn="l">
+              <a:defRPr sz="3600" b="0"/>
             </a:lvl1pPr>
           </a:lstStyle>
           <a:p>
@@ -2509,20 +4972,15 @@
               <a:rPr lang="en-US"/>
               <a:t>Click to edit Master title style</a:t>
             </a:r>
-          </a:p>
-        </p:txBody>
-      </p:sp>
-      <p:sp>
-        <p:nvSpPr>
-          <p:cNvPr id="3" name="Picture Placeholder 2">
-            <a:extLst>
-              <a:ext uri="{FF2B5EF4-FFF2-40B4-BE49-F238E27FC236}">
-                <a16:creationId xmlns:a16="http://schemas.microsoft.com/office/drawing/2014/main" id="{DC6EFCD6-3236-4393-B739-49603D55E383}"/>
-              </a:ext>
-            </a:extLst>
-          </p:cNvPr>
+            <a:endParaRPr lang="en-US" dirty="0"/>
+          </a:p>
+        </p:txBody>
+      </p:sp>
+      <p:sp>
+        <p:nvSpPr>
+          <p:cNvPr id="3" name="Picture Placeholder 2"/>
           <p:cNvSpPr>
-            <a:spLocks noGrp="1"/>
+            <a:spLocks noGrp="1" noChangeAspect="1"/>
           </p:cNvSpPr>
           <p:nvPr>
             <p:ph type="pic" idx="1"/>
@@ -2530,64 +4988,76 @@
         </p:nvSpPr>
         <p:spPr>
           <a:xfrm>
-            <a:off x="5183188" y="987425"/>
-            <a:ext cx="6172200" cy="4873625"/>
-          </a:xfrm>
-        </p:spPr>
-        <p:txBody>
-          <a:bodyPr/>
+            <a:off x="6949546" y="1143000"/>
+            <a:ext cx="3200400" cy="4572000"/>
+          </a:xfrm>
+          <a:prstGeom prst="roundRect">
+            <a:avLst>
+              <a:gd name="adj" fmla="val 1858"/>
+            </a:avLst>
+          </a:prstGeom>
+          <a:effectLst>
+            <a:outerShdw blurRad="50800" dist="50800" dir="5400000" algn="tl" rotWithShape="0">
+              <a:srgbClr val="000000">
+                <a:alpha val="43000"/>
+              </a:srgbClr>
+            </a:outerShdw>
+          </a:effectLst>
+        </p:spPr>
+        <p:txBody>
+          <a:bodyPr anchor="t">
+            <a:normAutofit/>
+          </a:bodyPr>
           <a:lstStyle>
-            <a:lvl1pPr marL="0" indent="0">
-              <a:buNone/>
-              <a:defRPr sz="3200"/>
+            <a:lvl1pPr marL="0" indent="0" algn="ctr">
+              <a:buNone/>
+              <a:defRPr sz="1600"/>
             </a:lvl1pPr>
             <a:lvl2pPr marL="457200" indent="0">
               <a:buNone/>
-              <a:defRPr sz="2800"/>
+              <a:defRPr sz="1600"/>
             </a:lvl2pPr>
             <a:lvl3pPr marL="914400" indent="0">
               <a:buNone/>
-              <a:defRPr sz="2400"/>
+              <a:defRPr sz="1600"/>
             </a:lvl3pPr>
             <a:lvl4pPr marL="1371600" indent="0">
               <a:buNone/>
-              <a:defRPr sz="2000"/>
+              <a:defRPr sz="1600"/>
             </a:lvl4pPr>
             <a:lvl5pPr marL="1828800" indent="0">
               <a:buNone/>
-              <a:defRPr sz="2000"/>
+              <a:defRPr sz="1600"/>
             </a:lvl5pPr>
             <a:lvl6pPr marL="2286000" indent="0">
               <a:buNone/>
-              <a:defRPr sz="2000"/>
+              <a:defRPr sz="1600"/>
             </a:lvl6pPr>
             <a:lvl7pPr marL="2743200" indent="0">
               <a:buNone/>
-              <a:defRPr sz="2000"/>
+              <a:defRPr sz="1600"/>
             </a:lvl7pPr>
             <a:lvl8pPr marL="3200400" indent="0">
               <a:buNone/>
-              <a:defRPr sz="2000"/>
+              <a:defRPr sz="1600"/>
             </a:lvl8pPr>
             <a:lvl9pPr marL="3657600" indent="0">
               <a:buNone/>
-              <a:defRPr sz="2000"/>
+              <a:defRPr sz="1600"/>
             </a:lvl9pPr>
           </a:lstStyle>
           <a:p>
-            <a:endParaRPr lang="en-US"/>
-          </a:p>
-        </p:txBody>
-      </p:sp>
-      <p:sp>
-        <p:nvSpPr>
-          <p:cNvPr id="4" name="Text Placeholder 3">
-            <a:extLst>
-              <a:ext uri="{FF2B5EF4-FFF2-40B4-BE49-F238E27FC236}">
-                <a16:creationId xmlns:a16="http://schemas.microsoft.com/office/drawing/2014/main" id="{794EFC77-3DB6-455A-8E6A-A68C8F7D4693}"/>
-              </a:ext>
-            </a:extLst>
-          </p:cNvPr>
+            <a:r>
+              <a:rPr lang="en-US"/>
+              <a:t>Click icon to add picture</a:t>
+            </a:r>
+            <a:endParaRPr lang="en-US" dirty="0"/>
+          </a:p>
+        </p:txBody>
+      </p:sp>
+      <p:sp>
+        <p:nvSpPr>
+          <p:cNvPr id="4" name="Text Placeholder 3"/>
           <p:cNvSpPr>
             <a:spLocks noGrp="1"/>
           </p:cNvSpPr>
@@ -2597,68 +5067,64 @@
         </p:nvSpPr>
         <p:spPr>
           <a:xfrm>
-            <a:off x="839788" y="2057400"/>
-            <a:ext cx="3932237" cy="3811588"/>
-          </a:xfrm>
-        </p:spPr>
-        <p:txBody>
-          <a:bodyPr/>
+            <a:off x="1154954" y="3657600"/>
+            <a:ext cx="5084979" cy="1371600"/>
+          </a:xfrm>
+        </p:spPr>
+        <p:txBody>
+          <a:bodyPr>
+            <a:normAutofit/>
+          </a:bodyPr>
           <a:lstStyle>
             <a:lvl1pPr marL="0" indent="0">
               <a:buNone/>
-              <a:defRPr sz="1600"/>
+              <a:defRPr sz="1400"/>
             </a:lvl1pPr>
             <a:lvl2pPr marL="457200" indent="0">
               <a:buNone/>
-              <a:defRPr sz="1400"/>
+              <a:defRPr sz="1200"/>
             </a:lvl2pPr>
             <a:lvl3pPr marL="914400" indent="0">
               <a:buNone/>
-              <a:defRPr sz="1200"/>
+              <a:defRPr sz="1000"/>
             </a:lvl3pPr>
             <a:lvl4pPr marL="1371600" indent="0">
               <a:buNone/>
-              <a:defRPr sz="1000"/>
+              <a:defRPr sz="900"/>
             </a:lvl4pPr>
             <a:lvl5pPr marL="1828800" indent="0">
               <a:buNone/>
-              <a:defRPr sz="1000"/>
+              <a:defRPr sz="900"/>
             </a:lvl5pPr>
             <a:lvl6pPr marL="2286000" indent="0">
               <a:buNone/>
-              <a:defRPr sz="1000"/>
+              <a:defRPr sz="900"/>
             </a:lvl6pPr>
             <a:lvl7pPr marL="2743200" indent="0">
               <a:buNone/>
-              <a:defRPr sz="1000"/>
+              <a:defRPr sz="900"/>
             </a:lvl7pPr>
             <a:lvl8pPr marL="3200400" indent="0">
               <a:buNone/>
-              <a:defRPr sz="1000"/>
+              <a:defRPr sz="900"/>
             </a:lvl8pPr>
             <a:lvl9pPr marL="3657600" indent="0">
               <a:buNone/>
-              <a:defRPr sz="1000"/>
+              <a:defRPr sz="900"/>
             </a:lvl9pPr>
           </a:lstStyle>
           <a:p>
             <a:pPr lvl="0"/>
             <a:r>
               <a:rPr lang="en-US"/>
-              <a:t>Edit Master text styles</a:t>
-            </a:r>
-          </a:p>
-        </p:txBody>
-      </p:sp>
-      <p:sp>
-        <p:nvSpPr>
-          <p:cNvPr id="5" name="Date Placeholder 4">
-            <a:extLst>
-              <a:ext uri="{FF2B5EF4-FFF2-40B4-BE49-F238E27FC236}">
-                <a16:creationId xmlns:a16="http://schemas.microsoft.com/office/drawing/2014/main" id="{468EBE40-AC5A-49B2-A923-F446776DFD4D}"/>
-              </a:ext>
-            </a:extLst>
-          </p:cNvPr>
+              <a:t>Click to edit Master text styles</a:t>
+            </a:r>
+          </a:p>
+        </p:txBody>
+      </p:sp>
+      <p:sp>
+        <p:nvSpPr>
+          <p:cNvPr id="5" name="Date Placeholder 4"/>
           <p:cNvSpPr>
             <a:spLocks noGrp="1"/>
           </p:cNvSpPr>
@@ -2673,7 +5139,7 @@
           <a:p>
             <a:fld id="{E36813AB-CC3A-4F77-A52E-D5F44D60AF1B}" type="datetimeFigureOut">
               <a:rPr lang="en-US" smtClean="0"/>
-              <a:t>4/9/2019</a:t>
+              <a:t>4/11/2019</a:t>
             </a:fld>
             <a:endParaRPr lang="en-US"/>
           </a:p>
@@ -2681,13 +5147,7 @@
       </p:sp>
       <p:sp>
         <p:nvSpPr>
-          <p:cNvPr id="6" name="Footer Placeholder 5">
-            <a:extLst>
-              <a:ext uri="{FF2B5EF4-FFF2-40B4-BE49-F238E27FC236}">
-                <a16:creationId xmlns:a16="http://schemas.microsoft.com/office/drawing/2014/main" id="{6CE93293-3320-47BD-8D9A-AED4CCA0001C}"/>
-              </a:ext>
-            </a:extLst>
-          </p:cNvPr>
+          <p:cNvPr id="6" name="Footer Placeholder 5"/>
           <p:cNvSpPr>
             <a:spLocks noGrp="1"/>
           </p:cNvSpPr>
@@ -2706,13 +5166,7 @@
       </p:sp>
       <p:sp>
         <p:nvSpPr>
-          <p:cNvPr id="7" name="Slide Number Placeholder 6">
-            <a:extLst>
-              <a:ext uri="{FF2B5EF4-FFF2-40B4-BE49-F238E27FC236}">
-                <a16:creationId xmlns:a16="http://schemas.microsoft.com/office/drawing/2014/main" id="{89654F01-EFBB-404B-9051-1C0755D35E60}"/>
-              </a:ext>
-            </a:extLst>
-          </p:cNvPr>
+          <p:cNvPr id="7" name="Slide Number Placeholder 6"/>
           <p:cNvSpPr>
             <a:spLocks noGrp="1"/>
           </p:cNvSpPr>
@@ -2736,7 +5190,7 @@
     </p:spTree>
     <p:extLst>
       <p:ext uri="{BB962C8B-B14F-4D97-AF65-F5344CB8AC3E}">
-        <p14:creationId xmlns:p14="http://schemas.microsoft.com/office/powerpoint/2010/main" val="2863168378"/>
+        <p14:creationId xmlns:p14="http://schemas.microsoft.com/office/powerpoint/2010/main" val="3858303676"/>
       </p:ext>
     </p:extLst>
   </p:cSld>
@@ -2750,8 +5204,8 @@
 <p:sldMaster xmlns:a="http://schemas.openxmlformats.org/drawingml/2006/main" xmlns:r="http://schemas.openxmlformats.org/officeDocument/2006/relationships" xmlns:p="http://schemas.openxmlformats.org/presentationml/2006/main">
   <p:cSld>
     <p:bg>
-      <p:bgRef idx="1001">
-        <a:schemeClr val="bg1"/>
+      <p:bgRef idx="1003">
+        <a:schemeClr val="bg2"/>
       </p:bgRef>
     </p:bg>
     <p:spTree>
@@ -2768,15 +5222,224 @@
           <a:chExt cx="0" cy="0"/>
         </a:xfrm>
       </p:grpSpPr>
-      <p:sp>
-        <p:nvSpPr>
-          <p:cNvPr id="2" name="Title Placeholder 1">
+      <p:pic>
+        <p:nvPicPr>
+          <p:cNvPr id="8" name="Picture 7"/>
+          <p:cNvPicPr>
+            <a:picLocks noChangeAspect="1"/>
+          </p:cNvPicPr>
+          <p:nvPr/>
+        </p:nvPicPr>
+        <p:blipFill rotWithShape="1">
+          <a:blip r:embed="rId19">
             <a:extLst>
-              <a:ext uri="{FF2B5EF4-FFF2-40B4-BE49-F238E27FC236}">
-                <a16:creationId xmlns:a16="http://schemas.microsoft.com/office/drawing/2014/main" id="{9C415800-3497-4871-B23E-A0832D7B8DB8}"/>
+              <a:ext uri="{28A0092B-C50C-407E-A947-70E740481C1C}">
+                <a14:useLocalDpi xmlns:a14="http://schemas.microsoft.com/office/drawing/2010/main" val="0"/>
               </a:ext>
             </a:extLst>
-          </p:cNvPr>
+          </a:blip>
+          <a:srcRect l="3613"/>
+          <a:stretch/>
+        </p:blipFill>
+        <p:spPr>
+          <a:xfrm>
+            <a:off x="0" y="2669685"/>
+            <a:ext cx="4037012" cy="4188315"/>
+          </a:xfrm>
+          <a:prstGeom prst="rect">
+            <a:avLst/>
+          </a:prstGeom>
+        </p:spPr>
+      </p:pic>
+      <p:pic>
+        <p:nvPicPr>
+          <p:cNvPr id="7" name="Picture 6"/>
+          <p:cNvPicPr>
+            <a:picLocks noChangeAspect="1"/>
+          </p:cNvPicPr>
+          <p:nvPr/>
+        </p:nvPicPr>
+        <p:blipFill rotWithShape="1">
+          <a:blip r:embed="rId20">
+            <a:extLst>
+              <a:ext uri="{28A0092B-C50C-407E-A947-70E740481C1C}">
+                <a14:useLocalDpi xmlns:a14="http://schemas.microsoft.com/office/drawing/2010/main" val="0"/>
+              </a:ext>
+            </a:extLst>
+          </a:blip>
+          <a:srcRect l="35640"/>
+          <a:stretch/>
+        </p:blipFill>
+        <p:spPr>
+          <a:xfrm>
+            <a:off x="0" y="2892347"/>
+            <a:ext cx="1522412" cy="2365453"/>
+          </a:xfrm>
+          <a:prstGeom prst="rect">
+            <a:avLst/>
+          </a:prstGeom>
+        </p:spPr>
+      </p:pic>
+      <p:sp>
+        <p:nvSpPr>
+          <p:cNvPr id="16" name="Oval 15"/>
+          <p:cNvSpPr/>
+          <p:nvPr/>
+        </p:nvSpPr>
+        <p:spPr>
+          <a:xfrm>
+            <a:off x="8609012" y="1676400"/>
+            <a:ext cx="2819400" cy="2819400"/>
+          </a:xfrm>
+          <a:prstGeom prst="ellipse">
+            <a:avLst/>
+          </a:prstGeom>
+          <a:gradFill flip="none" rotWithShape="1">
+            <a:gsLst>
+              <a:gs pos="0">
+                <a:schemeClr val="bg2">
+                  <a:lumMod val="60000"/>
+                  <a:lumOff val="40000"/>
+                  <a:alpha val="7000"/>
+                </a:schemeClr>
+              </a:gs>
+              <a:gs pos="69000">
+                <a:schemeClr val="bg2">
+                  <a:lumMod val="60000"/>
+                  <a:lumOff val="40000"/>
+                  <a:alpha val="0"/>
+                </a:schemeClr>
+              </a:gs>
+              <a:gs pos="36000">
+                <a:schemeClr val="bg2">
+                  <a:lumMod val="60000"/>
+                  <a:lumOff val="40000"/>
+                  <a:alpha val="6000"/>
+                </a:schemeClr>
+              </a:gs>
+            </a:gsLst>
+            <a:path path="circle">
+              <a:fillToRect l="50000" t="50000" r="50000" b="50000"/>
+            </a:path>
+            <a:tileRect/>
+          </a:gradFill>
+          <a:ln>
+            <a:noFill/>
+          </a:ln>
+          <a:effectLst/>
+        </p:spPr>
+        <p:style>
+          <a:lnRef idx="1">
+            <a:schemeClr val="accent1"/>
+          </a:lnRef>
+          <a:fillRef idx="3">
+            <a:schemeClr val="accent1"/>
+          </a:fillRef>
+          <a:effectRef idx="2">
+            <a:schemeClr val="accent1"/>
+          </a:effectRef>
+          <a:fontRef idx="minor">
+            <a:schemeClr val="lt1"/>
+          </a:fontRef>
+        </p:style>
+      </p:sp>
+      <p:pic>
+        <p:nvPicPr>
+          <p:cNvPr id="9" name="Picture 8"/>
+          <p:cNvPicPr>
+            <a:picLocks noChangeAspect="1"/>
+          </p:cNvPicPr>
+          <p:nvPr/>
+        </p:nvPicPr>
+        <p:blipFill rotWithShape="1">
+          <a:blip r:embed="rId21">
+            <a:extLst>
+              <a:ext uri="{28A0092B-C50C-407E-A947-70E740481C1C}">
+                <a14:useLocalDpi xmlns:a14="http://schemas.microsoft.com/office/drawing/2010/main" val="0"/>
+              </a:ext>
+            </a:extLst>
+          </a:blip>
+          <a:srcRect t="28813"/>
+          <a:stretch/>
+        </p:blipFill>
+        <p:spPr>
+          <a:xfrm>
+            <a:off x="7999412" y="0"/>
+            <a:ext cx="1603387" cy="1141407"/>
+          </a:xfrm>
+          <a:prstGeom prst="rect">
+            <a:avLst/>
+          </a:prstGeom>
+        </p:spPr>
+      </p:pic>
+      <p:pic>
+        <p:nvPicPr>
+          <p:cNvPr id="10" name="Picture 9"/>
+          <p:cNvPicPr>
+            <a:picLocks noChangeAspect="1"/>
+          </p:cNvPicPr>
+          <p:nvPr/>
+        </p:nvPicPr>
+        <p:blipFill rotWithShape="1">
+          <a:blip r:embed="rId22">
+            <a:extLst>
+              <a:ext uri="{28A0092B-C50C-407E-A947-70E740481C1C}">
+                <a14:useLocalDpi xmlns:a14="http://schemas.microsoft.com/office/drawing/2010/main" val="0"/>
+              </a:ext>
+            </a:extLst>
+          </a:blip>
+          <a:srcRect b="23320"/>
+          <a:stretch/>
+        </p:blipFill>
+        <p:spPr>
+          <a:xfrm>
+            <a:off x="8605878" y="6096000"/>
+            <a:ext cx="993734" cy="762000"/>
+          </a:xfrm>
+          <a:prstGeom prst="rect">
+            <a:avLst/>
+          </a:prstGeom>
+        </p:spPr>
+      </p:pic>
+      <p:sp>
+        <p:nvSpPr>
+          <p:cNvPr id="14" name="Rectangle 13"/>
+          <p:cNvSpPr/>
+          <p:nvPr/>
+        </p:nvSpPr>
+        <p:spPr>
+          <a:xfrm>
+            <a:off x="10437812" y="0"/>
+            <a:ext cx="685800" cy="1143000"/>
+          </a:xfrm>
+          <a:prstGeom prst="rect">
+            <a:avLst/>
+          </a:prstGeom>
+          <a:solidFill>
+            <a:schemeClr val="accent1"/>
+          </a:solidFill>
+          <a:ln>
+            <a:noFill/>
+          </a:ln>
+        </p:spPr>
+        <p:style>
+          <a:lnRef idx="1">
+            <a:schemeClr val="accent1"/>
+          </a:lnRef>
+          <a:fillRef idx="3">
+            <a:schemeClr val="accent1"/>
+          </a:fillRef>
+          <a:effectRef idx="2">
+            <a:schemeClr val="accent1"/>
+          </a:effectRef>
+          <a:fontRef idx="minor">
+            <a:schemeClr val="lt1"/>
+          </a:fontRef>
+        </p:style>
+      </p:sp>
+      <p:sp>
+        <p:nvSpPr>
+          <p:cNvPr id="2" name="Title Placeholder 1"/>
           <p:cNvSpPr>
             <a:spLocks noGrp="1"/>
           </p:cNvSpPr>
@@ -2786,16 +5449,16 @@
         </p:nvSpPr>
         <p:spPr>
           <a:xfrm>
-            <a:off x="838200" y="365125"/>
-            <a:ext cx="10515600" cy="1325563"/>
+            <a:off x="646111" y="452718"/>
+            <a:ext cx="9404723" cy="1400530"/>
           </a:xfrm>
           <a:prstGeom prst="rect">
             <a:avLst/>
           </a:prstGeom>
         </p:spPr>
         <p:txBody>
-          <a:bodyPr vert="horz" lIns="91440" tIns="45720" rIns="91440" bIns="45720" rtlCol="0" anchor="ctr">
-            <a:normAutofit/>
+          <a:bodyPr vert="horz" lIns="91440" tIns="45720" rIns="91440" bIns="45720" rtlCol="0" anchor="t">
+            <a:noAutofit/>
           </a:bodyPr>
           <a:lstStyle/>
           <a:p>
@@ -2803,18 +5466,13 @@
               <a:rPr lang="en-US"/>
               <a:t>Click to edit Master title style</a:t>
             </a:r>
-          </a:p>
-        </p:txBody>
-      </p:sp>
-      <p:sp>
-        <p:nvSpPr>
-          <p:cNvPr id="3" name="Text Placeholder 2">
-            <a:extLst>
-              <a:ext uri="{FF2B5EF4-FFF2-40B4-BE49-F238E27FC236}">
-                <a16:creationId xmlns:a16="http://schemas.microsoft.com/office/drawing/2014/main" id="{4A329D26-A2FB-4A4D-89DF-23DDE3800B0F}"/>
-              </a:ext>
-            </a:extLst>
-          </p:cNvPr>
+            <a:endParaRPr lang="en-US" dirty="0"/>
+          </a:p>
+        </p:txBody>
+      </p:sp>
+      <p:sp>
+        <p:nvSpPr>
+          <p:cNvPr id="3" name="Text Placeholder 2"/>
           <p:cNvSpPr>
             <a:spLocks noGrp="1"/>
           </p:cNvSpPr>
@@ -2824,8 +5482,8 @@
         </p:nvSpPr>
         <p:spPr>
           <a:xfrm>
-            <a:off x="838200" y="1825625"/>
-            <a:ext cx="10515600" cy="4351338"/>
+            <a:off x="1103312" y="2052918"/>
+            <a:ext cx="8946541" cy="4195481"/>
           </a:xfrm>
           <a:prstGeom prst="rect">
             <a:avLst/>
@@ -2840,7 +5498,7 @@
             <a:pPr lvl="0"/>
             <a:r>
               <a:rPr lang="en-US"/>
-              <a:t>Edit Master text styles</a:t>
+              <a:t>Click to edit Master text styles</a:t>
             </a:r>
           </a:p>
           <a:p>
@@ -2870,18 +5528,13 @@
               <a:rPr lang="en-US"/>
               <a:t>Fifth level</a:t>
             </a:r>
-          </a:p>
-        </p:txBody>
-      </p:sp>
-      <p:sp>
-        <p:nvSpPr>
-          <p:cNvPr id="4" name="Date Placeholder 3">
-            <a:extLst>
-              <a:ext uri="{FF2B5EF4-FFF2-40B4-BE49-F238E27FC236}">
-                <a16:creationId xmlns:a16="http://schemas.microsoft.com/office/drawing/2014/main" id="{5C140B83-6015-4729-B62D-44C236706A1F}"/>
-              </a:ext>
-            </a:extLst>
-          </p:cNvPr>
+            <a:endParaRPr lang="en-US" dirty="0"/>
+          </a:p>
+        </p:txBody>
+      </p:sp>
+      <p:sp>
+        <p:nvSpPr>
+          <p:cNvPr id="4" name="Date Placeholder 3"/>
           <p:cNvSpPr>
             <a:spLocks noGrp="1"/>
           </p:cNvSpPr>
@@ -2890,19 +5543,99 @@
           </p:nvPr>
         </p:nvSpPr>
         <p:spPr>
-          <a:xfrm>
-            <a:off x="838200" y="6356350"/>
-            <a:ext cx="2743200" cy="365125"/>
+          <a:xfrm rot="5400000">
+            <a:off x="10155639" y="1790701"/>
+            <a:ext cx="990599" cy="304799"/>
           </a:xfrm>
           <a:prstGeom prst="rect">
             <a:avLst/>
           </a:prstGeom>
         </p:spPr>
         <p:txBody>
-          <a:bodyPr vert="horz" lIns="91440" tIns="45720" rIns="91440" bIns="45720" rtlCol="0" anchor="ctr"/>
+          <a:bodyPr vert="horz" lIns="91440" tIns="45720" rIns="91440" bIns="45720" rtlCol="0" anchor="t"/>
           <a:lstStyle>
             <a:lvl1pPr algn="l">
-              <a:defRPr sz="1200">
+              <a:defRPr sz="1100" b="0" i="0">
+                <a:solidFill>
+                  <a:schemeClr val="tx1">
+                    <a:tint val="75000"/>
+                    <a:alpha val="60000"/>
+                  </a:schemeClr>
+                </a:solidFill>
+              </a:defRPr>
+            </a:lvl1pPr>
+          </a:lstStyle>
+          <a:p>
+            <a:fld id="{E36813AB-CC3A-4F77-A52E-D5F44D60AF1B}" type="datetimeFigureOut">
+              <a:rPr lang="en-US" smtClean="0"/>
+              <a:t>4/11/2019</a:t>
+            </a:fld>
+            <a:endParaRPr lang="en-US"/>
+          </a:p>
+        </p:txBody>
+      </p:sp>
+      <p:sp>
+        <p:nvSpPr>
+          <p:cNvPr id="5" name="Footer Placeholder 4"/>
+          <p:cNvSpPr>
+            <a:spLocks noGrp="1"/>
+          </p:cNvSpPr>
+          <p:nvPr>
+            <p:ph type="ftr" sz="quarter" idx="3"/>
+          </p:nvPr>
+        </p:nvSpPr>
+        <p:spPr>
+          <a:xfrm rot="5400000">
+            <a:off x="8951573" y="3225297"/>
+            <a:ext cx="3859795" cy="304801"/>
+          </a:xfrm>
+          <a:prstGeom prst="rect">
+            <a:avLst/>
+          </a:prstGeom>
+        </p:spPr>
+        <p:txBody>
+          <a:bodyPr vert="horz" lIns="91440" tIns="45720" rIns="91440" bIns="45720" rtlCol="0" anchor="b"/>
+          <a:lstStyle>
+            <a:lvl1pPr algn="l">
+              <a:defRPr sz="1100" b="0" i="0">
+                <a:solidFill>
+                  <a:schemeClr val="tx1">
+                    <a:tint val="75000"/>
+                    <a:alpha val="60000"/>
+                  </a:schemeClr>
+                </a:solidFill>
+              </a:defRPr>
+            </a:lvl1pPr>
+          </a:lstStyle>
+          <a:p>
+            <a:endParaRPr lang="en-US"/>
+          </a:p>
+        </p:txBody>
+      </p:sp>
+      <p:sp>
+        <p:nvSpPr>
+          <p:cNvPr id="6" name="Slide Number Placeholder 5"/>
+          <p:cNvSpPr>
+            <a:spLocks noGrp="1"/>
+          </p:cNvSpPr>
+          <p:nvPr>
+            <p:ph type="sldNum" sz="quarter" idx="4"/>
+          </p:nvPr>
+        </p:nvSpPr>
+        <p:spPr bwMode="gray">
+          <a:xfrm>
+            <a:off x="10352540" y="295729"/>
+            <a:ext cx="838199" cy="767687"/>
+          </a:xfrm>
+          <a:prstGeom prst="rect">
+            <a:avLst/>
+          </a:prstGeom>
+        </p:spPr>
+        <p:txBody>
+          <a:bodyPr vert="horz" lIns="91440" tIns="45720" rIns="91440" bIns="45720" rtlCol="0" anchor="b"/>
+          <a:lstStyle>
+            <a:lvl1pPr algn="ctr">
+              <a:defRPr sz="2800" b="0" i="0">
                 <a:solidFill>
                   <a:schemeClr val="tx1">
                     <a:tint val="75000"/>
@@ -2912,96 +5645,6 @@
             </a:lvl1pPr>
           </a:lstStyle>
           <a:p>
-            <a:fld id="{E36813AB-CC3A-4F77-A52E-D5F44D60AF1B}" type="datetimeFigureOut">
-              <a:rPr lang="en-US" smtClean="0"/>
-              <a:t>4/9/2019</a:t>
-            </a:fld>
-            <a:endParaRPr lang="en-US"/>
-          </a:p>
-        </p:txBody>
-      </p:sp>
-      <p:sp>
-        <p:nvSpPr>
-          <p:cNvPr id="5" name="Footer Placeholder 4">
-            <a:extLst>
-              <a:ext uri="{FF2B5EF4-FFF2-40B4-BE49-F238E27FC236}">
-                <a16:creationId xmlns:a16="http://schemas.microsoft.com/office/drawing/2014/main" id="{4E73B084-AF7E-4A5E-9795-46AB7A083902}"/>
-              </a:ext>
-            </a:extLst>
-          </p:cNvPr>
-          <p:cNvSpPr>
-            <a:spLocks noGrp="1"/>
-          </p:cNvSpPr>
-          <p:nvPr>
-            <p:ph type="ftr" sz="quarter" idx="3"/>
-          </p:nvPr>
-        </p:nvSpPr>
-        <p:spPr>
-          <a:xfrm>
-            <a:off x="4038600" y="6356350"/>
-            <a:ext cx="4114800" cy="365125"/>
-          </a:xfrm>
-          <a:prstGeom prst="rect">
-            <a:avLst/>
-          </a:prstGeom>
-        </p:spPr>
-        <p:txBody>
-          <a:bodyPr vert="horz" lIns="91440" tIns="45720" rIns="91440" bIns="45720" rtlCol="0" anchor="ctr"/>
-          <a:lstStyle>
-            <a:lvl1pPr algn="ctr">
-              <a:defRPr sz="1200">
-                <a:solidFill>
-                  <a:schemeClr val="tx1">
-                    <a:tint val="75000"/>
-                  </a:schemeClr>
-                </a:solidFill>
-              </a:defRPr>
-            </a:lvl1pPr>
-          </a:lstStyle>
-          <a:p>
-            <a:endParaRPr lang="en-US"/>
-          </a:p>
-        </p:txBody>
-      </p:sp>
-      <p:sp>
-        <p:nvSpPr>
-          <p:cNvPr id="6" name="Slide Number Placeholder 5">
-            <a:extLst>
-              <a:ext uri="{FF2B5EF4-FFF2-40B4-BE49-F238E27FC236}">
-                <a16:creationId xmlns:a16="http://schemas.microsoft.com/office/drawing/2014/main" id="{292C22A3-02EC-4C2A-912F-7FDD805D9CC7}"/>
-              </a:ext>
-            </a:extLst>
-          </p:cNvPr>
-          <p:cNvSpPr>
-            <a:spLocks noGrp="1"/>
-          </p:cNvSpPr>
-          <p:nvPr>
-            <p:ph type="sldNum" sz="quarter" idx="4"/>
-          </p:nvPr>
-        </p:nvSpPr>
-        <p:spPr>
-          <a:xfrm>
-            <a:off x="8610600" y="6356350"/>
-            <a:ext cx="2743200" cy="365125"/>
-          </a:xfrm>
-          <a:prstGeom prst="rect">
-            <a:avLst/>
-          </a:prstGeom>
-        </p:spPr>
-        <p:txBody>
-          <a:bodyPr vert="horz" lIns="91440" tIns="45720" rIns="91440" bIns="45720" rtlCol="0" anchor="ctr"/>
-          <a:lstStyle>
-            <a:lvl1pPr algn="r">
-              <a:defRPr sz="1200">
-                <a:solidFill>
-                  <a:schemeClr val="tx1">
-                    <a:tint val="75000"/>
-                  </a:schemeClr>
-                </a:solidFill>
-              </a:defRPr>
-            </a:lvl1pPr>
-          </a:lstStyle>
-          <a:p>
             <a:fld id="{085031BE-66DF-4239-8715-85892B3646D5}" type="slidenum">
               <a:rPr lang="en-US" smtClean="0"/>
               <a:t>‹#›</a:t>
@@ -3013,35 +5656,121 @@
     </p:spTree>
     <p:extLst>
       <p:ext uri="{BB962C8B-B14F-4D97-AF65-F5344CB8AC3E}">
-        <p14:creationId xmlns:p14="http://schemas.microsoft.com/office/powerpoint/2010/main" val="3307057698"/>
+        <p14:creationId xmlns:p14="http://schemas.microsoft.com/office/powerpoint/2010/main" val="1411566798"/>
       </p:ext>
     </p:extLst>
   </p:cSld>
-  <p:clrMap bg1="lt1" tx1="dk1" bg2="lt2" tx2="dk2" accent1="accent1" accent2="accent2" accent3="accent3" accent4="accent4" accent5="accent5" accent6="accent6" hlink="hlink" folHlink="folHlink"/>
+  <p:clrMap bg1="dk1" tx1="lt1" bg2="dk2" tx2="lt2" accent1="accent1" accent2="accent2" accent3="accent3" accent4="accent4" accent5="accent5" accent6="accent6" hlink="hlink" folHlink="folHlink"/>
   <p:sldLayoutIdLst>
-    <p:sldLayoutId id="2147483649" r:id="rId1"/>
-    <p:sldLayoutId id="2147483650" r:id="rId2"/>
-    <p:sldLayoutId id="2147483651" r:id="rId3"/>
-    <p:sldLayoutId id="2147483652" r:id="rId4"/>
-    <p:sldLayoutId id="2147483653" r:id="rId5"/>
-    <p:sldLayoutId id="2147483654" r:id="rId6"/>
-    <p:sldLayoutId id="2147483655" r:id="rId7"/>
-    <p:sldLayoutId id="2147483656" r:id="rId8"/>
-    <p:sldLayoutId id="2147483657" r:id="rId9"/>
-    <p:sldLayoutId id="2147483658" r:id="rId10"/>
-    <p:sldLayoutId id="2147483659" r:id="rId11"/>
+    <p:sldLayoutId id="2147483685" r:id="rId1"/>
+    <p:sldLayoutId id="2147483686" r:id="rId2"/>
+    <p:sldLayoutId id="2147483687" r:id="rId3"/>
+    <p:sldLayoutId id="2147483688" r:id="rId4"/>
+    <p:sldLayoutId id="2147483689" r:id="rId5"/>
+    <p:sldLayoutId id="2147483690" r:id="rId6"/>
+    <p:sldLayoutId id="2147483691" r:id="rId7"/>
+    <p:sldLayoutId id="2147483692" r:id="rId8"/>
+    <p:sldLayoutId id="2147483693" r:id="rId9"/>
+    <p:sldLayoutId id="2147483694" r:id="rId10"/>
+    <p:sldLayoutId id="2147483695" r:id="rId11"/>
+    <p:sldLayoutId id="2147483696" r:id="rId12"/>
+    <p:sldLayoutId id="2147483697" r:id="rId13"/>
+    <p:sldLayoutId id="2147483698" r:id="rId14"/>
+    <p:sldLayoutId id="2147483699" r:id="rId15"/>
+    <p:sldLayoutId id="2147483700" r:id="rId16"/>
+    <p:sldLayoutId id="2147483701" r:id="rId17"/>
   </p:sldLayoutIdLst>
   <p:txStyles>
     <p:titleStyle>
-      <a:lvl1pPr algn="l" defTabSz="914400" rtl="0" eaLnBrk="1" latinLnBrk="0" hangingPunct="1">
-        <a:lnSpc>
-          <a:spcPct val="90000"/>
-        </a:lnSpc>
+      <a:lvl1pPr algn="l" defTabSz="457200" rtl="0" eaLnBrk="1" latinLnBrk="0" hangingPunct="1">
         <a:spcBef>
           <a:spcPct val="0"/>
         </a:spcBef>
         <a:buNone/>
-        <a:defRPr sz="4400" kern="1200">
+        <a:defRPr sz="4200" b="0" i="0" kern="1200">
+          <a:solidFill>
+            <a:schemeClr val="tx2"/>
+          </a:solidFill>
+          <a:latin typeface="+mj-lt"/>
+          <a:ea typeface="+mj-ea"/>
+          <a:cs typeface="+mj-cs"/>
+        </a:defRPr>
+      </a:lvl1pPr>
+      <a:lvl2pPr eaLnBrk="1" hangingPunct="1">
+        <a:defRPr>
+          <a:solidFill>
+            <a:schemeClr val="tx2"/>
+          </a:solidFill>
+        </a:defRPr>
+      </a:lvl2pPr>
+      <a:lvl3pPr eaLnBrk="1" hangingPunct="1">
+        <a:defRPr>
+          <a:solidFill>
+            <a:schemeClr val="tx2"/>
+          </a:solidFill>
+        </a:defRPr>
+      </a:lvl3pPr>
+      <a:lvl4pPr eaLnBrk="1" hangingPunct="1">
+        <a:defRPr>
+          <a:solidFill>
+            <a:schemeClr val="tx2"/>
+          </a:solidFill>
+        </a:defRPr>
+      </a:lvl4pPr>
+      <a:lvl5pPr eaLnBrk="1" hangingPunct="1">
+        <a:defRPr>
+          <a:solidFill>
+            <a:schemeClr val="tx2"/>
+          </a:solidFill>
+        </a:defRPr>
+      </a:lvl5pPr>
+      <a:lvl6pPr eaLnBrk="1" hangingPunct="1">
+        <a:defRPr>
+          <a:solidFill>
+            <a:schemeClr val="tx2"/>
+          </a:solidFill>
+        </a:defRPr>
+      </a:lvl6pPr>
+      <a:lvl7pPr eaLnBrk="1" hangingPunct="1">
+        <a:defRPr>
+          <a:solidFill>
+            <a:schemeClr val="tx2"/>
+          </a:solidFill>
+        </a:defRPr>
+      </a:lvl7pPr>
+      <a:lvl8pPr eaLnBrk="1" hangingPunct="1">
+        <a:defRPr>
+          <a:solidFill>
+            <a:schemeClr val="tx2"/>
+          </a:solidFill>
+        </a:defRPr>
+      </a:lvl8pPr>
+      <a:lvl9pPr eaLnBrk="1" hangingPunct="1">
+        <a:defRPr>
+          <a:solidFill>
+            <a:schemeClr val="tx2"/>
+          </a:solidFill>
+        </a:defRPr>
+      </a:lvl9pPr>
+    </p:titleStyle>
+    <p:bodyStyle>
+      <a:lvl1pPr marL="342900" indent="-342900" algn="l" defTabSz="457200" rtl="0" eaLnBrk="1" latinLnBrk="0" hangingPunct="1">
+        <a:spcBef>
+          <a:spcPts val="1000"/>
+        </a:spcBef>
+        <a:spcAft>
+          <a:spcPts val="0"/>
+        </a:spcAft>
+        <a:buClr>
+          <a:schemeClr val="bg2">
+            <a:lumMod val="40000"/>
+            <a:lumOff val="60000"/>
+          </a:schemeClr>
+        </a:buClr>
+        <a:buSzPct val="80000"/>
+        <a:buFont typeface="Wingdings 3" charset="2"/>
+        <a:buChar char=""/>
+        <a:defRPr sz="2000" b="0" i="0" kern="1200">
           <a:solidFill>
             <a:schemeClr val="tx1"/>
           </a:solidFill>
@@ -3050,18 +5779,213 @@
           <a:cs typeface="+mj-cs"/>
         </a:defRPr>
       </a:lvl1pPr>
-    </p:titleStyle>
-    <p:bodyStyle>
-      <a:lvl1pPr marL="228600" indent="-228600" algn="l" defTabSz="914400" rtl="0" eaLnBrk="1" latinLnBrk="0" hangingPunct="1">
-        <a:lnSpc>
-          <a:spcPct val="90000"/>
-        </a:lnSpc>
+      <a:lvl2pPr marL="742950" indent="-285750" algn="l" defTabSz="457200" rtl="0" eaLnBrk="1" latinLnBrk="0" hangingPunct="1">
         <a:spcBef>
           <a:spcPts val="1000"/>
         </a:spcBef>
-        <a:buFont typeface="Arial" panose="020B0604020202020204" pitchFamily="34" charset="0"/>
-        <a:buChar char="•"/>
-        <a:defRPr sz="2800" kern="1200">
+        <a:spcAft>
+          <a:spcPts val="0"/>
+        </a:spcAft>
+        <a:buClr>
+          <a:schemeClr val="bg2">
+            <a:lumMod val="40000"/>
+            <a:lumOff val="60000"/>
+          </a:schemeClr>
+        </a:buClr>
+        <a:buSzPct val="80000"/>
+        <a:buFont typeface="Wingdings 3" charset="2"/>
+        <a:buChar char=""/>
+        <a:defRPr sz="1800" b="0" i="0" kern="1200">
+          <a:solidFill>
+            <a:schemeClr val="tx1"/>
+          </a:solidFill>
+          <a:latin typeface="+mj-lt"/>
+          <a:ea typeface="+mj-ea"/>
+          <a:cs typeface="+mj-cs"/>
+        </a:defRPr>
+      </a:lvl2pPr>
+      <a:lvl3pPr marL="1143000" indent="-228600" algn="l" defTabSz="457200" rtl="0" eaLnBrk="1" latinLnBrk="0" hangingPunct="1">
+        <a:spcBef>
+          <a:spcPts val="1000"/>
+        </a:spcBef>
+        <a:spcAft>
+          <a:spcPts val="0"/>
+        </a:spcAft>
+        <a:buClr>
+          <a:schemeClr val="bg2">
+            <a:lumMod val="40000"/>
+            <a:lumOff val="60000"/>
+          </a:schemeClr>
+        </a:buClr>
+        <a:buSzPct val="80000"/>
+        <a:buFont typeface="Wingdings 3" charset="2"/>
+        <a:buChar char=""/>
+        <a:defRPr sz="1600" b="0" i="0" kern="1200">
+          <a:solidFill>
+            <a:schemeClr val="tx1"/>
+          </a:solidFill>
+          <a:latin typeface="+mj-lt"/>
+          <a:ea typeface="+mj-ea"/>
+          <a:cs typeface="+mj-cs"/>
+        </a:defRPr>
+      </a:lvl3pPr>
+      <a:lvl4pPr marL="1600200" indent="-228600" algn="l" defTabSz="457200" rtl="0" eaLnBrk="1" latinLnBrk="0" hangingPunct="1">
+        <a:spcBef>
+          <a:spcPts val="1000"/>
+        </a:spcBef>
+        <a:spcAft>
+          <a:spcPts val="0"/>
+        </a:spcAft>
+        <a:buClr>
+          <a:schemeClr val="bg2">
+            <a:lumMod val="40000"/>
+            <a:lumOff val="60000"/>
+          </a:schemeClr>
+        </a:buClr>
+        <a:buSzPct val="80000"/>
+        <a:buFont typeface="Wingdings 3" charset="2"/>
+        <a:buChar char=""/>
+        <a:defRPr sz="1400" b="0" i="0" kern="1200">
+          <a:solidFill>
+            <a:schemeClr val="tx1"/>
+          </a:solidFill>
+          <a:latin typeface="+mj-lt"/>
+          <a:ea typeface="+mj-ea"/>
+          <a:cs typeface="+mj-cs"/>
+        </a:defRPr>
+      </a:lvl4pPr>
+      <a:lvl5pPr marL="2057400" indent="-228600" algn="l" defTabSz="457200" rtl="0" eaLnBrk="1" latinLnBrk="0" hangingPunct="1">
+        <a:spcBef>
+          <a:spcPts val="1000"/>
+        </a:spcBef>
+        <a:spcAft>
+          <a:spcPts val="0"/>
+        </a:spcAft>
+        <a:buClr>
+          <a:schemeClr val="bg2">
+            <a:lumMod val="40000"/>
+            <a:lumOff val="60000"/>
+          </a:schemeClr>
+        </a:buClr>
+        <a:buSzPct val="80000"/>
+        <a:buFont typeface="Wingdings 3" charset="2"/>
+        <a:buChar char=""/>
+        <a:defRPr sz="1400" b="0" i="0" kern="1200">
+          <a:solidFill>
+            <a:schemeClr val="tx1"/>
+          </a:solidFill>
+          <a:latin typeface="+mj-lt"/>
+          <a:ea typeface="+mj-ea"/>
+          <a:cs typeface="+mj-cs"/>
+        </a:defRPr>
+      </a:lvl5pPr>
+      <a:lvl6pPr marL="2506000" indent="-228600" algn="l" defTabSz="457200" rtl="0" eaLnBrk="1" latinLnBrk="0" hangingPunct="1">
+        <a:spcBef>
+          <a:spcPts val="1000"/>
+        </a:spcBef>
+        <a:spcAft>
+          <a:spcPts val="0"/>
+        </a:spcAft>
+        <a:buClr>
+          <a:schemeClr val="bg2">
+            <a:lumMod val="40000"/>
+            <a:lumOff val="60000"/>
+          </a:schemeClr>
+        </a:buClr>
+        <a:buSzPct val="80000"/>
+        <a:buFont typeface="Wingdings 3" charset="2"/>
+        <a:buChar char=""/>
+        <a:defRPr sz="1400" b="0" i="0" kern="1200">
+          <a:solidFill>
+            <a:schemeClr val="tx1"/>
+          </a:solidFill>
+          <a:latin typeface="+mj-lt"/>
+          <a:ea typeface="+mj-ea"/>
+          <a:cs typeface="+mj-cs"/>
+        </a:defRPr>
+      </a:lvl6pPr>
+      <a:lvl7pPr marL="2971800" indent="-228600" algn="l" defTabSz="457200" rtl="0" eaLnBrk="1" latinLnBrk="0" hangingPunct="1">
+        <a:spcBef>
+          <a:spcPts val="1000"/>
+        </a:spcBef>
+        <a:spcAft>
+          <a:spcPts val="0"/>
+        </a:spcAft>
+        <a:buClr>
+          <a:schemeClr val="bg2">
+            <a:lumMod val="40000"/>
+            <a:lumOff val="60000"/>
+          </a:schemeClr>
+        </a:buClr>
+        <a:buSzPct val="80000"/>
+        <a:buFont typeface="Wingdings 3" charset="2"/>
+        <a:buChar char=""/>
+        <a:defRPr sz="1400" b="0" i="0" kern="1200">
+          <a:solidFill>
+            <a:schemeClr val="tx1"/>
+          </a:solidFill>
+          <a:latin typeface="+mj-lt"/>
+          <a:ea typeface="+mj-ea"/>
+          <a:cs typeface="+mj-cs"/>
+        </a:defRPr>
+      </a:lvl7pPr>
+      <a:lvl8pPr marL="3429000" indent="-228600" algn="l" defTabSz="457200" rtl="0" eaLnBrk="1" latinLnBrk="0" hangingPunct="1">
+        <a:spcBef>
+          <a:spcPts val="1000"/>
+        </a:spcBef>
+        <a:spcAft>
+          <a:spcPts val="0"/>
+        </a:spcAft>
+        <a:buClr>
+          <a:schemeClr val="bg2">
+            <a:lumMod val="40000"/>
+            <a:lumOff val="60000"/>
+          </a:schemeClr>
+        </a:buClr>
+        <a:buSzPct val="80000"/>
+        <a:buFont typeface="Wingdings 3" charset="2"/>
+        <a:buChar char=""/>
+        <a:defRPr sz="1400" b="0" i="0" kern="1200">
+          <a:solidFill>
+            <a:schemeClr val="tx1"/>
+          </a:solidFill>
+          <a:latin typeface="+mj-lt"/>
+          <a:ea typeface="+mj-ea"/>
+          <a:cs typeface="+mj-cs"/>
+        </a:defRPr>
+      </a:lvl8pPr>
+      <a:lvl9pPr marL="3886200" indent="-228600" algn="l" defTabSz="457200" rtl="0" eaLnBrk="1" latinLnBrk="0" hangingPunct="1">
+        <a:spcBef>
+          <a:spcPts val="1000"/>
+        </a:spcBef>
+        <a:spcAft>
+          <a:spcPts val="0"/>
+        </a:spcAft>
+        <a:buClr>
+          <a:schemeClr val="bg2">
+            <a:lumMod val="40000"/>
+            <a:lumOff val="60000"/>
+          </a:schemeClr>
+        </a:buClr>
+        <a:buSzPct val="80000"/>
+        <a:buFont typeface="Wingdings 3" charset="2"/>
+        <a:buChar char=""/>
+        <a:defRPr sz="1400" b="0" i="0" kern="1200">
+          <a:solidFill>
+            <a:schemeClr val="tx1"/>
+          </a:solidFill>
+          <a:latin typeface="+mj-lt"/>
+          <a:ea typeface="+mj-ea"/>
+          <a:cs typeface="+mj-cs"/>
+        </a:defRPr>
+      </a:lvl9pPr>
+    </p:bodyStyle>
+    <p:otherStyle>
+      <a:defPPr>
+        <a:defRPr lang="en-US"/>
+      </a:defPPr>
+      <a:lvl1pPr marL="0" algn="l" defTabSz="457200" rtl="0" eaLnBrk="1" latinLnBrk="0" hangingPunct="1">
+        <a:defRPr sz="1800" kern="1200">
           <a:solidFill>
             <a:schemeClr val="tx1"/>
           </a:solidFill>
@@ -3070,16 +5994,8 @@
           <a:cs typeface="+mn-cs"/>
         </a:defRPr>
       </a:lvl1pPr>
-      <a:lvl2pPr marL="685800" indent="-228600" algn="l" defTabSz="914400" rtl="0" eaLnBrk="1" latinLnBrk="0" hangingPunct="1">
-        <a:lnSpc>
-          <a:spcPct val="90000"/>
-        </a:lnSpc>
-        <a:spcBef>
-          <a:spcPts val="500"/>
-        </a:spcBef>
-        <a:buFont typeface="Arial" panose="020B0604020202020204" pitchFamily="34" charset="0"/>
-        <a:buChar char="•"/>
-        <a:defRPr sz="2400" kern="1200">
+      <a:lvl2pPr marL="457200" algn="l" defTabSz="457200" rtl="0" eaLnBrk="1" latinLnBrk="0" hangingPunct="1">
+        <a:defRPr sz="1800" kern="1200">
           <a:solidFill>
             <a:schemeClr val="tx1"/>
           </a:solidFill>
@@ -3088,16 +6004,8 @@
           <a:cs typeface="+mn-cs"/>
         </a:defRPr>
       </a:lvl2pPr>
-      <a:lvl3pPr marL="1143000" indent="-228600" algn="l" defTabSz="914400" rtl="0" eaLnBrk="1" latinLnBrk="0" hangingPunct="1">
-        <a:lnSpc>
-          <a:spcPct val="90000"/>
-        </a:lnSpc>
-        <a:spcBef>
-          <a:spcPts val="500"/>
-        </a:spcBef>
-        <a:buFont typeface="Arial" panose="020B0604020202020204" pitchFamily="34" charset="0"/>
-        <a:buChar char="•"/>
-        <a:defRPr sz="2000" kern="1200">
+      <a:lvl3pPr marL="914400" algn="l" defTabSz="457200" rtl="0" eaLnBrk="1" latinLnBrk="0" hangingPunct="1">
+        <a:defRPr sz="1800" kern="1200">
           <a:solidFill>
             <a:schemeClr val="tx1"/>
           </a:solidFill>
@@ -3106,15 +6014,7 @@
           <a:cs typeface="+mn-cs"/>
         </a:defRPr>
       </a:lvl3pPr>
-      <a:lvl4pPr marL="1600200" indent="-228600" algn="l" defTabSz="914400" rtl="0" eaLnBrk="1" latinLnBrk="0" hangingPunct="1">
-        <a:lnSpc>
-          <a:spcPct val="90000"/>
-        </a:lnSpc>
-        <a:spcBef>
-          <a:spcPts val="500"/>
-        </a:spcBef>
-        <a:buFont typeface="Arial" panose="020B0604020202020204" pitchFamily="34" charset="0"/>
-        <a:buChar char="•"/>
+      <a:lvl4pPr marL="1371600" algn="l" defTabSz="457200" rtl="0" eaLnBrk="1" latinLnBrk="0" hangingPunct="1">
         <a:defRPr sz="1800" kern="1200">
           <a:solidFill>
             <a:schemeClr val="tx1"/>
@@ -3124,15 +6024,7 @@
           <a:cs typeface="+mn-cs"/>
         </a:defRPr>
       </a:lvl4pPr>
-      <a:lvl5pPr marL="2057400" indent="-228600" algn="l" defTabSz="914400" rtl="0" eaLnBrk="1" latinLnBrk="0" hangingPunct="1">
-        <a:lnSpc>
-          <a:spcPct val="90000"/>
-        </a:lnSpc>
-        <a:spcBef>
-          <a:spcPts val="500"/>
-        </a:spcBef>
-        <a:buFont typeface="Arial" panose="020B0604020202020204" pitchFamily="34" charset="0"/>
-        <a:buChar char="•"/>
+      <a:lvl5pPr marL="1828800" algn="l" defTabSz="457200" rtl="0" eaLnBrk="1" latinLnBrk="0" hangingPunct="1">
         <a:defRPr sz="1800" kern="1200">
           <a:solidFill>
             <a:schemeClr val="tx1"/>
@@ -3142,15 +6034,7 @@
           <a:cs typeface="+mn-cs"/>
         </a:defRPr>
       </a:lvl5pPr>
-      <a:lvl6pPr marL="2514600" indent="-228600" algn="l" defTabSz="914400" rtl="0" eaLnBrk="1" latinLnBrk="0" hangingPunct="1">
-        <a:lnSpc>
-          <a:spcPct val="90000"/>
-        </a:lnSpc>
-        <a:spcBef>
-          <a:spcPts val="500"/>
-        </a:spcBef>
-        <a:buFont typeface="Arial" panose="020B0604020202020204" pitchFamily="34" charset="0"/>
-        <a:buChar char="•"/>
+      <a:lvl6pPr marL="2286000" algn="l" defTabSz="457200" rtl="0" eaLnBrk="1" latinLnBrk="0" hangingPunct="1">
         <a:defRPr sz="1800" kern="1200">
           <a:solidFill>
             <a:schemeClr val="tx1"/>
@@ -3160,15 +6044,7 @@
           <a:cs typeface="+mn-cs"/>
         </a:defRPr>
       </a:lvl6pPr>
-      <a:lvl7pPr marL="2971800" indent="-228600" algn="l" defTabSz="914400" rtl="0" eaLnBrk="1" latinLnBrk="0" hangingPunct="1">
-        <a:lnSpc>
-          <a:spcPct val="90000"/>
-        </a:lnSpc>
-        <a:spcBef>
-          <a:spcPts val="500"/>
-        </a:spcBef>
-        <a:buFont typeface="Arial" panose="020B0604020202020204" pitchFamily="34" charset="0"/>
-        <a:buChar char="•"/>
+      <a:lvl7pPr marL="2743200" algn="l" defTabSz="457200" rtl="0" eaLnBrk="1" latinLnBrk="0" hangingPunct="1">
         <a:defRPr sz="1800" kern="1200">
           <a:solidFill>
             <a:schemeClr val="tx1"/>
@@ -3178,15 +6054,7 @@
           <a:cs typeface="+mn-cs"/>
         </a:defRPr>
       </a:lvl7pPr>
-      <a:lvl8pPr marL="3429000" indent="-228600" algn="l" defTabSz="914400" rtl="0" eaLnBrk="1" latinLnBrk="0" hangingPunct="1">
-        <a:lnSpc>
-          <a:spcPct val="90000"/>
-        </a:lnSpc>
-        <a:spcBef>
-          <a:spcPts val="500"/>
-        </a:spcBef>
-        <a:buFont typeface="Arial" panose="020B0604020202020204" pitchFamily="34" charset="0"/>
-        <a:buChar char="•"/>
+      <a:lvl8pPr marL="3200400" algn="l" defTabSz="457200" rtl="0" eaLnBrk="1" latinLnBrk="0" hangingPunct="1">
         <a:defRPr sz="1800" kern="1200">
           <a:solidFill>
             <a:schemeClr val="tx1"/>
@@ -3196,110 +6064,7 @@
           <a:cs typeface="+mn-cs"/>
         </a:defRPr>
       </a:lvl8pPr>
-      <a:lvl9pPr marL="3886200" indent="-228600" algn="l" defTabSz="914400" rtl="0" eaLnBrk="1" latinLnBrk="0" hangingPunct="1">
-        <a:lnSpc>
-          <a:spcPct val="90000"/>
-        </a:lnSpc>
-        <a:spcBef>
-          <a:spcPts val="500"/>
-        </a:spcBef>
-        <a:buFont typeface="Arial" panose="020B0604020202020204" pitchFamily="34" charset="0"/>
-        <a:buChar char="•"/>
-        <a:defRPr sz="1800" kern="1200">
-          <a:solidFill>
-            <a:schemeClr val="tx1"/>
-          </a:solidFill>
-          <a:latin typeface="+mn-lt"/>
-          <a:ea typeface="+mn-ea"/>
-          <a:cs typeface="+mn-cs"/>
-        </a:defRPr>
-      </a:lvl9pPr>
-    </p:bodyStyle>
-    <p:otherStyle>
-      <a:defPPr>
-        <a:defRPr lang="en-US"/>
-      </a:defPPr>
-      <a:lvl1pPr marL="0" algn="l" defTabSz="914400" rtl="0" eaLnBrk="1" latinLnBrk="0" hangingPunct="1">
-        <a:defRPr sz="1800" kern="1200">
-          <a:solidFill>
-            <a:schemeClr val="tx1"/>
-          </a:solidFill>
-          <a:latin typeface="+mn-lt"/>
-          <a:ea typeface="+mn-ea"/>
-          <a:cs typeface="+mn-cs"/>
-        </a:defRPr>
-      </a:lvl1pPr>
-      <a:lvl2pPr marL="457200" algn="l" defTabSz="914400" rtl="0" eaLnBrk="1" latinLnBrk="0" hangingPunct="1">
-        <a:defRPr sz="1800" kern="1200">
-          <a:solidFill>
-            <a:schemeClr val="tx1"/>
-          </a:solidFill>
-          <a:latin typeface="+mn-lt"/>
-          <a:ea typeface="+mn-ea"/>
-          <a:cs typeface="+mn-cs"/>
-        </a:defRPr>
-      </a:lvl2pPr>
-      <a:lvl3pPr marL="914400" algn="l" defTabSz="914400" rtl="0" eaLnBrk="1" latinLnBrk="0" hangingPunct="1">
-        <a:defRPr sz="1800" kern="1200">
-          <a:solidFill>
-            <a:schemeClr val="tx1"/>
-          </a:solidFill>
-          <a:latin typeface="+mn-lt"/>
-          <a:ea typeface="+mn-ea"/>
-          <a:cs typeface="+mn-cs"/>
-        </a:defRPr>
-      </a:lvl3pPr>
-      <a:lvl4pPr marL="1371600" algn="l" defTabSz="914400" rtl="0" eaLnBrk="1" latinLnBrk="0" hangingPunct="1">
-        <a:defRPr sz="1800" kern="1200">
-          <a:solidFill>
-            <a:schemeClr val="tx1"/>
-          </a:solidFill>
-          <a:latin typeface="+mn-lt"/>
-          <a:ea typeface="+mn-ea"/>
-          <a:cs typeface="+mn-cs"/>
-        </a:defRPr>
-      </a:lvl4pPr>
-      <a:lvl5pPr marL="1828800" algn="l" defTabSz="914400" rtl="0" eaLnBrk="1" latinLnBrk="0" hangingPunct="1">
-        <a:defRPr sz="1800" kern="1200">
-          <a:solidFill>
-            <a:schemeClr val="tx1"/>
-          </a:solidFill>
-          <a:latin typeface="+mn-lt"/>
-          <a:ea typeface="+mn-ea"/>
-          <a:cs typeface="+mn-cs"/>
-        </a:defRPr>
-      </a:lvl5pPr>
-      <a:lvl6pPr marL="2286000" algn="l" defTabSz="914400" rtl="0" eaLnBrk="1" latinLnBrk="0" hangingPunct="1">
-        <a:defRPr sz="1800" kern="1200">
-          <a:solidFill>
-            <a:schemeClr val="tx1"/>
-          </a:solidFill>
-          <a:latin typeface="+mn-lt"/>
-          <a:ea typeface="+mn-ea"/>
-          <a:cs typeface="+mn-cs"/>
-        </a:defRPr>
-      </a:lvl6pPr>
-      <a:lvl7pPr marL="2743200" algn="l" defTabSz="914400" rtl="0" eaLnBrk="1" latinLnBrk="0" hangingPunct="1">
-        <a:defRPr sz="1800" kern="1200">
-          <a:solidFill>
-            <a:schemeClr val="tx1"/>
-          </a:solidFill>
-          <a:latin typeface="+mn-lt"/>
-          <a:ea typeface="+mn-ea"/>
-          <a:cs typeface="+mn-cs"/>
-        </a:defRPr>
-      </a:lvl7pPr>
-      <a:lvl8pPr marL="3200400" algn="l" defTabSz="914400" rtl="0" eaLnBrk="1" latinLnBrk="0" hangingPunct="1">
-        <a:defRPr sz="1800" kern="1200">
-          <a:solidFill>
-            <a:schemeClr val="tx1"/>
-          </a:solidFill>
-          <a:latin typeface="+mn-lt"/>
-          <a:ea typeface="+mn-ea"/>
-          <a:cs typeface="+mn-cs"/>
-        </a:defRPr>
-      </a:lvl8pPr>
-      <a:lvl9pPr marL="3657600" algn="l" defTabSz="914400" rtl="0" eaLnBrk="1" latinLnBrk="0" hangingPunct="1">
+      <a:lvl9pPr marL="3657600" algn="l" defTabSz="457200" rtl="0" eaLnBrk="1" latinLnBrk="0" hangingPunct="1">
         <a:defRPr sz="1800" kern="1200">
           <a:solidFill>
             <a:schemeClr val="tx1"/>
@@ -3317,6 +6082,31 @@
 <file path=ppt/slides/slide1.xml><?xml version="1.0" encoding="utf-8"?>
 <p:sld xmlns:a="http://schemas.openxmlformats.org/drawingml/2006/main" xmlns:r="http://schemas.openxmlformats.org/officeDocument/2006/relationships" xmlns:p="http://schemas.openxmlformats.org/presentationml/2006/main">
   <p:cSld>
+    <p:bg>
+      <p:bgPr>
+        <a:blipFill rotWithShape="1">
+          <a:blip r:embed="rId2">
+            <a:duotone>
+              <a:schemeClr val="bg2">
+                <a:shade val="69000"/>
+                <a:hueMod val="108000"/>
+                <a:satMod val="164000"/>
+                <a:lumMod val="74000"/>
+              </a:schemeClr>
+              <a:schemeClr val="bg2">
+                <a:tint val="96000"/>
+                <a:hueMod val="88000"/>
+                <a:satMod val="140000"/>
+                <a:lumMod val="132000"/>
+              </a:schemeClr>
+            </a:duotone>
+            <a:extLst/>
+          </a:blip>
+          <a:stretch/>
+        </a:blipFill>
+        <a:effectLst/>
+      </p:bgPr>
+    </p:bg>
     <p:spTree>
       <p:nvGrpSpPr>
         <p:cNvPr id="1" name=""/>
@@ -3331,6 +6121,928 @@
           <a:chExt cx="0" cy="0"/>
         </a:xfrm>
       </p:grpSpPr>
+      <p:sp useBgFill="1">
+        <p:nvSpPr>
+          <p:cNvPr id="5" name="Rectangle 7">
+            <a:extLst>
+              <a:ext uri="{FF2B5EF4-FFF2-40B4-BE49-F238E27FC236}">
+                <a16:creationId xmlns:a16="http://schemas.microsoft.com/office/drawing/2014/main" id="{C28D0172-F2E0-4763-9C35-F022664959D8}"/>
+              </a:ext>
+              <a:ext uri="{C183D7F6-B498-43B3-948B-1728B52AA6E4}">
+                <adec:decorative xmlns:adec="http://schemas.microsoft.com/office/drawing/2017/decorative" val="1"/>
+              </a:ext>
+            </a:extLst>
+          </p:cNvPr>
+          <p:cNvSpPr>
+            <a:spLocks noGrp="1" noRot="1" noChangeAspect="1" noMove="1" noResize="1" noEditPoints="1" noAdjustHandles="1" noChangeArrowheads="1" noChangeShapeType="1" noTextEdit="1"/>
+          </p:cNvSpPr>
+          <p:nvPr>
+            <p:extLst>
+              <p:ext uri="{386F3935-93C4-4BCD-93E2-E3B085C9AB24}">
+                <p16:designElem xmlns:p16="http://schemas.microsoft.com/office/powerpoint/2015/main" val="1"/>
+              </p:ext>
+            </p:extLst>
+          </p:nvPr>
+        </p:nvSpPr>
+        <p:spPr>
+          <a:xfrm>
+            <a:off x="0" y="-5"/>
+            <a:ext cx="12191695" cy="4730744"/>
+          </a:xfrm>
+          <a:prstGeom prst="rect">
+            <a:avLst/>
+          </a:prstGeom>
+          <a:ln>
+            <a:noFill/>
+          </a:ln>
+        </p:spPr>
+        <p:style>
+          <a:lnRef idx="2">
+            <a:schemeClr val="accent1">
+              <a:shade val="50000"/>
+            </a:schemeClr>
+          </a:lnRef>
+          <a:fillRef idx="1">
+            <a:schemeClr val="accent1"/>
+          </a:fillRef>
+          <a:effectRef idx="0">
+            <a:schemeClr val="accent1"/>
+          </a:effectRef>
+          <a:fontRef idx="minor">
+            <a:schemeClr val="lt1"/>
+          </a:fontRef>
+        </p:style>
+        <p:txBody>
+          <a:bodyPr rtlCol="0" anchor="ctr"/>
+          <a:lstStyle/>
+          <a:p>
+            <a:pPr algn="ctr"/>
+            <a:endParaRPr lang="en-US"/>
+          </a:p>
+        </p:txBody>
+      </p:sp>
+      <p:sp>
+        <p:nvSpPr>
+          <p:cNvPr id="6" name="Freeform 16">
+            <a:extLst>
+              <a:ext uri="{FF2B5EF4-FFF2-40B4-BE49-F238E27FC236}">
+                <a16:creationId xmlns:a16="http://schemas.microsoft.com/office/drawing/2014/main" id="{9F2851FB-E841-4509-8A6D-A416376EA380}"/>
+              </a:ext>
+              <a:ext uri="{C183D7F6-B498-43B3-948B-1728B52AA6E4}">
+                <adec:decorative xmlns:adec="http://schemas.microsoft.com/office/drawing/2017/decorative" val="1"/>
+              </a:ext>
+            </a:extLst>
+          </p:cNvPr>
+          <p:cNvSpPr>
+            <a:spLocks noGrp="1" noRot="1" noChangeAspect="1" noMove="1" noResize="1" noEditPoints="1" noAdjustHandles="1" noChangeArrowheads="1" noChangeShapeType="1" noTextEdit="1"/>
+          </p:cNvSpPr>
+          <p:nvPr>
+            <p:extLst>
+              <p:ext uri="{386F3935-93C4-4BCD-93E2-E3B085C9AB24}">
+                <p16:designElem xmlns:p16="http://schemas.microsoft.com/office/powerpoint/2015/main" val="1"/>
+              </p:ext>
+            </p:extLst>
+          </p:nvPr>
+        </p:nvSpPr>
+        <p:spPr>
+          <a:xfrm>
+            <a:off x="8719939" y="3753695"/>
+            <a:ext cx="3472060" cy="825932"/>
+          </a:xfrm>
+          <a:custGeom>
+            <a:avLst/>
+            <a:gdLst>
+              <a:gd name="connsiteX0" fmla="*/ 3470310 w 3472060"/>
+              <a:gd name="connsiteY0" fmla="*/ 0 h 825932"/>
+              <a:gd name="connsiteX1" fmla="*/ 3472060 w 3472060"/>
+              <a:gd name="connsiteY1" fmla="*/ 12850 h 825932"/>
+              <a:gd name="connsiteX2" fmla="*/ 3472060 w 3472060"/>
+              <a:gd name="connsiteY2" fmla="*/ 480529 h 825932"/>
+              <a:gd name="connsiteX3" fmla="*/ 3363699 w 3472060"/>
+              <a:gd name="connsiteY3" fmla="*/ 498471 h 825932"/>
+              <a:gd name="connsiteX4" fmla="*/ 42060 w 3472060"/>
+              <a:gd name="connsiteY4" fmla="*/ 824486 h 825932"/>
+              <a:gd name="connsiteX5" fmla="*/ 0 w 3472060"/>
+              <a:gd name="connsiteY5" fmla="*/ 758452 h 825932"/>
+              <a:gd name="connsiteX6" fmla="*/ 188014 w 3472060"/>
+              <a:gd name="connsiteY6" fmla="*/ 735602 h 825932"/>
+              <a:gd name="connsiteX7" fmla="*/ 284087 w 3472060"/>
+              <a:gd name="connsiteY7" fmla="*/ 722590 h 825932"/>
+              <a:gd name="connsiteX8" fmla="*/ 382288 w 3472060"/>
+              <a:gd name="connsiteY8" fmla="*/ 709392 h 825932"/>
+              <a:gd name="connsiteX9" fmla="*/ 481858 w 3472060"/>
+              <a:gd name="connsiteY9" fmla="*/ 695774 h 825932"/>
+              <a:gd name="connsiteX10" fmla="*/ 581897 w 3472060"/>
+              <a:gd name="connsiteY10" fmla="*/ 680711 h 825932"/>
+              <a:gd name="connsiteX11" fmla="*/ 683670 w 3472060"/>
+              <a:gd name="connsiteY11" fmla="*/ 665256 h 825932"/>
+              <a:gd name="connsiteX12" fmla="*/ 787206 w 3472060"/>
+              <a:gd name="connsiteY12" fmla="*/ 649587 h 825932"/>
+              <a:gd name="connsiteX13" fmla="*/ 892019 w 3472060"/>
+              <a:gd name="connsiteY13" fmla="*/ 632968 h 825932"/>
+              <a:gd name="connsiteX14" fmla="*/ 997620 w 3472060"/>
+              <a:gd name="connsiteY14" fmla="*/ 614667 h 825932"/>
+              <a:gd name="connsiteX15" fmla="*/ 1104727 w 3472060"/>
+              <a:gd name="connsiteY15" fmla="*/ 596741 h 825932"/>
+              <a:gd name="connsiteX16" fmla="*/ 1212669 w 3472060"/>
+              <a:gd name="connsiteY16" fmla="*/ 577397 h 825932"/>
+              <a:gd name="connsiteX17" fmla="*/ 1321506 w 3472060"/>
+              <a:gd name="connsiteY17" fmla="*/ 556988 h 825932"/>
+              <a:gd name="connsiteX18" fmla="*/ 1430709 w 3472060"/>
+              <a:gd name="connsiteY18" fmla="*/ 536607 h 825932"/>
+              <a:gd name="connsiteX19" fmla="*/ 1541050 w 3472060"/>
+              <a:gd name="connsiteY19" fmla="*/ 514481 h 825932"/>
+              <a:gd name="connsiteX20" fmla="*/ 1652805 w 3472060"/>
+              <a:gd name="connsiteY20" fmla="*/ 492202 h 825932"/>
+              <a:gd name="connsiteX21" fmla="*/ 1763708 w 3472060"/>
+              <a:gd name="connsiteY21" fmla="*/ 469161 h 825932"/>
+              <a:gd name="connsiteX22" fmla="*/ 1875795 w 3472060"/>
+              <a:gd name="connsiteY22" fmla="*/ 444641 h 825932"/>
+              <a:gd name="connsiteX23" fmla="*/ 1989128 w 3472060"/>
+              <a:gd name="connsiteY23" fmla="*/ 418995 h 825932"/>
+              <a:gd name="connsiteX24" fmla="*/ 2102476 w 3472060"/>
+              <a:gd name="connsiteY24" fmla="*/ 393438 h 825932"/>
+              <a:gd name="connsiteX25" fmla="*/ 2215549 w 3472060"/>
+              <a:gd name="connsiteY25" fmla="*/ 366291 h 825932"/>
+              <a:gd name="connsiteX26" fmla="*/ 2330490 w 3472060"/>
+              <a:gd name="connsiteY26" fmla="*/ 337455 h 825932"/>
+              <a:gd name="connsiteX27" fmla="*/ 2443333 w 3472060"/>
+              <a:gd name="connsiteY27" fmla="*/ 308983 h 825932"/>
+              <a:gd name="connsiteX28" fmla="*/ 2558014 w 3472060"/>
+              <a:gd name="connsiteY28" fmla="*/ 278646 h 825932"/>
+              <a:gd name="connsiteX29" fmla="*/ 2673621 w 3472060"/>
+              <a:gd name="connsiteY29" fmla="*/ 247421 h 825932"/>
+              <a:gd name="connsiteX30" fmla="*/ 2787008 w 3472060"/>
+              <a:gd name="connsiteY30" fmla="*/ 215853 h 825932"/>
+              <a:gd name="connsiteX31" fmla="*/ 2901442 w 3472060"/>
+              <a:gd name="connsiteY31" fmla="*/ 182011 h 825932"/>
+              <a:gd name="connsiteX32" fmla="*/ 3015722 w 3472060"/>
+              <a:gd name="connsiteY32" fmla="*/ 147286 h 825932"/>
+              <a:gd name="connsiteX33" fmla="*/ 3130018 w 3472060"/>
+              <a:gd name="connsiteY33" fmla="*/ 112649 h 825932"/>
+              <a:gd name="connsiteX34" fmla="*/ 3243551 w 3472060"/>
+              <a:gd name="connsiteY34" fmla="*/ 75688 h 825932"/>
+              <a:gd name="connsiteX35" fmla="*/ 3356992 w 3472060"/>
+              <a:gd name="connsiteY35" fmla="*/ 38197 h 825932"/>
+              <a:gd name="connsiteX36" fmla="*/ 3470310 w 3472060"/>
+              <a:gd name="connsiteY36" fmla="*/ 0 h 825932"/>
+            </a:gdLst>
+            <a:ahLst/>
+            <a:cxnLst>
+              <a:cxn ang="0">
+                <a:pos x="connsiteX0" y="connsiteY0"/>
+              </a:cxn>
+              <a:cxn ang="0">
+                <a:pos x="connsiteX1" y="connsiteY1"/>
+              </a:cxn>
+              <a:cxn ang="0">
+                <a:pos x="connsiteX2" y="connsiteY2"/>
+              </a:cxn>
+              <a:cxn ang="0">
+                <a:pos x="connsiteX3" y="connsiteY3"/>
+              </a:cxn>
+              <a:cxn ang="0">
+                <a:pos x="connsiteX4" y="connsiteY4"/>
+              </a:cxn>
+              <a:cxn ang="0">
+                <a:pos x="connsiteX5" y="connsiteY5"/>
+              </a:cxn>
+              <a:cxn ang="0">
+                <a:pos x="connsiteX6" y="connsiteY6"/>
+              </a:cxn>
+              <a:cxn ang="0">
+                <a:pos x="connsiteX7" y="connsiteY7"/>
+              </a:cxn>
+              <a:cxn ang="0">
+                <a:pos x="connsiteX8" y="connsiteY8"/>
+              </a:cxn>
+              <a:cxn ang="0">
+                <a:pos x="connsiteX9" y="connsiteY9"/>
+              </a:cxn>
+              <a:cxn ang="0">
+                <a:pos x="connsiteX10" y="connsiteY10"/>
+              </a:cxn>
+              <a:cxn ang="0">
+                <a:pos x="connsiteX11" y="connsiteY11"/>
+              </a:cxn>
+              <a:cxn ang="0">
+                <a:pos x="connsiteX12" y="connsiteY12"/>
+              </a:cxn>
+              <a:cxn ang="0">
+                <a:pos x="connsiteX13" y="connsiteY13"/>
+              </a:cxn>
+              <a:cxn ang="0">
+                <a:pos x="connsiteX14" y="connsiteY14"/>
+              </a:cxn>
+              <a:cxn ang="0">
+                <a:pos x="connsiteX15" y="connsiteY15"/>
+              </a:cxn>
+              <a:cxn ang="0">
+                <a:pos x="connsiteX16" y="connsiteY16"/>
+              </a:cxn>
+              <a:cxn ang="0">
+                <a:pos x="connsiteX17" y="connsiteY17"/>
+              </a:cxn>
+              <a:cxn ang="0">
+                <a:pos x="connsiteX18" y="connsiteY18"/>
+              </a:cxn>
+              <a:cxn ang="0">
+                <a:pos x="connsiteX19" y="connsiteY19"/>
+              </a:cxn>
+              <a:cxn ang="0">
+                <a:pos x="connsiteX20" y="connsiteY20"/>
+              </a:cxn>
+              <a:cxn ang="0">
+                <a:pos x="connsiteX21" y="connsiteY21"/>
+              </a:cxn>
+              <a:cxn ang="0">
+                <a:pos x="connsiteX22" y="connsiteY22"/>
+              </a:cxn>
+              <a:cxn ang="0">
+                <a:pos x="connsiteX23" y="connsiteY23"/>
+              </a:cxn>
+              <a:cxn ang="0">
+                <a:pos x="connsiteX24" y="connsiteY24"/>
+              </a:cxn>
+              <a:cxn ang="0">
+                <a:pos x="connsiteX25" y="connsiteY25"/>
+              </a:cxn>
+              <a:cxn ang="0">
+                <a:pos x="connsiteX26" y="connsiteY26"/>
+              </a:cxn>
+              <a:cxn ang="0">
+                <a:pos x="connsiteX27" y="connsiteY27"/>
+              </a:cxn>
+              <a:cxn ang="0">
+                <a:pos x="connsiteX28" y="connsiteY28"/>
+              </a:cxn>
+              <a:cxn ang="0">
+                <a:pos x="connsiteX29" y="connsiteY29"/>
+              </a:cxn>
+              <a:cxn ang="0">
+                <a:pos x="connsiteX30" y="connsiteY30"/>
+              </a:cxn>
+              <a:cxn ang="0">
+                <a:pos x="connsiteX31" y="connsiteY31"/>
+              </a:cxn>
+              <a:cxn ang="0">
+                <a:pos x="connsiteX32" y="connsiteY32"/>
+              </a:cxn>
+              <a:cxn ang="0">
+                <a:pos x="connsiteX33" y="connsiteY33"/>
+              </a:cxn>
+              <a:cxn ang="0">
+                <a:pos x="connsiteX34" y="connsiteY34"/>
+              </a:cxn>
+              <a:cxn ang="0">
+                <a:pos x="connsiteX35" y="connsiteY35"/>
+              </a:cxn>
+              <a:cxn ang="0">
+                <a:pos x="connsiteX36" y="connsiteY36"/>
+              </a:cxn>
+            </a:cxnLst>
+            <a:rect l="l" t="t" r="r" b="b"/>
+            <a:pathLst>
+              <a:path w="3472060" h="825932">
+                <a:moveTo>
+                  <a:pt x="3470310" y="0"/>
+                </a:moveTo>
+                <a:lnTo>
+                  <a:pt x="3472060" y="12850"/>
+                </a:lnTo>
+                <a:lnTo>
+                  <a:pt x="3472060" y="480529"/>
+                </a:lnTo>
+                <a:lnTo>
+                  <a:pt x="3363699" y="498471"/>
+                </a:lnTo>
+                <a:cubicBezTo>
+                  <a:pt x="2435623" y="645518"/>
+                  <a:pt x="603076" y="844866"/>
+                  <a:pt x="42060" y="824486"/>
+                </a:cubicBezTo>
+                <a:cubicBezTo>
+                  <a:pt x="28151" y="802425"/>
+                  <a:pt x="13909" y="780513"/>
+                  <a:pt x="0" y="758452"/>
+                </a:cubicBezTo>
+                <a:lnTo>
+                  <a:pt x="188014" y="735602"/>
+                </a:lnTo>
+                <a:lnTo>
+                  <a:pt x="284087" y="722590"/>
+                </a:lnTo>
+                <a:lnTo>
+                  <a:pt x="382288" y="709392"/>
+                </a:lnTo>
+                <a:lnTo>
+                  <a:pt x="481858" y="695774"/>
+                </a:lnTo>
+                <a:lnTo>
+                  <a:pt x="581897" y="680711"/>
+                </a:lnTo>
+                <a:lnTo>
+                  <a:pt x="683670" y="665256"/>
+                </a:lnTo>
+                <a:lnTo>
+                  <a:pt x="787206" y="649587"/>
+                </a:lnTo>
+                <a:lnTo>
+                  <a:pt x="892019" y="632968"/>
+                </a:lnTo>
+                <a:lnTo>
+                  <a:pt x="997620" y="614667"/>
+                </a:lnTo>
+                <a:lnTo>
+                  <a:pt x="1104727" y="596741"/>
+                </a:lnTo>
+                <a:lnTo>
+                  <a:pt x="1212669" y="577397"/>
+                </a:lnTo>
+                <a:lnTo>
+                  <a:pt x="1321506" y="556988"/>
+                </a:lnTo>
+                <a:lnTo>
+                  <a:pt x="1430709" y="536607"/>
+                </a:lnTo>
+                <a:lnTo>
+                  <a:pt x="1541050" y="514481"/>
+                </a:lnTo>
+                <a:lnTo>
+                  <a:pt x="1652805" y="492202"/>
+                </a:lnTo>
+                <a:lnTo>
+                  <a:pt x="1763708" y="469161"/>
+                </a:lnTo>
+                <a:lnTo>
+                  <a:pt x="1875795" y="444641"/>
+                </a:lnTo>
+                <a:lnTo>
+                  <a:pt x="1989128" y="418995"/>
+                </a:lnTo>
+                <a:lnTo>
+                  <a:pt x="2102476" y="393438"/>
+                </a:lnTo>
+                <a:lnTo>
+                  <a:pt x="2215549" y="366291"/>
+                </a:lnTo>
+                <a:lnTo>
+                  <a:pt x="2330490" y="337455"/>
+                </a:lnTo>
+                <a:lnTo>
+                  <a:pt x="2443333" y="308983"/>
+                </a:lnTo>
+                <a:lnTo>
+                  <a:pt x="2558014" y="278646"/>
+                </a:lnTo>
+                <a:lnTo>
+                  <a:pt x="2673621" y="247421"/>
+                </a:lnTo>
+                <a:lnTo>
+                  <a:pt x="2787008" y="215853"/>
+                </a:lnTo>
+                <a:lnTo>
+                  <a:pt x="2901442" y="182011"/>
+                </a:lnTo>
+                <a:lnTo>
+                  <a:pt x="3015722" y="147286"/>
+                </a:lnTo>
+                <a:lnTo>
+                  <a:pt x="3130018" y="112649"/>
+                </a:lnTo>
+                <a:lnTo>
+                  <a:pt x="3243551" y="75688"/>
+                </a:lnTo>
+                <a:lnTo>
+                  <a:pt x="3356992" y="38197"/>
+                </a:lnTo>
+                <a:lnTo>
+                  <a:pt x="3470310" y="0"/>
+                </a:lnTo>
+                <a:close/>
+              </a:path>
+            </a:pathLst>
+          </a:custGeom>
+          <a:solidFill>
+            <a:schemeClr val="tx1">
+              <a:alpha val="20000"/>
+            </a:schemeClr>
+          </a:solidFill>
+          <a:ln>
+            <a:noFill/>
+          </a:ln>
+        </p:spPr>
+        <p:txBody>
+          <a:bodyPr rtlCol="0" anchor="ctr"/>
+          <a:lstStyle/>
+          <a:p>
+            <a:pPr algn="ctr"/>
+            <a:endParaRPr lang="en-US">
+              <a:solidFill>
+                <a:schemeClr val="tx1"/>
+              </a:solidFill>
+            </a:endParaRPr>
+          </a:p>
+        </p:txBody>
+      </p:sp>
+      <p:sp>
+        <p:nvSpPr>
+          <p:cNvPr id="12" name="Freeform: Shape 11">
+            <a:extLst>
+              <a:ext uri="{FF2B5EF4-FFF2-40B4-BE49-F238E27FC236}">
+                <a16:creationId xmlns:a16="http://schemas.microsoft.com/office/drawing/2014/main" id="{DF6FB2B2-CE21-407F-B22E-302DADC2C3D3}"/>
+              </a:ext>
+              <a:ext uri="{C183D7F6-B498-43B3-948B-1728B52AA6E4}">
+                <adec:decorative xmlns:adec="http://schemas.microsoft.com/office/drawing/2017/decorative" val="1"/>
+              </a:ext>
+            </a:extLst>
+          </p:cNvPr>
+          <p:cNvSpPr>
+            <a:spLocks noGrp="1" noRot="1" noChangeAspect="1" noMove="1" noResize="1" noEditPoints="1" noAdjustHandles="1" noChangeArrowheads="1" noChangeShapeType="1" noTextEdit="1"/>
+          </p:cNvSpPr>
+          <p:nvPr>
+            <p:extLst>
+              <p:ext uri="{386F3935-93C4-4BCD-93E2-E3B085C9AB24}">
+                <p16:designElem xmlns:p16="http://schemas.microsoft.com/office/powerpoint/2015/main" val="1"/>
+              </p:ext>
+            </p:extLst>
+          </p:nvPr>
+        </p:nvSpPr>
+        <p:spPr>
+          <a:xfrm>
+            <a:off x="0" y="4055533"/>
+            <a:ext cx="12192000" cy="2802467"/>
+          </a:xfrm>
+          <a:custGeom>
+            <a:avLst/>
+            <a:gdLst>
+              <a:gd name="connsiteX0" fmla="*/ 1 w 12192000"/>
+              <a:gd name="connsiteY0" fmla="*/ 0 h 2802467"/>
+              <a:gd name="connsiteX1" fmla="*/ 71932 w 12192000"/>
+              <a:gd name="connsiteY1" fmla="*/ 12261 h 2802467"/>
+              <a:gd name="connsiteX2" fmla="*/ 282848 w 12192000"/>
+              <a:gd name="connsiteY2" fmla="*/ 48342 h 2802467"/>
+              <a:gd name="connsiteX3" fmla="*/ 436464 w 12192000"/>
+              <a:gd name="connsiteY3" fmla="*/ 73565 h 2802467"/>
+              <a:gd name="connsiteX4" fmla="*/ 619339 w 12192000"/>
+              <a:gd name="connsiteY4" fmla="*/ 100188 h 2802467"/>
+              <a:gd name="connsiteX5" fmla="*/ 836351 w 12192000"/>
+              <a:gd name="connsiteY5" fmla="*/ 132066 h 2802467"/>
+              <a:gd name="connsiteX6" fmla="*/ 1076528 w 12192000"/>
+              <a:gd name="connsiteY6" fmla="*/ 165696 h 2802467"/>
+              <a:gd name="connsiteX7" fmla="*/ 1347183 w 12192000"/>
+              <a:gd name="connsiteY7" fmla="*/ 201077 h 2802467"/>
+              <a:gd name="connsiteX8" fmla="*/ 1642223 w 12192000"/>
+              <a:gd name="connsiteY8" fmla="*/ 238560 h 2802467"/>
+              <a:gd name="connsiteX9" fmla="*/ 1962864 w 12192000"/>
+              <a:gd name="connsiteY9" fmla="*/ 276043 h 2802467"/>
+              <a:gd name="connsiteX10" fmla="*/ 2304232 w 12192000"/>
+              <a:gd name="connsiteY10" fmla="*/ 314226 h 2802467"/>
+              <a:gd name="connsiteX11" fmla="*/ 2672421 w 12192000"/>
+              <a:gd name="connsiteY11" fmla="*/ 349608 h 2802467"/>
+              <a:gd name="connsiteX12" fmla="*/ 3057678 w 12192000"/>
+              <a:gd name="connsiteY12" fmla="*/ 383587 h 2802467"/>
+              <a:gd name="connsiteX13" fmla="*/ 3464881 w 12192000"/>
+              <a:gd name="connsiteY13" fmla="*/ 414415 h 2802467"/>
+              <a:gd name="connsiteX14" fmla="*/ 3889152 w 12192000"/>
+              <a:gd name="connsiteY14" fmla="*/ 443840 h 2802467"/>
+              <a:gd name="connsiteX15" fmla="*/ 4331710 w 12192000"/>
+              <a:gd name="connsiteY15" fmla="*/ 471515 h 2802467"/>
+              <a:gd name="connsiteX16" fmla="*/ 4558476 w 12192000"/>
+              <a:gd name="connsiteY16" fmla="*/ 481323 h 2802467"/>
+              <a:gd name="connsiteX17" fmla="*/ 4790118 w 12192000"/>
+              <a:gd name="connsiteY17" fmla="*/ 492183 h 2802467"/>
+              <a:gd name="connsiteX18" fmla="*/ 5025418 w 12192000"/>
+              <a:gd name="connsiteY18" fmla="*/ 502342 h 2802467"/>
+              <a:gd name="connsiteX19" fmla="*/ 5261937 w 12192000"/>
+              <a:gd name="connsiteY19" fmla="*/ 508998 h 2802467"/>
+              <a:gd name="connsiteX20" fmla="*/ 5503332 w 12192000"/>
+              <a:gd name="connsiteY20" fmla="*/ 514953 h 2802467"/>
+              <a:gd name="connsiteX21" fmla="*/ 5747166 w 12192000"/>
+              <a:gd name="connsiteY21" fmla="*/ 521259 h 2802467"/>
+              <a:gd name="connsiteX22" fmla="*/ 5995877 w 12192000"/>
+              <a:gd name="connsiteY22" fmla="*/ 525462 h 2802467"/>
+              <a:gd name="connsiteX23" fmla="*/ 6247026 w 12192000"/>
+              <a:gd name="connsiteY23" fmla="*/ 525462 h 2802467"/>
+              <a:gd name="connsiteX24" fmla="*/ 6500613 w 12192000"/>
+              <a:gd name="connsiteY24" fmla="*/ 527564 h 2802467"/>
+              <a:gd name="connsiteX25" fmla="*/ 6756639 w 12192000"/>
+              <a:gd name="connsiteY25" fmla="*/ 525462 h 2802467"/>
+              <a:gd name="connsiteX26" fmla="*/ 7016322 w 12192000"/>
+              <a:gd name="connsiteY26" fmla="*/ 521259 h 2802467"/>
+              <a:gd name="connsiteX27" fmla="*/ 7276005 w 12192000"/>
+              <a:gd name="connsiteY27" fmla="*/ 517405 h 2802467"/>
+              <a:gd name="connsiteX28" fmla="*/ 7539345 w 12192000"/>
+              <a:gd name="connsiteY28" fmla="*/ 508998 h 2802467"/>
+              <a:gd name="connsiteX29" fmla="*/ 7805124 w 12192000"/>
+              <a:gd name="connsiteY29" fmla="*/ 500240 h 2802467"/>
+              <a:gd name="connsiteX30" fmla="*/ 8070903 w 12192000"/>
+              <a:gd name="connsiteY30" fmla="*/ 490081 h 2802467"/>
+              <a:gd name="connsiteX31" fmla="*/ 8339121 w 12192000"/>
+              <a:gd name="connsiteY31" fmla="*/ 475719 h 2802467"/>
+              <a:gd name="connsiteX32" fmla="*/ 8609776 w 12192000"/>
+              <a:gd name="connsiteY32" fmla="*/ 458553 h 2802467"/>
+              <a:gd name="connsiteX33" fmla="*/ 8881651 w 12192000"/>
+              <a:gd name="connsiteY33" fmla="*/ 442089 h 2802467"/>
+              <a:gd name="connsiteX34" fmla="*/ 9153526 w 12192000"/>
+              <a:gd name="connsiteY34" fmla="*/ 421070 h 2802467"/>
+              <a:gd name="connsiteX35" fmla="*/ 9429058 w 12192000"/>
+              <a:gd name="connsiteY35" fmla="*/ 395848 h 2802467"/>
+              <a:gd name="connsiteX36" fmla="*/ 9700933 w 12192000"/>
+              <a:gd name="connsiteY36" fmla="*/ 370626 h 2802467"/>
+              <a:gd name="connsiteX37" fmla="*/ 9977684 w 12192000"/>
+              <a:gd name="connsiteY37" fmla="*/ 341550 h 2802467"/>
+              <a:gd name="connsiteX38" fmla="*/ 10255655 w 12192000"/>
+              <a:gd name="connsiteY38" fmla="*/ 309672 h 2802467"/>
+              <a:gd name="connsiteX39" fmla="*/ 10529968 w 12192000"/>
+              <a:gd name="connsiteY39" fmla="*/ 276043 h 2802467"/>
+              <a:gd name="connsiteX40" fmla="*/ 10807939 w 12192000"/>
+              <a:gd name="connsiteY40" fmla="*/ 236808 h 2802467"/>
+              <a:gd name="connsiteX41" fmla="*/ 11084690 w 12192000"/>
+              <a:gd name="connsiteY41" fmla="*/ 194771 h 2802467"/>
+              <a:gd name="connsiteX42" fmla="*/ 11362661 w 12192000"/>
+              <a:gd name="connsiteY42" fmla="*/ 153085 h 2802467"/>
+              <a:gd name="connsiteX43" fmla="*/ 11639412 w 12192000"/>
+              <a:gd name="connsiteY43" fmla="*/ 104392 h 2802467"/>
+              <a:gd name="connsiteX44" fmla="*/ 11914945 w 12192000"/>
+              <a:gd name="connsiteY44" fmla="*/ 54648 h 2802467"/>
+              <a:gd name="connsiteX45" fmla="*/ 12191696 w 12192000"/>
+              <a:gd name="connsiteY45" fmla="*/ 2452 h 2802467"/>
+              <a:gd name="connsiteX46" fmla="*/ 12191696 w 12192000"/>
+              <a:gd name="connsiteY46" fmla="*/ 2236410 h 2802467"/>
+              <a:gd name="connsiteX47" fmla="*/ 12192000 w 12192000"/>
+              <a:gd name="connsiteY47" fmla="*/ 2236410 h 2802467"/>
+              <a:gd name="connsiteX48" fmla="*/ 12192000 w 12192000"/>
+              <a:gd name="connsiteY48" fmla="*/ 2802467 h 2802467"/>
+              <a:gd name="connsiteX49" fmla="*/ 12191696 w 12192000"/>
+              <a:gd name="connsiteY49" fmla="*/ 2802467 h 2802467"/>
+              <a:gd name="connsiteX50" fmla="*/ 0 w 12192000"/>
+              <a:gd name="connsiteY50" fmla="*/ 2802467 h 2802467"/>
+              <a:gd name="connsiteX51" fmla="*/ 0 w 12192000"/>
+              <a:gd name="connsiteY51" fmla="*/ 2236410 h 2802467"/>
+              <a:gd name="connsiteX52" fmla="*/ 1 w 12192000"/>
+              <a:gd name="connsiteY52" fmla="*/ 2236410 h 2802467"/>
+            </a:gdLst>
+            <a:ahLst/>
+            <a:cxnLst>
+              <a:cxn ang="0">
+                <a:pos x="connsiteX0" y="connsiteY0"/>
+              </a:cxn>
+              <a:cxn ang="0">
+                <a:pos x="connsiteX1" y="connsiteY1"/>
+              </a:cxn>
+              <a:cxn ang="0">
+                <a:pos x="connsiteX2" y="connsiteY2"/>
+              </a:cxn>
+              <a:cxn ang="0">
+                <a:pos x="connsiteX3" y="connsiteY3"/>
+              </a:cxn>
+              <a:cxn ang="0">
+                <a:pos x="connsiteX4" y="connsiteY4"/>
+              </a:cxn>
+              <a:cxn ang="0">
+                <a:pos x="connsiteX5" y="connsiteY5"/>
+              </a:cxn>
+              <a:cxn ang="0">
+                <a:pos x="connsiteX6" y="connsiteY6"/>
+              </a:cxn>
+              <a:cxn ang="0">
+                <a:pos x="connsiteX7" y="connsiteY7"/>
+              </a:cxn>
+              <a:cxn ang="0">
+                <a:pos x="connsiteX8" y="connsiteY8"/>
+              </a:cxn>
+              <a:cxn ang="0">
+                <a:pos x="connsiteX9" y="connsiteY9"/>
+              </a:cxn>
+              <a:cxn ang="0">
+                <a:pos x="connsiteX10" y="connsiteY10"/>
+              </a:cxn>
+              <a:cxn ang="0">
+                <a:pos x="connsiteX11" y="connsiteY11"/>
+              </a:cxn>
+              <a:cxn ang="0">
+                <a:pos x="connsiteX12" y="connsiteY12"/>
+              </a:cxn>
+              <a:cxn ang="0">
+                <a:pos x="connsiteX13" y="connsiteY13"/>
+              </a:cxn>
+              <a:cxn ang="0">
+                <a:pos x="connsiteX14" y="connsiteY14"/>
+              </a:cxn>
+              <a:cxn ang="0">
+                <a:pos x="connsiteX15" y="connsiteY15"/>
+              </a:cxn>
+              <a:cxn ang="0">
+                <a:pos x="connsiteX16" y="connsiteY16"/>
+              </a:cxn>
+              <a:cxn ang="0">
+                <a:pos x="connsiteX17" y="connsiteY17"/>
+              </a:cxn>
+              <a:cxn ang="0">
+                <a:pos x="connsiteX18" y="connsiteY18"/>
+              </a:cxn>
+              <a:cxn ang="0">
+                <a:pos x="connsiteX19" y="connsiteY19"/>
+              </a:cxn>
+              <a:cxn ang="0">
+                <a:pos x="connsiteX20" y="connsiteY20"/>
+              </a:cxn>
+              <a:cxn ang="0">
+                <a:pos x="connsiteX21" y="connsiteY21"/>
+              </a:cxn>
+              <a:cxn ang="0">
+                <a:pos x="connsiteX22" y="connsiteY22"/>
+              </a:cxn>
+              <a:cxn ang="0">
+                <a:pos x="connsiteX23" y="connsiteY23"/>
+              </a:cxn>
+              <a:cxn ang="0">
+                <a:pos x="connsiteX24" y="connsiteY24"/>
+              </a:cxn>
+              <a:cxn ang="0">
+                <a:pos x="connsiteX25" y="connsiteY25"/>
+              </a:cxn>
+              <a:cxn ang="0">
+                <a:pos x="connsiteX26" y="connsiteY26"/>
+              </a:cxn>
+              <a:cxn ang="0">
+                <a:pos x="connsiteX27" y="connsiteY27"/>
+              </a:cxn>
+              <a:cxn ang="0">
+                <a:pos x="connsiteX28" y="connsiteY28"/>
+              </a:cxn>
+              <a:cxn ang="0">
+                <a:pos x="connsiteX29" y="connsiteY29"/>
+              </a:cxn>
+              <a:cxn ang="0">
+                <a:pos x="connsiteX30" y="connsiteY30"/>
+              </a:cxn>
+              <a:cxn ang="0">
+                <a:pos x="connsiteX31" y="connsiteY31"/>
+              </a:cxn>
+              <a:cxn ang="0">
+                <a:pos x="connsiteX32" y="connsiteY32"/>
+              </a:cxn>
+              <a:cxn ang="0">
+                <a:pos x="connsiteX33" y="connsiteY33"/>
+              </a:cxn>
+              <a:cxn ang="0">
+                <a:pos x="connsiteX34" y="connsiteY34"/>
+              </a:cxn>
+              <a:cxn ang="0">
+                <a:pos x="connsiteX35" y="connsiteY35"/>
+              </a:cxn>
+              <a:cxn ang="0">
+                <a:pos x="connsiteX36" y="connsiteY36"/>
+              </a:cxn>
+              <a:cxn ang="0">
+                <a:pos x="connsiteX37" y="connsiteY37"/>
+              </a:cxn>
+              <a:cxn ang="0">
+                <a:pos x="connsiteX38" y="connsiteY38"/>
+              </a:cxn>
+              <a:cxn ang="0">
+                <a:pos x="connsiteX39" y="connsiteY39"/>
+              </a:cxn>
+              <a:cxn ang="0">
+                <a:pos x="connsiteX40" y="connsiteY40"/>
+              </a:cxn>
+              <a:cxn ang="0">
+                <a:pos x="connsiteX41" y="connsiteY41"/>
+              </a:cxn>
+              <a:cxn ang="0">
+                <a:pos x="connsiteX42" y="connsiteY42"/>
+              </a:cxn>
+              <a:cxn ang="0">
+                <a:pos x="connsiteX43" y="connsiteY43"/>
+              </a:cxn>
+              <a:cxn ang="0">
+                <a:pos x="connsiteX44" y="connsiteY44"/>
+              </a:cxn>
+              <a:cxn ang="0">
+                <a:pos x="connsiteX45" y="connsiteY45"/>
+              </a:cxn>
+              <a:cxn ang="0">
+                <a:pos x="connsiteX46" y="connsiteY46"/>
+              </a:cxn>
+              <a:cxn ang="0">
+                <a:pos x="connsiteX47" y="connsiteY47"/>
+              </a:cxn>
+              <a:cxn ang="0">
+                <a:pos x="connsiteX48" y="connsiteY48"/>
+              </a:cxn>
+              <a:cxn ang="0">
+                <a:pos x="connsiteX49" y="connsiteY49"/>
+              </a:cxn>
+              <a:cxn ang="0">
+                <a:pos x="connsiteX50" y="connsiteY50"/>
+              </a:cxn>
+              <a:cxn ang="0">
+                <a:pos x="connsiteX51" y="connsiteY51"/>
+              </a:cxn>
+              <a:cxn ang="0">
+                <a:pos x="connsiteX52" y="connsiteY52"/>
+              </a:cxn>
+            </a:cxnLst>
+            <a:rect l="l" t="t" r="r" b="b"/>
+            <a:pathLst>
+              <a:path w="12192000" h="2802467">
+                <a:moveTo>
+                  <a:pt x="1" y="0"/>
+                </a:moveTo>
+                <a:lnTo>
+                  <a:pt x="71932" y="12261"/>
+                </a:lnTo>
+                <a:lnTo>
+                  <a:pt x="282848" y="48342"/>
+                </a:lnTo>
+                <a:lnTo>
+                  <a:pt x="436464" y="73565"/>
+                </a:lnTo>
+                <a:lnTo>
+                  <a:pt x="619339" y="100188"/>
+                </a:lnTo>
+                <a:lnTo>
+                  <a:pt x="836351" y="132066"/>
+                </a:lnTo>
+                <a:lnTo>
+                  <a:pt x="1076528" y="165696"/>
+                </a:lnTo>
+                <a:lnTo>
+                  <a:pt x="1347183" y="201077"/>
+                </a:lnTo>
+                <a:lnTo>
+                  <a:pt x="1642223" y="238560"/>
+                </a:lnTo>
+                <a:lnTo>
+                  <a:pt x="1962864" y="276043"/>
+                </a:lnTo>
+                <a:lnTo>
+                  <a:pt x="2304232" y="314226"/>
+                </a:lnTo>
+                <a:lnTo>
+                  <a:pt x="2672421" y="349608"/>
+                </a:lnTo>
+                <a:lnTo>
+                  <a:pt x="3057678" y="383587"/>
+                </a:lnTo>
+                <a:lnTo>
+                  <a:pt x="3464881" y="414415"/>
+                </a:lnTo>
+                <a:lnTo>
+                  <a:pt x="3889152" y="443840"/>
+                </a:lnTo>
+                <a:lnTo>
+                  <a:pt x="4331710" y="471515"/>
+                </a:lnTo>
+                <a:lnTo>
+                  <a:pt x="4558476" y="481323"/>
+                </a:lnTo>
+                <a:lnTo>
+                  <a:pt x="4790118" y="492183"/>
+                </a:lnTo>
+                <a:lnTo>
+                  <a:pt x="5025418" y="502342"/>
+                </a:lnTo>
+                <a:lnTo>
+                  <a:pt x="5261937" y="508998"/>
+                </a:lnTo>
+                <a:lnTo>
+                  <a:pt x="5503332" y="514953"/>
+                </a:lnTo>
+                <a:lnTo>
+                  <a:pt x="5747166" y="521259"/>
+                </a:lnTo>
+                <a:lnTo>
+                  <a:pt x="5995877" y="525462"/>
+                </a:lnTo>
+                <a:lnTo>
+                  <a:pt x="6247026" y="525462"/>
+                </a:lnTo>
+                <a:lnTo>
+                  <a:pt x="6500613" y="527564"/>
+                </a:lnTo>
+                <a:lnTo>
+                  <a:pt x="6756639" y="525462"/>
+                </a:lnTo>
+                <a:lnTo>
+                  <a:pt x="7016322" y="521259"/>
+                </a:lnTo>
+                <a:lnTo>
+                  <a:pt x="7276005" y="517405"/>
+                </a:lnTo>
+                <a:lnTo>
+                  <a:pt x="7539345" y="508998"/>
+                </a:lnTo>
+                <a:lnTo>
+                  <a:pt x="7805124" y="500240"/>
+                </a:lnTo>
+                <a:lnTo>
+                  <a:pt x="8070903" y="490081"/>
+                </a:lnTo>
+                <a:lnTo>
+                  <a:pt x="8339121" y="475719"/>
+                </a:lnTo>
+                <a:lnTo>
+                  <a:pt x="8609776" y="458553"/>
+                </a:lnTo>
+                <a:lnTo>
+                  <a:pt x="8881651" y="442089"/>
+                </a:lnTo>
+                <a:lnTo>
+                  <a:pt x="9153526" y="421070"/>
+                </a:lnTo>
+                <a:lnTo>
+                  <a:pt x="9429058" y="395848"/>
+                </a:lnTo>
+                <a:lnTo>
+                  <a:pt x="9700933" y="370626"/>
+                </a:lnTo>
+                <a:lnTo>
+                  <a:pt x="9977684" y="341550"/>
+                </a:lnTo>
+                <a:lnTo>
+                  <a:pt x="10255655" y="309672"/>
+                </a:lnTo>
+                <a:lnTo>
+                  <a:pt x="10529968" y="276043"/>
+                </a:lnTo>
+                <a:lnTo>
+                  <a:pt x="10807939" y="236808"/>
+                </a:lnTo>
+                <a:lnTo>
+                  <a:pt x="11084690" y="194771"/>
+                </a:lnTo>
+                <a:lnTo>
+                  <a:pt x="11362661" y="153085"/>
+                </a:lnTo>
+                <a:lnTo>
+                  <a:pt x="11639412" y="104392"/>
+                </a:lnTo>
+                <a:lnTo>
+                  <a:pt x="11914945" y="54648"/>
+                </a:lnTo>
+                <a:lnTo>
+                  <a:pt x="12191696" y="2452"/>
+                </a:lnTo>
+                <a:lnTo>
+                  <a:pt x="12191696" y="2236410"/>
+                </a:lnTo>
+                <a:lnTo>
+                  <a:pt x="12192000" y="2236410"/>
+                </a:lnTo>
+                <a:lnTo>
+                  <a:pt x="12192000" y="2802467"/>
+                </a:lnTo>
+                <a:lnTo>
+                  <a:pt x="12191696" y="2802467"/>
+                </a:lnTo>
+                <a:lnTo>
+                  <a:pt x="0" y="2802467"/>
+                </a:lnTo>
+                <a:lnTo>
+                  <a:pt x="0" y="2236410"/>
+                </a:lnTo>
+                <a:lnTo>
+                  <a:pt x="1" y="2236410"/>
+                </a:lnTo>
+                <a:close/>
+              </a:path>
+            </a:pathLst>
+          </a:custGeom>
+          <a:solidFill>
+            <a:schemeClr val="tx2"/>
+          </a:solidFill>
+          <a:ln>
+            <a:noFill/>
+          </a:ln>
+        </p:spPr>
+        <p:style>
+          <a:lnRef idx="2">
+            <a:schemeClr val="accent1">
+              <a:shade val="50000"/>
+            </a:schemeClr>
+          </a:lnRef>
+          <a:fillRef idx="1003">
+            <a:schemeClr val="dk2"/>
+          </a:fillRef>
+          <a:effectRef idx="0">
+            <a:schemeClr val="accent1"/>
+          </a:effectRef>
+          <a:fontRef idx="minor">
+            <a:schemeClr val="lt1"/>
+          </a:fontRef>
+        </p:style>
+        <p:txBody>
+          <a:bodyPr rtlCol="0" anchor="ctr"/>
+          <a:lstStyle/>
+          <a:p>
+            <a:pPr algn="ctr"/>
+            <a:endParaRPr lang="en-US"/>
+          </a:p>
+        </p:txBody>
+      </p:sp>
       <p:sp>
         <p:nvSpPr>
           <p:cNvPr id="2" name="Title 1">
@@ -3349,29 +7061,32 @@
         </p:nvSpPr>
         <p:spPr>
           <a:xfrm>
-            <a:off x="1524000" y="1424020"/>
-            <a:ext cx="9144000" cy="2387600"/>
-          </a:xfrm>
-        </p:spPr>
-        <p:txBody>
-          <a:bodyPr/>
-          <a:lstStyle/>
-          <a:p>
-            <a:r>
-              <a:rPr lang="en-US" b="1" dirty="0">
+            <a:off x="965505" y="623571"/>
+            <a:ext cx="10260990" cy="3523885"/>
+          </a:xfrm>
+        </p:spPr>
+        <p:txBody>
+          <a:bodyPr>
+            <a:normAutofit/>
+          </a:bodyPr>
+          <a:lstStyle/>
+          <a:p>
+            <a:pPr algn="ctr"/>
+            <a:r>
+              <a:rPr lang="en-US" sz="8000" b="1">
                 <a:latin typeface="Arial" panose="020B0604020202020204" pitchFamily="34" charset="0"/>
                 <a:cs typeface="Arial" panose="020B0604020202020204" pitchFamily="34" charset="0"/>
               </a:rPr>
               <a:t>Group 2 </a:t>
             </a:r>
             <a:br>
-              <a:rPr lang="en-US" b="1" dirty="0">
+              <a:rPr lang="en-US" sz="8000" b="1">
                 <a:latin typeface="Arial" panose="020B0604020202020204" pitchFamily="34" charset="0"/>
                 <a:cs typeface="Arial" panose="020B0604020202020204" pitchFamily="34" charset="0"/>
               </a:rPr>
             </a:br>
             <a:r>
-              <a:rPr lang="en-US" b="1" dirty="0">
+              <a:rPr lang="en-US" sz="8000" b="1">
                 <a:latin typeface="Arial" panose="020B0604020202020204" pitchFamily="34" charset="0"/>
                 <a:cs typeface="Arial" panose="020B0604020202020204" pitchFamily="34" charset="0"/>
               </a:rPr>
@@ -3398,41 +7113,36 @@
         </p:nvSpPr>
         <p:spPr>
           <a:xfrm>
-            <a:off x="1524000" y="5072620"/>
-            <a:ext cx="9144000" cy="1655762"/>
-          </a:xfrm>
-        </p:spPr>
-        <p:txBody>
-          <a:bodyPr/>
-          <a:lstStyle/>
-          <a:p>
-            <a:r>
-              <a:rPr lang="en-US" dirty="0"/>
+            <a:off x="965505" y="4777380"/>
+            <a:ext cx="10260990" cy="1209763"/>
+          </a:xfrm>
+        </p:spPr>
+        <p:txBody>
+          <a:bodyPr>
+            <a:normAutofit/>
+          </a:bodyPr>
+          <a:lstStyle/>
+          <a:p>
+            <a:pPr algn="ctr"/>
+            <a:r>
+              <a:rPr lang="en-US" sz="2400">
+                <a:solidFill>
+                  <a:schemeClr val="bg2"/>
+                </a:solidFill>
+              </a:rPr>
               <a:t>CIS 434</a:t>
             </a:r>
           </a:p>
           <a:p>
-            <a:r>
-              <a:rPr lang="en-US" dirty="0" err="1"/>
-              <a:t>Rostislav</a:t>
-            </a:r>
-            <a:r>
-              <a:rPr lang="en-US" dirty="0"/>
-              <a:t> Donika, Hayden </a:t>
-            </a:r>
-            <a:r>
-              <a:rPr lang="en-US" dirty="0" err="1"/>
-              <a:t>Ferencz</a:t>
-            </a:r>
-            <a:r>
-              <a:rPr lang="en-US" dirty="0"/>
-              <a:t>, Nikhil </a:t>
-            </a:r>
-            <a:r>
-              <a:rPr lang="en-US" dirty="0" err="1"/>
-              <a:t>Gorti</a:t>
-            </a:r>
-            <a:endParaRPr lang="en-US" dirty="0"/>
+            <a:pPr algn="ctr"/>
+            <a:r>
+              <a:rPr lang="en-US" sz="2400">
+                <a:solidFill>
+                  <a:schemeClr val="bg2"/>
+                </a:solidFill>
+              </a:rPr>
+              <a:t>Rostislav Donika, Hayden Ferencz, Nikhil Gorti</a:t>
+            </a:r>
           </a:p>
         </p:txBody>
       </p:sp>
@@ -3742,7 +7452,7 @@
         </p:spPr>
         <p:txBody>
           <a:bodyPr>
-            <a:normAutofit lnSpcReduction="10000"/>
+            <a:normAutofit/>
           </a:bodyPr>
           <a:lstStyle/>
           <a:p>
@@ -3943,7 +7653,7 @@
         <p:spPr>
           <a:xfrm>
             <a:off x="3492630" y="4369573"/>
-            <a:ext cx="1894787" cy="646331"/>
+            <a:ext cx="1894787" cy="584775"/>
           </a:xfrm>
           <a:prstGeom prst="rect">
             <a:avLst/>
@@ -3958,7 +7668,7 @@
           <a:p>
             <a:pPr algn="ctr"/>
             <a:r>
-              <a:rPr lang="en-US" dirty="0"/>
+              <a:rPr lang="en-US" sz="1600" dirty="0"/>
               <a:t>Review Current Version</a:t>
             </a:r>
           </a:p>
@@ -4900,7 +8610,7 @@
         </p:nvSpPr>
         <p:spPr>
           <a:xfrm>
-            <a:off x="2799764" y="1715680"/>
+            <a:off x="3456014" y="1519485"/>
             <a:ext cx="2865748" cy="1602556"/>
           </a:xfrm>
           <a:prstGeom prst="roundRect">
@@ -4950,7 +8660,7 @@
         </p:nvSpPr>
         <p:spPr>
           <a:xfrm>
-            <a:off x="2799764" y="4648986"/>
+            <a:off x="3110817" y="4685522"/>
             <a:ext cx="2865748" cy="1602556"/>
           </a:xfrm>
           <a:prstGeom prst="roundRect">
@@ -5000,7 +8710,7 @@
         </p:nvSpPr>
         <p:spPr>
           <a:xfrm>
-            <a:off x="6413371" y="4642701"/>
+            <a:off x="6303392" y="4714982"/>
             <a:ext cx="2865748" cy="1602556"/>
           </a:xfrm>
           <a:prstGeom prst="roundRect">
@@ -5052,9 +8762,9 @@
           <p:nvPr/>
         </p:nvCxnSpPr>
         <p:spPr>
-          <a:xfrm>
-            <a:off x="4232638" y="3318236"/>
-            <a:ext cx="0" cy="1330750"/>
+          <a:xfrm flipH="1">
+            <a:off x="4543691" y="3122041"/>
+            <a:ext cx="345197" cy="1563481"/>
           </a:xfrm>
           <a:prstGeom prst="line">
             <a:avLst/>
@@ -5102,8 +8812,8 @@
         </p:nvCxnSpPr>
         <p:spPr>
           <a:xfrm>
-            <a:off x="5665512" y="2516958"/>
-            <a:ext cx="2180733" cy="2125743"/>
+            <a:off x="6321762" y="2320763"/>
+            <a:ext cx="1414504" cy="2394219"/>
           </a:xfrm>
           <a:prstGeom prst="line">
             <a:avLst/>
@@ -5149,8 +8859,8 @@
         </p:nvCxnSpPr>
         <p:spPr>
           <a:xfrm flipH="1" flipV="1">
-            <a:off x="5665512" y="2312709"/>
-            <a:ext cx="2432113" cy="2280099"/>
+            <a:off x="6383493" y="1965350"/>
+            <a:ext cx="2287075" cy="2679196"/>
           </a:xfrm>
           <a:prstGeom prst="line">
             <a:avLst/>
@@ -5194,8 +8904,8 @@
         </p:nvSpPr>
         <p:spPr>
           <a:xfrm>
-            <a:off x="3095138" y="2163015"/>
-            <a:ext cx="2260860" cy="707886"/>
+            <a:off x="3758458" y="1890356"/>
+            <a:ext cx="2260860" cy="769441"/>
           </a:xfrm>
           <a:prstGeom prst="rect">
             <a:avLst/>
@@ -5210,7 +8920,9 @@
           <a:p>
             <a:pPr algn="ctr"/>
             <a:r>
-              <a:rPr lang="en-US" sz="4000" dirty="0"/>
+              <a:rPr lang="en-US" sz="4400" b="1" dirty="0">
+                <a:latin typeface="Bahnschrift Condensed" panose="020B0502040204020203" pitchFamily="34" charset="0"/>
+              </a:rPr>
               <a:t>Controller</a:t>
             </a:r>
           </a:p>
@@ -5230,8 +8942,8 @@
         </p:nvSpPr>
         <p:spPr>
           <a:xfrm>
-            <a:off x="3103778" y="5096321"/>
-            <a:ext cx="2260860" cy="707886"/>
+            <a:off x="3388877" y="5090036"/>
+            <a:ext cx="2260860" cy="769441"/>
           </a:xfrm>
           <a:prstGeom prst="rect">
             <a:avLst/>
@@ -5246,7 +8958,9 @@
           <a:p>
             <a:pPr algn="ctr"/>
             <a:r>
-              <a:rPr lang="en-US" sz="4000" dirty="0"/>
+              <a:rPr lang="en-US" sz="4400" b="1" dirty="0">
+                <a:latin typeface="Agency FB" panose="020B0503020202020204" pitchFamily="34" charset="0"/>
+              </a:rPr>
               <a:t>Model</a:t>
             </a:r>
           </a:p>
@@ -5266,8 +8980,8 @@
         </p:nvSpPr>
         <p:spPr>
           <a:xfrm>
-            <a:off x="6605836" y="5096321"/>
-            <a:ext cx="2260860" cy="707886"/>
+            <a:off x="6552202" y="5102079"/>
+            <a:ext cx="2260860" cy="769441"/>
           </a:xfrm>
           <a:prstGeom prst="rect">
             <a:avLst/>
@@ -5282,7 +8996,9 @@
           <a:p>
             <a:pPr algn="ctr"/>
             <a:r>
-              <a:rPr lang="en-US" sz="4000" dirty="0"/>
+              <a:rPr lang="en-US" sz="4400" b="1" dirty="0">
+                <a:latin typeface="Bahnschrift Condensed" panose="020B0502040204020203" pitchFamily="34" charset="0"/>
+              </a:rPr>
               <a:t>View</a:t>
             </a:r>
           </a:p>
@@ -5302,7 +9018,7 @@
         </p:nvSpPr>
         <p:spPr>
           <a:xfrm>
-            <a:off x="10611" y="1324618"/>
+            <a:off x="902533" y="1242971"/>
             <a:ext cx="2553481" cy="2031325"/>
           </a:xfrm>
           <a:prstGeom prst="rect">
@@ -5346,7 +9062,7 @@
         </p:nvSpPr>
         <p:spPr>
           <a:xfrm>
-            <a:off x="21913" y="4249935"/>
+            <a:off x="122552" y="4429229"/>
             <a:ext cx="3344343" cy="2308324"/>
           </a:xfrm>
           <a:prstGeom prst="rect">
@@ -5417,8 +9133,8 @@
         </p:nvSpPr>
         <p:spPr>
           <a:xfrm>
-            <a:off x="8866696" y="2007485"/>
-            <a:ext cx="3344343" cy="2585323"/>
+            <a:off x="9230871" y="3533009"/>
+            <a:ext cx="3071941" cy="2862322"/>
           </a:xfrm>
           <a:prstGeom prst="rect">
             <a:avLst/>
@@ -6072,7 +9788,7 @@
         <p:spPr>
           <a:xfrm>
             <a:off x="641022" y="3613666"/>
-            <a:ext cx="3242820" cy="1754326"/>
+            <a:ext cx="3242820" cy="2031325"/>
           </a:xfrm>
           <a:prstGeom prst="rect">
             <a:avLst/>
@@ -6086,73 +9802,37 @@
           <a:lstStyle/>
           <a:p>
             <a:r>
-              <a:rPr lang="en-US" dirty="0">
-                <a:solidFill>
-                  <a:schemeClr val="accent6">
-                    <a:lumMod val="75000"/>
-                  </a:schemeClr>
-                </a:solidFill>
-              </a:rPr>
+              <a:rPr lang="en-US" dirty="0"/>
               <a:t>+ Player select screen</a:t>
             </a:r>
           </a:p>
           <a:p>
             <a:r>
-              <a:rPr lang="en-US" dirty="0">
-                <a:solidFill>
-                  <a:schemeClr val="accent6">
-                    <a:lumMod val="75000"/>
-                  </a:schemeClr>
-                </a:solidFill>
-              </a:rPr>
+              <a:rPr lang="en-US" dirty="0"/>
               <a:t>+ Best-of screen w/         </a:t>
             </a:r>
           </a:p>
           <a:p>
             <a:r>
-              <a:rPr lang="en-US" dirty="0">
-                <a:solidFill>
-                  <a:schemeClr val="accent6">
-                    <a:lumMod val="75000"/>
-                  </a:schemeClr>
-                </a:solidFill>
-              </a:rPr>
+              <a:rPr lang="en-US" dirty="0"/>
               <a:t>   predetermined inputs</a:t>
             </a:r>
           </a:p>
           <a:p>
             <a:r>
-              <a:rPr lang="en-US" dirty="0">
-                <a:solidFill>
-                  <a:schemeClr val="accent6">
-                    <a:lumMod val="75000"/>
-                  </a:schemeClr>
-                </a:solidFill>
-              </a:rPr>
+              <a:rPr lang="en-US" dirty="0"/>
               <a:t>+ Game board</a:t>
             </a:r>
           </a:p>
           <a:p>
             <a:r>
-              <a:rPr lang="en-US" dirty="0">
-                <a:solidFill>
-                  <a:schemeClr val="accent6">
-                    <a:lumMod val="75000"/>
-                  </a:schemeClr>
-                </a:solidFill>
-              </a:rPr>
+              <a:rPr lang="en-US" dirty="0"/>
               <a:t>+ Ability to play a game</a:t>
             </a:r>
           </a:p>
           <a:p>
             <a:r>
-              <a:rPr lang="en-US" dirty="0">
-                <a:solidFill>
-                  <a:schemeClr val="accent6">
-                    <a:lumMod val="75000"/>
-                  </a:schemeClr>
-                </a:solidFill>
-              </a:rPr>
+              <a:rPr lang="en-US" dirty="0"/>
               <a:t>+ Simple AI (always goes second)</a:t>
             </a:r>
           </a:p>
@@ -6173,7 +9853,7 @@
         <p:spPr>
           <a:xfrm>
             <a:off x="4232635" y="3613666"/>
-            <a:ext cx="3242820" cy="1477328"/>
+            <a:ext cx="3242820" cy="2031325"/>
           </a:xfrm>
           <a:prstGeom prst="rect">
             <a:avLst/>
@@ -6187,49 +9867,25 @@
           <a:lstStyle/>
           <a:p>
             <a:r>
-              <a:rPr lang="en-US" dirty="0">
-                <a:solidFill>
-                  <a:schemeClr val="accent6">
-                    <a:lumMod val="75000"/>
-                  </a:schemeClr>
-                </a:solidFill>
-              </a:rPr>
+              <a:rPr lang="en-US" dirty="0"/>
               <a:t>+ Game Over screen added</a:t>
             </a:r>
           </a:p>
           <a:p>
             <a:r>
-              <a:rPr lang="en-US" dirty="0">
-                <a:solidFill>
-                  <a:schemeClr val="accent6">
-                    <a:lumMod val="75000"/>
-                  </a:schemeClr>
-                </a:solidFill>
-              </a:rPr>
+              <a:rPr lang="en-US" dirty="0"/>
               <a:t>+ Rematch feature added</a:t>
             </a:r>
           </a:p>
           <a:p>
             <a:r>
-              <a:rPr lang="en-US" dirty="0">
-                <a:solidFill>
-                  <a:schemeClr val="accent6">
-                    <a:lumMod val="75000"/>
-                  </a:schemeClr>
-                </a:solidFill>
-              </a:rPr>
+              <a:rPr lang="en-US" dirty="0"/>
               <a:t>+ Game ends once player takes majority wins</a:t>
             </a:r>
           </a:p>
           <a:p>
             <a:r>
-              <a:rPr lang="en-US" dirty="0">
-                <a:solidFill>
-                  <a:schemeClr val="accent6">
-                    <a:lumMod val="75000"/>
-                  </a:schemeClr>
-                </a:solidFill>
-              </a:rPr>
+              <a:rPr lang="en-US" dirty="0"/>
               <a:t>+ Custom match setup added</a:t>
             </a:r>
           </a:p>
@@ -6264,36 +9920,12 @@
           <a:lstStyle/>
           <a:p>
             <a:r>
-              <a:rPr lang="en-US" dirty="0">
-                <a:solidFill>
-                  <a:schemeClr val="accent6">
-                    <a:lumMod val="75000"/>
-                  </a:schemeClr>
-                </a:solidFill>
-              </a:rPr>
-              <a:t>+ Computer given option</a:t>
-            </a:r>
-          </a:p>
-          <a:p>
-            <a:r>
-              <a:rPr lang="en-US" dirty="0">
-                <a:solidFill>
-                  <a:schemeClr val="accent6">
-                    <a:lumMod val="75000"/>
-                  </a:schemeClr>
-                </a:solidFill>
-              </a:rPr>
-              <a:t>   to go first</a:t>
-            </a:r>
-          </a:p>
-          <a:p>
-            <a:endParaRPr lang="en-US" dirty="0">
-              <a:solidFill>
-                <a:schemeClr val="accent6">
-                  <a:lumMod val="75000"/>
-                </a:schemeClr>
-              </a:solidFill>
-            </a:endParaRPr>
+              <a:rPr lang="en-US" dirty="0"/>
+              <a:t>+ Computer given option to go first</a:t>
+            </a:r>
+          </a:p>
+          <a:p>
+            <a:endParaRPr lang="en-US" dirty="0"/>
           </a:p>
         </p:txBody>
       </p:sp>
@@ -6312,7 +9944,7 @@
         <p:spPr>
           <a:xfrm>
             <a:off x="10169943" y="3613666"/>
-            <a:ext cx="1860228" cy="1200329"/>
+            <a:ext cx="1860228" cy="1477328"/>
           </a:xfrm>
           <a:prstGeom prst="rect">
             <a:avLst/>
@@ -6326,48 +9958,24 @@
           <a:lstStyle/>
           <a:p>
             <a:r>
-              <a:rPr lang="en-US" dirty="0">
-                <a:solidFill>
-                  <a:schemeClr val="accent6">
-                    <a:lumMod val="75000"/>
-                  </a:schemeClr>
-                </a:solidFill>
-              </a:rPr>
+              <a:rPr lang="en-US" dirty="0"/>
               <a:t>+ Smart AI added</a:t>
             </a:r>
           </a:p>
           <a:p>
             <a:r>
-              <a:rPr lang="en-US" dirty="0">
-                <a:solidFill>
-                  <a:schemeClr val="accent6">
-                    <a:lumMod val="75000"/>
-                  </a:schemeClr>
-                </a:solidFill>
-              </a:rPr>
+              <a:rPr lang="en-US" dirty="0"/>
               <a:t>+ UI updates</a:t>
             </a:r>
           </a:p>
           <a:p>
             <a:r>
-              <a:rPr lang="en-US" dirty="0">
-                <a:solidFill>
-                  <a:schemeClr val="accent6">
-                    <a:lumMod val="75000"/>
-                  </a:schemeClr>
-                </a:solidFill>
-              </a:rPr>
+              <a:rPr lang="en-US" dirty="0"/>
               <a:t>+ Bug fixes</a:t>
             </a:r>
           </a:p>
           <a:p>
-            <a:endParaRPr lang="en-US" dirty="0">
-              <a:solidFill>
-                <a:schemeClr val="accent6">
-                  <a:lumMod val="75000"/>
-                </a:schemeClr>
-              </a:solidFill>
-            </a:endParaRPr>
+            <a:endParaRPr lang="en-US" dirty="0"/>
           </a:p>
         </p:txBody>
       </p:sp>
@@ -6638,7 +10246,7 @@
         <p:spPr>
           <a:xfrm>
             <a:off x="1173385" y="2990482"/>
-            <a:ext cx="1263191" cy="646331"/>
+            <a:ext cx="1263191" cy="584775"/>
           </a:xfrm>
           <a:prstGeom prst="rect">
             <a:avLst/>
@@ -6653,7 +10261,7 @@
           <a:p>
             <a:pPr algn="ctr"/>
             <a:r>
-              <a:rPr lang="en-US" dirty="0"/>
+              <a:rPr lang="en-US" sz="1600" dirty="0"/>
               <a:t>Select Opponent</a:t>
             </a:r>
           </a:p>
@@ -6675,8 +10283,8 @@
         </p:nvCxnSpPr>
         <p:spPr>
           <a:xfrm flipV="1">
-            <a:off x="2364689" y="3310861"/>
-            <a:ext cx="320515" cy="1"/>
+            <a:off x="2364689" y="3310862"/>
+            <a:ext cx="240487" cy="1"/>
           </a:xfrm>
           <a:prstGeom prst="straightConnector1">
             <a:avLst/>
@@ -6771,9 +10379,9 @@
           <p:nvPr/>
         </p:nvCxnSpPr>
         <p:spPr>
-          <a:xfrm flipV="1">
-            <a:off x="3395495" y="3277242"/>
-            <a:ext cx="1232688" cy="16822"/>
+          <a:xfrm>
+            <a:off x="3395495" y="3294064"/>
+            <a:ext cx="1235192" cy="2415"/>
           </a:xfrm>
           <a:prstGeom prst="straightConnector1">
             <a:avLst/>
@@ -6857,8 +10465,8 @@
         </p:nvSpPr>
         <p:spPr>
           <a:xfrm>
-            <a:off x="4628183" y="2815577"/>
-            <a:ext cx="1263191" cy="923330"/>
+            <a:off x="4630687" y="2927147"/>
+            <a:ext cx="1263191" cy="738664"/>
           </a:xfrm>
           <a:prstGeom prst="rect">
             <a:avLst/>
@@ -6873,7 +10481,7 @@
           <a:p>
             <a:pPr algn="ctr"/>
             <a:r>
-              <a:rPr lang="en-US" dirty="0"/>
+              <a:rPr lang="en-US" sz="1400" dirty="0"/>
               <a:t>Determine Match Length</a:t>
             </a:r>
           </a:p>
@@ -6981,7 +10589,7 @@
         <p:spPr>
           <a:xfrm>
             <a:off x="2365160" y="4506959"/>
-            <a:ext cx="1263191" cy="923330"/>
+            <a:ext cx="1263191" cy="830997"/>
           </a:xfrm>
           <a:prstGeom prst="rect">
             <a:avLst/>
@@ -6996,7 +10604,7 @@
           <a:p>
             <a:pPr algn="ctr"/>
             <a:r>
-              <a:rPr lang="en-US" dirty="0"/>
+              <a:rPr lang="en-US" sz="1600" dirty="0"/>
               <a:t>Determine Computer Turn Order</a:t>
             </a:r>
           </a:p>
@@ -7016,7 +10624,7 @@
         </p:nvSpPr>
         <p:spPr>
           <a:xfrm>
-            <a:off x="1486169" y="3873928"/>
+            <a:off x="1247605" y="4010281"/>
             <a:ext cx="2234168" cy="369332"/>
           </a:xfrm>
           <a:prstGeom prst="rect">
@@ -7051,7 +10659,7 @@
         </p:nvSpPr>
         <p:spPr>
           <a:xfrm>
-            <a:off x="3316439" y="2694922"/>
+            <a:off x="3317691" y="2735471"/>
             <a:ext cx="2234168" cy="369332"/>
           </a:xfrm>
           <a:prstGeom prst="rect">
@@ -7083,14 +10691,13 @@
           </p:cNvPr>
           <p:cNvCxnSpPr>
             <a:cxnSpLocks/>
-            <a:endCxn id="21" idx="2"/>
           </p:cNvCxnSpPr>
           <p:nvPr/>
         </p:nvCxnSpPr>
         <p:spPr>
           <a:xfrm flipV="1">
-            <a:off x="3540064" y="3738907"/>
-            <a:ext cx="1719715" cy="1253416"/>
+            <a:off x="3542568" y="3793747"/>
+            <a:ext cx="1617705" cy="1283945"/>
           </a:xfrm>
           <a:prstGeom prst="straightConnector1">
             <a:avLst/>
@@ -7126,14 +10733,13 @@
           <p:cNvCxnSpPr>
             <a:cxnSpLocks/>
             <a:stCxn id="21" idx="3"/>
-            <a:endCxn id="32" idx="1"/>
           </p:cNvCxnSpPr>
           <p:nvPr/>
         </p:nvCxnSpPr>
         <p:spPr>
-          <a:xfrm>
-            <a:off x="5891374" y="3277242"/>
-            <a:ext cx="1552633" cy="5341"/>
+          <a:xfrm flipV="1">
+            <a:off x="5893878" y="3283471"/>
+            <a:ext cx="1451049" cy="13008"/>
           </a:xfrm>
           <a:prstGeom prst="straightConnector1">
             <a:avLst/>
@@ -8181,9 +11787,9 @@
 </file>
 
 <file path=ppt/theme/theme1.xml><?xml version="1.0" encoding="utf-8"?>
-<a:theme xmlns:a="http://schemas.openxmlformats.org/drawingml/2006/main" name="Office Theme">
+<a:theme xmlns:a="http://schemas.openxmlformats.org/drawingml/2006/main" name="Ion">
   <a:themeElements>
-    <a:clrScheme name="Office">
+    <a:clrScheme name="Ion">
       <a:dk1>
         <a:sysClr val="windowText" lastClr="000000"/>
       </a:dk1>
@@ -8191,44 +11797,44 @@
         <a:sysClr val="window" lastClr="FFFFFF"/>
       </a:lt1>
       <a:dk2>
-        <a:srgbClr val="44546A"/>
+        <a:srgbClr val="1E5155"/>
       </a:dk2>
       <a:lt2>
-        <a:srgbClr val="E7E6E6"/>
+        <a:srgbClr val="EBEBEB"/>
       </a:lt2>
       <a:accent1>
-        <a:srgbClr val="4472C4"/>
+        <a:srgbClr val="B01513"/>
       </a:accent1>
       <a:accent2>
-        <a:srgbClr val="ED7D31"/>
+        <a:srgbClr val="EA6312"/>
       </a:accent2>
       <a:accent3>
-        <a:srgbClr val="A5A5A5"/>
+        <a:srgbClr val="E6B729"/>
       </a:accent3>
       <a:accent4>
-        <a:srgbClr val="FFC000"/>
+        <a:srgbClr val="6AAC90"/>
       </a:accent4>
       <a:accent5>
-        <a:srgbClr val="5B9BD5"/>
+        <a:srgbClr val="54849A"/>
       </a:accent5>
       <a:accent6>
-        <a:srgbClr val="70AD47"/>
+        <a:srgbClr val="9E5E9B"/>
       </a:accent6>
       <a:hlink>
-        <a:srgbClr val="0563C1"/>
+        <a:srgbClr val="58C1BA"/>
       </a:hlink>
       <a:folHlink>
-        <a:srgbClr val="954F72"/>
+        <a:srgbClr val="9DFFCB"/>
       </a:folHlink>
     </a:clrScheme>
-    <a:fontScheme name="Office">
+    <a:fontScheme name="Ion">
       <a:majorFont>
-        <a:latin typeface="Calibri Light" panose="020F0302020204030204"/>
+        <a:latin typeface="Century Gothic" panose="020B0502020202020204"/>
         <a:ea typeface=""/>
         <a:cs typeface=""/>
-        <a:font script="Jpan" typeface="游ゴシック Light"/>
+        <a:font script="Jpan" typeface="メイリオ"/>
         <a:font script="Hang" typeface="맑은 고딕"/>
-        <a:font script="Hans" typeface="等线 Light"/>
+        <a:font script="Hans" typeface="宋体"/>
         <a:font script="Hant" typeface="新細明體"/>
         <a:font script="Arab" typeface="Times New Roman"/>
         <a:font script="Hebr" typeface="Times New Roman"/>
@@ -8256,31 +11862,14 @@
         <a:font script="Viet" typeface="Times New Roman"/>
         <a:font script="Uigh" typeface="Microsoft Uighur"/>
         <a:font script="Geor" typeface="Sylfaen"/>
-        <a:font script="Armn" typeface="Arial"/>
-        <a:font script="Bugi" typeface="Leelawadee UI"/>
-        <a:font script="Bopo" typeface="Microsoft JhengHei"/>
-        <a:font script="Java" typeface="Javanese Text"/>
-        <a:font script="Lisu" typeface="Segoe UI"/>
-        <a:font script="Mymr" typeface="Myanmar Text"/>
-        <a:font script="Nkoo" typeface="Ebrima"/>
-        <a:font script="Olck" typeface="Nirmala UI"/>
-        <a:font script="Osma" typeface="Ebrima"/>
-        <a:font script="Phag" typeface="Phagspa"/>
-        <a:font script="Syrn" typeface="Estrangelo Edessa"/>
-        <a:font script="Syrj" typeface="Estrangelo Edessa"/>
-        <a:font script="Syre" typeface="Estrangelo Edessa"/>
-        <a:font script="Sora" typeface="Nirmala UI"/>
-        <a:font script="Tale" typeface="Microsoft Tai Le"/>
-        <a:font script="Talu" typeface="Microsoft New Tai Lue"/>
-        <a:font script="Tfng" typeface="Ebrima"/>
       </a:majorFont>
       <a:minorFont>
-        <a:latin typeface="Calibri" panose="020F0502020204030204"/>
+        <a:latin typeface="Century Gothic" panose="020B0502020202020204"/>
         <a:ea typeface=""/>
         <a:cs typeface=""/>
-        <a:font script="Jpan" typeface="游ゴシック"/>
+        <a:font script="Jpan" typeface="メイリオ"/>
         <a:font script="Hang" typeface="맑은 고딕"/>
-        <a:font script="Hans" typeface="等线"/>
+        <a:font script="Hans" typeface="宋体"/>
         <a:font script="Hant" typeface="新細明體"/>
         <a:font script="Arab" typeface="Arial"/>
         <a:font script="Hebr" typeface="Arial"/>
@@ -8308,26 +11897,9 @@
         <a:font script="Viet" typeface="Arial"/>
         <a:font script="Uigh" typeface="Microsoft Uighur"/>
         <a:font script="Geor" typeface="Sylfaen"/>
-        <a:font script="Armn" typeface="Arial"/>
-        <a:font script="Bugi" typeface="Leelawadee UI"/>
-        <a:font script="Bopo" typeface="Microsoft JhengHei"/>
-        <a:font script="Java" typeface="Javanese Text"/>
-        <a:font script="Lisu" typeface="Segoe UI"/>
-        <a:font script="Mymr" typeface="Myanmar Text"/>
-        <a:font script="Nkoo" typeface="Ebrima"/>
-        <a:font script="Olck" typeface="Nirmala UI"/>
-        <a:font script="Osma" typeface="Ebrima"/>
-        <a:font script="Phag" typeface="Phagspa"/>
-        <a:font script="Syrn" typeface="Estrangelo Edessa"/>
-        <a:font script="Syrj" typeface="Estrangelo Edessa"/>
-        <a:font script="Syre" typeface="Estrangelo Edessa"/>
-        <a:font script="Sora" typeface="Nirmala UI"/>
-        <a:font script="Tale" typeface="Microsoft Tai Le"/>
-        <a:font script="Talu" typeface="Microsoft New Tai Lue"/>
-        <a:font script="Tfng" typeface="Ebrima"/>
       </a:minorFont>
     </a:fontScheme>
-    <a:fmtScheme name="Office">
+    <a:fmtScheme name="Ion">
       <a:fillStyleLst>
         <a:solidFill>
           <a:schemeClr val="phClr"/>
@@ -8336,23 +11908,15 @@
           <a:gsLst>
             <a:gs pos="0">
               <a:schemeClr val="phClr">
-                <a:lumMod val="110000"/>
-                <a:satMod val="105000"/>
-                <a:tint val="67000"/>
-              </a:schemeClr>
-            </a:gs>
-            <a:gs pos="50000">
-              <a:schemeClr val="phClr">
-                <a:lumMod val="105000"/>
-                <a:satMod val="103000"/>
-                <a:tint val="73000"/>
+                <a:tint val="64000"/>
+                <a:lumMod val="118000"/>
               </a:schemeClr>
             </a:gs>
             <a:gs pos="100000">
               <a:schemeClr val="phClr">
-                <a:lumMod val="105000"/>
-                <a:satMod val="109000"/>
-                <a:tint val="81000"/>
+                <a:tint val="92000"/>
+                <a:alpha val="100000"/>
+                <a:lumMod val="110000"/>
               </a:schemeClr>
             </a:gs>
           </a:gsLst>
@@ -8362,23 +11926,14 @@
           <a:gsLst>
             <a:gs pos="0">
               <a:schemeClr val="phClr">
-                <a:satMod val="103000"/>
-                <a:lumMod val="102000"/>
-                <a:tint val="94000"/>
-              </a:schemeClr>
-            </a:gs>
-            <a:gs pos="50000">
-              <a:schemeClr val="phClr">
-                <a:satMod val="110000"/>
-                <a:lumMod val="100000"/>
-                <a:shade val="100000"/>
+                <a:tint val="98000"/>
+                <a:lumMod val="114000"/>
               </a:schemeClr>
             </a:gs>
             <a:gs pos="100000">
               <a:schemeClr val="phClr">
-                <a:lumMod val="99000"/>
-                <a:satMod val="120000"/>
-                <a:shade val="78000"/>
+                <a:shade val="90000"/>
+                <a:lumMod val="84000"/>
               </a:schemeClr>
             </a:gs>
           </a:gsLst>
@@ -8386,26 +11941,23 @@
         </a:gradFill>
       </a:fillStyleLst>
       <a:lnStyleLst>
-        <a:ln w="6350" cap="flat" cmpd="sng" algn="ctr">
+        <a:ln w="9525" cap="rnd" cmpd="sng" algn="ctr">
           <a:solidFill>
             <a:schemeClr val="phClr"/>
           </a:solidFill>
           <a:prstDash val="solid"/>
-          <a:miter lim="800000"/>
         </a:ln>
-        <a:ln w="12700" cap="flat" cmpd="sng" algn="ctr">
+        <a:ln w="19050" cap="rnd" cmpd="sng" algn="ctr">
           <a:solidFill>
             <a:schemeClr val="phClr"/>
           </a:solidFill>
           <a:prstDash val="solid"/>
-          <a:miter lim="800000"/>
         </a:ln>
-        <a:ln w="19050" cap="flat" cmpd="sng" algn="ctr">
+        <a:ln w="28575" cap="rnd" cmpd="sng" algn="ctr">
           <a:solidFill>
             <a:schemeClr val="phClr"/>
           </a:solidFill>
           <a:prstDash val="solid"/>
-          <a:miter lim="800000"/>
         </a:ln>
       </a:lnStyleLst>
       <a:effectStyleLst>
@@ -8413,55 +11965,80 @@
           <a:effectLst/>
         </a:effectStyle>
         <a:effectStyle>
-          <a:effectLst/>
+          <a:effectLst>
+            <a:outerShdw blurRad="38100" dist="25400" dir="5400000" rotWithShape="0">
+              <a:srgbClr val="000000">
+                <a:alpha val="45000"/>
+              </a:srgbClr>
+            </a:outerShdw>
+          </a:effectLst>
         </a:effectStyle>
         <a:effectStyle>
           <a:effectLst>
-            <a:outerShdw blurRad="57150" dist="19050" dir="5400000" algn="ctr" rotWithShape="0">
+            <a:outerShdw blurRad="63500" dist="38100" dir="5400000" rotWithShape="0">
               <a:srgbClr val="000000">
-                <a:alpha val="63000"/>
+                <a:alpha val="60000"/>
               </a:srgbClr>
             </a:outerShdw>
           </a:effectLst>
+          <a:scene3d>
+            <a:camera prst="orthographicFront">
+              <a:rot lat="0" lon="0" rev="0"/>
+            </a:camera>
+            <a:lightRig rig="threePt" dir="tl"/>
+          </a:scene3d>
+          <a:sp3d prstMaterial="plastic">
+            <a:bevelT w="0" h="0"/>
+          </a:sp3d>
         </a:effectStyle>
       </a:effectStyleLst>
       <a:bgFillStyleLst>
         <a:solidFill>
           <a:schemeClr val="phClr"/>
         </a:solidFill>
-        <a:solidFill>
-          <a:schemeClr val="phClr">
-            <a:tint val="95000"/>
-            <a:satMod val="170000"/>
-          </a:schemeClr>
-        </a:solidFill>
         <a:gradFill rotWithShape="1">
           <a:gsLst>
             <a:gs pos="0">
               <a:schemeClr val="phClr">
-                <a:tint val="93000"/>
-                <a:satMod val="150000"/>
-                <a:shade val="98000"/>
-                <a:lumMod val="102000"/>
-              </a:schemeClr>
-            </a:gs>
-            <a:gs pos="50000">
-              <a:schemeClr val="phClr">
-                <a:tint val="98000"/>
+                <a:tint val="97000"/>
+                <a:hueMod val="88000"/>
                 <a:satMod val="130000"/>
-                <a:shade val="90000"/>
-                <a:lumMod val="103000"/>
+                <a:lumMod val="124000"/>
               </a:schemeClr>
             </a:gs>
             <a:gs pos="100000">
               <a:schemeClr val="phClr">
-                <a:shade val="63000"/>
-                <a:satMod val="120000"/>
+                <a:tint val="96000"/>
+                <a:shade val="88000"/>
+                <a:hueMod val="108000"/>
+                <a:satMod val="164000"/>
+                <a:lumMod val="76000"/>
               </a:schemeClr>
             </a:gs>
           </a:gsLst>
-          <a:lin ang="5400000" scaled="0"/>
+          <a:path path="circle">
+            <a:fillToRect l="45000" t="65000" r="125000" b="100000"/>
+          </a:path>
         </a:gradFill>
+        <a:blipFill rotWithShape="1">
+          <a:blip xmlns:r="http://schemas.openxmlformats.org/officeDocument/2006/relationships" r:embed="rId1">
+            <a:duotone>
+              <a:schemeClr val="phClr">
+                <a:shade val="69000"/>
+                <a:hueMod val="108000"/>
+                <a:satMod val="164000"/>
+                <a:lumMod val="74000"/>
+              </a:schemeClr>
+              <a:schemeClr val="phClr">
+                <a:tint val="96000"/>
+                <a:hueMod val="88000"/>
+                <a:satMod val="140000"/>
+                <a:lumMod val="132000"/>
+              </a:schemeClr>
+            </a:duotone>
+          </a:blip>
+          <a:stretch/>
+        </a:blipFill>
       </a:bgFillStyleLst>
     </a:fmtScheme>
   </a:themeElements>
@@ -8469,7 +12046,7 @@
   <a:extraClrSchemeLst/>
   <a:extLst>
     <a:ext uri="{05A4C25C-085E-4340-85A3-A5531E510DB2}">
-      <thm15:themeFamily xmlns:thm15="http://schemas.microsoft.com/office/thememl/2012/main" name="Office Theme" id="{62F939B6-93AF-4DB8-9C6B-D6C7DFDC589F}" vid="{4A3C46E8-61CC-4603-A589-7422A47A8E4A}"/>
+      <thm15:themeFamily xmlns:thm15="http://schemas.microsoft.com/office/thememl/2012/main" name="Ion" id="{B8441ADB-2E43-4AF7-B97A-BD870242C6A8}" vid="{292E63A9-BB86-4E3D-B92A-7223C6510D2E}"/>
     </a:ext>
   </a:extLst>
 </a:theme>

--- a/CIS434 Project Presentation.pptx
+++ b/CIS434 Project Presentation.pptx
@@ -303,7 +303,7 @@
           <a:p>
             <a:fld id="{E36813AB-CC3A-4F77-A52E-D5F44D60AF1B}" type="datetimeFigureOut">
               <a:rPr lang="en-US" smtClean="0"/>
-              <a:t>4/11/2019</a:t>
+              <a:t>4/16/2019</a:t>
             </a:fld>
             <a:endParaRPr lang="en-US"/>
           </a:p>
@@ -578,7 +578,7 @@
           <a:p>
             <a:fld id="{E36813AB-CC3A-4F77-A52E-D5F44D60AF1B}" type="datetimeFigureOut">
               <a:rPr lang="en-US" smtClean="0"/>
-              <a:t>4/11/2019</a:t>
+              <a:t>4/16/2019</a:t>
             </a:fld>
             <a:endParaRPr lang="en-US"/>
           </a:p>
@@ -772,7 +772,7 @@
           <a:p>
             <a:fld id="{E36813AB-CC3A-4F77-A52E-D5F44D60AF1B}" type="datetimeFigureOut">
               <a:rPr lang="en-US" smtClean="0"/>
-              <a:t>4/11/2019</a:t>
+              <a:t>4/16/2019</a:t>
             </a:fld>
             <a:endParaRPr lang="en-US"/>
           </a:p>
@@ -1045,7 +1045,7 @@
           <a:p>
             <a:fld id="{E36813AB-CC3A-4F77-A52E-D5F44D60AF1B}" type="datetimeFigureOut">
               <a:rPr lang="en-US" smtClean="0"/>
-              <a:t>4/11/2019</a:t>
+              <a:t>4/16/2019</a:t>
             </a:fld>
             <a:endParaRPr lang="en-US"/>
           </a:p>
@@ -1386,7 +1386,7 @@
           <a:p>
             <a:fld id="{E36813AB-CC3A-4F77-A52E-D5F44D60AF1B}" type="datetimeFigureOut">
               <a:rPr lang="en-US" smtClean="0"/>
-              <a:t>4/11/2019</a:t>
+              <a:t>4/16/2019</a:t>
             </a:fld>
             <a:endParaRPr lang="en-US"/>
           </a:p>
@@ -2009,7 +2009,7 @@
           <a:p>
             <a:fld id="{E36813AB-CC3A-4F77-A52E-D5F44D60AF1B}" type="datetimeFigureOut">
               <a:rPr lang="en-US" smtClean="0"/>
-              <a:t>4/11/2019</a:t>
+              <a:t>4/16/2019</a:t>
             </a:fld>
             <a:endParaRPr lang="en-US"/>
           </a:p>
@@ -2869,7 +2869,7 @@
           <a:p>
             <a:fld id="{E36813AB-CC3A-4F77-A52E-D5F44D60AF1B}" type="datetimeFigureOut">
               <a:rPr lang="en-US" smtClean="0"/>
-              <a:t>4/11/2019</a:t>
+              <a:t>4/16/2019</a:t>
             </a:fld>
             <a:endParaRPr lang="en-US"/>
           </a:p>
@@ -3039,7 +3039,7 @@
           <a:p>
             <a:fld id="{E36813AB-CC3A-4F77-A52E-D5F44D60AF1B}" type="datetimeFigureOut">
               <a:rPr lang="en-US" smtClean="0"/>
-              <a:t>4/11/2019</a:t>
+              <a:t>4/16/2019</a:t>
             </a:fld>
             <a:endParaRPr lang="en-US"/>
           </a:p>
@@ -3219,7 +3219,7 @@
           <a:p>
             <a:fld id="{E36813AB-CC3A-4F77-A52E-D5F44D60AF1B}" type="datetimeFigureOut">
               <a:rPr lang="en-US" smtClean="0"/>
-              <a:t>4/11/2019</a:t>
+              <a:t>4/16/2019</a:t>
             </a:fld>
             <a:endParaRPr lang="en-US"/>
           </a:p>
@@ -3389,7 +3389,7 @@
           <a:p>
             <a:fld id="{E36813AB-CC3A-4F77-A52E-D5F44D60AF1B}" type="datetimeFigureOut">
               <a:rPr lang="en-US" smtClean="0"/>
-              <a:t>4/11/2019</a:t>
+              <a:t>4/16/2019</a:t>
             </a:fld>
             <a:endParaRPr lang="en-US"/>
           </a:p>
@@ -3636,7 +3636,7 @@
           <a:p>
             <a:fld id="{E36813AB-CC3A-4F77-A52E-D5F44D60AF1B}" type="datetimeFigureOut">
               <a:rPr lang="en-US" smtClean="0"/>
-              <a:t>4/11/2019</a:t>
+              <a:t>4/16/2019</a:t>
             </a:fld>
             <a:endParaRPr lang="en-US"/>
           </a:p>
@@ -3928,7 +3928,7 @@
           <a:p>
             <a:fld id="{E36813AB-CC3A-4F77-A52E-D5F44D60AF1B}" type="datetimeFigureOut">
               <a:rPr lang="en-US" smtClean="0"/>
-              <a:t>4/11/2019</a:t>
+              <a:t>4/16/2019</a:t>
             </a:fld>
             <a:endParaRPr lang="en-US"/>
           </a:p>
@@ -4372,7 +4372,7 @@
           <a:p>
             <a:fld id="{E36813AB-CC3A-4F77-A52E-D5F44D60AF1B}" type="datetimeFigureOut">
               <a:rPr lang="en-US" smtClean="0"/>
-              <a:t>4/11/2019</a:t>
+              <a:t>4/16/2019</a:t>
             </a:fld>
             <a:endParaRPr lang="en-US"/>
           </a:p>
@@ -4490,7 +4490,7 @@
           <a:p>
             <a:fld id="{E36813AB-CC3A-4F77-A52E-D5F44D60AF1B}" type="datetimeFigureOut">
               <a:rPr lang="en-US" smtClean="0"/>
-              <a:t>4/11/2019</a:t>
+              <a:t>4/16/2019</a:t>
             </a:fld>
             <a:endParaRPr lang="en-US"/>
           </a:p>
@@ -4585,7 +4585,7 @@
           <a:p>
             <a:fld id="{E36813AB-CC3A-4F77-A52E-D5F44D60AF1B}" type="datetimeFigureOut">
               <a:rPr lang="en-US" smtClean="0"/>
-              <a:t>4/11/2019</a:t>
+              <a:t>4/16/2019</a:t>
             </a:fld>
             <a:endParaRPr lang="en-US"/>
           </a:p>
@@ -4864,7 +4864,7 @@
           <a:p>
             <a:fld id="{E36813AB-CC3A-4F77-A52E-D5F44D60AF1B}" type="datetimeFigureOut">
               <a:rPr lang="en-US" smtClean="0"/>
-              <a:t>4/11/2019</a:t>
+              <a:t>4/16/2019</a:t>
             </a:fld>
             <a:endParaRPr lang="en-US"/>
           </a:p>
@@ -5139,7 +5139,7 @@
           <a:p>
             <a:fld id="{E36813AB-CC3A-4F77-A52E-D5F44D60AF1B}" type="datetimeFigureOut">
               <a:rPr lang="en-US" smtClean="0"/>
-              <a:t>4/11/2019</a:t>
+              <a:t>4/16/2019</a:t>
             </a:fld>
             <a:endParaRPr lang="en-US"/>
           </a:p>
@@ -5568,7 +5568,7 @@
           <a:p>
             <a:fld id="{E36813AB-CC3A-4F77-A52E-D5F44D60AF1B}" type="datetimeFigureOut">
               <a:rPr lang="en-US" smtClean="0"/>
-              <a:t>4/11/2019</a:t>
+              <a:t>4/16/2019</a:t>
             </a:fld>
             <a:endParaRPr lang="en-US"/>
           </a:p>
@@ -7073,20 +7073,20 @@
           <a:p>
             <a:pPr algn="ctr"/>
             <a:r>
-              <a:rPr lang="en-US" sz="8000" b="1">
+              <a:rPr lang="en-US" sz="8000" b="1" dirty="0">
                 <a:latin typeface="Arial" panose="020B0604020202020204" pitchFamily="34" charset="0"/>
                 <a:cs typeface="Arial" panose="020B0604020202020204" pitchFamily="34" charset="0"/>
               </a:rPr>
               <a:t>Group 2 </a:t>
             </a:r>
             <a:br>
-              <a:rPr lang="en-US" sz="8000" b="1">
+              <a:rPr lang="en-US" sz="8000" b="1" dirty="0">
                 <a:latin typeface="Arial" panose="020B0604020202020204" pitchFamily="34" charset="0"/>
                 <a:cs typeface="Arial" panose="020B0604020202020204" pitchFamily="34" charset="0"/>
               </a:rPr>
             </a:br>
             <a:r>
-              <a:rPr lang="en-US" sz="8000" b="1">
+              <a:rPr lang="en-US" sz="8000" b="1" dirty="0">
                 <a:latin typeface="Arial" panose="020B0604020202020204" pitchFamily="34" charset="0"/>
                 <a:cs typeface="Arial" panose="020B0604020202020204" pitchFamily="34" charset="0"/>
               </a:rPr>
@@ -7125,7 +7125,7 @@
           <a:p>
             <a:pPr algn="ctr"/>
             <a:r>
-              <a:rPr lang="en-US" sz="2400">
+              <a:rPr lang="en-US" sz="2400" dirty="0">
                 <a:solidFill>
                   <a:schemeClr val="bg2"/>
                 </a:solidFill>
@@ -7136,13 +7136,42 @@
           <a:p>
             <a:pPr algn="ctr"/>
             <a:r>
-              <a:rPr lang="en-US" sz="2400">
+              <a:rPr lang="en-US" sz="2400" dirty="0">
                 <a:solidFill>
                   <a:schemeClr val="bg2"/>
                 </a:solidFill>
               </a:rPr>
-              <a:t>Rostislav Donika, Hayden Ferencz, Nikhil Gorti</a:t>
-            </a:r>
+              <a:t>Rostislav Donika, Hayden </a:t>
+            </a:r>
+            <a:r>
+              <a:rPr lang="en-US" sz="2400" dirty="0" err="1">
+                <a:solidFill>
+                  <a:schemeClr val="bg2"/>
+                </a:solidFill>
+              </a:rPr>
+              <a:t>Ferencz</a:t>
+            </a:r>
+            <a:r>
+              <a:rPr lang="en-US" sz="2400" dirty="0">
+                <a:solidFill>
+                  <a:schemeClr val="bg2"/>
+                </a:solidFill>
+              </a:rPr>
+              <a:t>, Nikhil </a:t>
+            </a:r>
+            <a:r>
+              <a:rPr lang="en-US" sz="2400" dirty="0" err="1">
+                <a:solidFill>
+                  <a:schemeClr val="bg2"/>
+                </a:solidFill>
+              </a:rPr>
+              <a:t>Gorti</a:t>
+            </a:r>
+            <a:endParaRPr lang="en-US" sz="2400" dirty="0">
+              <a:solidFill>
+                <a:schemeClr val="bg2"/>
+              </a:solidFill>
+            </a:endParaRPr>
           </a:p>
         </p:txBody>
       </p:sp>
@@ -7156,6 +7185,196 @@
   <p:clrMapOvr>
     <a:masterClrMapping/>
   </p:clrMapOvr>
+  <p:timing>
+    <p:tnLst>
+      <p:par>
+        <p:cTn id="1" dur="indefinite" restart="never" nodeType="tmRoot">
+          <p:childTnLst>
+            <p:seq concurrent="1" nextAc="seek">
+              <p:cTn id="2" dur="indefinite" nodeType="mainSeq">
+                <p:childTnLst>
+                  <p:par>
+                    <p:cTn id="3" fill="hold">
+                      <p:stCondLst>
+                        <p:cond delay="indefinite"/>
+                      </p:stCondLst>
+                      <p:childTnLst>
+                        <p:par>
+                          <p:cTn id="4" fill="hold">
+                            <p:stCondLst>
+                              <p:cond delay="0"/>
+                            </p:stCondLst>
+                            <p:childTnLst>
+                              <p:par>
+                                <p:cTn id="5" presetID="10" presetClass="entr" presetSubtype="0" fill="hold" grpId="0" nodeType="clickEffect">
+                                  <p:stCondLst>
+                                    <p:cond delay="0"/>
+                                  </p:stCondLst>
+                                  <p:childTnLst>
+                                    <p:set>
+                                      <p:cBhvr>
+                                        <p:cTn id="6" dur="1" fill="hold">
+                                          <p:stCondLst>
+                                            <p:cond delay="0"/>
+                                          </p:stCondLst>
+                                        </p:cTn>
+                                        <p:tgtEl>
+                                          <p:spTgt spid="2"/>
+                                        </p:tgtEl>
+                                        <p:attrNameLst>
+                                          <p:attrName>style.visibility</p:attrName>
+                                        </p:attrNameLst>
+                                      </p:cBhvr>
+                                      <p:to>
+                                        <p:strVal val="visible"/>
+                                      </p:to>
+                                    </p:set>
+                                    <p:animEffect transition="in" filter="fade">
+                                      <p:cBhvr>
+                                        <p:cTn id="7" dur="500"/>
+                                        <p:tgtEl>
+                                          <p:spTgt spid="2"/>
+                                        </p:tgtEl>
+                                      </p:cBhvr>
+                                    </p:animEffect>
+                                  </p:childTnLst>
+                                </p:cTn>
+                              </p:par>
+                            </p:childTnLst>
+                          </p:cTn>
+                        </p:par>
+                      </p:childTnLst>
+                    </p:cTn>
+                  </p:par>
+                  <p:par>
+                    <p:cTn id="8" fill="hold">
+                      <p:stCondLst>
+                        <p:cond delay="indefinite"/>
+                      </p:stCondLst>
+                      <p:childTnLst>
+                        <p:par>
+                          <p:cTn id="9" fill="hold">
+                            <p:stCondLst>
+                              <p:cond delay="0"/>
+                            </p:stCondLst>
+                            <p:childTnLst>
+                              <p:par>
+                                <p:cTn id="10" presetID="10" presetClass="entr" presetSubtype="0" fill="hold" nodeType="clickEffect">
+                                  <p:stCondLst>
+                                    <p:cond delay="0"/>
+                                  </p:stCondLst>
+                                  <p:childTnLst>
+                                    <p:set>
+                                      <p:cBhvr>
+                                        <p:cTn id="11" dur="1" fill="hold">
+                                          <p:stCondLst>
+                                            <p:cond delay="0"/>
+                                          </p:stCondLst>
+                                        </p:cTn>
+                                        <p:tgtEl>
+                                          <p:spTgt spid="3">
+                                            <p:txEl>
+                                              <p:pRg st="0" end="0"/>
+                                            </p:txEl>
+                                          </p:spTgt>
+                                        </p:tgtEl>
+                                        <p:attrNameLst>
+                                          <p:attrName>style.visibility</p:attrName>
+                                        </p:attrNameLst>
+                                      </p:cBhvr>
+                                      <p:to>
+                                        <p:strVal val="visible"/>
+                                      </p:to>
+                                    </p:set>
+                                    <p:animEffect transition="in" filter="fade">
+                                      <p:cBhvr>
+                                        <p:cTn id="12" dur="500"/>
+                                        <p:tgtEl>
+                                          <p:spTgt spid="3">
+                                            <p:txEl>
+                                              <p:pRg st="0" end="0"/>
+                                            </p:txEl>
+                                          </p:spTgt>
+                                        </p:tgtEl>
+                                      </p:cBhvr>
+                                    </p:animEffect>
+                                  </p:childTnLst>
+                                </p:cTn>
+                              </p:par>
+                              <p:par>
+                                <p:cTn id="13" presetID="10" presetClass="entr" presetSubtype="0" fill="hold" nodeType="withEffect">
+                                  <p:stCondLst>
+                                    <p:cond delay="0"/>
+                                  </p:stCondLst>
+                                  <p:childTnLst>
+                                    <p:set>
+                                      <p:cBhvr>
+                                        <p:cTn id="14" dur="1" fill="hold">
+                                          <p:stCondLst>
+                                            <p:cond delay="0"/>
+                                          </p:stCondLst>
+                                        </p:cTn>
+                                        <p:tgtEl>
+                                          <p:spTgt spid="3">
+                                            <p:txEl>
+                                              <p:pRg st="1" end="1"/>
+                                            </p:txEl>
+                                          </p:spTgt>
+                                        </p:tgtEl>
+                                        <p:attrNameLst>
+                                          <p:attrName>style.visibility</p:attrName>
+                                        </p:attrNameLst>
+                                      </p:cBhvr>
+                                      <p:to>
+                                        <p:strVal val="visible"/>
+                                      </p:to>
+                                    </p:set>
+                                    <p:animEffect transition="in" filter="fade">
+                                      <p:cBhvr>
+                                        <p:cTn id="15" dur="500"/>
+                                        <p:tgtEl>
+                                          <p:spTgt spid="3">
+                                            <p:txEl>
+                                              <p:pRg st="1" end="1"/>
+                                            </p:txEl>
+                                          </p:spTgt>
+                                        </p:tgtEl>
+                                      </p:cBhvr>
+                                    </p:animEffect>
+                                  </p:childTnLst>
+                                </p:cTn>
+                              </p:par>
+                            </p:childTnLst>
+                          </p:cTn>
+                        </p:par>
+                      </p:childTnLst>
+                    </p:cTn>
+                  </p:par>
+                </p:childTnLst>
+              </p:cTn>
+              <p:prevCondLst>
+                <p:cond evt="onPrev" delay="0">
+                  <p:tgtEl>
+                    <p:sldTgt/>
+                  </p:tgtEl>
+                </p:cond>
+              </p:prevCondLst>
+              <p:nextCondLst>
+                <p:cond evt="onNext" delay="0">
+                  <p:tgtEl>
+                    <p:sldTgt/>
+                  </p:tgtEl>
+                </p:cond>
+              </p:nextCondLst>
+            </p:seq>
+          </p:childTnLst>
+        </p:cTn>
+      </p:par>
+    </p:tnLst>
+    <p:bldLst>
+      <p:bldP spid="2" grpId="0"/>
+    </p:bldLst>
+  </p:timing>
 </p:sld>
 </file>
 
@@ -7192,14 +7411,19 @@
             <p:ph type="title"/>
           </p:nvPr>
         </p:nvSpPr>
-        <p:spPr/>
+        <p:spPr>
+          <a:xfrm>
+            <a:off x="1125723" y="222214"/>
+            <a:ext cx="9404723" cy="1400530"/>
+          </a:xfrm>
+        </p:spPr>
         <p:txBody>
           <a:bodyPr/>
           <a:lstStyle/>
           <a:p>
             <a:pPr algn="ctr"/>
             <a:r>
-              <a:rPr lang="en-US" dirty="0"/>
+              <a:rPr lang="en-US" sz="4800" b="1" dirty="0"/>
               <a:t>Agile Development Methods</a:t>
             </a:r>
           </a:p>
@@ -7219,8 +7443,8 @@
         </p:nvSpPr>
         <p:spPr>
           <a:xfrm>
-            <a:off x="235670" y="1618261"/>
-            <a:ext cx="11717518" cy="2246769"/>
+            <a:off x="235670" y="1472779"/>
+            <a:ext cx="11717518" cy="2616101"/>
           </a:xfrm>
           <a:prstGeom prst="rect">
             <a:avLst/>
@@ -7238,7 +7462,7 @@
               <a:buChar char="•"/>
             </a:pPr>
             <a:r>
-              <a:rPr lang="en-US" sz="2000" dirty="0"/>
+              <a:rPr lang="en-US" sz="2400" b="1" dirty="0"/>
               <a:t>Project developed utilizing incremental delivery as part of the agile development process</a:t>
             </a:r>
           </a:p>
@@ -7251,7 +7475,7 @@
               <a:buChar char="•"/>
             </a:pPr>
             <a:r>
-              <a:rPr lang="en-US" sz="2000" dirty="0"/>
+              <a:rPr lang="en-US" sz="2400" b="1" dirty="0"/>
               <a:t>Incremental Delivery</a:t>
             </a:r>
           </a:p>
@@ -7261,21 +7485,24 @@
               <a:buChar char="o"/>
             </a:pPr>
             <a:r>
-              <a:rPr lang="en-US" sz="2000" dirty="0"/>
+              <a:rPr lang="en-US" dirty="0"/>
               <a:t>Project developed as a series of versions where each version provides additional functionality</a:t>
             </a:r>
-          </a:p>
-          <a:p>
-            <a:pPr lvl="1"/>
-            <a:endParaRPr lang="en-US" sz="2000" dirty="0"/>
           </a:p>
           <a:p>
             <a:pPr marL="800100" lvl="1" indent="-342900">
               <a:buFont typeface="Courier New" panose="02070309020205020404" pitchFamily="49" charset="0"/>
               <a:buChar char="o"/>
             </a:pPr>
-            <a:r>
-              <a:rPr lang="en-US" sz="2000" dirty="0"/>
+            <a:endParaRPr lang="en-US" dirty="0"/>
+          </a:p>
+          <a:p>
+            <a:pPr marL="800100" lvl="1" indent="-342900">
+              <a:buFont typeface="Courier New" panose="02070309020205020404" pitchFamily="49" charset="0"/>
+              <a:buChar char="o"/>
+            </a:pPr>
+            <a:r>
+              <a:rPr lang="en-US" dirty="0"/>
               <a:t>Early versions acted as prototypes, shaping the requirements elicitation for future UI changes &amp; features</a:t>
             </a:r>
           </a:p>
@@ -7295,8 +7522,8 @@
         </p:nvSpPr>
         <p:spPr>
           <a:xfrm>
-            <a:off x="235670" y="4116354"/>
-            <a:ext cx="11717518" cy="2246769"/>
+            <a:off x="235670" y="4223931"/>
+            <a:ext cx="11717518" cy="2123658"/>
           </a:xfrm>
           <a:prstGeom prst="rect">
             <a:avLst/>
@@ -7314,7 +7541,7 @@
               <a:buChar char="•"/>
             </a:pPr>
             <a:r>
-              <a:rPr lang="en-US" sz="2000" dirty="0"/>
+              <a:rPr lang="en-US" sz="2400" b="1" dirty="0"/>
               <a:t>Change Tolerance</a:t>
             </a:r>
           </a:p>
@@ -7324,7 +7551,7 @@
               <a:buChar char="o"/>
             </a:pPr>
             <a:r>
-              <a:rPr lang="en-US" sz="2000" dirty="0"/>
+              <a:rPr lang="en-US" dirty="0"/>
               <a:t>Developed using Model-View-Controller (MVC) Architecture</a:t>
             </a:r>
           </a:p>
@@ -7333,7 +7560,7 @@
               <a:buFont typeface="Courier New" panose="02070309020205020404" pitchFamily="49" charset="0"/>
               <a:buChar char="o"/>
             </a:pPr>
-            <a:endParaRPr lang="en-US" sz="2000" dirty="0"/>
+            <a:endParaRPr lang="en-US" dirty="0"/>
           </a:p>
           <a:p>
             <a:pPr marL="800100" lvl="1" indent="-342900">
@@ -7341,7 +7568,7 @@
               <a:buChar char="o"/>
             </a:pPr>
             <a:r>
-              <a:rPr lang="en-US" sz="2000" dirty="0"/>
+              <a:rPr lang="en-US" dirty="0"/>
               <a:t>MVC architecture allows abstraction of the system’s UI and background control logic</a:t>
             </a:r>
           </a:p>
@@ -7350,7 +7577,7 @@
               <a:buFont typeface="Courier New" panose="02070309020205020404" pitchFamily="49" charset="0"/>
               <a:buChar char="o"/>
             </a:pPr>
-            <a:endParaRPr lang="en-US" sz="2000" dirty="0"/>
+            <a:endParaRPr lang="en-US" dirty="0"/>
           </a:p>
           <a:p>
             <a:pPr marL="800100" lvl="1" indent="-342900">
@@ -7358,7 +7585,7 @@
               <a:buChar char="o"/>
             </a:pPr>
             <a:r>
-              <a:rPr lang="en-US" sz="2000" dirty="0"/>
+              <a:rPr lang="en-US" dirty="0"/>
               <a:t>Separation of code into events allows different functionalities to be changed independently of other features of the project</a:t>
             </a:r>
           </a:p>
@@ -7374,6 +7601,662 @@
   <p:clrMapOvr>
     <a:masterClrMapping/>
   </p:clrMapOvr>
+  <mc:AlternateContent xmlns:mc="http://schemas.openxmlformats.org/markup-compatibility/2006" xmlns:p159="http://schemas.microsoft.com/office/powerpoint/2015/09/main">
+    <mc:Choice Requires="p159">
+      <p:transition xmlns:p14="http://schemas.microsoft.com/office/powerpoint/2010/main" spd="slow" p14:dur="2000">
+        <p159:morph option="byObject"/>
+      </p:transition>
+    </mc:Choice>
+    <mc:Fallback xmlns="">
+      <p:transition spd="slow">
+        <p:fade/>
+      </p:transition>
+    </mc:Fallback>
+  </mc:AlternateContent>
+  <p:timing>
+    <p:tnLst>
+      <p:par>
+        <p:cTn id="1" dur="indefinite" restart="never" nodeType="tmRoot">
+          <p:childTnLst>
+            <p:seq concurrent="1" nextAc="seek">
+              <p:cTn id="2" dur="indefinite" nodeType="mainSeq">
+                <p:childTnLst>
+                  <p:par>
+                    <p:cTn id="3" fill="hold">
+                      <p:stCondLst>
+                        <p:cond delay="indefinite"/>
+                      </p:stCondLst>
+                      <p:childTnLst>
+                        <p:par>
+                          <p:cTn id="4" fill="hold">
+                            <p:stCondLst>
+                              <p:cond delay="0"/>
+                            </p:stCondLst>
+                            <p:childTnLst>
+                              <p:par>
+                                <p:cTn id="5" presetID="2" presetClass="entr" presetSubtype="4" fill="hold" nodeType="clickEffect">
+                                  <p:stCondLst>
+                                    <p:cond delay="0"/>
+                                  </p:stCondLst>
+                                  <p:childTnLst>
+                                    <p:set>
+                                      <p:cBhvr>
+                                        <p:cTn id="6" dur="1" fill="hold">
+                                          <p:stCondLst>
+                                            <p:cond delay="0"/>
+                                          </p:stCondLst>
+                                        </p:cTn>
+                                        <p:tgtEl>
+                                          <p:spTgt spid="3">
+                                            <p:txEl>
+                                              <p:pRg st="0" end="0"/>
+                                            </p:txEl>
+                                          </p:spTgt>
+                                        </p:tgtEl>
+                                        <p:attrNameLst>
+                                          <p:attrName>style.visibility</p:attrName>
+                                        </p:attrNameLst>
+                                      </p:cBhvr>
+                                      <p:to>
+                                        <p:strVal val="visible"/>
+                                      </p:to>
+                                    </p:set>
+                                    <p:anim calcmode="lin" valueType="num">
+                                      <p:cBhvr additive="base">
+                                        <p:cTn id="7" dur="500" fill="hold"/>
+                                        <p:tgtEl>
+                                          <p:spTgt spid="3">
+                                            <p:txEl>
+                                              <p:pRg st="0" end="0"/>
+                                            </p:txEl>
+                                          </p:spTgt>
+                                        </p:tgtEl>
+                                        <p:attrNameLst>
+                                          <p:attrName>ppt_x</p:attrName>
+                                        </p:attrNameLst>
+                                      </p:cBhvr>
+                                      <p:tavLst>
+                                        <p:tav tm="0">
+                                          <p:val>
+                                            <p:strVal val="#ppt_x"/>
+                                          </p:val>
+                                        </p:tav>
+                                        <p:tav tm="100000">
+                                          <p:val>
+                                            <p:strVal val="#ppt_x"/>
+                                          </p:val>
+                                        </p:tav>
+                                      </p:tavLst>
+                                    </p:anim>
+                                    <p:anim calcmode="lin" valueType="num">
+                                      <p:cBhvr additive="base">
+                                        <p:cTn id="8" dur="500" fill="hold"/>
+                                        <p:tgtEl>
+                                          <p:spTgt spid="3">
+                                            <p:txEl>
+                                              <p:pRg st="0" end="0"/>
+                                            </p:txEl>
+                                          </p:spTgt>
+                                        </p:tgtEl>
+                                        <p:attrNameLst>
+                                          <p:attrName>ppt_y</p:attrName>
+                                        </p:attrNameLst>
+                                      </p:cBhvr>
+                                      <p:tavLst>
+                                        <p:tav tm="0">
+                                          <p:val>
+                                            <p:strVal val="1+#ppt_h/2"/>
+                                          </p:val>
+                                        </p:tav>
+                                        <p:tav tm="100000">
+                                          <p:val>
+                                            <p:strVal val="#ppt_y"/>
+                                          </p:val>
+                                        </p:tav>
+                                      </p:tavLst>
+                                    </p:anim>
+                                  </p:childTnLst>
+                                </p:cTn>
+                              </p:par>
+                            </p:childTnLst>
+                          </p:cTn>
+                        </p:par>
+                      </p:childTnLst>
+                    </p:cTn>
+                  </p:par>
+                  <p:par>
+                    <p:cTn id="9" fill="hold">
+                      <p:stCondLst>
+                        <p:cond delay="indefinite"/>
+                      </p:stCondLst>
+                      <p:childTnLst>
+                        <p:par>
+                          <p:cTn id="10" fill="hold">
+                            <p:stCondLst>
+                              <p:cond delay="0"/>
+                            </p:stCondLst>
+                            <p:childTnLst>
+                              <p:par>
+                                <p:cTn id="11" presetID="2" presetClass="entr" presetSubtype="4" fill="hold" nodeType="clickEffect">
+                                  <p:stCondLst>
+                                    <p:cond delay="0"/>
+                                  </p:stCondLst>
+                                  <p:childTnLst>
+                                    <p:set>
+                                      <p:cBhvr>
+                                        <p:cTn id="12" dur="1" fill="hold">
+                                          <p:stCondLst>
+                                            <p:cond delay="0"/>
+                                          </p:stCondLst>
+                                        </p:cTn>
+                                        <p:tgtEl>
+                                          <p:spTgt spid="3">
+                                            <p:txEl>
+                                              <p:pRg st="2" end="2"/>
+                                            </p:txEl>
+                                          </p:spTgt>
+                                        </p:tgtEl>
+                                        <p:attrNameLst>
+                                          <p:attrName>style.visibility</p:attrName>
+                                        </p:attrNameLst>
+                                      </p:cBhvr>
+                                      <p:to>
+                                        <p:strVal val="visible"/>
+                                      </p:to>
+                                    </p:set>
+                                    <p:anim calcmode="lin" valueType="num">
+                                      <p:cBhvr additive="base">
+                                        <p:cTn id="13" dur="500" fill="hold"/>
+                                        <p:tgtEl>
+                                          <p:spTgt spid="3">
+                                            <p:txEl>
+                                              <p:pRg st="2" end="2"/>
+                                            </p:txEl>
+                                          </p:spTgt>
+                                        </p:tgtEl>
+                                        <p:attrNameLst>
+                                          <p:attrName>ppt_x</p:attrName>
+                                        </p:attrNameLst>
+                                      </p:cBhvr>
+                                      <p:tavLst>
+                                        <p:tav tm="0">
+                                          <p:val>
+                                            <p:strVal val="#ppt_x"/>
+                                          </p:val>
+                                        </p:tav>
+                                        <p:tav tm="100000">
+                                          <p:val>
+                                            <p:strVal val="#ppt_x"/>
+                                          </p:val>
+                                        </p:tav>
+                                      </p:tavLst>
+                                    </p:anim>
+                                    <p:anim calcmode="lin" valueType="num">
+                                      <p:cBhvr additive="base">
+                                        <p:cTn id="14" dur="500" fill="hold"/>
+                                        <p:tgtEl>
+                                          <p:spTgt spid="3">
+                                            <p:txEl>
+                                              <p:pRg st="2" end="2"/>
+                                            </p:txEl>
+                                          </p:spTgt>
+                                        </p:tgtEl>
+                                        <p:attrNameLst>
+                                          <p:attrName>ppt_y</p:attrName>
+                                        </p:attrNameLst>
+                                      </p:cBhvr>
+                                      <p:tavLst>
+                                        <p:tav tm="0">
+                                          <p:val>
+                                            <p:strVal val="1+#ppt_h/2"/>
+                                          </p:val>
+                                        </p:tav>
+                                        <p:tav tm="100000">
+                                          <p:val>
+                                            <p:strVal val="#ppt_y"/>
+                                          </p:val>
+                                        </p:tav>
+                                      </p:tavLst>
+                                    </p:anim>
+                                  </p:childTnLst>
+                                </p:cTn>
+                              </p:par>
+                            </p:childTnLst>
+                          </p:cTn>
+                        </p:par>
+                      </p:childTnLst>
+                    </p:cTn>
+                  </p:par>
+                  <p:par>
+                    <p:cTn id="15" fill="hold">
+                      <p:stCondLst>
+                        <p:cond delay="indefinite"/>
+                      </p:stCondLst>
+                      <p:childTnLst>
+                        <p:par>
+                          <p:cTn id="16" fill="hold">
+                            <p:stCondLst>
+                              <p:cond delay="0"/>
+                            </p:stCondLst>
+                            <p:childTnLst>
+                              <p:par>
+                                <p:cTn id="17" presetID="10" presetClass="entr" presetSubtype="0" fill="hold" nodeType="clickEffect">
+                                  <p:stCondLst>
+                                    <p:cond delay="0"/>
+                                  </p:stCondLst>
+                                  <p:childTnLst>
+                                    <p:set>
+                                      <p:cBhvr>
+                                        <p:cTn id="18" dur="1" fill="hold">
+                                          <p:stCondLst>
+                                            <p:cond delay="0"/>
+                                          </p:stCondLst>
+                                        </p:cTn>
+                                        <p:tgtEl>
+                                          <p:spTgt spid="3">
+                                            <p:txEl>
+                                              <p:pRg st="3" end="3"/>
+                                            </p:txEl>
+                                          </p:spTgt>
+                                        </p:tgtEl>
+                                        <p:attrNameLst>
+                                          <p:attrName>style.visibility</p:attrName>
+                                        </p:attrNameLst>
+                                      </p:cBhvr>
+                                      <p:to>
+                                        <p:strVal val="visible"/>
+                                      </p:to>
+                                    </p:set>
+                                    <p:animEffect transition="in" filter="fade">
+                                      <p:cBhvr>
+                                        <p:cTn id="19" dur="500"/>
+                                        <p:tgtEl>
+                                          <p:spTgt spid="3">
+                                            <p:txEl>
+                                              <p:pRg st="3" end="3"/>
+                                            </p:txEl>
+                                          </p:spTgt>
+                                        </p:tgtEl>
+                                      </p:cBhvr>
+                                    </p:animEffect>
+                                  </p:childTnLst>
+                                </p:cTn>
+                              </p:par>
+                            </p:childTnLst>
+                          </p:cTn>
+                        </p:par>
+                      </p:childTnLst>
+                    </p:cTn>
+                  </p:par>
+                  <p:par>
+                    <p:cTn id="20" fill="hold">
+                      <p:stCondLst>
+                        <p:cond delay="indefinite"/>
+                      </p:stCondLst>
+                      <p:childTnLst>
+                        <p:par>
+                          <p:cTn id="21" fill="hold">
+                            <p:stCondLst>
+                              <p:cond delay="0"/>
+                            </p:stCondLst>
+                            <p:childTnLst>
+                              <p:par>
+                                <p:cTn id="22" presetID="10" presetClass="entr" presetSubtype="0" fill="hold" nodeType="clickEffect">
+                                  <p:stCondLst>
+                                    <p:cond delay="0"/>
+                                  </p:stCondLst>
+                                  <p:childTnLst>
+                                    <p:set>
+                                      <p:cBhvr>
+                                        <p:cTn id="23" dur="1" fill="hold">
+                                          <p:stCondLst>
+                                            <p:cond delay="0"/>
+                                          </p:stCondLst>
+                                        </p:cTn>
+                                        <p:tgtEl>
+                                          <p:spTgt spid="3">
+                                            <p:txEl>
+                                              <p:pRg st="5" end="5"/>
+                                            </p:txEl>
+                                          </p:spTgt>
+                                        </p:tgtEl>
+                                        <p:attrNameLst>
+                                          <p:attrName>style.visibility</p:attrName>
+                                        </p:attrNameLst>
+                                      </p:cBhvr>
+                                      <p:to>
+                                        <p:strVal val="visible"/>
+                                      </p:to>
+                                    </p:set>
+                                    <p:animEffect transition="in" filter="fade">
+                                      <p:cBhvr>
+                                        <p:cTn id="24" dur="500"/>
+                                        <p:tgtEl>
+                                          <p:spTgt spid="3">
+                                            <p:txEl>
+                                              <p:pRg st="5" end="5"/>
+                                            </p:txEl>
+                                          </p:spTgt>
+                                        </p:tgtEl>
+                                      </p:cBhvr>
+                                    </p:animEffect>
+                                  </p:childTnLst>
+                                </p:cTn>
+                              </p:par>
+                            </p:childTnLst>
+                          </p:cTn>
+                        </p:par>
+                      </p:childTnLst>
+                    </p:cTn>
+                  </p:par>
+                  <p:par>
+                    <p:cTn id="25" fill="hold">
+                      <p:stCondLst>
+                        <p:cond delay="indefinite"/>
+                      </p:stCondLst>
+                      <p:childTnLst>
+                        <p:par>
+                          <p:cTn id="26" fill="hold">
+                            <p:stCondLst>
+                              <p:cond delay="0"/>
+                            </p:stCondLst>
+                            <p:childTnLst>
+                              <p:par>
+                                <p:cTn id="27" presetID="2" presetClass="entr" presetSubtype="4" fill="hold" nodeType="clickEffect">
+                                  <p:stCondLst>
+                                    <p:cond delay="0"/>
+                                  </p:stCondLst>
+                                  <p:childTnLst>
+                                    <p:set>
+                                      <p:cBhvr>
+                                        <p:cTn id="28" dur="1" fill="hold">
+                                          <p:stCondLst>
+                                            <p:cond delay="0"/>
+                                          </p:stCondLst>
+                                        </p:cTn>
+                                        <p:tgtEl>
+                                          <p:spTgt spid="4">
+                                            <p:txEl>
+                                              <p:pRg st="0" end="0"/>
+                                            </p:txEl>
+                                          </p:spTgt>
+                                        </p:tgtEl>
+                                        <p:attrNameLst>
+                                          <p:attrName>style.visibility</p:attrName>
+                                        </p:attrNameLst>
+                                      </p:cBhvr>
+                                      <p:to>
+                                        <p:strVal val="visible"/>
+                                      </p:to>
+                                    </p:set>
+                                    <p:anim calcmode="lin" valueType="num">
+                                      <p:cBhvr additive="base">
+                                        <p:cTn id="29" dur="500" fill="hold"/>
+                                        <p:tgtEl>
+                                          <p:spTgt spid="4">
+                                            <p:txEl>
+                                              <p:pRg st="0" end="0"/>
+                                            </p:txEl>
+                                          </p:spTgt>
+                                        </p:tgtEl>
+                                        <p:attrNameLst>
+                                          <p:attrName>ppt_x</p:attrName>
+                                        </p:attrNameLst>
+                                      </p:cBhvr>
+                                      <p:tavLst>
+                                        <p:tav tm="0">
+                                          <p:val>
+                                            <p:strVal val="#ppt_x"/>
+                                          </p:val>
+                                        </p:tav>
+                                        <p:tav tm="100000">
+                                          <p:val>
+                                            <p:strVal val="#ppt_x"/>
+                                          </p:val>
+                                        </p:tav>
+                                      </p:tavLst>
+                                    </p:anim>
+                                    <p:anim calcmode="lin" valueType="num">
+                                      <p:cBhvr additive="base">
+                                        <p:cTn id="30" dur="500" fill="hold"/>
+                                        <p:tgtEl>
+                                          <p:spTgt spid="4">
+                                            <p:txEl>
+                                              <p:pRg st="0" end="0"/>
+                                            </p:txEl>
+                                          </p:spTgt>
+                                        </p:tgtEl>
+                                        <p:attrNameLst>
+                                          <p:attrName>ppt_y</p:attrName>
+                                        </p:attrNameLst>
+                                      </p:cBhvr>
+                                      <p:tavLst>
+                                        <p:tav tm="0">
+                                          <p:val>
+                                            <p:strVal val="1+#ppt_h/2"/>
+                                          </p:val>
+                                        </p:tav>
+                                        <p:tav tm="100000">
+                                          <p:val>
+                                            <p:strVal val="#ppt_y"/>
+                                          </p:val>
+                                        </p:tav>
+                                      </p:tavLst>
+                                    </p:anim>
+                                  </p:childTnLst>
+                                </p:cTn>
+                              </p:par>
+                            </p:childTnLst>
+                          </p:cTn>
+                        </p:par>
+                      </p:childTnLst>
+                    </p:cTn>
+                  </p:par>
+                  <p:par>
+                    <p:cTn id="31" fill="hold">
+                      <p:stCondLst>
+                        <p:cond delay="indefinite"/>
+                      </p:stCondLst>
+                      <p:childTnLst>
+                        <p:par>
+                          <p:cTn id="32" fill="hold">
+                            <p:stCondLst>
+                              <p:cond delay="0"/>
+                            </p:stCondLst>
+                            <p:childTnLst>
+                              <p:par>
+                                <p:cTn id="33" presetID="10" presetClass="entr" presetSubtype="0" fill="hold" nodeType="clickEffect">
+                                  <p:stCondLst>
+                                    <p:cond delay="0"/>
+                                  </p:stCondLst>
+                                  <p:childTnLst>
+                                    <p:set>
+                                      <p:cBhvr>
+                                        <p:cTn id="34" dur="1" fill="hold">
+                                          <p:stCondLst>
+                                            <p:cond delay="0"/>
+                                          </p:stCondLst>
+                                        </p:cTn>
+                                        <p:tgtEl>
+                                          <p:spTgt spid="4">
+                                            <p:txEl>
+                                              <p:pRg st="1" end="1"/>
+                                            </p:txEl>
+                                          </p:spTgt>
+                                        </p:tgtEl>
+                                        <p:attrNameLst>
+                                          <p:attrName>style.visibility</p:attrName>
+                                        </p:attrNameLst>
+                                      </p:cBhvr>
+                                      <p:to>
+                                        <p:strVal val="visible"/>
+                                      </p:to>
+                                    </p:set>
+                                    <p:animEffect transition="in" filter="fade">
+                                      <p:cBhvr>
+                                        <p:cTn id="35" dur="500"/>
+                                        <p:tgtEl>
+                                          <p:spTgt spid="4">
+                                            <p:txEl>
+                                              <p:pRg st="1" end="1"/>
+                                            </p:txEl>
+                                          </p:spTgt>
+                                        </p:tgtEl>
+                                      </p:cBhvr>
+                                    </p:animEffect>
+                                  </p:childTnLst>
+                                </p:cTn>
+                              </p:par>
+                            </p:childTnLst>
+                          </p:cTn>
+                        </p:par>
+                      </p:childTnLst>
+                    </p:cTn>
+                  </p:par>
+                  <p:par>
+                    <p:cTn id="36" fill="hold">
+                      <p:stCondLst>
+                        <p:cond delay="indefinite"/>
+                      </p:stCondLst>
+                      <p:childTnLst>
+                        <p:par>
+                          <p:cTn id="37" fill="hold">
+                            <p:stCondLst>
+                              <p:cond delay="0"/>
+                            </p:stCondLst>
+                            <p:childTnLst>
+                              <p:par>
+                                <p:cTn id="38" presetID="10" presetClass="entr" presetSubtype="0" fill="hold" nodeType="clickEffect">
+                                  <p:stCondLst>
+                                    <p:cond delay="0"/>
+                                  </p:stCondLst>
+                                  <p:childTnLst>
+                                    <p:set>
+                                      <p:cBhvr>
+                                        <p:cTn id="39" dur="1" fill="hold">
+                                          <p:stCondLst>
+                                            <p:cond delay="0"/>
+                                          </p:stCondLst>
+                                        </p:cTn>
+                                        <p:tgtEl>
+                                          <p:spTgt spid="4">
+                                            <p:txEl>
+                                              <p:pRg st="3" end="3"/>
+                                            </p:txEl>
+                                          </p:spTgt>
+                                        </p:tgtEl>
+                                        <p:attrNameLst>
+                                          <p:attrName>style.visibility</p:attrName>
+                                        </p:attrNameLst>
+                                      </p:cBhvr>
+                                      <p:to>
+                                        <p:strVal val="visible"/>
+                                      </p:to>
+                                    </p:set>
+                                    <p:animEffect transition="in" filter="fade">
+                                      <p:cBhvr>
+                                        <p:cTn id="40" dur="500"/>
+                                        <p:tgtEl>
+                                          <p:spTgt spid="4">
+                                            <p:txEl>
+                                              <p:pRg st="3" end="3"/>
+                                            </p:txEl>
+                                          </p:spTgt>
+                                        </p:tgtEl>
+                                      </p:cBhvr>
+                                    </p:animEffect>
+                                  </p:childTnLst>
+                                </p:cTn>
+                              </p:par>
+                            </p:childTnLst>
+                          </p:cTn>
+                        </p:par>
+                      </p:childTnLst>
+                    </p:cTn>
+                  </p:par>
+                  <p:par>
+                    <p:cTn id="41" fill="hold">
+                      <p:stCondLst>
+                        <p:cond delay="indefinite"/>
+                      </p:stCondLst>
+                      <p:childTnLst>
+                        <p:par>
+                          <p:cTn id="42" fill="hold">
+                            <p:stCondLst>
+                              <p:cond delay="0"/>
+                            </p:stCondLst>
+                            <p:childTnLst>
+                              <p:par>
+                                <p:cTn id="43" presetID="10" presetClass="entr" presetSubtype="0" fill="hold" nodeType="clickEffect">
+                                  <p:stCondLst>
+                                    <p:cond delay="0"/>
+                                  </p:stCondLst>
+                                  <p:childTnLst>
+                                    <p:set>
+                                      <p:cBhvr>
+                                        <p:cTn id="44" dur="1" fill="hold">
+                                          <p:stCondLst>
+                                            <p:cond delay="0"/>
+                                          </p:stCondLst>
+                                        </p:cTn>
+                                        <p:tgtEl>
+                                          <p:spTgt spid="4">
+                                            <p:txEl>
+                                              <p:pRg st="5" end="5"/>
+                                            </p:txEl>
+                                          </p:spTgt>
+                                        </p:tgtEl>
+                                        <p:attrNameLst>
+                                          <p:attrName>style.visibility</p:attrName>
+                                        </p:attrNameLst>
+                                      </p:cBhvr>
+                                      <p:to>
+                                        <p:strVal val="visible"/>
+                                      </p:to>
+                                    </p:set>
+                                    <p:animEffect transition="in" filter="fade">
+                                      <p:cBhvr>
+                                        <p:cTn id="45" dur="500"/>
+                                        <p:tgtEl>
+                                          <p:spTgt spid="4">
+                                            <p:txEl>
+                                              <p:pRg st="5" end="5"/>
+                                            </p:txEl>
+                                          </p:spTgt>
+                                        </p:tgtEl>
+                                      </p:cBhvr>
+                                    </p:animEffect>
+                                  </p:childTnLst>
+                                </p:cTn>
+                              </p:par>
+                            </p:childTnLst>
+                          </p:cTn>
+                        </p:par>
+                      </p:childTnLst>
+                    </p:cTn>
+                  </p:par>
+                </p:childTnLst>
+              </p:cTn>
+              <p:prevCondLst>
+                <p:cond evt="onPrev" delay="0">
+                  <p:tgtEl>
+                    <p:sldTgt/>
+                  </p:tgtEl>
+                </p:cond>
+              </p:prevCondLst>
+              <p:nextCondLst>
+                <p:cond evt="onNext" delay="0">
+                  <p:tgtEl>
+                    <p:sldTgt/>
+                  </p:tgtEl>
+                </p:cond>
+              </p:nextCondLst>
+            </p:seq>
+          </p:childTnLst>
+        </p:cTn>
+      </p:par>
+    </p:tnLst>
+  </p:timing>
 </p:sld>
 </file>
 
@@ -7412,7 +8295,7 @@
         </p:nvSpPr>
         <p:spPr>
           <a:xfrm>
-            <a:off x="838200" y="-72232"/>
+            <a:off x="582100" y="187005"/>
             <a:ext cx="10515600" cy="1325563"/>
           </a:xfrm>
         </p:spPr>
@@ -7422,7 +8305,7 @@
           <a:p>
             <a:pPr algn="ctr"/>
             <a:r>
-              <a:rPr lang="en-US" dirty="0"/>
+              <a:rPr lang="en-US" sz="4800" b="1" dirty="0"/>
               <a:t>Project Development Process</a:t>
             </a:r>
           </a:p>
@@ -7457,19 +8340,31 @@
           <a:lstStyle/>
           <a:p>
             <a:r>
+              <a:rPr lang="en-US" b="1" dirty="0"/>
+              <a:t>Team broken into 2 roles:</a:t>
+            </a:r>
+          </a:p>
+          <a:p>
+            <a:pPr lvl="1"/>
+            <a:r>
+              <a:rPr lang="en-US" dirty="0">
+                <a:solidFill>
+                  <a:srgbClr val="FFFF00"/>
+                </a:solidFill>
+              </a:rPr>
+              <a:t>Developer</a:t>
+            </a:r>
+            <a:r>
               <a:rPr lang="en-US" dirty="0"/>
-              <a:t>Team broken into 2 roles:</a:t>
-            </a:r>
-          </a:p>
-          <a:p>
-            <a:pPr lvl="1"/>
+              <a:t>:</a:t>
+            </a:r>
             <a:r>
               <a:rPr lang="en-US" dirty="0">
                 <a:solidFill>
                   <a:srgbClr val="FF0000"/>
                 </a:solidFill>
               </a:rPr>
-              <a:t>Developer: </a:t>
+              <a:t> </a:t>
             </a:r>
             <a:r>
               <a:rPr lang="en-US" dirty="0"/>
@@ -7478,13 +8373,28 @@
           </a:p>
           <a:p>
             <a:pPr lvl="1"/>
+            <a:r>
+              <a:rPr lang="en-US" b="1" dirty="0">
+                <a:solidFill>
+                  <a:schemeClr val="bg2">
+                    <a:lumMod val="20000"/>
+                    <a:lumOff val="80000"/>
+                  </a:schemeClr>
+                </a:solidFill>
+              </a:rPr>
+              <a:t>Customer</a:t>
+            </a:r>
+            <a:r>
+              <a:rPr lang="en-US" dirty="0"/>
+              <a:t>: </a:t>
+            </a:r>
             <a:r>
               <a:rPr lang="en-US" dirty="0">
                 <a:solidFill>
                   <a:srgbClr val="FF0000"/>
                 </a:solidFill>
               </a:rPr>
-              <a:t>Customer:  </a:t>
+              <a:t> </a:t>
             </a:r>
             <a:r>
               <a:rPr lang="en-US" dirty="0"/>
@@ -7504,7 +8414,7 @@
               </a:lnSpc>
             </a:pPr>
             <a:r>
-              <a:rPr lang="en-US" dirty="0"/>
+              <a:rPr lang="en-US" b="1" dirty="0"/>
               <a:t>New requirements stored in a backlog; pulled from for future versions</a:t>
             </a:r>
           </a:p>
@@ -7530,6 +8440,17 @@
           <a:prstGeom prst="roundRect">
             <a:avLst/>
           </a:prstGeom>
+          <a:solidFill>
+            <a:schemeClr val="bg2">
+              <a:lumMod val="20000"/>
+              <a:lumOff val="80000"/>
+            </a:schemeClr>
+          </a:solidFill>
+          <a:ln>
+            <a:solidFill>
+              <a:schemeClr val="tx1"/>
+            </a:solidFill>
+          </a:ln>
         </p:spPr>
         <p:style>
           <a:lnRef idx="2">
@@ -7586,7 +8507,11 @@
           <a:p>
             <a:pPr algn="ctr"/>
             <a:r>
-              <a:rPr lang="en-US" dirty="0"/>
+              <a:rPr lang="en-US" b="1" dirty="0">
+                <a:solidFill>
+                  <a:schemeClr val="bg1"/>
+                </a:solidFill>
+              </a:rPr>
               <a:t>Host Group Meeting</a:t>
             </a:r>
           </a:p>
@@ -7612,6 +8537,17 @@
           <a:prstGeom prst="roundRect">
             <a:avLst/>
           </a:prstGeom>
+          <a:solidFill>
+            <a:schemeClr val="bg2">
+              <a:lumMod val="20000"/>
+              <a:lumOff val="80000"/>
+            </a:schemeClr>
+          </a:solidFill>
+          <a:ln>
+            <a:solidFill>
+              <a:schemeClr val="tx1"/>
+            </a:solidFill>
+          </a:ln>
         </p:spPr>
         <p:style>
           <a:lnRef idx="2">
@@ -7668,7 +8604,11 @@
           <a:p>
             <a:pPr algn="ctr"/>
             <a:r>
-              <a:rPr lang="en-US" sz="1600" dirty="0"/>
+              <a:rPr lang="en-US" sz="1600" b="1" dirty="0">
+                <a:solidFill>
+                  <a:schemeClr val="bg1"/>
+                </a:solidFill>
+              </a:rPr>
               <a:t>Review Current Version</a:t>
             </a:r>
           </a:p>
@@ -7688,12 +8628,23 @@
         </p:nvSpPr>
         <p:spPr>
           <a:xfrm>
-            <a:off x="5561812" y="4289869"/>
+            <a:off x="5561812" y="4297207"/>
             <a:ext cx="2399124" cy="807089"/>
           </a:xfrm>
           <a:prstGeom prst="roundRect">
             <a:avLst/>
           </a:prstGeom>
+          <a:solidFill>
+            <a:schemeClr val="bg2">
+              <a:lumMod val="20000"/>
+              <a:lumOff val="80000"/>
+            </a:schemeClr>
+          </a:solidFill>
+          <a:ln>
+            <a:solidFill>
+              <a:schemeClr val="tx1"/>
+            </a:solidFill>
+          </a:ln>
         </p:spPr>
         <p:style>
           <a:lnRef idx="2">
@@ -7734,8 +8685,8 @@
         </p:nvSpPr>
         <p:spPr>
           <a:xfrm>
-            <a:off x="5561812" y="4231073"/>
-            <a:ext cx="2399124" cy="923330"/>
+            <a:off x="5675917" y="4298409"/>
+            <a:ext cx="2170914" cy="738664"/>
           </a:xfrm>
           <a:prstGeom prst="rect">
             <a:avLst/>
@@ -7750,8 +8701,12 @@
           <a:p>
             <a:pPr algn="ctr"/>
             <a:r>
-              <a:rPr lang="en-US" dirty="0"/>
-              <a:t>Elicit changes/requirements; discover bugs</a:t>
+              <a:rPr lang="en-US" sz="1400" b="1" dirty="0">
+                <a:solidFill>
+                  <a:schemeClr val="bg1"/>
+                </a:solidFill>
+              </a:rPr>
+              <a:t>Elicit changes/requirement; discover bugs</a:t>
             </a:r>
           </a:p>
         </p:txBody>
@@ -7776,6 +8731,17 @@
           <a:prstGeom prst="roundRect">
             <a:avLst/>
           </a:prstGeom>
+          <a:solidFill>
+            <a:schemeClr val="bg2">
+              <a:lumMod val="20000"/>
+              <a:lumOff val="80000"/>
+            </a:schemeClr>
+          </a:solidFill>
+          <a:ln>
+            <a:solidFill>
+              <a:schemeClr val="tx1"/>
+            </a:solidFill>
+          </a:ln>
         </p:spPr>
         <p:style>
           <a:lnRef idx="2">
@@ -7816,8 +8782,8 @@
         </p:nvSpPr>
         <p:spPr>
           <a:xfrm>
-            <a:off x="8106263" y="4231073"/>
-            <a:ext cx="1967064" cy="923330"/>
+            <a:off x="8309726" y="4298704"/>
+            <a:ext cx="1545995" cy="830997"/>
           </a:xfrm>
           <a:prstGeom prst="rect">
             <a:avLst/>
@@ -7832,7 +8798,11 @@
           <a:p>
             <a:pPr algn="ctr"/>
             <a:r>
-              <a:rPr lang="en-US" dirty="0"/>
+              <a:rPr lang="en-US" sz="1600" b="1" dirty="0">
+                <a:solidFill>
+                  <a:schemeClr val="bg1"/>
+                </a:solidFill>
+              </a:rPr>
               <a:t>Update Requirements Backlog</a:t>
             </a:r>
           </a:p>
@@ -7858,48 +8828,7 @@
           <a:prstGeom prst="straightConnector1">
             <a:avLst/>
           </a:prstGeom>
-          <a:ln>
-            <a:tailEnd type="triangle"/>
-          </a:ln>
-        </p:spPr>
-        <p:style>
-          <a:lnRef idx="1">
-            <a:schemeClr val="dk1"/>
-          </a:lnRef>
-          <a:fillRef idx="0">
-            <a:schemeClr val="dk1"/>
-          </a:fillRef>
-          <a:effectRef idx="0">
-            <a:schemeClr val="dk1"/>
-          </a:effectRef>
-          <a:fontRef idx="minor">
-            <a:schemeClr val="tx1"/>
-          </a:fontRef>
-        </p:style>
-      </p:cxnSp>
-      <p:cxnSp>
-        <p:nvCxnSpPr>
-          <p:cNvPr id="20" name="Straight Arrow Connector 19">
-            <a:extLst>
-              <a:ext uri="{FF2B5EF4-FFF2-40B4-BE49-F238E27FC236}">
-                <a16:creationId xmlns:a16="http://schemas.microsoft.com/office/drawing/2014/main" id="{9EF3ED2F-283A-44E7-95DC-56F848F043E2}"/>
-              </a:ext>
-            </a:extLst>
-          </p:cNvPr>
-          <p:cNvCxnSpPr>
-            <a:endCxn id="13" idx="1"/>
-          </p:cNvCxnSpPr>
-          <p:nvPr/>
-        </p:nvCxnSpPr>
-        <p:spPr>
-          <a:xfrm>
-            <a:off x="5213022" y="4692737"/>
-            <a:ext cx="348790" cy="1"/>
-          </a:xfrm>
-          <a:prstGeom prst="straightConnector1">
-            <a:avLst/>
-          </a:prstGeom>
-          <a:ln>
+          <a:ln w="28575">
             <a:tailEnd type="triangle"/>
           </a:ln>
         </p:spPr>
@@ -7934,13 +8863,13 @@
         </p:nvCxnSpPr>
         <p:spPr>
           <a:xfrm flipV="1">
-            <a:off x="7960936" y="4692737"/>
+            <a:off x="7960936" y="4700075"/>
             <a:ext cx="348790" cy="677"/>
           </a:xfrm>
           <a:prstGeom prst="straightConnector1">
             <a:avLst/>
           </a:prstGeom>
-          <a:ln>
+          <a:ln w="28575">
             <a:tailEnd type="triangle"/>
           </a:ln>
         </p:spPr>
@@ -7979,6 +8908,9 @@
           <a:prstGeom prst="roundRect">
             <a:avLst/>
           </a:prstGeom>
+          <a:solidFill>
+            <a:srgbClr val="FFFF00"/>
+          </a:solidFill>
         </p:spPr>
         <p:style>
           <a:lnRef idx="3">
@@ -8017,7 +8949,7 @@
         </p:nvSpPr>
         <p:spPr>
           <a:xfrm>
-            <a:off x="8046564" y="5654690"/>
+            <a:off x="8069341" y="5654690"/>
             <a:ext cx="2026763" cy="923330"/>
           </a:xfrm>
           <a:prstGeom prst="rect">
@@ -8033,14 +8965,22 @@
           <a:p>
             <a:pPr algn="ctr"/>
             <a:r>
-              <a:rPr lang="en-US" dirty="0"/>
+              <a:rPr lang="en-US" b="1" dirty="0">
+                <a:solidFill>
+                  <a:schemeClr val="bg1"/>
+                </a:solidFill>
+              </a:rPr>
               <a:t>Pull From</a:t>
             </a:r>
           </a:p>
           <a:p>
             <a:pPr algn="ctr"/>
             <a:r>
-              <a:rPr lang="en-US" dirty="0"/>
+              <a:rPr lang="en-US" b="1" dirty="0">
+                <a:solidFill>
+                  <a:schemeClr val="bg1"/>
+                </a:solidFill>
+              </a:rPr>
               <a:t>Requirements Backlog</a:t>
             </a:r>
           </a:p>
@@ -8066,6 +9006,9 @@
           <a:prstGeom prst="roundRect">
             <a:avLst/>
           </a:prstGeom>
+          <a:solidFill>
+            <a:srgbClr val="FFFF00"/>
+          </a:solidFill>
         </p:spPr>
         <p:style>
           <a:lnRef idx="3">
@@ -8105,7 +9048,7 @@
         <p:spPr>
           <a:xfrm>
             <a:off x="5839900" y="5793189"/>
-            <a:ext cx="2026763" cy="646331"/>
+            <a:ext cx="2026763" cy="584775"/>
           </a:xfrm>
           <a:prstGeom prst="rect">
             <a:avLst/>
@@ -8120,14 +9063,30 @@
           <a:p>
             <a:pPr algn="ctr"/>
             <a:r>
-              <a:rPr lang="en-US" dirty="0"/>
-              <a:t>Software </a:t>
+              <a:rPr lang="en-US" sz="1600" b="1" dirty="0">
+                <a:solidFill>
+                  <a:schemeClr val="bg1"/>
+                </a:solidFill>
+              </a:rPr>
+              <a:t>Software</a:t>
+            </a:r>
+            <a:r>
+              <a:rPr lang="en-US" sz="1600" dirty="0">
+                <a:solidFill>
+                  <a:schemeClr val="bg1"/>
+                </a:solidFill>
+              </a:rPr>
+              <a:t> </a:t>
             </a:r>
           </a:p>
           <a:p>
             <a:pPr algn="ctr"/>
             <a:r>
-              <a:rPr lang="en-US" dirty="0"/>
+              <a:rPr lang="en-US" sz="1600" b="1" dirty="0">
+                <a:solidFill>
+                  <a:schemeClr val="bg1"/>
+                </a:solidFill>
+              </a:rPr>
               <a:t>Implementation</a:t>
             </a:r>
           </a:p>
@@ -8153,6 +9112,9 @@
           <a:prstGeom prst="roundRect">
             <a:avLst/>
           </a:prstGeom>
+          <a:solidFill>
+            <a:srgbClr val="FFFF00"/>
+          </a:solidFill>
         </p:spPr>
         <p:style>
           <a:lnRef idx="3">
@@ -8207,14 +9169,22 @@
           <a:p>
             <a:pPr algn="ctr"/>
             <a:r>
-              <a:rPr lang="en-US" dirty="0"/>
-              <a:t>Delivery Of New</a:t>
+              <a:rPr lang="en-US" b="1" dirty="0">
+                <a:solidFill>
+                  <a:schemeClr val="bg1"/>
+                </a:solidFill>
+              </a:rPr>
+              <a:t>Delivery of New</a:t>
             </a:r>
           </a:p>
           <a:p>
             <a:pPr algn="ctr"/>
             <a:r>
-              <a:rPr lang="en-US" dirty="0"/>
+              <a:rPr lang="en-US" b="1" dirty="0">
+                <a:solidFill>
+                  <a:schemeClr val="bg1"/>
+                </a:solidFill>
+              </a:rPr>
               <a:t>Executable</a:t>
             </a:r>
           </a:p>
@@ -8240,6 +9210,9 @@
           <a:prstGeom prst="roundRect">
             <a:avLst/>
           </a:prstGeom>
+          <a:solidFill>
+            <a:srgbClr val="FFFF00"/>
+          </a:solidFill>
         </p:spPr>
         <p:style>
           <a:lnRef idx="3">
@@ -8260,7 +9233,11 @@
           <a:lstStyle/>
           <a:p>
             <a:pPr algn="ctr"/>
-            <a:endParaRPr lang="en-US"/>
+            <a:endParaRPr lang="en-US" dirty="0">
+              <a:solidFill>
+                <a:srgbClr val="FFFF00"/>
+              </a:solidFill>
+            </a:endParaRPr>
           </a:p>
         </p:txBody>
       </p:sp>
@@ -8294,14 +9271,22 @@
           <a:p>
             <a:pPr algn="ctr"/>
             <a:r>
-              <a:rPr lang="en-US" dirty="0"/>
+              <a:rPr lang="en-US" b="1" dirty="0">
+                <a:solidFill>
+                  <a:schemeClr val="bg1"/>
+                </a:solidFill>
+              </a:rPr>
               <a:t>Add To</a:t>
             </a:r>
           </a:p>
           <a:p>
             <a:pPr algn="ctr"/>
             <a:r>
-              <a:rPr lang="en-US" dirty="0"/>
+              <a:rPr lang="en-US" b="1" dirty="0">
+                <a:solidFill>
+                  <a:schemeClr val="bg1"/>
+                </a:solidFill>
+              </a:rPr>
               <a:t>Update Log</a:t>
             </a:r>
           </a:p>
@@ -8317,20 +9302,21 @@
             </a:extLst>
           </p:cNvPr>
           <p:cNvCxnSpPr>
+            <a:cxnSpLocks/>
             <a:stCxn id="16" idx="2"/>
             <a:endCxn id="33" idx="0"/>
           </p:cNvCxnSpPr>
           <p:nvPr/>
         </p:nvCxnSpPr>
         <p:spPr>
-          <a:xfrm flipH="1">
-            <a:off x="9082724" y="5154403"/>
-            <a:ext cx="7071" cy="389820"/>
+          <a:xfrm>
+            <a:off x="9082724" y="5129701"/>
+            <a:ext cx="0" cy="414522"/>
           </a:xfrm>
           <a:prstGeom prst="straightConnector1">
             <a:avLst/>
           </a:prstGeom>
-          <a:ln>
+          <a:ln w="28575">
             <a:tailEnd type="triangle"/>
           </a:ln>
         </p:spPr>
@@ -8371,7 +9357,7 @@
           <a:prstGeom prst="straightConnector1">
             <a:avLst/>
           </a:prstGeom>
-          <a:ln>
+          <a:ln w="28575">
             <a:tailEnd type="triangle"/>
           </a:ln>
         </p:spPr>
@@ -8412,7 +9398,7 @@
           <a:prstGeom prst="straightConnector1">
             <a:avLst/>
           </a:prstGeom>
-          <a:ln>
+          <a:ln w="28575">
             <a:tailEnd type="triangle"/>
           </a:ln>
         </p:spPr>
@@ -8447,13 +9433,13 @@
         </p:nvCxnSpPr>
         <p:spPr>
           <a:xfrm flipH="1">
-            <a:off x="3169359" y="6112057"/>
+            <a:off x="3136360" y="6112057"/>
             <a:ext cx="432073" cy="0"/>
           </a:xfrm>
           <a:prstGeom prst="straightConnector1">
             <a:avLst/>
           </a:prstGeom>
-          <a:ln>
+          <a:ln w="28575">
             <a:tailEnd type="triangle"/>
           </a:ln>
         </p:spPr>
@@ -8482,19 +9468,19 @@
             </a:extLst>
           </p:cNvPr>
           <p:cNvCxnSpPr>
-            <a:stCxn id="39" idx="0"/>
+            <a:cxnSpLocks/>
           </p:cNvCxnSpPr>
           <p:nvPr/>
         </p:nvCxnSpPr>
         <p:spPr>
           <a:xfrm flipV="1">
-            <a:off x="2478063" y="5096282"/>
+            <a:off x="2495993" y="5104296"/>
             <a:ext cx="0" cy="558408"/>
           </a:xfrm>
           <a:prstGeom prst="straightConnector1">
             <a:avLst/>
           </a:prstGeom>
-          <a:ln>
+          <a:ln w="28575">
             <a:tailEnd type="triangle"/>
           </a:ln>
         </p:spPr>
@@ -8513,6 +9499,50 @@
           </a:fontRef>
         </p:style>
       </p:cxnSp>
+      <p:cxnSp>
+        <p:nvCxnSpPr>
+          <p:cNvPr id="26" name="Straight Arrow Connector 25">
+            <a:extLst>
+              <a:ext uri="{FF2B5EF4-FFF2-40B4-BE49-F238E27FC236}">
+                <a16:creationId xmlns:a16="http://schemas.microsoft.com/office/drawing/2014/main" id="{37766C30-FC1D-4305-B955-9EE677D21AD0}"/>
+              </a:ext>
+            </a:extLst>
+          </p:cNvPr>
+          <p:cNvCxnSpPr>
+            <a:cxnSpLocks/>
+          </p:cNvCxnSpPr>
+          <p:nvPr/>
+        </p:nvCxnSpPr>
+        <p:spPr>
+          <a:xfrm>
+            <a:off x="5194174" y="4674444"/>
+            <a:ext cx="348790" cy="677"/>
+          </a:xfrm>
+          <a:prstGeom prst="straightConnector1">
+            <a:avLst/>
+          </a:prstGeom>
+          <a:ln w="28575">
+            <a:solidFill>
+              <a:schemeClr val="bg1"/>
+            </a:solidFill>
+            <a:tailEnd type="triangle"/>
+          </a:ln>
+        </p:spPr>
+        <p:style>
+          <a:lnRef idx="1">
+            <a:schemeClr val="accent1"/>
+          </a:lnRef>
+          <a:fillRef idx="0">
+            <a:schemeClr val="accent1"/>
+          </a:fillRef>
+          <a:effectRef idx="0">
+            <a:schemeClr val="accent1"/>
+          </a:effectRef>
+          <a:fontRef idx="minor">
+            <a:schemeClr val="tx1"/>
+          </a:fontRef>
+        </p:style>
+      </p:cxnSp>
     </p:spTree>
     <p:extLst>
       <p:ext uri="{BB962C8B-B14F-4D97-AF65-F5344CB8AC3E}">
@@ -8523,6 +9553,1336 @@
   <p:clrMapOvr>
     <a:masterClrMapping/>
   </p:clrMapOvr>
+  <mc:AlternateContent xmlns:mc="http://schemas.openxmlformats.org/markup-compatibility/2006" xmlns:p159="http://schemas.microsoft.com/office/powerpoint/2015/09/main">
+    <mc:Choice Requires="p159">
+      <p:transition xmlns:p14="http://schemas.microsoft.com/office/powerpoint/2010/main" spd="slow" p14:dur="2000">
+        <p159:morph option="byObject"/>
+      </p:transition>
+    </mc:Choice>
+    <mc:Fallback xmlns="">
+      <p:transition spd="slow">
+        <p:fade/>
+      </p:transition>
+    </mc:Fallback>
+  </mc:AlternateContent>
+  <p:timing>
+    <p:tnLst>
+      <p:par>
+        <p:cTn id="1" dur="indefinite" restart="never" nodeType="tmRoot">
+          <p:childTnLst>
+            <p:seq concurrent="1" nextAc="seek">
+              <p:cTn id="2" dur="indefinite" nodeType="mainSeq">
+                <p:childTnLst>
+                  <p:par>
+                    <p:cTn id="3" fill="hold">
+                      <p:stCondLst>
+                        <p:cond delay="indefinite"/>
+                      </p:stCondLst>
+                      <p:childTnLst>
+                        <p:par>
+                          <p:cTn id="4" fill="hold">
+                            <p:stCondLst>
+                              <p:cond delay="0"/>
+                            </p:stCondLst>
+                            <p:childTnLst>
+                              <p:par>
+                                <p:cTn id="5" presetID="2" presetClass="entr" presetSubtype="4" fill="hold" nodeType="clickEffect">
+                                  <p:stCondLst>
+                                    <p:cond delay="0"/>
+                                  </p:stCondLst>
+                                  <p:childTnLst>
+                                    <p:set>
+                                      <p:cBhvr>
+                                        <p:cTn id="6" dur="1" fill="hold">
+                                          <p:stCondLst>
+                                            <p:cond delay="0"/>
+                                          </p:stCondLst>
+                                        </p:cTn>
+                                        <p:tgtEl>
+                                          <p:spTgt spid="3">
+                                            <p:txEl>
+                                              <p:pRg st="0" end="0"/>
+                                            </p:txEl>
+                                          </p:spTgt>
+                                        </p:tgtEl>
+                                        <p:attrNameLst>
+                                          <p:attrName>style.visibility</p:attrName>
+                                        </p:attrNameLst>
+                                      </p:cBhvr>
+                                      <p:to>
+                                        <p:strVal val="visible"/>
+                                      </p:to>
+                                    </p:set>
+                                    <p:anim calcmode="lin" valueType="num">
+                                      <p:cBhvr additive="base">
+                                        <p:cTn id="7" dur="500" fill="hold"/>
+                                        <p:tgtEl>
+                                          <p:spTgt spid="3">
+                                            <p:txEl>
+                                              <p:pRg st="0" end="0"/>
+                                            </p:txEl>
+                                          </p:spTgt>
+                                        </p:tgtEl>
+                                        <p:attrNameLst>
+                                          <p:attrName>ppt_x</p:attrName>
+                                        </p:attrNameLst>
+                                      </p:cBhvr>
+                                      <p:tavLst>
+                                        <p:tav tm="0">
+                                          <p:val>
+                                            <p:strVal val="#ppt_x"/>
+                                          </p:val>
+                                        </p:tav>
+                                        <p:tav tm="100000">
+                                          <p:val>
+                                            <p:strVal val="#ppt_x"/>
+                                          </p:val>
+                                        </p:tav>
+                                      </p:tavLst>
+                                    </p:anim>
+                                    <p:anim calcmode="lin" valueType="num">
+                                      <p:cBhvr additive="base">
+                                        <p:cTn id="8" dur="500" fill="hold"/>
+                                        <p:tgtEl>
+                                          <p:spTgt spid="3">
+                                            <p:txEl>
+                                              <p:pRg st="0" end="0"/>
+                                            </p:txEl>
+                                          </p:spTgt>
+                                        </p:tgtEl>
+                                        <p:attrNameLst>
+                                          <p:attrName>ppt_y</p:attrName>
+                                        </p:attrNameLst>
+                                      </p:cBhvr>
+                                      <p:tavLst>
+                                        <p:tav tm="0">
+                                          <p:val>
+                                            <p:strVal val="1+#ppt_h/2"/>
+                                          </p:val>
+                                        </p:tav>
+                                        <p:tav tm="100000">
+                                          <p:val>
+                                            <p:strVal val="#ppt_y"/>
+                                          </p:val>
+                                        </p:tav>
+                                      </p:tavLst>
+                                    </p:anim>
+                                  </p:childTnLst>
+                                </p:cTn>
+                              </p:par>
+                            </p:childTnLst>
+                          </p:cTn>
+                        </p:par>
+                      </p:childTnLst>
+                    </p:cTn>
+                  </p:par>
+                  <p:par>
+                    <p:cTn id="9" fill="hold">
+                      <p:stCondLst>
+                        <p:cond delay="indefinite"/>
+                      </p:stCondLst>
+                      <p:childTnLst>
+                        <p:par>
+                          <p:cTn id="10" fill="hold">
+                            <p:stCondLst>
+                              <p:cond delay="0"/>
+                            </p:stCondLst>
+                            <p:childTnLst>
+                              <p:par>
+                                <p:cTn id="11" presetID="10" presetClass="entr" presetSubtype="0" fill="hold" nodeType="clickEffect">
+                                  <p:stCondLst>
+                                    <p:cond delay="0"/>
+                                  </p:stCondLst>
+                                  <p:childTnLst>
+                                    <p:set>
+                                      <p:cBhvr>
+                                        <p:cTn id="12" dur="1" fill="hold">
+                                          <p:stCondLst>
+                                            <p:cond delay="0"/>
+                                          </p:stCondLst>
+                                        </p:cTn>
+                                        <p:tgtEl>
+                                          <p:spTgt spid="3">
+                                            <p:txEl>
+                                              <p:pRg st="1" end="1"/>
+                                            </p:txEl>
+                                          </p:spTgt>
+                                        </p:tgtEl>
+                                        <p:attrNameLst>
+                                          <p:attrName>style.visibility</p:attrName>
+                                        </p:attrNameLst>
+                                      </p:cBhvr>
+                                      <p:to>
+                                        <p:strVal val="visible"/>
+                                      </p:to>
+                                    </p:set>
+                                    <p:animEffect transition="in" filter="fade">
+                                      <p:cBhvr>
+                                        <p:cTn id="13" dur="500"/>
+                                        <p:tgtEl>
+                                          <p:spTgt spid="3">
+                                            <p:txEl>
+                                              <p:pRg st="1" end="1"/>
+                                            </p:txEl>
+                                          </p:spTgt>
+                                        </p:tgtEl>
+                                      </p:cBhvr>
+                                    </p:animEffect>
+                                  </p:childTnLst>
+                                </p:cTn>
+                              </p:par>
+                            </p:childTnLst>
+                          </p:cTn>
+                        </p:par>
+                      </p:childTnLst>
+                    </p:cTn>
+                  </p:par>
+                  <p:par>
+                    <p:cTn id="14" fill="hold">
+                      <p:stCondLst>
+                        <p:cond delay="indefinite"/>
+                      </p:stCondLst>
+                      <p:childTnLst>
+                        <p:par>
+                          <p:cTn id="15" fill="hold">
+                            <p:stCondLst>
+                              <p:cond delay="0"/>
+                            </p:stCondLst>
+                            <p:childTnLst>
+                              <p:par>
+                                <p:cTn id="16" presetID="10" presetClass="entr" presetSubtype="0" fill="hold" nodeType="clickEffect">
+                                  <p:stCondLst>
+                                    <p:cond delay="0"/>
+                                  </p:stCondLst>
+                                  <p:childTnLst>
+                                    <p:set>
+                                      <p:cBhvr>
+                                        <p:cTn id="17" dur="1" fill="hold">
+                                          <p:stCondLst>
+                                            <p:cond delay="0"/>
+                                          </p:stCondLst>
+                                        </p:cTn>
+                                        <p:tgtEl>
+                                          <p:spTgt spid="3">
+                                            <p:txEl>
+                                              <p:pRg st="2" end="2"/>
+                                            </p:txEl>
+                                          </p:spTgt>
+                                        </p:tgtEl>
+                                        <p:attrNameLst>
+                                          <p:attrName>style.visibility</p:attrName>
+                                        </p:attrNameLst>
+                                      </p:cBhvr>
+                                      <p:to>
+                                        <p:strVal val="visible"/>
+                                      </p:to>
+                                    </p:set>
+                                    <p:animEffect transition="in" filter="fade">
+                                      <p:cBhvr>
+                                        <p:cTn id="18" dur="500"/>
+                                        <p:tgtEl>
+                                          <p:spTgt spid="3">
+                                            <p:txEl>
+                                              <p:pRg st="2" end="2"/>
+                                            </p:txEl>
+                                          </p:spTgt>
+                                        </p:tgtEl>
+                                      </p:cBhvr>
+                                    </p:animEffect>
+                                  </p:childTnLst>
+                                </p:cTn>
+                              </p:par>
+                            </p:childTnLst>
+                          </p:cTn>
+                        </p:par>
+                      </p:childTnLst>
+                    </p:cTn>
+                  </p:par>
+                  <p:par>
+                    <p:cTn id="19" fill="hold">
+                      <p:stCondLst>
+                        <p:cond delay="indefinite"/>
+                      </p:stCondLst>
+                      <p:childTnLst>
+                        <p:par>
+                          <p:cTn id="20" fill="hold">
+                            <p:stCondLst>
+                              <p:cond delay="0"/>
+                            </p:stCondLst>
+                            <p:childTnLst>
+                              <p:par>
+                                <p:cTn id="21" presetID="10" presetClass="entr" presetSubtype="0" fill="hold" nodeType="clickEffect">
+                                  <p:stCondLst>
+                                    <p:cond delay="0"/>
+                                  </p:stCondLst>
+                                  <p:childTnLst>
+                                    <p:set>
+                                      <p:cBhvr>
+                                        <p:cTn id="22" dur="1" fill="hold">
+                                          <p:stCondLst>
+                                            <p:cond delay="0"/>
+                                          </p:stCondLst>
+                                        </p:cTn>
+                                        <p:tgtEl>
+                                          <p:spTgt spid="3">
+                                            <p:txEl>
+                                              <p:pRg st="4" end="4"/>
+                                            </p:txEl>
+                                          </p:spTgt>
+                                        </p:tgtEl>
+                                        <p:attrNameLst>
+                                          <p:attrName>style.visibility</p:attrName>
+                                        </p:attrNameLst>
+                                      </p:cBhvr>
+                                      <p:to>
+                                        <p:strVal val="visible"/>
+                                      </p:to>
+                                    </p:set>
+                                    <p:animEffect transition="in" filter="fade">
+                                      <p:cBhvr>
+                                        <p:cTn id="23" dur="500"/>
+                                        <p:tgtEl>
+                                          <p:spTgt spid="3">
+                                            <p:txEl>
+                                              <p:pRg st="4" end="4"/>
+                                            </p:txEl>
+                                          </p:spTgt>
+                                        </p:tgtEl>
+                                      </p:cBhvr>
+                                    </p:animEffect>
+                                  </p:childTnLst>
+                                </p:cTn>
+                              </p:par>
+                            </p:childTnLst>
+                          </p:cTn>
+                        </p:par>
+                      </p:childTnLst>
+                    </p:cTn>
+                  </p:par>
+                  <p:par>
+                    <p:cTn id="24" fill="hold">
+                      <p:stCondLst>
+                        <p:cond delay="indefinite"/>
+                      </p:stCondLst>
+                      <p:childTnLst>
+                        <p:par>
+                          <p:cTn id="25" fill="hold">
+                            <p:stCondLst>
+                              <p:cond delay="0"/>
+                            </p:stCondLst>
+                            <p:childTnLst>
+                              <p:par>
+                                <p:cTn id="26" presetID="10" presetClass="entr" presetSubtype="0" fill="hold" grpId="0" nodeType="clickEffect">
+                                  <p:stCondLst>
+                                    <p:cond delay="0"/>
+                                  </p:stCondLst>
+                                  <p:childTnLst>
+                                    <p:set>
+                                      <p:cBhvr>
+                                        <p:cTn id="27" dur="1" fill="hold">
+                                          <p:stCondLst>
+                                            <p:cond delay="0"/>
+                                          </p:stCondLst>
+                                        </p:cTn>
+                                        <p:tgtEl>
+                                          <p:spTgt spid="9"/>
+                                        </p:tgtEl>
+                                        <p:attrNameLst>
+                                          <p:attrName>style.visibility</p:attrName>
+                                        </p:attrNameLst>
+                                      </p:cBhvr>
+                                      <p:to>
+                                        <p:strVal val="visible"/>
+                                      </p:to>
+                                    </p:set>
+                                    <p:animEffect transition="in" filter="fade">
+                                      <p:cBhvr>
+                                        <p:cTn id="28" dur="500"/>
+                                        <p:tgtEl>
+                                          <p:spTgt spid="9"/>
+                                        </p:tgtEl>
+                                      </p:cBhvr>
+                                    </p:animEffect>
+                                  </p:childTnLst>
+                                </p:cTn>
+                              </p:par>
+                              <p:par>
+                                <p:cTn id="29" presetID="10" presetClass="entr" presetSubtype="0" fill="hold" grpId="0" nodeType="withEffect">
+                                  <p:stCondLst>
+                                    <p:cond delay="0"/>
+                                  </p:stCondLst>
+                                  <p:childTnLst>
+                                    <p:set>
+                                      <p:cBhvr>
+                                        <p:cTn id="30" dur="1" fill="hold">
+                                          <p:stCondLst>
+                                            <p:cond delay="0"/>
+                                          </p:stCondLst>
+                                        </p:cTn>
+                                        <p:tgtEl>
+                                          <p:spTgt spid="4"/>
+                                        </p:tgtEl>
+                                        <p:attrNameLst>
+                                          <p:attrName>style.visibility</p:attrName>
+                                        </p:attrNameLst>
+                                      </p:cBhvr>
+                                      <p:to>
+                                        <p:strVal val="visible"/>
+                                      </p:to>
+                                    </p:set>
+                                    <p:animEffect transition="in" filter="fade">
+                                      <p:cBhvr>
+                                        <p:cTn id="31" dur="500"/>
+                                        <p:tgtEl>
+                                          <p:spTgt spid="4"/>
+                                        </p:tgtEl>
+                                      </p:cBhvr>
+                                    </p:animEffect>
+                                  </p:childTnLst>
+                                </p:cTn>
+                              </p:par>
+                              <p:par>
+                                <p:cTn id="32" presetID="10" presetClass="entr" presetSubtype="0" fill="hold" nodeType="withEffect">
+                                  <p:stCondLst>
+                                    <p:cond delay="0"/>
+                                  </p:stCondLst>
+                                  <p:childTnLst>
+                                    <p:set>
+                                      <p:cBhvr>
+                                        <p:cTn id="33" dur="1" fill="hold">
+                                          <p:stCondLst>
+                                            <p:cond delay="0"/>
+                                          </p:stCondLst>
+                                        </p:cTn>
+                                        <p:tgtEl>
+                                          <p:spTgt spid="18"/>
+                                        </p:tgtEl>
+                                        <p:attrNameLst>
+                                          <p:attrName>style.visibility</p:attrName>
+                                        </p:attrNameLst>
+                                      </p:cBhvr>
+                                      <p:to>
+                                        <p:strVal val="visible"/>
+                                      </p:to>
+                                    </p:set>
+                                    <p:animEffect transition="in" filter="fade">
+                                      <p:cBhvr>
+                                        <p:cTn id="34" dur="500"/>
+                                        <p:tgtEl>
+                                          <p:spTgt spid="18"/>
+                                        </p:tgtEl>
+                                      </p:cBhvr>
+                                    </p:animEffect>
+                                  </p:childTnLst>
+                                </p:cTn>
+                              </p:par>
+                            </p:childTnLst>
+                          </p:cTn>
+                        </p:par>
+                      </p:childTnLst>
+                    </p:cTn>
+                  </p:par>
+                  <p:par>
+                    <p:cTn id="35" fill="hold">
+                      <p:stCondLst>
+                        <p:cond delay="indefinite"/>
+                      </p:stCondLst>
+                      <p:childTnLst>
+                        <p:par>
+                          <p:cTn id="36" fill="hold">
+                            <p:stCondLst>
+                              <p:cond delay="0"/>
+                            </p:stCondLst>
+                            <p:childTnLst>
+                              <p:par>
+                                <p:cTn id="37" presetID="10" presetClass="entr" presetSubtype="0" fill="hold" grpId="0" nodeType="clickEffect">
+                                  <p:stCondLst>
+                                    <p:cond delay="0"/>
+                                  </p:stCondLst>
+                                  <p:childTnLst>
+                                    <p:set>
+                                      <p:cBhvr>
+                                        <p:cTn id="38" dur="1" fill="hold">
+                                          <p:stCondLst>
+                                            <p:cond delay="0"/>
+                                          </p:stCondLst>
+                                        </p:cTn>
+                                        <p:tgtEl>
+                                          <p:spTgt spid="11"/>
+                                        </p:tgtEl>
+                                        <p:attrNameLst>
+                                          <p:attrName>style.visibility</p:attrName>
+                                        </p:attrNameLst>
+                                      </p:cBhvr>
+                                      <p:to>
+                                        <p:strVal val="visible"/>
+                                      </p:to>
+                                    </p:set>
+                                    <p:animEffect transition="in" filter="fade">
+                                      <p:cBhvr>
+                                        <p:cTn id="39" dur="500"/>
+                                        <p:tgtEl>
+                                          <p:spTgt spid="11"/>
+                                        </p:tgtEl>
+                                      </p:cBhvr>
+                                    </p:animEffect>
+                                  </p:childTnLst>
+                                </p:cTn>
+                              </p:par>
+                              <p:par>
+                                <p:cTn id="40" presetID="10" presetClass="entr" presetSubtype="0" fill="hold" grpId="0" nodeType="withEffect">
+                                  <p:stCondLst>
+                                    <p:cond delay="0"/>
+                                  </p:stCondLst>
+                                  <p:childTnLst>
+                                    <p:set>
+                                      <p:cBhvr>
+                                        <p:cTn id="41" dur="1" fill="hold">
+                                          <p:stCondLst>
+                                            <p:cond delay="0"/>
+                                          </p:stCondLst>
+                                        </p:cTn>
+                                        <p:tgtEl>
+                                          <p:spTgt spid="10"/>
+                                        </p:tgtEl>
+                                        <p:attrNameLst>
+                                          <p:attrName>style.visibility</p:attrName>
+                                        </p:attrNameLst>
+                                      </p:cBhvr>
+                                      <p:to>
+                                        <p:strVal val="visible"/>
+                                      </p:to>
+                                    </p:set>
+                                    <p:animEffect transition="in" filter="fade">
+                                      <p:cBhvr>
+                                        <p:cTn id="42" dur="500"/>
+                                        <p:tgtEl>
+                                          <p:spTgt spid="10"/>
+                                        </p:tgtEl>
+                                      </p:cBhvr>
+                                    </p:animEffect>
+                                  </p:childTnLst>
+                                </p:cTn>
+                              </p:par>
+                              <p:par>
+                                <p:cTn id="43" presetID="10" presetClass="entr" presetSubtype="0" fill="hold" nodeType="withEffect">
+                                  <p:stCondLst>
+                                    <p:cond delay="0"/>
+                                  </p:stCondLst>
+                                  <p:childTnLst>
+                                    <p:set>
+                                      <p:cBhvr>
+                                        <p:cTn id="44" dur="1" fill="hold">
+                                          <p:stCondLst>
+                                            <p:cond delay="0"/>
+                                          </p:stCondLst>
+                                        </p:cTn>
+                                        <p:tgtEl>
+                                          <p:spTgt spid="26"/>
+                                        </p:tgtEl>
+                                        <p:attrNameLst>
+                                          <p:attrName>style.visibility</p:attrName>
+                                        </p:attrNameLst>
+                                      </p:cBhvr>
+                                      <p:to>
+                                        <p:strVal val="visible"/>
+                                      </p:to>
+                                    </p:set>
+                                    <p:animEffect transition="in" filter="fade">
+                                      <p:cBhvr>
+                                        <p:cTn id="45" dur="500"/>
+                                        <p:tgtEl>
+                                          <p:spTgt spid="26"/>
+                                        </p:tgtEl>
+                                      </p:cBhvr>
+                                    </p:animEffect>
+                                  </p:childTnLst>
+                                </p:cTn>
+                              </p:par>
+                            </p:childTnLst>
+                          </p:cTn>
+                        </p:par>
+                      </p:childTnLst>
+                    </p:cTn>
+                  </p:par>
+                  <p:par>
+                    <p:cTn id="46" fill="hold">
+                      <p:stCondLst>
+                        <p:cond delay="indefinite"/>
+                      </p:stCondLst>
+                      <p:childTnLst>
+                        <p:par>
+                          <p:cTn id="47" fill="hold">
+                            <p:stCondLst>
+                              <p:cond delay="0"/>
+                            </p:stCondLst>
+                            <p:childTnLst>
+                              <p:par>
+                                <p:cTn id="48" presetID="10" presetClass="entr" presetSubtype="0" fill="hold" grpId="0" nodeType="clickEffect">
+                                  <p:stCondLst>
+                                    <p:cond delay="0"/>
+                                  </p:stCondLst>
+                                  <p:childTnLst>
+                                    <p:set>
+                                      <p:cBhvr>
+                                        <p:cTn id="49" dur="1" fill="hold">
+                                          <p:stCondLst>
+                                            <p:cond delay="0"/>
+                                          </p:stCondLst>
+                                        </p:cTn>
+                                        <p:tgtEl>
+                                          <p:spTgt spid="13"/>
+                                        </p:tgtEl>
+                                        <p:attrNameLst>
+                                          <p:attrName>style.visibility</p:attrName>
+                                        </p:attrNameLst>
+                                      </p:cBhvr>
+                                      <p:to>
+                                        <p:strVal val="visible"/>
+                                      </p:to>
+                                    </p:set>
+                                    <p:animEffect transition="in" filter="fade">
+                                      <p:cBhvr>
+                                        <p:cTn id="50" dur="500"/>
+                                        <p:tgtEl>
+                                          <p:spTgt spid="13"/>
+                                        </p:tgtEl>
+                                      </p:cBhvr>
+                                    </p:animEffect>
+                                  </p:childTnLst>
+                                </p:cTn>
+                              </p:par>
+                              <p:par>
+                                <p:cTn id="51" presetID="10" presetClass="entr" presetSubtype="0" fill="hold" grpId="0" nodeType="withEffect">
+                                  <p:stCondLst>
+                                    <p:cond delay="0"/>
+                                  </p:stCondLst>
+                                  <p:childTnLst>
+                                    <p:set>
+                                      <p:cBhvr>
+                                        <p:cTn id="52" dur="1" fill="hold">
+                                          <p:stCondLst>
+                                            <p:cond delay="0"/>
+                                          </p:stCondLst>
+                                        </p:cTn>
+                                        <p:tgtEl>
+                                          <p:spTgt spid="12"/>
+                                        </p:tgtEl>
+                                        <p:attrNameLst>
+                                          <p:attrName>style.visibility</p:attrName>
+                                        </p:attrNameLst>
+                                      </p:cBhvr>
+                                      <p:to>
+                                        <p:strVal val="visible"/>
+                                      </p:to>
+                                    </p:set>
+                                    <p:animEffect transition="in" filter="fade">
+                                      <p:cBhvr>
+                                        <p:cTn id="53" dur="500"/>
+                                        <p:tgtEl>
+                                          <p:spTgt spid="12"/>
+                                        </p:tgtEl>
+                                      </p:cBhvr>
+                                    </p:animEffect>
+                                  </p:childTnLst>
+                                </p:cTn>
+                              </p:par>
+                              <p:par>
+                                <p:cTn id="54" presetID="10" presetClass="entr" presetSubtype="0" fill="hold" nodeType="withEffect">
+                                  <p:stCondLst>
+                                    <p:cond delay="0"/>
+                                  </p:stCondLst>
+                                  <p:childTnLst>
+                                    <p:set>
+                                      <p:cBhvr>
+                                        <p:cTn id="55" dur="1" fill="hold">
+                                          <p:stCondLst>
+                                            <p:cond delay="0"/>
+                                          </p:stCondLst>
+                                        </p:cTn>
+                                        <p:tgtEl>
+                                          <p:spTgt spid="22"/>
+                                        </p:tgtEl>
+                                        <p:attrNameLst>
+                                          <p:attrName>style.visibility</p:attrName>
+                                        </p:attrNameLst>
+                                      </p:cBhvr>
+                                      <p:to>
+                                        <p:strVal val="visible"/>
+                                      </p:to>
+                                    </p:set>
+                                    <p:animEffect transition="in" filter="fade">
+                                      <p:cBhvr>
+                                        <p:cTn id="56" dur="500"/>
+                                        <p:tgtEl>
+                                          <p:spTgt spid="22"/>
+                                        </p:tgtEl>
+                                      </p:cBhvr>
+                                    </p:animEffect>
+                                  </p:childTnLst>
+                                </p:cTn>
+                              </p:par>
+                            </p:childTnLst>
+                          </p:cTn>
+                        </p:par>
+                      </p:childTnLst>
+                    </p:cTn>
+                  </p:par>
+                  <p:par>
+                    <p:cTn id="57" fill="hold">
+                      <p:stCondLst>
+                        <p:cond delay="indefinite"/>
+                      </p:stCondLst>
+                      <p:childTnLst>
+                        <p:par>
+                          <p:cTn id="58" fill="hold">
+                            <p:stCondLst>
+                              <p:cond delay="0"/>
+                            </p:stCondLst>
+                            <p:childTnLst>
+                              <p:par>
+                                <p:cTn id="59" presetID="10" presetClass="entr" presetSubtype="0" fill="hold" grpId="0" nodeType="clickEffect">
+                                  <p:stCondLst>
+                                    <p:cond delay="0"/>
+                                  </p:stCondLst>
+                                  <p:childTnLst>
+                                    <p:set>
+                                      <p:cBhvr>
+                                        <p:cTn id="60" dur="1" fill="hold">
+                                          <p:stCondLst>
+                                            <p:cond delay="0"/>
+                                          </p:stCondLst>
+                                        </p:cTn>
+                                        <p:tgtEl>
+                                          <p:spTgt spid="16"/>
+                                        </p:tgtEl>
+                                        <p:attrNameLst>
+                                          <p:attrName>style.visibility</p:attrName>
+                                        </p:attrNameLst>
+                                      </p:cBhvr>
+                                      <p:to>
+                                        <p:strVal val="visible"/>
+                                      </p:to>
+                                    </p:set>
+                                    <p:animEffect transition="in" filter="fade">
+                                      <p:cBhvr>
+                                        <p:cTn id="61" dur="500"/>
+                                        <p:tgtEl>
+                                          <p:spTgt spid="16"/>
+                                        </p:tgtEl>
+                                      </p:cBhvr>
+                                    </p:animEffect>
+                                  </p:childTnLst>
+                                </p:cTn>
+                              </p:par>
+                              <p:par>
+                                <p:cTn id="62" presetID="10" presetClass="entr" presetSubtype="0" fill="hold" grpId="0" nodeType="withEffect">
+                                  <p:stCondLst>
+                                    <p:cond delay="0"/>
+                                  </p:stCondLst>
+                                  <p:childTnLst>
+                                    <p:set>
+                                      <p:cBhvr>
+                                        <p:cTn id="63" dur="1" fill="hold">
+                                          <p:stCondLst>
+                                            <p:cond delay="0"/>
+                                          </p:stCondLst>
+                                        </p:cTn>
+                                        <p:tgtEl>
+                                          <p:spTgt spid="15"/>
+                                        </p:tgtEl>
+                                        <p:attrNameLst>
+                                          <p:attrName>style.visibility</p:attrName>
+                                        </p:attrNameLst>
+                                      </p:cBhvr>
+                                      <p:to>
+                                        <p:strVal val="visible"/>
+                                      </p:to>
+                                    </p:set>
+                                    <p:animEffect transition="in" filter="fade">
+                                      <p:cBhvr>
+                                        <p:cTn id="64" dur="500"/>
+                                        <p:tgtEl>
+                                          <p:spTgt spid="15"/>
+                                        </p:tgtEl>
+                                      </p:cBhvr>
+                                    </p:animEffect>
+                                  </p:childTnLst>
+                                </p:cTn>
+                              </p:par>
+                              <p:par>
+                                <p:cTn id="65" presetID="10" presetClass="entr" presetSubtype="0" fill="hold" nodeType="withEffect">
+                                  <p:stCondLst>
+                                    <p:cond delay="0"/>
+                                  </p:stCondLst>
+                                  <p:childTnLst>
+                                    <p:set>
+                                      <p:cBhvr>
+                                        <p:cTn id="66" dur="1" fill="hold">
+                                          <p:stCondLst>
+                                            <p:cond delay="0"/>
+                                          </p:stCondLst>
+                                        </p:cTn>
+                                        <p:tgtEl>
+                                          <p:spTgt spid="44"/>
+                                        </p:tgtEl>
+                                        <p:attrNameLst>
+                                          <p:attrName>style.visibility</p:attrName>
+                                        </p:attrNameLst>
+                                      </p:cBhvr>
+                                      <p:to>
+                                        <p:strVal val="visible"/>
+                                      </p:to>
+                                    </p:set>
+                                    <p:animEffect transition="in" filter="fade">
+                                      <p:cBhvr>
+                                        <p:cTn id="67" dur="500"/>
+                                        <p:tgtEl>
+                                          <p:spTgt spid="44"/>
+                                        </p:tgtEl>
+                                      </p:cBhvr>
+                                    </p:animEffect>
+                                  </p:childTnLst>
+                                </p:cTn>
+                              </p:par>
+                            </p:childTnLst>
+                          </p:cTn>
+                        </p:par>
+                      </p:childTnLst>
+                    </p:cTn>
+                  </p:par>
+                  <p:par>
+                    <p:cTn id="68" fill="hold">
+                      <p:stCondLst>
+                        <p:cond delay="indefinite"/>
+                      </p:stCondLst>
+                      <p:childTnLst>
+                        <p:par>
+                          <p:cTn id="69" fill="hold">
+                            <p:stCondLst>
+                              <p:cond delay="0"/>
+                            </p:stCondLst>
+                            <p:childTnLst>
+                              <p:par>
+                                <p:cTn id="70" presetID="10" presetClass="entr" presetSubtype="0" fill="hold" grpId="0" nodeType="clickEffect">
+                                  <p:stCondLst>
+                                    <p:cond delay="0"/>
+                                  </p:stCondLst>
+                                  <p:childTnLst>
+                                    <p:set>
+                                      <p:cBhvr>
+                                        <p:cTn id="71" dur="1" fill="hold">
+                                          <p:stCondLst>
+                                            <p:cond delay="0"/>
+                                          </p:stCondLst>
+                                        </p:cTn>
+                                        <p:tgtEl>
+                                          <p:spTgt spid="34"/>
+                                        </p:tgtEl>
+                                        <p:attrNameLst>
+                                          <p:attrName>style.visibility</p:attrName>
+                                        </p:attrNameLst>
+                                      </p:cBhvr>
+                                      <p:to>
+                                        <p:strVal val="visible"/>
+                                      </p:to>
+                                    </p:set>
+                                    <p:animEffect transition="in" filter="fade">
+                                      <p:cBhvr>
+                                        <p:cTn id="72" dur="500"/>
+                                        <p:tgtEl>
+                                          <p:spTgt spid="34"/>
+                                        </p:tgtEl>
+                                      </p:cBhvr>
+                                    </p:animEffect>
+                                  </p:childTnLst>
+                                </p:cTn>
+                              </p:par>
+                              <p:par>
+                                <p:cTn id="73" presetID="10" presetClass="entr" presetSubtype="0" fill="hold" grpId="0" nodeType="withEffect">
+                                  <p:stCondLst>
+                                    <p:cond delay="0"/>
+                                  </p:stCondLst>
+                                  <p:childTnLst>
+                                    <p:set>
+                                      <p:cBhvr>
+                                        <p:cTn id="74" dur="1" fill="hold">
+                                          <p:stCondLst>
+                                            <p:cond delay="0"/>
+                                          </p:stCondLst>
+                                        </p:cTn>
+                                        <p:tgtEl>
+                                          <p:spTgt spid="33"/>
+                                        </p:tgtEl>
+                                        <p:attrNameLst>
+                                          <p:attrName>style.visibility</p:attrName>
+                                        </p:attrNameLst>
+                                      </p:cBhvr>
+                                      <p:to>
+                                        <p:strVal val="visible"/>
+                                      </p:to>
+                                    </p:set>
+                                    <p:animEffect transition="in" filter="fade">
+                                      <p:cBhvr>
+                                        <p:cTn id="75" dur="500"/>
+                                        <p:tgtEl>
+                                          <p:spTgt spid="33"/>
+                                        </p:tgtEl>
+                                      </p:cBhvr>
+                                    </p:animEffect>
+                                  </p:childTnLst>
+                                </p:cTn>
+                              </p:par>
+                              <p:par>
+                                <p:cTn id="76" presetID="10" presetClass="entr" presetSubtype="0" fill="hold" nodeType="withEffect">
+                                  <p:stCondLst>
+                                    <p:cond delay="0"/>
+                                  </p:stCondLst>
+                                  <p:childTnLst>
+                                    <p:set>
+                                      <p:cBhvr>
+                                        <p:cTn id="77" dur="1" fill="hold">
+                                          <p:stCondLst>
+                                            <p:cond delay="0"/>
+                                          </p:stCondLst>
+                                        </p:cTn>
+                                        <p:tgtEl>
+                                          <p:spTgt spid="47"/>
+                                        </p:tgtEl>
+                                        <p:attrNameLst>
+                                          <p:attrName>style.visibility</p:attrName>
+                                        </p:attrNameLst>
+                                      </p:cBhvr>
+                                      <p:to>
+                                        <p:strVal val="visible"/>
+                                      </p:to>
+                                    </p:set>
+                                    <p:animEffect transition="in" filter="fade">
+                                      <p:cBhvr>
+                                        <p:cTn id="78" dur="500"/>
+                                        <p:tgtEl>
+                                          <p:spTgt spid="47"/>
+                                        </p:tgtEl>
+                                      </p:cBhvr>
+                                    </p:animEffect>
+                                  </p:childTnLst>
+                                </p:cTn>
+                              </p:par>
+                            </p:childTnLst>
+                          </p:cTn>
+                        </p:par>
+                      </p:childTnLst>
+                    </p:cTn>
+                  </p:par>
+                  <p:par>
+                    <p:cTn id="79" fill="hold">
+                      <p:stCondLst>
+                        <p:cond delay="indefinite"/>
+                      </p:stCondLst>
+                      <p:childTnLst>
+                        <p:par>
+                          <p:cTn id="80" fill="hold">
+                            <p:stCondLst>
+                              <p:cond delay="0"/>
+                            </p:stCondLst>
+                            <p:childTnLst>
+                              <p:par>
+                                <p:cTn id="81" presetID="10" presetClass="entr" presetSubtype="0" fill="hold" grpId="0" nodeType="clickEffect">
+                                  <p:stCondLst>
+                                    <p:cond delay="0"/>
+                                  </p:stCondLst>
+                                  <p:childTnLst>
+                                    <p:set>
+                                      <p:cBhvr>
+                                        <p:cTn id="82" dur="1" fill="hold">
+                                          <p:stCondLst>
+                                            <p:cond delay="0"/>
+                                          </p:stCondLst>
+                                        </p:cTn>
+                                        <p:tgtEl>
+                                          <p:spTgt spid="35"/>
+                                        </p:tgtEl>
+                                        <p:attrNameLst>
+                                          <p:attrName>style.visibility</p:attrName>
+                                        </p:attrNameLst>
+                                      </p:cBhvr>
+                                      <p:to>
+                                        <p:strVal val="visible"/>
+                                      </p:to>
+                                    </p:set>
+                                    <p:animEffect transition="in" filter="fade">
+                                      <p:cBhvr>
+                                        <p:cTn id="83" dur="500"/>
+                                        <p:tgtEl>
+                                          <p:spTgt spid="35"/>
+                                        </p:tgtEl>
+                                      </p:cBhvr>
+                                    </p:animEffect>
+                                  </p:childTnLst>
+                                </p:cTn>
+                              </p:par>
+                              <p:par>
+                                <p:cTn id="84" presetID="10" presetClass="entr" presetSubtype="0" fill="hold" grpId="0" nodeType="withEffect">
+                                  <p:stCondLst>
+                                    <p:cond delay="0"/>
+                                  </p:stCondLst>
+                                  <p:childTnLst>
+                                    <p:set>
+                                      <p:cBhvr>
+                                        <p:cTn id="85" dur="1" fill="hold">
+                                          <p:stCondLst>
+                                            <p:cond delay="0"/>
+                                          </p:stCondLst>
+                                        </p:cTn>
+                                        <p:tgtEl>
+                                          <p:spTgt spid="36"/>
+                                        </p:tgtEl>
+                                        <p:attrNameLst>
+                                          <p:attrName>style.visibility</p:attrName>
+                                        </p:attrNameLst>
+                                      </p:cBhvr>
+                                      <p:to>
+                                        <p:strVal val="visible"/>
+                                      </p:to>
+                                    </p:set>
+                                    <p:animEffect transition="in" filter="fade">
+                                      <p:cBhvr>
+                                        <p:cTn id="86" dur="500"/>
+                                        <p:tgtEl>
+                                          <p:spTgt spid="36"/>
+                                        </p:tgtEl>
+                                      </p:cBhvr>
+                                    </p:animEffect>
+                                  </p:childTnLst>
+                                </p:cTn>
+                              </p:par>
+                              <p:par>
+                                <p:cTn id="87" presetID="10" presetClass="entr" presetSubtype="0" fill="hold" nodeType="withEffect">
+                                  <p:stCondLst>
+                                    <p:cond delay="0"/>
+                                  </p:stCondLst>
+                                  <p:childTnLst>
+                                    <p:set>
+                                      <p:cBhvr>
+                                        <p:cTn id="88" dur="1" fill="hold">
+                                          <p:stCondLst>
+                                            <p:cond delay="0"/>
+                                          </p:stCondLst>
+                                        </p:cTn>
+                                        <p:tgtEl>
+                                          <p:spTgt spid="49"/>
+                                        </p:tgtEl>
+                                        <p:attrNameLst>
+                                          <p:attrName>style.visibility</p:attrName>
+                                        </p:attrNameLst>
+                                      </p:cBhvr>
+                                      <p:to>
+                                        <p:strVal val="visible"/>
+                                      </p:to>
+                                    </p:set>
+                                    <p:animEffect transition="in" filter="fade">
+                                      <p:cBhvr>
+                                        <p:cTn id="89" dur="500"/>
+                                        <p:tgtEl>
+                                          <p:spTgt spid="49"/>
+                                        </p:tgtEl>
+                                      </p:cBhvr>
+                                    </p:animEffect>
+                                  </p:childTnLst>
+                                </p:cTn>
+                              </p:par>
+                            </p:childTnLst>
+                          </p:cTn>
+                        </p:par>
+                      </p:childTnLst>
+                    </p:cTn>
+                  </p:par>
+                  <p:par>
+                    <p:cTn id="90" fill="hold">
+                      <p:stCondLst>
+                        <p:cond delay="indefinite"/>
+                      </p:stCondLst>
+                      <p:childTnLst>
+                        <p:par>
+                          <p:cTn id="91" fill="hold">
+                            <p:stCondLst>
+                              <p:cond delay="0"/>
+                            </p:stCondLst>
+                            <p:childTnLst>
+                              <p:par>
+                                <p:cTn id="92" presetID="10" presetClass="entr" presetSubtype="0" fill="hold" grpId="0" nodeType="clickEffect">
+                                  <p:stCondLst>
+                                    <p:cond delay="0"/>
+                                  </p:stCondLst>
+                                  <p:childTnLst>
+                                    <p:set>
+                                      <p:cBhvr>
+                                        <p:cTn id="93" dur="1" fill="hold">
+                                          <p:stCondLst>
+                                            <p:cond delay="0"/>
+                                          </p:stCondLst>
+                                        </p:cTn>
+                                        <p:tgtEl>
+                                          <p:spTgt spid="38"/>
+                                        </p:tgtEl>
+                                        <p:attrNameLst>
+                                          <p:attrName>style.visibility</p:attrName>
+                                        </p:attrNameLst>
+                                      </p:cBhvr>
+                                      <p:to>
+                                        <p:strVal val="visible"/>
+                                      </p:to>
+                                    </p:set>
+                                    <p:animEffect transition="in" filter="fade">
+                                      <p:cBhvr>
+                                        <p:cTn id="94" dur="500"/>
+                                        <p:tgtEl>
+                                          <p:spTgt spid="38"/>
+                                        </p:tgtEl>
+                                      </p:cBhvr>
+                                    </p:animEffect>
+                                  </p:childTnLst>
+                                </p:cTn>
+                              </p:par>
+                              <p:par>
+                                <p:cTn id="95" presetID="10" presetClass="entr" presetSubtype="0" fill="hold" grpId="0" nodeType="withEffect">
+                                  <p:stCondLst>
+                                    <p:cond delay="0"/>
+                                  </p:stCondLst>
+                                  <p:childTnLst>
+                                    <p:set>
+                                      <p:cBhvr>
+                                        <p:cTn id="96" dur="1" fill="hold">
+                                          <p:stCondLst>
+                                            <p:cond delay="0"/>
+                                          </p:stCondLst>
+                                        </p:cTn>
+                                        <p:tgtEl>
+                                          <p:spTgt spid="37"/>
+                                        </p:tgtEl>
+                                        <p:attrNameLst>
+                                          <p:attrName>style.visibility</p:attrName>
+                                        </p:attrNameLst>
+                                      </p:cBhvr>
+                                      <p:to>
+                                        <p:strVal val="visible"/>
+                                      </p:to>
+                                    </p:set>
+                                    <p:animEffect transition="in" filter="fade">
+                                      <p:cBhvr>
+                                        <p:cTn id="97" dur="500"/>
+                                        <p:tgtEl>
+                                          <p:spTgt spid="37"/>
+                                        </p:tgtEl>
+                                      </p:cBhvr>
+                                    </p:animEffect>
+                                  </p:childTnLst>
+                                </p:cTn>
+                              </p:par>
+                              <p:par>
+                                <p:cTn id="98" presetID="10" presetClass="entr" presetSubtype="0" fill="hold" nodeType="withEffect">
+                                  <p:stCondLst>
+                                    <p:cond delay="0"/>
+                                  </p:stCondLst>
+                                  <p:childTnLst>
+                                    <p:set>
+                                      <p:cBhvr>
+                                        <p:cTn id="99" dur="1" fill="hold">
+                                          <p:stCondLst>
+                                            <p:cond delay="0"/>
+                                          </p:stCondLst>
+                                        </p:cTn>
+                                        <p:tgtEl>
+                                          <p:spTgt spid="53"/>
+                                        </p:tgtEl>
+                                        <p:attrNameLst>
+                                          <p:attrName>style.visibility</p:attrName>
+                                        </p:attrNameLst>
+                                      </p:cBhvr>
+                                      <p:to>
+                                        <p:strVal val="visible"/>
+                                      </p:to>
+                                    </p:set>
+                                    <p:animEffect transition="in" filter="fade">
+                                      <p:cBhvr>
+                                        <p:cTn id="100" dur="500"/>
+                                        <p:tgtEl>
+                                          <p:spTgt spid="53"/>
+                                        </p:tgtEl>
+                                      </p:cBhvr>
+                                    </p:animEffect>
+                                  </p:childTnLst>
+                                </p:cTn>
+                              </p:par>
+                            </p:childTnLst>
+                          </p:cTn>
+                        </p:par>
+                      </p:childTnLst>
+                    </p:cTn>
+                  </p:par>
+                  <p:par>
+                    <p:cTn id="101" fill="hold">
+                      <p:stCondLst>
+                        <p:cond delay="indefinite"/>
+                      </p:stCondLst>
+                      <p:childTnLst>
+                        <p:par>
+                          <p:cTn id="102" fill="hold">
+                            <p:stCondLst>
+                              <p:cond delay="0"/>
+                            </p:stCondLst>
+                            <p:childTnLst>
+                              <p:par>
+                                <p:cTn id="103" presetID="10" presetClass="entr" presetSubtype="0" fill="hold" grpId="0" nodeType="clickEffect">
+                                  <p:stCondLst>
+                                    <p:cond delay="0"/>
+                                  </p:stCondLst>
+                                  <p:childTnLst>
+                                    <p:set>
+                                      <p:cBhvr>
+                                        <p:cTn id="104" dur="1" fill="hold">
+                                          <p:stCondLst>
+                                            <p:cond delay="0"/>
+                                          </p:stCondLst>
+                                        </p:cTn>
+                                        <p:tgtEl>
+                                          <p:spTgt spid="41"/>
+                                        </p:tgtEl>
+                                        <p:attrNameLst>
+                                          <p:attrName>style.visibility</p:attrName>
+                                        </p:attrNameLst>
+                                      </p:cBhvr>
+                                      <p:to>
+                                        <p:strVal val="visible"/>
+                                      </p:to>
+                                    </p:set>
+                                    <p:animEffect transition="in" filter="fade">
+                                      <p:cBhvr>
+                                        <p:cTn id="105" dur="500"/>
+                                        <p:tgtEl>
+                                          <p:spTgt spid="41"/>
+                                        </p:tgtEl>
+                                      </p:cBhvr>
+                                    </p:animEffect>
+                                  </p:childTnLst>
+                                </p:cTn>
+                              </p:par>
+                              <p:par>
+                                <p:cTn id="106" presetID="10" presetClass="entr" presetSubtype="0" fill="hold" grpId="0" nodeType="withEffect">
+                                  <p:stCondLst>
+                                    <p:cond delay="0"/>
+                                  </p:stCondLst>
+                                  <p:childTnLst>
+                                    <p:set>
+                                      <p:cBhvr>
+                                        <p:cTn id="107" dur="1" fill="hold">
+                                          <p:stCondLst>
+                                            <p:cond delay="0"/>
+                                          </p:stCondLst>
+                                        </p:cTn>
+                                        <p:tgtEl>
+                                          <p:spTgt spid="39"/>
+                                        </p:tgtEl>
+                                        <p:attrNameLst>
+                                          <p:attrName>style.visibility</p:attrName>
+                                        </p:attrNameLst>
+                                      </p:cBhvr>
+                                      <p:to>
+                                        <p:strVal val="visible"/>
+                                      </p:to>
+                                    </p:set>
+                                    <p:animEffect transition="in" filter="fade">
+                                      <p:cBhvr>
+                                        <p:cTn id="108" dur="500"/>
+                                        <p:tgtEl>
+                                          <p:spTgt spid="39"/>
+                                        </p:tgtEl>
+                                      </p:cBhvr>
+                                    </p:animEffect>
+                                  </p:childTnLst>
+                                </p:cTn>
+                              </p:par>
+                              <p:par>
+                                <p:cTn id="109" presetID="10" presetClass="entr" presetSubtype="0" fill="hold" nodeType="withEffect">
+                                  <p:stCondLst>
+                                    <p:cond delay="0"/>
+                                  </p:stCondLst>
+                                  <p:childTnLst>
+                                    <p:set>
+                                      <p:cBhvr>
+                                        <p:cTn id="110" dur="1" fill="hold">
+                                          <p:stCondLst>
+                                            <p:cond delay="0"/>
+                                          </p:stCondLst>
+                                        </p:cTn>
+                                        <p:tgtEl>
+                                          <p:spTgt spid="58"/>
+                                        </p:tgtEl>
+                                        <p:attrNameLst>
+                                          <p:attrName>style.visibility</p:attrName>
+                                        </p:attrNameLst>
+                                      </p:cBhvr>
+                                      <p:to>
+                                        <p:strVal val="visible"/>
+                                      </p:to>
+                                    </p:set>
+                                    <p:animEffect transition="in" filter="fade">
+                                      <p:cBhvr>
+                                        <p:cTn id="111" dur="500"/>
+                                        <p:tgtEl>
+                                          <p:spTgt spid="58"/>
+                                        </p:tgtEl>
+                                      </p:cBhvr>
+                                    </p:animEffect>
+                                  </p:childTnLst>
+                                </p:cTn>
+                              </p:par>
+                            </p:childTnLst>
+                          </p:cTn>
+                        </p:par>
+                      </p:childTnLst>
+                    </p:cTn>
+                  </p:par>
+                </p:childTnLst>
+              </p:cTn>
+              <p:prevCondLst>
+                <p:cond evt="onPrev" delay="0">
+                  <p:tgtEl>
+                    <p:sldTgt/>
+                  </p:tgtEl>
+                </p:cond>
+              </p:prevCondLst>
+              <p:nextCondLst>
+                <p:cond evt="onNext" delay="0">
+                  <p:tgtEl>
+                    <p:sldTgt/>
+                  </p:tgtEl>
+                </p:cond>
+              </p:nextCondLst>
+            </p:seq>
+          </p:childTnLst>
+        </p:cTn>
+      </p:par>
+    </p:tnLst>
+    <p:bldLst>
+      <p:bldP spid="4" grpId="0" animBg="1"/>
+      <p:bldP spid="9" grpId="0"/>
+      <p:bldP spid="10" grpId="0" animBg="1"/>
+      <p:bldP spid="11" grpId="0"/>
+      <p:bldP spid="12" grpId="0" animBg="1"/>
+      <p:bldP spid="13" grpId="0"/>
+      <p:bldP spid="15" grpId="0" animBg="1"/>
+      <p:bldP spid="16" grpId="0"/>
+      <p:bldP spid="33" grpId="0" animBg="1"/>
+      <p:bldP spid="34" grpId="0"/>
+      <p:bldP spid="35" grpId="0" animBg="1"/>
+      <p:bldP spid="36" grpId="0"/>
+      <p:bldP spid="37" grpId="0" animBg="1"/>
+      <p:bldP spid="38" grpId="0"/>
+      <p:bldP spid="39" grpId="0" animBg="1"/>
+      <p:bldP spid="41" grpId="0"/>
+    </p:bldLst>
+  </p:timing>
 </p:sld>
 </file>
 
@@ -8559,7 +10919,7 @@
         </p:nvSpPr>
         <p:spPr>
           <a:xfrm>
-            <a:off x="838200" y="365125"/>
+            <a:off x="718765" y="269173"/>
             <a:ext cx="10515600" cy="898067"/>
           </a:xfrm>
           <a:prstGeom prst="rect">
@@ -8590,7 +10950,7 @@
           <a:p>
             <a:pPr algn="ctr"/>
             <a:r>
-              <a:rPr lang="en-US" dirty="0"/>
+              <a:rPr lang="en-US" sz="4800" b="1" dirty="0"/>
               <a:t>MVC Architecture</a:t>
             </a:r>
           </a:p>
@@ -8610,7 +10970,7 @@
         </p:nvSpPr>
         <p:spPr>
           <a:xfrm>
-            <a:off x="3456014" y="1519485"/>
+            <a:off x="3110817" y="1532168"/>
             <a:ext cx="2865748" cy="1602556"/>
           </a:xfrm>
           <a:prstGeom prst="roundRect">
@@ -8710,7 +11070,7 @@
         </p:nvSpPr>
         <p:spPr>
           <a:xfrm>
-            <a:off x="6303392" y="4714982"/>
+            <a:off x="6096000" y="4685522"/>
             <a:ext cx="2865748" cy="1602556"/>
           </a:xfrm>
           <a:prstGeom prst="roundRect">
@@ -8762,9 +11122,9 @@
           <p:nvPr/>
         </p:nvCxnSpPr>
         <p:spPr>
-          <a:xfrm flipH="1">
-            <a:off x="4543691" y="3122041"/>
-            <a:ext cx="345197" cy="1563481"/>
+          <a:xfrm>
+            <a:off x="4543691" y="3134724"/>
+            <a:ext cx="0" cy="1550798"/>
           </a:xfrm>
           <a:prstGeom prst="line">
             <a:avLst/>
@@ -8812,8 +11172,8 @@
         </p:nvCxnSpPr>
         <p:spPr>
           <a:xfrm>
-            <a:off x="6321762" y="2320763"/>
-            <a:ext cx="1414504" cy="2394219"/>
+            <a:off x="5976565" y="2333446"/>
+            <a:ext cx="1552309" cy="2352076"/>
           </a:xfrm>
           <a:prstGeom prst="line">
             <a:avLst/>
@@ -8859,8 +11219,8 @@
         </p:nvCxnSpPr>
         <p:spPr>
           <a:xfrm flipH="1" flipV="1">
-            <a:off x="6383493" y="1965350"/>
-            <a:ext cx="2287075" cy="2679196"/>
+            <a:off x="5999093" y="1792941"/>
+            <a:ext cx="2508413" cy="2971347"/>
           </a:xfrm>
           <a:prstGeom prst="line">
             <a:avLst/>
@@ -8904,7 +11264,7 @@
         </p:nvSpPr>
         <p:spPr>
           <a:xfrm>
-            <a:off x="3758458" y="1890356"/>
+            <a:off x="3456013" y="1890356"/>
             <a:ext cx="2260860" cy="769441"/>
           </a:xfrm>
           <a:prstGeom prst="rect">
@@ -8942,7 +11302,7 @@
         </p:nvSpPr>
         <p:spPr>
           <a:xfrm>
-            <a:off x="3388877" y="5090036"/>
+            <a:off x="3357501" y="5047129"/>
             <a:ext cx="2260860" cy="769441"/>
           </a:xfrm>
           <a:prstGeom prst="rect">
@@ -8980,7 +11340,7 @@
         </p:nvSpPr>
         <p:spPr>
           <a:xfrm>
-            <a:off x="6552202" y="5102079"/>
+            <a:off x="6388475" y="5090036"/>
             <a:ext cx="2260860" cy="769441"/>
           </a:xfrm>
           <a:prstGeom prst="rect">
@@ -9018,8 +11378,8 @@
         </p:nvSpPr>
         <p:spPr>
           <a:xfrm>
-            <a:off x="902533" y="1242971"/>
-            <a:ext cx="2553481" cy="2031325"/>
+            <a:off x="-13503" y="970290"/>
+            <a:ext cx="3124320" cy="2308324"/>
           </a:xfrm>
           <a:prstGeom prst="rect">
             <a:avLst/>
@@ -9032,6 +11392,10 @@
           </a:bodyPr>
           <a:lstStyle/>
           <a:p>
+            <a:pPr marL="285750" indent="-285750">
+              <a:buFont typeface="Arial" panose="020B0604020202020204" pitchFamily="34" charset="0"/>
+              <a:buChar char="•"/>
+            </a:pPr>
             <a:r>
               <a:rPr lang="en-US" dirty="0"/>
               <a:t>Registers/recognizes events that occur via button/mouse click</a:t>
@@ -9041,6 +11405,10 @@
             <a:endParaRPr lang="en-US" dirty="0"/>
           </a:p>
           <a:p>
+            <a:pPr marL="285750" indent="-285750">
+              <a:buFont typeface="Arial" panose="020B0604020202020204" pitchFamily="34" charset="0"/>
+              <a:buChar char="•"/>
+            </a:pPr>
             <a:r>
               <a:rPr lang="en-US" dirty="0"/>
               <a:t>Passes information from the View that the Model needs to handle an event</a:t>
@@ -9062,7 +11430,7 @@
         </p:nvSpPr>
         <p:spPr>
           <a:xfrm>
-            <a:off x="122552" y="4429229"/>
+            <a:off x="152525" y="4320594"/>
             <a:ext cx="3344343" cy="2308324"/>
           </a:xfrm>
           <a:prstGeom prst="rect">
@@ -9076,42 +11444,62 @@
           </a:bodyPr>
           <a:lstStyle/>
           <a:p>
+            <a:endParaRPr lang="en-US" dirty="0"/>
+          </a:p>
+          <a:p>
+            <a:r>
+              <a:rPr lang="en-US" dirty="0"/>
+              <a:t>Performs the following:</a:t>
+            </a:r>
+          </a:p>
+          <a:p>
+            <a:pPr marL="285750" indent="-285750">
+              <a:buFont typeface="Arial" panose="020B0604020202020204" pitchFamily="34" charset="0"/>
+              <a:buChar char="•"/>
+            </a:pPr>
+            <a:r>
+              <a:rPr lang="en-US" dirty="0"/>
+              <a:t>Piece placement</a:t>
+            </a:r>
+          </a:p>
+          <a:p>
+            <a:pPr marL="285750" indent="-285750">
+              <a:buFont typeface="Arial" panose="020B0604020202020204" pitchFamily="34" charset="0"/>
+              <a:buChar char="•"/>
+            </a:pPr>
+            <a:r>
+              <a:rPr lang="en-US" dirty="0"/>
+              <a:t>Determining a winner</a:t>
+            </a:r>
+          </a:p>
+          <a:p>
+            <a:pPr marL="285750" indent="-285750">
+              <a:buFont typeface="Arial" panose="020B0604020202020204" pitchFamily="34" charset="0"/>
+              <a:buChar char="•"/>
+            </a:pPr>
+            <a:r>
+              <a:rPr lang="en-US" dirty="0"/>
+              <a:t>Game reset</a:t>
+            </a:r>
+          </a:p>
+          <a:p>
+            <a:pPr marL="285750" indent="-285750">
+              <a:buFont typeface="Arial" panose="020B0604020202020204" pitchFamily="34" charset="0"/>
+              <a:buChar char="•"/>
+            </a:pPr>
+            <a:r>
+              <a:rPr lang="en-US" dirty="0"/>
+              <a:t>Changing players</a:t>
+            </a:r>
+          </a:p>
+          <a:p>
+            <a:pPr marL="285750" indent="-285750">
+              <a:buFont typeface="Arial" panose="020B0604020202020204" pitchFamily="34" charset="0"/>
+              <a:buChar char="•"/>
+            </a:pPr>
             <a:r>
               <a:rPr lang="en-US" dirty="0"/>
               <a:t>Stores AI logic</a:t>
-            </a:r>
-          </a:p>
-          <a:p>
-            <a:endParaRPr lang="en-US" dirty="0"/>
-          </a:p>
-          <a:p>
-            <a:r>
-              <a:rPr lang="en-US" dirty="0"/>
-              <a:t>Handles following events:</a:t>
-            </a:r>
-          </a:p>
-          <a:p>
-            <a:r>
-              <a:rPr lang="en-US" dirty="0"/>
-              <a:t>    Piece placement</a:t>
-            </a:r>
-          </a:p>
-          <a:p>
-            <a:r>
-              <a:rPr lang="en-US" dirty="0"/>
-              <a:t>    Determining a winner</a:t>
-            </a:r>
-          </a:p>
-          <a:p>
-            <a:r>
-              <a:rPr lang="en-US" dirty="0"/>
-              <a:t>    Game reset</a:t>
-            </a:r>
-          </a:p>
-          <a:p>
-            <a:r>
-              <a:rPr lang="en-US" dirty="0"/>
-              <a:t>    Changing players</a:t>
             </a:r>
           </a:p>
           <a:p>
@@ -9133,8 +11521,8 @@
         </p:nvSpPr>
         <p:spPr>
           <a:xfrm>
-            <a:off x="9230871" y="3533009"/>
-            <a:ext cx="3071941" cy="2862322"/>
+            <a:off x="8984276" y="3708392"/>
+            <a:ext cx="3567047" cy="2862322"/>
           </a:xfrm>
           <a:prstGeom prst="rect">
             <a:avLst/>
@@ -9147,6 +11535,10 @@
           </a:bodyPr>
           <a:lstStyle/>
           <a:p>
+            <a:pPr marL="285750" indent="-285750">
+              <a:buFont typeface="Arial" panose="020B0604020202020204" pitchFamily="34" charset="0"/>
+              <a:buChar char="•"/>
+            </a:pPr>
             <a:r>
               <a:rPr lang="en-US" dirty="0"/>
               <a:t>Contains code for initial build of game screens</a:t>
@@ -9156,6 +11548,10 @@
             <a:endParaRPr lang="en-US" dirty="0"/>
           </a:p>
           <a:p>
+            <a:pPr marL="285750" indent="-285750">
+              <a:buFont typeface="Arial" panose="020B0604020202020204" pitchFamily="34" charset="0"/>
+              <a:buChar char="•"/>
+            </a:pPr>
             <a:r>
               <a:rPr lang="en-US" dirty="0"/>
               <a:t>Stores text label, display panel/frame and button objects</a:t>
@@ -9165,6 +11561,10 @@
             <a:endParaRPr lang="en-US" dirty="0"/>
           </a:p>
           <a:p>
+            <a:pPr marL="285750" indent="-285750">
+              <a:buFont typeface="Arial" panose="020B0604020202020204" pitchFamily="34" charset="0"/>
+              <a:buChar char="•"/>
+            </a:pPr>
             <a:r>
               <a:rPr lang="en-US" dirty="0"/>
               <a:t>UI updates handled by Model made visible via calls to paint() function</a:t>
@@ -9182,6 +11582,551 @@
   <p:clrMapOvr>
     <a:masterClrMapping/>
   </p:clrMapOvr>
+  <mc:AlternateContent xmlns:mc="http://schemas.openxmlformats.org/markup-compatibility/2006" xmlns:p159="http://schemas.microsoft.com/office/powerpoint/2015/09/main">
+    <mc:Choice Requires="p159">
+      <p:transition xmlns:p14="http://schemas.microsoft.com/office/powerpoint/2010/main" spd="slow" p14:dur="2000">
+        <p159:morph option="byObject"/>
+      </p:transition>
+    </mc:Choice>
+    <mc:Fallback xmlns="">
+      <p:transition spd="slow">
+        <p:fade/>
+      </p:transition>
+    </mc:Fallback>
+  </mc:AlternateContent>
+  <p:timing>
+    <p:tnLst>
+      <p:par>
+        <p:cTn id="1" dur="indefinite" restart="never" nodeType="tmRoot">
+          <p:childTnLst>
+            <p:seq concurrent="1" nextAc="seek">
+              <p:cTn id="2" dur="indefinite" nodeType="mainSeq">
+                <p:childTnLst>
+                  <p:par>
+                    <p:cTn id="3" fill="hold">
+                      <p:stCondLst>
+                        <p:cond delay="indefinite"/>
+                      </p:stCondLst>
+                      <p:childTnLst>
+                        <p:par>
+                          <p:cTn id="4" fill="hold">
+                            <p:stCondLst>
+                              <p:cond delay="0"/>
+                            </p:stCondLst>
+                            <p:childTnLst>
+                              <p:par>
+                                <p:cTn id="5" presetID="10" presetClass="entr" presetSubtype="0" fill="hold" grpId="0" nodeType="clickEffect">
+                                  <p:stCondLst>
+                                    <p:cond delay="0"/>
+                                  </p:stCondLst>
+                                  <p:childTnLst>
+                                    <p:set>
+                                      <p:cBhvr>
+                                        <p:cTn id="6" dur="1" fill="hold">
+                                          <p:stCondLst>
+                                            <p:cond delay="0"/>
+                                          </p:stCondLst>
+                                        </p:cTn>
+                                        <p:tgtEl>
+                                          <p:spTgt spid="3"/>
+                                        </p:tgtEl>
+                                        <p:attrNameLst>
+                                          <p:attrName>style.visibility</p:attrName>
+                                        </p:attrNameLst>
+                                      </p:cBhvr>
+                                      <p:to>
+                                        <p:strVal val="visible"/>
+                                      </p:to>
+                                    </p:set>
+                                    <p:animEffect transition="in" filter="fade">
+                                      <p:cBhvr>
+                                        <p:cTn id="7" dur="500"/>
+                                        <p:tgtEl>
+                                          <p:spTgt spid="3"/>
+                                        </p:tgtEl>
+                                      </p:cBhvr>
+                                    </p:animEffect>
+                                  </p:childTnLst>
+                                </p:cTn>
+                              </p:par>
+                              <p:par>
+                                <p:cTn id="8" presetID="10" presetClass="entr" presetSubtype="0" fill="hold" grpId="0" nodeType="withEffect">
+                                  <p:stCondLst>
+                                    <p:cond delay="0"/>
+                                  </p:stCondLst>
+                                  <p:childTnLst>
+                                    <p:set>
+                                      <p:cBhvr>
+                                        <p:cTn id="9" dur="1" fill="hold">
+                                          <p:stCondLst>
+                                            <p:cond delay="0"/>
+                                          </p:stCondLst>
+                                        </p:cTn>
+                                        <p:tgtEl>
+                                          <p:spTgt spid="4"/>
+                                        </p:tgtEl>
+                                        <p:attrNameLst>
+                                          <p:attrName>style.visibility</p:attrName>
+                                        </p:attrNameLst>
+                                      </p:cBhvr>
+                                      <p:to>
+                                        <p:strVal val="visible"/>
+                                      </p:to>
+                                    </p:set>
+                                    <p:animEffect transition="in" filter="fade">
+                                      <p:cBhvr>
+                                        <p:cTn id="10" dur="500"/>
+                                        <p:tgtEl>
+                                          <p:spTgt spid="4"/>
+                                        </p:tgtEl>
+                                      </p:cBhvr>
+                                    </p:animEffect>
+                                  </p:childTnLst>
+                                </p:cTn>
+                              </p:par>
+                              <p:par>
+                                <p:cTn id="11" presetID="10" presetClass="entr" presetSubtype="0" fill="hold" grpId="0" nodeType="withEffect">
+                                  <p:stCondLst>
+                                    <p:cond delay="0"/>
+                                  </p:stCondLst>
+                                  <p:childTnLst>
+                                    <p:set>
+                                      <p:cBhvr>
+                                        <p:cTn id="12" dur="1" fill="hold">
+                                          <p:stCondLst>
+                                            <p:cond delay="0"/>
+                                          </p:stCondLst>
+                                        </p:cTn>
+                                        <p:tgtEl>
+                                          <p:spTgt spid="5"/>
+                                        </p:tgtEl>
+                                        <p:attrNameLst>
+                                          <p:attrName>style.visibility</p:attrName>
+                                        </p:attrNameLst>
+                                      </p:cBhvr>
+                                      <p:to>
+                                        <p:strVal val="visible"/>
+                                      </p:to>
+                                    </p:set>
+                                    <p:animEffect transition="in" filter="fade">
+                                      <p:cBhvr>
+                                        <p:cTn id="13" dur="500"/>
+                                        <p:tgtEl>
+                                          <p:spTgt spid="5"/>
+                                        </p:tgtEl>
+                                      </p:cBhvr>
+                                    </p:animEffect>
+                                  </p:childTnLst>
+                                </p:cTn>
+                              </p:par>
+                              <p:par>
+                                <p:cTn id="14" presetID="10" presetClass="entr" presetSubtype="0" fill="hold" nodeType="withEffect">
+                                  <p:stCondLst>
+                                    <p:cond delay="0"/>
+                                  </p:stCondLst>
+                                  <p:childTnLst>
+                                    <p:set>
+                                      <p:cBhvr>
+                                        <p:cTn id="15" dur="1" fill="hold">
+                                          <p:stCondLst>
+                                            <p:cond delay="0"/>
+                                          </p:stCondLst>
+                                        </p:cTn>
+                                        <p:tgtEl>
+                                          <p:spTgt spid="7"/>
+                                        </p:tgtEl>
+                                        <p:attrNameLst>
+                                          <p:attrName>style.visibility</p:attrName>
+                                        </p:attrNameLst>
+                                      </p:cBhvr>
+                                      <p:to>
+                                        <p:strVal val="visible"/>
+                                      </p:to>
+                                    </p:set>
+                                    <p:animEffect transition="in" filter="fade">
+                                      <p:cBhvr>
+                                        <p:cTn id="16" dur="500"/>
+                                        <p:tgtEl>
+                                          <p:spTgt spid="7"/>
+                                        </p:tgtEl>
+                                      </p:cBhvr>
+                                    </p:animEffect>
+                                  </p:childTnLst>
+                                </p:cTn>
+                              </p:par>
+                              <p:par>
+                                <p:cTn id="17" presetID="10" presetClass="entr" presetSubtype="0" fill="hold" nodeType="withEffect">
+                                  <p:stCondLst>
+                                    <p:cond delay="0"/>
+                                  </p:stCondLst>
+                                  <p:childTnLst>
+                                    <p:set>
+                                      <p:cBhvr>
+                                        <p:cTn id="18" dur="1" fill="hold">
+                                          <p:stCondLst>
+                                            <p:cond delay="0"/>
+                                          </p:stCondLst>
+                                        </p:cTn>
+                                        <p:tgtEl>
+                                          <p:spTgt spid="8"/>
+                                        </p:tgtEl>
+                                        <p:attrNameLst>
+                                          <p:attrName>style.visibility</p:attrName>
+                                        </p:attrNameLst>
+                                      </p:cBhvr>
+                                      <p:to>
+                                        <p:strVal val="visible"/>
+                                      </p:to>
+                                    </p:set>
+                                    <p:animEffect transition="in" filter="fade">
+                                      <p:cBhvr>
+                                        <p:cTn id="19" dur="500"/>
+                                        <p:tgtEl>
+                                          <p:spTgt spid="8"/>
+                                        </p:tgtEl>
+                                      </p:cBhvr>
+                                    </p:animEffect>
+                                  </p:childTnLst>
+                                </p:cTn>
+                              </p:par>
+                              <p:par>
+                                <p:cTn id="20" presetID="10" presetClass="entr" presetSubtype="0" fill="hold" nodeType="withEffect">
+                                  <p:stCondLst>
+                                    <p:cond delay="0"/>
+                                  </p:stCondLst>
+                                  <p:childTnLst>
+                                    <p:set>
+                                      <p:cBhvr>
+                                        <p:cTn id="21" dur="1" fill="hold">
+                                          <p:stCondLst>
+                                            <p:cond delay="0"/>
+                                          </p:stCondLst>
+                                        </p:cTn>
+                                        <p:tgtEl>
+                                          <p:spTgt spid="11"/>
+                                        </p:tgtEl>
+                                        <p:attrNameLst>
+                                          <p:attrName>style.visibility</p:attrName>
+                                        </p:attrNameLst>
+                                      </p:cBhvr>
+                                      <p:to>
+                                        <p:strVal val="visible"/>
+                                      </p:to>
+                                    </p:set>
+                                    <p:animEffect transition="in" filter="fade">
+                                      <p:cBhvr>
+                                        <p:cTn id="22" dur="500"/>
+                                        <p:tgtEl>
+                                          <p:spTgt spid="11"/>
+                                        </p:tgtEl>
+                                      </p:cBhvr>
+                                    </p:animEffect>
+                                  </p:childTnLst>
+                                </p:cTn>
+                              </p:par>
+                              <p:par>
+                                <p:cTn id="23" presetID="10" presetClass="entr" presetSubtype="0" fill="hold" grpId="0" nodeType="withEffect">
+                                  <p:stCondLst>
+                                    <p:cond delay="0"/>
+                                  </p:stCondLst>
+                                  <p:childTnLst>
+                                    <p:set>
+                                      <p:cBhvr>
+                                        <p:cTn id="24" dur="1" fill="hold">
+                                          <p:stCondLst>
+                                            <p:cond delay="0"/>
+                                          </p:stCondLst>
+                                        </p:cTn>
+                                        <p:tgtEl>
+                                          <p:spTgt spid="14"/>
+                                        </p:tgtEl>
+                                        <p:attrNameLst>
+                                          <p:attrName>style.visibility</p:attrName>
+                                        </p:attrNameLst>
+                                      </p:cBhvr>
+                                      <p:to>
+                                        <p:strVal val="visible"/>
+                                      </p:to>
+                                    </p:set>
+                                    <p:animEffect transition="in" filter="fade">
+                                      <p:cBhvr>
+                                        <p:cTn id="25" dur="500"/>
+                                        <p:tgtEl>
+                                          <p:spTgt spid="14"/>
+                                        </p:tgtEl>
+                                      </p:cBhvr>
+                                    </p:animEffect>
+                                  </p:childTnLst>
+                                </p:cTn>
+                              </p:par>
+                              <p:par>
+                                <p:cTn id="26" presetID="10" presetClass="entr" presetSubtype="0" fill="hold" grpId="0" nodeType="withEffect">
+                                  <p:stCondLst>
+                                    <p:cond delay="0"/>
+                                  </p:stCondLst>
+                                  <p:childTnLst>
+                                    <p:set>
+                                      <p:cBhvr>
+                                        <p:cTn id="27" dur="1" fill="hold">
+                                          <p:stCondLst>
+                                            <p:cond delay="0"/>
+                                          </p:stCondLst>
+                                        </p:cTn>
+                                        <p:tgtEl>
+                                          <p:spTgt spid="15"/>
+                                        </p:tgtEl>
+                                        <p:attrNameLst>
+                                          <p:attrName>style.visibility</p:attrName>
+                                        </p:attrNameLst>
+                                      </p:cBhvr>
+                                      <p:to>
+                                        <p:strVal val="visible"/>
+                                      </p:to>
+                                    </p:set>
+                                    <p:animEffect transition="in" filter="fade">
+                                      <p:cBhvr>
+                                        <p:cTn id="28" dur="500"/>
+                                        <p:tgtEl>
+                                          <p:spTgt spid="15"/>
+                                        </p:tgtEl>
+                                      </p:cBhvr>
+                                    </p:animEffect>
+                                  </p:childTnLst>
+                                </p:cTn>
+                              </p:par>
+                              <p:par>
+                                <p:cTn id="29" presetID="10" presetClass="entr" presetSubtype="0" fill="hold" grpId="0" nodeType="withEffect">
+                                  <p:stCondLst>
+                                    <p:cond delay="0"/>
+                                  </p:stCondLst>
+                                  <p:childTnLst>
+                                    <p:set>
+                                      <p:cBhvr>
+                                        <p:cTn id="30" dur="1" fill="hold">
+                                          <p:stCondLst>
+                                            <p:cond delay="0"/>
+                                          </p:stCondLst>
+                                        </p:cTn>
+                                        <p:tgtEl>
+                                          <p:spTgt spid="16"/>
+                                        </p:tgtEl>
+                                        <p:attrNameLst>
+                                          <p:attrName>style.visibility</p:attrName>
+                                        </p:attrNameLst>
+                                      </p:cBhvr>
+                                      <p:to>
+                                        <p:strVal val="visible"/>
+                                      </p:to>
+                                    </p:set>
+                                    <p:animEffect transition="in" filter="fade">
+                                      <p:cBhvr>
+                                        <p:cTn id="31" dur="500"/>
+                                        <p:tgtEl>
+                                          <p:spTgt spid="16"/>
+                                        </p:tgtEl>
+                                      </p:cBhvr>
+                                    </p:animEffect>
+                                  </p:childTnLst>
+                                </p:cTn>
+                              </p:par>
+                            </p:childTnLst>
+                          </p:cTn>
+                        </p:par>
+                      </p:childTnLst>
+                    </p:cTn>
+                  </p:par>
+                  <p:par>
+                    <p:cTn id="32" fill="hold">
+                      <p:stCondLst>
+                        <p:cond delay="indefinite"/>
+                      </p:stCondLst>
+                      <p:childTnLst>
+                        <p:par>
+                          <p:cTn id="33" fill="hold">
+                            <p:stCondLst>
+                              <p:cond delay="0"/>
+                            </p:stCondLst>
+                            <p:childTnLst>
+                              <p:par>
+                                <p:cTn id="34" presetID="10" presetClass="entr" presetSubtype="0" fill="hold" grpId="0" nodeType="clickEffect">
+                                  <p:stCondLst>
+                                    <p:cond delay="0"/>
+                                  </p:stCondLst>
+                                  <p:childTnLst>
+                                    <p:set>
+                                      <p:cBhvr>
+                                        <p:cTn id="35" dur="1" fill="hold">
+                                          <p:stCondLst>
+                                            <p:cond delay="0"/>
+                                          </p:stCondLst>
+                                        </p:cTn>
+                                        <p:tgtEl>
+                                          <p:spTgt spid="17"/>
+                                        </p:tgtEl>
+                                        <p:attrNameLst>
+                                          <p:attrName>style.visibility</p:attrName>
+                                        </p:attrNameLst>
+                                      </p:cBhvr>
+                                      <p:to>
+                                        <p:strVal val="visible"/>
+                                      </p:to>
+                                    </p:set>
+                                    <p:animEffect transition="in" filter="fade">
+                                      <p:cBhvr>
+                                        <p:cTn id="36" dur="500"/>
+                                        <p:tgtEl>
+                                          <p:spTgt spid="17"/>
+                                        </p:tgtEl>
+                                      </p:cBhvr>
+                                    </p:animEffect>
+                                  </p:childTnLst>
+                                </p:cTn>
+                              </p:par>
+                            </p:childTnLst>
+                          </p:cTn>
+                        </p:par>
+                      </p:childTnLst>
+                    </p:cTn>
+                  </p:par>
+                  <p:par>
+                    <p:cTn id="37" fill="hold">
+                      <p:stCondLst>
+                        <p:cond delay="indefinite"/>
+                      </p:stCondLst>
+                      <p:childTnLst>
+                        <p:par>
+                          <p:cTn id="38" fill="hold">
+                            <p:stCondLst>
+                              <p:cond delay="0"/>
+                            </p:stCondLst>
+                            <p:childTnLst>
+                              <p:par>
+                                <p:cTn id="39" presetID="10" presetClass="entr" presetSubtype="0" fill="hold" grpId="0" nodeType="clickEffect">
+                                  <p:stCondLst>
+                                    <p:cond delay="0"/>
+                                  </p:stCondLst>
+                                  <p:childTnLst>
+                                    <p:set>
+                                      <p:cBhvr>
+                                        <p:cTn id="40" dur="1" fill="hold">
+                                          <p:stCondLst>
+                                            <p:cond delay="0"/>
+                                          </p:stCondLst>
+                                        </p:cTn>
+                                        <p:tgtEl>
+                                          <p:spTgt spid="18"/>
+                                        </p:tgtEl>
+                                        <p:attrNameLst>
+                                          <p:attrName>style.visibility</p:attrName>
+                                        </p:attrNameLst>
+                                      </p:cBhvr>
+                                      <p:to>
+                                        <p:strVal val="visible"/>
+                                      </p:to>
+                                    </p:set>
+                                    <p:animEffect transition="in" filter="fade">
+                                      <p:cBhvr>
+                                        <p:cTn id="41" dur="500"/>
+                                        <p:tgtEl>
+                                          <p:spTgt spid="18"/>
+                                        </p:tgtEl>
+                                      </p:cBhvr>
+                                    </p:animEffect>
+                                  </p:childTnLst>
+                                </p:cTn>
+                              </p:par>
+                            </p:childTnLst>
+                          </p:cTn>
+                        </p:par>
+                      </p:childTnLst>
+                    </p:cTn>
+                  </p:par>
+                  <p:par>
+                    <p:cTn id="42" fill="hold">
+                      <p:stCondLst>
+                        <p:cond delay="indefinite"/>
+                      </p:stCondLst>
+                      <p:childTnLst>
+                        <p:par>
+                          <p:cTn id="43" fill="hold">
+                            <p:stCondLst>
+                              <p:cond delay="0"/>
+                            </p:stCondLst>
+                            <p:childTnLst>
+                              <p:par>
+                                <p:cTn id="44" presetID="10" presetClass="entr" presetSubtype="0" fill="hold" grpId="0" nodeType="clickEffect">
+                                  <p:stCondLst>
+                                    <p:cond delay="0"/>
+                                  </p:stCondLst>
+                                  <p:childTnLst>
+                                    <p:set>
+                                      <p:cBhvr>
+                                        <p:cTn id="45" dur="1" fill="hold">
+                                          <p:stCondLst>
+                                            <p:cond delay="0"/>
+                                          </p:stCondLst>
+                                        </p:cTn>
+                                        <p:tgtEl>
+                                          <p:spTgt spid="19"/>
+                                        </p:tgtEl>
+                                        <p:attrNameLst>
+                                          <p:attrName>style.visibility</p:attrName>
+                                        </p:attrNameLst>
+                                      </p:cBhvr>
+                                      <p:to>
+                                        <p:strVal val="visible"/>
+                                      </p:to>
+                                    </p:set>
+                                    <p:animEffect transition="in" filter="fade">
+                                      <p:cBhvr>
+                                        <p:cTn id="46" dur="500"/>
+                                        <p:tgtEl>
+                                          <p:spTgt spid="19"/>
+                                        </p:tgtEl>
+                                      </p:cBhvr>
+                                    </p:animEffect>
+                                  </p:childTnLst>
+                                </p:cTn>
+                              </p:par>
+                            </p:childTnLst>
+                          </p:cTn>
+                        </p:par>
+                      </p:childTnLst>
+                    </p:cTn>
+                  </p:par>
+                </p:childTnLst>
+              </p:cTn>
+              <p:prevCondLst>
+                <p:cond evt="onPrev" delay="0">
+                  <p:tgtEl>
+                    <p:sldTgt/>
+                  </p:tgtEl>
+                </p:cond>
+              </p:prevCondLst>
+              <p:nextCondLst>
+                <p:cond evt="onNext" delay="0">
+                  <p:tgtEl>
+                    <p:sldTgt/>
+                  </p:tgtEl>
+                </p:cond>
+              </p:nextCondLst>
+            </p:seq>
+          </p:childTnLst>
+        </p:cTn>
+      </p:par>
+    </p:tnLst>
+    <p:bldLst>
+      <p:bldP spid="3" grpId="0" animBg="1"/>
+      <p:bldP spid="4" grpId="0" animBg="1"/>
+      <p:bldP spid="5" grpId="0" animBg="1"/>
+      <p:bldP spid="14" grpId="0"/>
+      <p:bldP spid="15" grpId="0"/>
+      <p:bldP spid="16" grpId="0"/>
+      <p:bldP spid="17" grpId="0"/>
+      <p:bldP spid="18" grpId="0"/>
+      <p:bldP spid="19" grpId="0"/>
+    </p:bldLst>
+  </p:timing>
 </p:sld>
 </file>
 
@@ -9995,7 +12940,7 @@
         </p:nvSpPr>
         <p:spPr>
           <a:xfrm>
-            <a:off x="838200" y="365125"/>
+            <a:off x="838200" y="560122"/>
             <a:ext cx="10515600" cy="1325563"/>
           </a:xfrm>
           <a:prstGeom prst="rect">
@@ -10026,7 +12971,7 @@
           <a:p>
             <a:pPr algn="ctr"/>
             <a:r>
-              <a:rPr lang="en-US" sz="5400" dirty="0"/>
+              <a:rPr lang="en-US" sz="4800" b="1" dirty="0"/>
               <a:t>Version Development</a:t>
             </a:r>
           </a:p>
@@ -10042,6 +12987,965 @@
   <p:clrMapOvr>
     <a:masterClrMapping/>
   </p:clrMapOvr>
+  <mc:AlternateContent xmlns:mc="http://schemas.openxmlformats.org/markup-compatibility/2006" xmlns:p159="http://schemas.microsoft.com/office/powerpoint/2015/09/main">
+    <mc:Choice Requires="p159">
+      <p:transition xmlns:p14="http://schemas.microsoft.com/office/powerpoint/2010/main" spd="slow" p14:dur="2000">
+        <p159:morph option="byObject"/>
+      </p:transition>
+    </mc:Choice>
+    <mc:Fallback xmlns="">
+      <p:transition spd="slow">
+        <p:fade/>
+      </p:transition>
+    </mc:Fallback>
+  </mc:AlternateContent>
+  <p:timing>
+    <p:tnLst>
+      <p:par>
+        <p:cTn id="1" dur="indefinite" restart="never" nodeType="tmRoot">
+          <p:childTnLst>
+            <p:seq concurrent="1" nextAc="seek">
+              <p:cTn id="2" dur="indefinite" nodeType="mainSeq">
+                <p:childTnLst>
+                  <p:par>
+                    <p:cTn id="3" fill="hold">
+                      <p:stCondLst>
+                        <p:cond delay="indefinite"/>
+                      </p:stCondLst>
+                      <p:childTnLst>
+                        <p:par>
+                          <p:cTn id="4" fill="hold">
+                            <p:stCondLst>
+                              <p:cond delay="0"/>
+                            </p:stCondLst>
+                            <p:childTnLst>
+                              <p:par>
+                                <p:cTn id="5" presetID="10" presetClass="entr" presetSubtype="0" fill="hold" grpId="0" nodeType="clickEffect">
+                                  <p:stCondLst>
+                                    <p:cond delay="0"/>
+                                  </p:stCondLst>
+                                  <p:childTnLst>
+                                    <p:set>
+                                      <p:cBhvr>
+                                        <p:cTn id="6" dur="1" fill="hold">
+                                          <p:stCondLst>
+                                            <p:cond delay="0"/>
+                                          </p:stCondLst>
+                                        </p:cTn>
+                                        <p:tgtEl>
+                                          <p:spTgt spid="2"/>
+                                        </p:tgtEl>
+                                        <p:attrNameLst>
+                                          <p:attrName>style.visibility</p:attrName>
+                                        </p:attrNameLst>
+                                      </p:cBhvr>
+                                      <p:to>
+                                        <p:strVal val="visible"/>
+                                      </p:to>
+                                    </p:set>
+                                    <p:animEffect transition="in" filter="fade">
+                                      <p:cBhvr>
+                                        <p:cTn id="7" dur="500"/>
+                                        <p:tgtEl>
+                                          <p:spTgt spid="2"/>
+                                        </p:tgtEl>
+                                      </p:cBhvr>
+                                    </p:animEffect>
+                                  </p:childTnLst>
+                                </p:cTn>
+                              </p:par>
+                              <p:par>
+                                <p:cTn id="8" presetID="10" presetClass="entr" presetSubtype="0" fill="hold" nodeType="withEffect">
+                                  <p:stCondLst>
+                                    <p:cond delay="0"/>
+                                  </p:stCondLst>
+                                  <p:childTnLst>
+                                    <p:set>
+                                      <p:cBhvr>
+                                        <p:cTn id="9" dur="1" fill="hold">
+                                          <p:stCondLst>
+                                            <p:cond delay="0"/>
+                                          </p:stCondLst>
+                                        </p:cTn>
+                                        <p:tgtEl>
+                                          <p:spTgt spid="4"/>
+                                        </p:tgtEl>
+                                        <p:attrNameLst>
+                                          <p:attrName>style.visibility</p:attrName>
+                                        </p:attrNameLst>
+                                      </p:cBhvr>
+                                      <p:to>
+                                        <p:strVal val="visible"/>
+                                      </p:to>
+                                    </p:set>
+                                    <p:animEffect transition="in" filter="fade">
+                                      <p:cBhvr>
+                                        <p:cTn id="10" dur="500"/>
+                                        <p:tgtEl>
+                                          <p:spTgt spid="4"/>
+                                        </p:tgtEl>
+                                      </p:cBhvr>
+                                    </p:animEffect>
+                                  </p:childTnLst>
+                                </p:cTn>
+                              </p:par>
+                              <p:par>
+                                <p:cTn id="11" presetID="10" presetClass="entr" presetSubtype="0" fill="hold" grpId="0" nodeType="withEffect">
+                                  <p:stCondLst>
+                                    <p:cond delay="0"/>
+                                  </p:stCondLst>
+                                  <p:childTnLst>
+                                    <p:set>
+                                      <p:cBhvr>
+                                        <p:cTn id="12" dur="1" fill="hold">
+                                          <p:stCondLst>
+                                            <p:cond delay="0"/>
+                                          </p:stCondLst>
+                                        </p:cTn>
+                                        <p:tgtEl>
+                                          <p:spTgt spid="5"/>
+                                        </p:tgtEl>
+                                        <p:attrNameLst>
+                                          <p:attrName>style.visibility</p:attrName>
+                                        </p:attrNameLst>
+                                      </p:cBhvr>
+                                      <p:to>
+                                        <p:strVal val="visible"/>
+                                      </p:to>
+                                    </p:set>
+                                    <p:animEffect transition="in" filter="fade">
+                                      <p:cBhvr>
+                                        <p:cTn id="13" dur="500"/>
+                                        <p:tgtEl>
+                                          <p:spTgt spid="5"/>
+                                        </p:tgtEl>
+                                      </p:cBhvr>
+                                    </p:animEffect>
+                                  </p:childTnLst>
+                                </p:cTn>
+                              </p:par>
+                              <p:par>
+                                <p:cTn id="14" presetID="10" presetClass="entr" presetSubtype="0" fill="hold" grpId="0" nodeType="withEffect">
+                                  <p:stCondLst>
+                                    <p:cond delay="0"/>
+                                  </p:stCondLst>
+                                  <p:childTnLst>
+                                    <p:set>
+                                      <p:cBhvr>
+                                        <p:cTn id="15" dur="1" fill="hold">
+                                          <p:stCondLst>
+                                            <p:cond delay="0"/>
+                                          </p:stCondLst>
+                                        </p:cTn>
+                                        <p:tgtEl>
+                                          <p:spTgt spid="7"/>
+                                        </p:tgtEl>
+                                        <p:attrNameLst>
+                                          <p:attrName>style.visibility</p:attrName>
+                                        </p:attrNameLst>
+                                      </p:cBhvr>
+                                      <p:to>
+                                        <p:strVal val="visible"/>
+                                      </p:to>
+                                    </p:set>
+                                    <p:animEffect transition="in" filter="fade">
+                                      <p:cBhvr>
+                                        <p:cTn id="16" dur="500"/>
+                                        <p:tgtEl>
+                                          <p:spTgt spid="7"/>
+                                        </p:tgtEl>
+                                      </p:cBhvr>
+                                    </p:animEffect>
+                                  </p:childTnLst>
+                                </p:cTn>
+                              </p:par>
+                            </p:childTnLst>
+                          </p:cTn>
+                        </p:par>
+                      </p:childTnLst>
+                    </p:cTn>
+                  </p:par>
+                  <p:par>
+                    <p:cTn id="17" fill="hold">
+                      <p:stCondLst>
+                        <p:cond delay="indefinite"/>
+                      </p:stCondLst>
+                      <p:childTnLst>
+                        <p:par>
+                          <p:cTn id="18" fill="hold">
+                            <p:stCondLst>
+                              <p:cond delay="0"/>
+                            </p:stCondLst>
+                            <p:childTnLst>
+                              <p:par>
+                                <p:cTn id="19" presetID="2" presetClass="entr" presetSubtype="4" fill="hold" grpId="0" nodeType="clickEffect">
+                                  <p:stCondLst>
+                                    <p:cond delay="0"/>
+                                  </p:stCondLst>
+                                  <p:childTnLst>
+                                    <p:set>
+                                      <p:cBhvr>
+                                        <p:cTn id="20" dur="1" fill="hold">
+                                          <p:stCondLst>
+                                            <p:cond delay="0"/>
+                                          </p:stCondLst>
+                                        </p:cTn>
+                                        <p:tgtEl>
+                                          <p:spTgt spid="24"/>
+                                        </p:tgtEl>
+                                        <p:attrNameLst>
+                                          <p:attrName>style.visibility</p:attrName>
+                                        </p:attrNameLst>
+                                      </p:cBhvr>
+                                      <p:to>
+                                        <p:strVal val="visible"/>
+                                      </p:to>
+                                    </p:set>
+                                    <p:anim calcmode="lin" valueType="num">
+                                      <p:cBhvr additive="base">
+                                        <p:cTn id="21" dur="500" fill="hold"/>
+                                        <p:tgtEl>
+                                          <p:spTgt spid="24"/>
+                                        </p:tgtEl>
+                                        <p:attrNameLst>
+                                          <p:attrName>ppt_x</p:attrName>
+                                        </p:attrNameLst>
+                                      </p:cBhvr>
+                                      <p:tavLst>
+                                        <p:tav tm="0">
+                                          <p:val>
+                                            <p:strVal val="#ppt_x"/>
+                                          </p:val>
+                                        </p:tav>
+                                        <p:tav tm="100000">
+                                          <p:val>
+                                            <p:strVal val="#ppt_x"/>
+                                          </p:val>
+                                        </p:tav>
+                                      </p:tavLst>
+                                    </p:anim>
+                                    <p:anim calcmode="lin" valueType="num">
+                                      <p:cBhvr additive="base">
+                                        <p:cTn id="22" dur="500" fill="hold"/>
+                                        <p:tgtEl>
+                                          <p:spTgt spid="24"/>
+                                        </p:tgtEl>
+                                        <p:attrNameLst>
+                                          <p:attrName>ppt_y</p:attrName>
+                                        </p:attrNameLst>
+                                      </p:cBhvr>
+                                      <p:tavLst>
+                                        <p:tav tm="0">
+                                          <p:val>
+                                            <p:strVal val="1+#ppt_h/2"/>
+                                          </p:val>
+                                        </p:tav>
+                                        <p:tav tm="100000">
+                                          <p:val>
+                                            <p:strVal val="#ppt_y"/>
+                                          </p:val>
+                                        </p:tav>
+                                      </p:tavLst>
+                                    </p:anim>
+                                  </p:childTnLst>
+                                </p:cTn>
+                              </p:par>
+                            </p:childTnLst>
+                          </p:cTn>
+                        </p:par>
+                      </p:childTnLst>
+                    </p:cTn>
+                  </p:par>
+                  <p:par>
+                    <p:cTn id="23" fill="hold">
+                      <p:stCondLst>
+                        <p:cond delay="indefinite"/>
+                      </p:stCondLst>
+                      <p:childTnLst>
+                        <p:par>
+                          <p:cTn id="24" fill="hold">
+                            <p:stCondLst>
+                              <p:cond delay="0"/>
+                            </p:stCondLst>
+                            <p:childTnLst>
+                              <p:par>
+                                <p:cTn id="25" presetID="10" presetClass="entr" presetSubtype="0" fill="hold" grpId="0" nodeType="clickEffect">
+                                  <p:stCondLst>
+                                    <p:cond delay="0"/>
+                                  </p:stCondLst>
+                                  <p:childTnLst>
+                                    <p:set>
+                                      <p:cBhvr>
+                                        <p:cTn id="26" dur="1" fill="hold">
+                                          <p:stCondLst>
+                                            <p:cond delay="0"/>
+                                          </p:stCondLst>
+                                        </p:cTn>
+                                        <p:tgtEl>
+                                          <p:spTgt spid="15"/>
+                                        </p:tgtEl>
+                                        <p:attrNameLst>
+                                          <p:attrName>style.visibility</p:attrName>
+                                        </p:attrNameLst>
+                                      </p:cBhvr>
+                                      <p:to>
+                                        <p:strVal val="visible"/>
+                                      </p:to>
+                                    </p:set>
+                                    <p:animEffect transition="in" filter="fade">
+                                      <p:cBhvr>
+                                        <p:cTn id="27" dur="500"/>
+                                        <p:tgtEl>
+                                          <p:spTgt spid="15"/>
+                                        </p:tgtEl>
+                                      </p:cBhvr>
+                                    </p:animEffect>
+                                  </p:childTnLst>
+                                </p:cTn>
+                              </p:par>
+                              <p:par>
+                                <p:cTn id="28" presetID="10" presetClass="entr" presetSubtype="0" fill="hold" grpId="0" nodeType="withEffect">
+                                  <p:stCondLst>
+                                    <p:cond delay="0"/>
+                                  </p:stCondLst>
+                                  <p:childTnLst>
+                                    <p:set>
+                                      <p:cBhvr>
+                                        <p:cTn id="29" dur="1" fill="hold">
+                                          <p:stCondLst>
+                                            <p:cond delay="0"/>
+                                          </p:stCondLst>
+                                        </p:cTn>
+                                        <p:tgtEl>
+                                          <p:spTgt spid="16"/>
+                                        </p:tgtEl>
+                                        <p:attrNameLst>
+                                          <p:attrName>style.visibility</p:attrName>
+                                        </p:attrNameLst>
+                                      </p:cBhvr>
+                                      <p:to>
+                                        <p:strVal val="visible"/>
+                                      </p:to>
+                                    </p:set>
+                                    <p:animEffect transition="in" filter="fade">
+                                      <p:cBhvr>
+                                        <p:cTn id="30" dur="500"/>
+                                        <p:tgtEl>
+                                          <p:spTgt spid="16"/>
+                                        </p:tgtEl>
+                                      </p:cBhvr>
+                                    </p:animEffect>
+                                  </p:childTnLst>
+                                </p:cTn>
+                              </p:par>
+                              <p:par>
+                                <p:cTn id="31" presetID="10" presetClass="entr" presetSubtype="0" fill="hold" nodeType="withEffect">
+                                  <p:stCondLst>
+                                    <p:cond delay="0"/>
+                                  </p:stCondLst>
+                                  <p:childTnLst>
+                                    <p:set>
+                                      <p:cBhvr>
+                                        <p:cTn id="32" dur="1" fill="hold">
+                                          <p:stCondLst>
+                                            <p:cond delay="0"/>
+                                          </p:stCondLst>
+                                        </p:cTn>
+                                        <p:tgtEl>
+                                          <p:spTgt spid="14"/>
+                                        </p:tgtEl>
+                                        <p:attrNameLst>
+                                          <p:attrName>style.visibility</p:attrName>
+                                        </p:attrNameLst>
+                                      </p:cBhvr>
+                                      <p:to>
+                                        <p:strVal val="visible"/>
+                                      </p:to>
+                                    </p:set>
+                                    <p:animEffect transition="in" filter="fade">
+                                      <p:cBhvr>
+                                        <p:cTn id="33" dur="500"/>
+                                        <p:tgtEl>
+                                          <p:spTgt spid="14"/>
+                                        </p:tgtEl>
+                                      </p:cBhvr>
+                                    </p:animEffect>
+                                  </p:childTnLst>
+                                </p:cTn>
+                              </p:par>
+                            </p:childTnLst>
+                          </p:cTn>
+                        </p:par>
+                      </p:childTnLst>
+                    </p:cTn>
+                  </p:par>
+                  <p:par>
+                    <p:cTn id="34" fill="hold">
+                      <p:stCondLst>
+                        <p:cond delay="indefinite"/>
+                      </p:stCondLst>
+                      <p:childTnLst>
+                        <p:par>
+                          <p:cTn id="35" fill="hold">
+                            <p:stCondLst>
+                              <p:cond delay="0"/>
+                            </p:stCondLst>
+                            <p:childTnLst>
+                              <p:par>
+                                <p:cTn id="36" presetID="2" presetClass="entr" presetSubtype="4" fill="hold" grpId="0" nodeType="clickEffect">
+                                  <p:stCondLst>
+                                    <p:cond delay="0"/>
+                                  </p:stCondLst>
+                                  <p:childTnLst>
+                                    <p:set>
+                                      <p:cBhvr>
+                                        <p:cTn id="37" dur="1" fill="hold">
+                                          <p:stCondLst>
+                                            <p:cond delay="0"/>
+                                          </p:stCondLst>
+                                        </p:cTn>
+                                        <p:tgtEl>
+                                          <p:spTgt spid="26"/>
+                                        </p:tgtEl>
+                                        <p:attrNameLst>
+                                          <p:attrName>style.visibility</p:attrName>
+                                        </p:attrNameLst>
+                                      </p:cBhvr>
+                                      <p:to>
+                                        <p:strVal val="visible"/>
+                                      </p:to>
+                                    </p:set>
+                                    <p:anim calcmode="lin" valueType="num">
+                                      <p:cBhvr additive="base">
+                                        <p:cTn id="38" dur="500" fill="hold"/>
+                                        <p:tgtEl>
+                                          <p:spTgt spid="26"/>
+                                        </p:tgtEl>
+                                        <p:attrNameLst>
+                                          <p:attrName>ppt_x</p:attrName>
+                                        </p:attrNameLst>
+                                      </p:cBhvr>
+                                      <p:tavLst>
+                                        <p:tav tm="0">
+                                          <p:val>
+                                            <p:strVal val="#ppt_x"/>
+                                          </p:val>
+                                        </p:tav>
+                                        <p:tav tm="100000">
+                                          <p:val>
+                                            <p:strVal val="#ppt_x"/>
+                                          </p:val>
+                                        </p:tav>
+                                      </p:tavLst>
+                                    </p:anim>
+                                    <p:anim calcmode="lin" valueType="num">
+                                      <p:cBhvr additive="base">
+                                        <p:cTn id="39" dur="500" fill="hold"/>
+                                        <p:tgtEl>
+                                          <p:spTgt spid="26"/>
+                                        </p:tgtEl>
+                                        <p:attrNameLst>
+                                          <p:attrName>ppt_y</p:attrName>
+                                        </p:attrNameLst>
+                                      </p:cBhvr>
+                                      <p:tavLst>
+                                        <p:tav tm="0">
+                                          <p:val>
+                                            <p:strVal val="1+#ppt_h/2"/>
+                                          </p:val>
+                                        </p:tav>
+                                        <p:tav tm="100000">
+                                          <p:val>
+                                            <p:strVal val="#ppt_y"/>
+                                          </p:val>
+                                        </p:tav>
+                                      </p:tavLst>
+                                    </p:anim>
+                                  </p:childTnLst>
+                                </p:cTn>
+                              </p:par>
+                            </p:childTnLst>
+                          </p:cTn>
+                        </p:par>
+                      </p:childTnLst>
+                    </p:cTn>
+                  </p:par>
+                  <p:par>
+                    <p:cTn id="40" fill="hold">
+                      <p:stCondLst>
+                        <p:cond delay="indefinite"/>
+                      </p:stCondLst>
+                      <p:childTnLst>
+                        <p:par>
+                          <p:cTn id="41" fill="hold">
+                            <p:stCondLst>
+                              <p:cond delay="0"/>
+                            </p:stCondLst>
+                            <p:childTnLst>
+                              <p:par>
+                                <p:cTn id="42" presetID="10" presetClass="entr" presetSubtype="0" fill="hold" grpId="0" nodeType="clickEffect">
+                                  <p:stCondLst>
+                                    <p:cond delay="0"/>
+                                  </p:stCondLst>
+                                  <p:childTnLst>
+                                    <p:set>
+                                      <p:cBhvr>
+                                        <p:cTn id="43" dur="1" fill="hold">
+                                          <p:stCondLst>
+                                            <p:cond delay="0"/>
+                                          </p:stCondLst>
+                                        </p:cTn>
+                                        <p:tgtEl>
+                                          <p:spTgt spid="18"/>
+                                        </p:tgtEl>
+                                        <p:attrNameLst>
+                                          <p:attrName>style.visibility</p:attrName>
+                                        </p:attrNameLst>
+                                      </p:cBhvr>
+                                      <p:to>
+                                        <p:strVal val="visible"/>
+                                      </p:to>
+                                    </p:set>
+                                    <p:animEffect transition="in" filter="fade">
+                                      <p:cBhvr>
+                                        <p:cTn id="44" dur="500"/>
+                                        <p:tgtEl>
+                                          <p:spTgt spid="18"/>
+                                        </p:tgtEl>
+                                      </p:cBhvr>
+                                    </p:animEffect>
+                                  </p:childTnLst>
+                                </p:cTn>
+                              </p:par>
+                              <p:par>
+                                <p:cTn id="45" presetID="10" presetClass="entr" presetSubtype="0" fill="hold" grpId="0" nodeType="withEffect">
+                                  <p:stCondLst>
+                                    <p:cond delay="0"/>
+                                  </p:stCondLst>
+                                  <p:childTnLst>
+                                    <p:set>
+                                      <p:cBhvr>
+                                        <p:cTn id="46" dur="1" fill="hold">
+                                          <p:stCondLst>
+                                            <p:cond delay="0"/>
+                                          </p:stCondLst>
+                                        </p:cTn>
+                                        <p:tgtEl>
+                                          <p:spTgt spid="19"/>
+                                        </p:tgtEl>
+                                        <p:attrNameLst>
+                                          <p:attrName>style.visibility</p:attrName>
+                                        </p:attrNameLst>
+                                      </p:cBhvr>
+                                      <p:to>
+                                        <p:strVal val="visible"/>
+                                      </p:to>
+                                    </p:set>
+                                    <p:animEffect transition="in" filter="fade">
+                                      <p:cBhvr>
+                                        <p:cTn id="47" dur="500"/>
+                                        <p:tgtEl>
+                                          <p:spTgt spid="19"/>
+                                        </p:tgtEl>
+                                      </p:cBhvr>
+                                    </p:animEffect>
+                                  </p:childTnLst>
+                                </p:cTn>
+                              </p:par>
+                              <p:par>
+                                <p:cTn id="48" presetID="10" presetClass="entr" presetSubtype="0" fill="hold" nodeType="withEffect">
+                                  <p:stCondLst>
+                                    <p:cond delay="0"/>
+                                  </p:stCondLst>
+                                  <p:childTnLst>
+                                    <p:set>
+                                      <p:cBhvr>
+                                        <p:cTn id="49" dur="1" fill="hold">
+                                          <p:stCondLst>
+                                            <p:cond delay="0"/>
+                                          </p:stCondLst>
+                                        </p:cTn>
+                                        <p:tgtEl>
+                                          <p:spTgt spid="17"/>
+                                        </p:tgtEl>
+                                        <p:attrNameLst>
+                                          <p:attrName>style.visibility</p:attrName>
+                                        </p:attrNameLst>
+                                      </p:cBhvr>
+                                      <p:to>
+                                        <p:strVal val="visible"/>
+                                      </p:to>
+                                    </p:set>
+                                    <p:animEffect transition="in" filter="fade">
+                                      <p:cBhvr>
+                                        <p:cTn id="50" dur="500"/>
+                                        <p:tgtEl>
+                                          <p:spTgt spid="17"/>
+                                        </p:tgtEl>
+                                      </p:cBhvr>
+                                    </p:animEffect>
+                                  </p:childTnLst>
+                                </p:cTn>
+                              </p:par>
+                            </p:childTnLst>
+                          </p:cTn>
+                        </p:par>
+                      </p:childTnLst>
+                    </p:cTn>
+                  </p:par>
+                  <p:par>
+                    <p:cTn id="51" fill="hold">
+                      <p:stCondLst>
+                        <p:cond delay="indefinite"/>
+                      </p:stCondLst>
+                      <p:childTnLst>
+                        <p:par>
+                          <p:cTn id="52" fill="hold">
+                            <p:stCondLst>
+                              <p:cond delay="0"/>
+                            </p:stCondLst>
+                            <p:childTnLst>
+                              <p:par>
+                                <p:cTn id="53" presetID="2" presetClass="entr" presetSubtype="4" fill="hold" nodeType="clickEffect">
+                                  <p:stCondLst>
+                                    <p:cond delay="0"/>
+                                  </p:stCondLst>
+                                  <p:childTnLst>
+                                    <p:set>
+                                      <p:cBhvr>
+                                        <p:cTn id="54" dur="1" fill="hold">
+                                          <p:stCondLst>
+                                            <p:cond delay="0"/>
+                                          </p:stCondLst>
+                                        </p:cTn>
+                                        <p:tgtEl>
+                                          <p:spTgt spid="30">
+                                            <p:txEl>
+                                              <p:pRg st="0" end="0"/>
+                                            </p:txEl>
+                                          </p:spTgt>
+                                        </p:tgtEl>
+                                        <p:attrNameLst>
+                                          <p:attrName>style.visibility</p:attrName>
+                                        </p:attrNameLst>
+                                      </p:cBhvr>
+                                      <p:to>
+                                        <p:strVal val="visible"/>
+                                      </p:to>
+                                    </p:set>
+                                    <p:anim calcmode="lin" valueType="num">
+                                      <p:cBhvr additive="base">
+                                        <p:cTn id="55" dur="500" fill="hold"/>
+                                        <p:tgtEl>
+                                          <p:spTgt spid="30">
+                                            <p:txEl>
+                                              <p:pRg st="0" end="0"/>
+                                            </p:txEl>
+                                          </p:spTgt>
+                                        </p:tgtEl>
+                                        <p:attrNameLst>
+                                          <p:attrName>ppt_x</p:attrName>
+                                        </p:attrNameLst>
+                                      </p:cBhvr>
+                                      <p:tavLst>
+                                        <p:tav tm="0">
+                                          <p:val>
+                                            <p:strVal val="#ppt_x"/>
+                                          </p:val>
+                                        </p:tav>
+                                        <p:tav tm="100000">
+                                          <p:val>
+                                            <p:strVal val="#ppt_x"/>
+                                          </p:val>
+                                        </p:tav>
+                                      </p:tavLst>
+                                    </p:anim>
+                                    <p:anim calcmode="lin" valueType="num">
+                                      <p:cBhvr additive="base">
+                                        <p:cTn id="56" dur="500" fill="hold"/>
+                                        <p:tgtEl>
+                                          <p:spTgt spid="30">
+                                            <p:txEl>
+                                              <p:pRg st="0" end="0"/>
+                                            </p:txEl>
+                                          </p:spTgt>
+                                        </p:tgtEl>
+                                        <p:attrNameLst>
+                                          <p:attrName>ppt_y</p:attrName>
+                                        </p:attrNameLst>
+                                      </p:cBhvr>
+                                      <p:tavLst>
+                                        <p:tav tm="0">
+                                          <p:val>
+                                            <p:strVal val="1+#ppt_h/2"/>
+                                          </p:val>
+                                        </p:tav>
+                                        <p:tav tm="100000">
+                                          <p:val>
+                                            <p:strVal val="#ppt_y"/>
+                                          </p:val>
+                                        </p:tav>
+                                      </p:tavLst>
+                                    </p:anim>
+                                  </p:childTnLst>
+                                </p:cTn>
+                              </p:par>
+                            </p:childTnLst>
+                          </p:cTn>
+                        </p:par>
+                      </p:childTnLst>
+                    </p:cTn>
+                  </p:par>
+                  <p:par>
+                    <p:cTn id="57" fill="hold">
+                      <p:stCondLst>
+                        <p:cond delay="indefinite"/>
+                      </p:stCondLst>
+                      <p:childTnLst>
+                        <p:par>
+                          <p:cTn id="58" fill="hold">
+                            <p:stCondLst>
+                              <p:cond delay="0"/>
+                            </p:stCondLst>
+                            <p:childTnLst>
+                              <p:par>
+                                <p:cTn id="59" presetID="10" presetClass="entr" presetSubtype="0" fill="hold" nodeType="clickEffect">
+                                  <p:stCondLst>
+                                    <p:cond delay="0"/>
+                                  </p:stCondLst>
+                                  <p:childTnLst>
+                                    <p:set>
+                                      <p:cBhvr>
+                                        <p:cTn id="60" dur="1" fill="hold">
+                                          <p:stCondLst>
+                                            <p:cond delay="0"/>
+                                          </p:stCondLst>
+                                        </p:cTn>
+                                        <p:tgtEl>
+                                          <p:spTgt spid="20"/>
+                                        </p:tgtEl>
+                                        <p:attrNameLst>
+                                          <p:attrName>style.visibility</p:attrName>
+                                        </p:attrNameLst>
+                                      </p:cBhvr>
+                                      <p:to>
+                                        <p:strVal val="visible"/>
+                                      </p:to>
+                                    </p:set>
+                                    <p:animEffect transition="in" filter="fade">
+                                      <p:cBhvr>
+                                        <p:cTn id="61" dur="500"/>
+                                        <p:tgtEl>
+                                          <p:spTgt spid="20"/>
+                                        </p:tgtEl>
+                                      </p:cBhvr>
+                                    </p:animEffect>
+                                  </p:childTnLst>
+                                </p:cTn>
+                              </p:par>
+                              <p:par>
+                                <p:cTn id="62" presetID="10" presetClass="entr" presetSubtype="0" fill="hold" grpId="0" nodeType="withEffect">
+                                  <p:stCondLst>
+                                    <p:cond delay="0"/>
+                                  </p:stCondLst>
+                                  <p:childTnLst>
+                                    <p:set>
+                                      <p:cBhvr>
+                                        <p:cTn id="63" dur="1" fill="hold">
+                                          <p:stCondLst>
+                                            <p:cond delay="0"/>
+                                          </p:stCondLst>
+                                        </p:cTn>
+                                        <p:tgtEl>
+                                          <p:spTgt spid="21"/>
+                                        </p:tgtEl>
+                                        <p:attrNameLst>
+                                          <p:attrName>style.visibility</p:attrName>
+                                        </p:attrNameLst>
+                                      </p:cBhvr>
+                                      <p:to>
+                                        <p:strVal val="visible"/>
+                                      </p:to>
+                                    </p:set>
+                                    <p:animEffect transition="in" filter="fade">
+                                      <p:cBhvr>
+                                        <p:cTn id="64" dur="500"/>
+                                        <p:tgtEl>
+                                          <p:spTgt spid="21"/>
+                                        </p:tgtEl>
+                                      </p:cBhvr>
+                                    </p:animEffect>
+                                  </p:childTnLst>
+                                </p:cTn>
+                              </p:par>
+                              <p:par>
+                                <p:cTn id="65" presetID="10" presetClass="entr" presetSubtype="0" fill="hold" grpId="0" nodeType="withEffect">
+                                  <p:stCondLst>
+                                    <p:cond delay="0"/>
+                                  </p:stCondLst>
+                                  <p:childTnLst>
+                                    <p:set>
+                                      <p:cBhvr>
+                                        <p:cTn id="66" dur="1" fill="hold">
+                                          <p:stCondLst>
+                                            <p:cond delay="0"/>
+                                          </p:stCondLst>
+                                        </p:cTn>
+                                        <p:tgtEl>
+                                          <p:spTgt spid="23"/>
+                                        </p:tgtEl>
+                                        <p:attrNameLst>
+                                          <p:attrName>style.visibility</p:attrName>
+                                        </p:attrNameLst>
+                                      </p:cBhvr>
+                                      <p:to>
+                                        <p:strVal val="visible"/>
+                                      </p:to>
+                                    </p:set>
+                                    <p:animEffect transition="in" filter="fade">
+                                      <p:cBhvr>
+                                        <p:cTn id="67" dur="500"/>
+                                        <p:tgtEl>
+                                          <p:spTgt spid="23"/>
+                                        </p:tgtEl>
+                                      </p:cBhvr>
+                                    </p:animEffect>
+                                  </p:childTnLst>
+                                </p:cTn>
+                              </p:par>
+                            </p:childTnLst>
+                          </p:cTn>
+                        </p:par>
+                      </p:childTnLst>
+                    </p:cTn>
+                  </p:par>
+                  <p:par>
+                    <p:cTn id="68" fill="hold">
+                      <p:stCondLst>
+                        <p:cond delay="indefinite"/>
+                      </p:stCondLst>
+                      <p:childTnLst>
+                        <p:par>
+                          <p:cTn id="69" fill="hold">
+                            <p:stCondLst>
+                              <p:cond delay="0"/>
+                            </p:stCondLst>
+                            <p:childTnLst>
+                              <p:par>
+                                <p:cTn id="70" presetID="2" presetClass="entr" presetSubtype="4" fill="hold" grpId="0" nodeType="clickEffect">
+                                  <p:stCondLst>
+                                    <p:cond delay="0"/>
+                                  </p:stCondLst>
+                                  <p:childTnLst>
+                                    <p:set>
+                                      <p:cBhvr>
+                                        <p:cTn id="71" dur="1" fill="hold">
+                                          <p:stCondLst>
+                                            <p:cond delay="0"/>
+                                          </p:stCondLst>
+                                        </p:cTn>
+                                        <p:tgtEl>
+                                          <p:spTgt spid="31"/>
+                                        </p:tgtEl>
+                                        <p:attrNameLst>
+                                          <p:attrName>style.visibility</p:attrName>
+                                        </p:attrNameLst>
+                                      </p:cBhvr>
+                                      <p:to>
+                                        <p:strVal val="visible"/>
+                                      </p:to>
+                                    </p:set>
+                                    <p:anim calcmode="lin" valueType="num">
+                                      <p:cBhvr additive="base">
+                                        <p:cTn id="72" dur="500" fill="hold"/>
+                                        <p:tgtEl>
+                                          <p:spTgt spid="31"/>
+                                        </p:tgtEl>
+                                        <p:attrNameLst>
+                                          <p:attrName>ppt_x</p:attrName>
+                                        </p:attrNameLst>
+                                      </p:cBhvr>
+                                      <p:tavLst>
+                                        <p:tav tm="0">
+                                          <p:val>
+                                            <p:strVal val="#ppt_x"/>
+                                          </p:val>
+                                        </p:tav>
+                                        <p:tav tm="100000">
+                                          <p:val>
+                                            <p:strVal val="#ppt_x"/>
+                                          </p:val>
+                                        </p:tav>
+                                      </p:tavLst>
+                                    </p:anim>
+                                    <p:anim calcmode="lin" valueType="num">
+                                      <p:cBhvr additive="base">
+                                        <p:cTn id="73" dur="500" fill="hold"/>
+                                        <p:tgtEl>
+                                          <p:spTgt spid="31"/>
+                                        </p:tgtEl>
+                                        <p:attrNameLst>
+                                          <p:attrName>ppt_y</p:attrName>
+                                        </p:attrNameLst>
+                                      </p:cBhvr>
+                                      <p:tavLst>
+                                        <p:tav tm="0">
+                                          <p:val>
+                                            <p:strVal val="1+#ppt_h/2"/>
+                                          </p:val>
+                                        </p:tav>
+                                        <p:tav tm="100000">
+                                          <p:val>
+                                            <p:strVal val="#ppt_y"/>
+                                          </p:val>
+                                        </p:tav>
+                                      </p:tavLst>
+                                    </p:anim>
+                                  </p:childTnLst>
+                                </p:cTn>
+                              </p:par>
+                            </p:childTnLst>
+                          </p:cTn>
+                        </p:par>
+                      </p:childTnLst>
+                    </p:cTn>
+                  </p:par>
+                </p:childTnLst>
+              </p:cTn>
+              <p:prevCondLst>
+                <p:cond evt="onPrev" delay="0">
+                  <p:tgtEl>
+                    <p:sldTgt/>
+                  </p:tgtEl>
+                </p:cond>
+              </p:prevCondLst>
+              <p:nextCondLst>
+                <p:cond evt="onNext" delay="0">
+                  <p:tgtEl>
+                    <p:sldTgt/>
+                  </p:tgtEl>
+                </p:cond>
+              </p:nextCondLst>
+            </p:seq>
+          </p:childTnLst>
+        </p:cTn>
+      </p:par>
+    </p:tnLst>
+    <p:bldLst>
+      <p:bldP spid="2" grpId="0" animBg="1"/>
+      <p:bldP spid="5" grpId="0" animBg="1"/>
+      <p:bldP spid="7" grpId="0"/>
+      <p:bldP spid="15" grpId="0" animBg="1"/>
+      <p:bldP spid="16" grpId="0"/>
+      <p:bldP spid="18" grpId="0" animBg="1"/>
+      <p:bldP spid="19" grpId="0"/>
+      <p:bldP spid="21" grpId="0" animBg="1"/>
+      <p:bldP spid="23" grpId="0"/>
+      <p:bldP spid="24" grpId="0"/>
+      <p:bldP spid="26" grpId="0"/>
+      <p:bldP spid="31" grpId="0"/>
+    </p:bldLst>
+  </p:timing>
 </p:sld>
 </file>
 
@@ -10076,8 +13980,8 @@
         </p:nvSpPr>
         <p:spPr>
           <a:xfrm>
-            <a:off x="3497344" y="254524"/>
-            <a:ext cx="4949072" cy="1323439"/>
+            <a:off x="1696026" y="315846"/>
+            <a:ext cx="8278210" cy="1569660"/>
           </a:xfrm>
           <a:prstGeom prst="rect">
             <a:avLst/>
@@ -10092,7 +13996,7 @@
           <a:p>
             <a:pPr algn="ctr"/>
             <a:r>
-              <a:rPr lang="en-US" sz="4000" dirty="0"/>
+              <a:rPr lang="en-US" sz="4800" b="1" dirty="0"/>
               <a:t>Tic-Tac-Toe Process Diagram</a:t>
             </a:r>
           </a:p>
@@ -10212,7 +14116,7 @@
           <a:prstGeom prst="straightConnector1">
             <a:avLst/>
           </a:prstGeom>
-          <a:ln>
+          <a:ln w="28575">
             <a:tailEnd type="triangle"/>
           </a:ln>
         </p:spPr>
@@ -10289,7 +14193,7 @@
           <a:prstGeom prst="straightConnector1">
             <a:avLst/>
           </a:prstGeom>
-          <a:ln>
+          <a:ln w="28575">
             <a:tailEnd type="triangle"/>
           </a:ln>
         </p:spPr>
@@ -10386,7 +14290,7 @@
           <a:prstGeom prst="straightConnector1">
             <a:avLst/>
           </a:prstGeom>
-          <a:ln>
+          <a:ln w="28575">
             <a:tailEnd type="triangle"/>
           </a:ln>
         </p:spPr>
@@ -10509,7 +14413,7 @@
           <a:prstGeom prst="straightConnector1">
             <a:avLst/>
           </a:prstGeom>
-          <a:ln>
+          <a:ln w="28575">
             <a:tailEnd type="triangle"/>
           </a:ln>
         </p:spPr>
@@ -10639,7 +14543,7 @@
           <a:lstStyle/>
           <a:p>
             <a:r>
-              <a:rPr lang="en-US" dirty="0"/>
+              <a:rPr lang="en-US" b="1" dirty="0"/>
               <a:t>[vs. Computer]</a:t>
             </a:r>
           </a:p>
@@ -10674,7 +14578,7 @@
           <a:lstStyle/>
           <a:p>
             <a:r>
-              <a:rPr lang="en-US" dirty="0"/>
+              <a:rPr lang="en-US" b="1" dirty="0"/>
               <a:t>[vs. Player]</a:t>
             </a:r>
           </a:p>
@@ -10702,7 +14606,7 @@
           <a:prstGeom prst="straightConnector1">
             <a:avLst/>
           </a:prstGeom>
-          <a:ln>
+          <a:ln w="28575">
             <a:tailEnd type="triangle"/>
           </a:ln>
         </p:spPr>
@@ -10744,7 +14648,7 @@
           <a:prstGeom prst="straightConnector1">
             <a:avLst/>
           </a:prstGeom>
-          <a:ln>
+          <a:ln w="28575">
             <a:tailEnd type="triangle"/>
           </a:ln>
         </p:spPr>
@@ -10813,7 +14717,7 @@
           <a:lstStyle/>
           <a:p>
             <a:pPr algn="ctr"/>
-            <a:endParaRPr lang="en-US"/>
+            <a:endParaRPr lang="en-US" b="1" dirty="0"/>
           </a:p>
         </p:txBody>
       </p:sp>
@@ -10846,7 +14750,7 @@
           <a:lstStyle/>
           <a:p>
             <a:r>
-              <a:rPr lang="en-US" dirty="0"/>
+              <a:rPr lang="en-US" b="1" dirty="0"/>
               <a:t>[Series Over]</a:t>
             </a:r>
           </a:p>
@@ -10875,7 +14779,7 @@
           <a:prstGeom prst="straightConnector1">
             <a:avLst/>
           </a:prstGeom>
-          <a:ln>
+          <a:ln w="28575">
             <a:tailEnd type="triangle"/>
           </a:ln>
         </p:spPr>
@@ -11012,7 +14916,7 @@
           <a:lstStyle/>
           <a:p>
             <a:r>
-              <a:rPr lang="en-US" dirty="0"/>
+              <a:rPr lang="en-US" b="1" dirty="0"/>
               <a:t>Yes</a:t>
             </a:r>
           </a:p>
@@ -11047,7 +14951,7 @@
           <a:lstStyle/>
           <a:p>
             <a:r>
-              <a:rPr lang="en-US" dirty="0"/>
+              <a:rPr lang="en-US" b="1" dirty="0"/>
               <a:t>No</a:t>
             </a:r>
           </a:p>
@@ -11075,6 +14979,7 @@
           <a:prstGeom prst="line">
             <a:avLst/>
           </a:prstGeom>
+          <a:ln w="28575"/>
         </p:spPr>
         <p:style>
           <a:lnRef idx="1">
@@ -11111,6 +15016,7 @@
           <a:prstGeom prst="line">
             <a:avLst/>
           </a:prstGeom>
+          <a:ln w="28575"/>
         </p:spPr>
         <p:style>
           <a:lnRef idx="1">
@@ -11147,7 +15053,10 @@
           <a:prstGeom prst="straightConnector1">
             <a:avLst/>
           </a:prstGeom>
-          <a:ln>
+          <a:ln w="28575">
+            <a:solidFill>
+              <a:schemeClr val="bg1"/>
+            </a:solidFill>
             <a:tailEnd type="triangle"/>
           </a:ln>
         </p:spPr>
@@ -11189,7 +15098,7 @@
           <a:prstGeom prst="straightConnector1">
             <a:avLst/>
           </a:prstGeom>
-          <a:ln>
+          <a:ln w="28575">
             <a:tailEnd type="triangle"/>
           </a:ln>
         </p:spPr>
@@ -11312,7 +15221,7 @@
           <a:prstGeom prst="straightConnector1">
             <a:avLst/>
           </a:prstGeom>
-          <a:ln>
+          <a:ln w="28575">
             <a:tailEnd type="triangle"/>
           </a:ln>
         </p:spPr>
@@ -11433,7 +15342,7 @@
           <a:prstGeom prst="straightConnector1">
             <a:avLst/>
           </a:prstGeom>
-          <a:ln>
+          <a:ln w="28575">
             <a:tailEnd type="triangle"/>
           </a:ln>
         </p:spPr>
@@ -11528,6 +15437,11 @@
           <a:prstGeom prst="line">
             <a:avLst/>
           </a:prstGeom>
+          <a:ln w="28575">
+            <a:solidFill>
+              <a:schemeClr val="bg1"/>
+            </a:solidFill>
+          </a:ln>
         </p:spPr>
         <p:style>
           <a:lnRef idx="1">
@@ -11566,7 +15480,7 @@
           <a:prstGeom prst="straightConnector1">
             <a:avLst/>
           </a:prstGeom>
-          <a:ln>
+          <a:ln w="28575">
             <a:tailEnd type="triangle"/>
           </a:ln>
         </p:spPr>
@@ -11614,7 +15528,7 @@
           <a:lstStyle/>
           <a:p>
             <a:r>
-              <a:rPr lang="en-US" dirty="0"/>
+              <a:rPr lang="en-US" b="1" dirty="0"/>
               <a:t>[Rematch Rejected]</a:t>
             </a:r>
           </a:p>
@@ -11643,6 +15557,7 @@
           <a:prstGeom prst="line">
             <a:avLst/>
           </a:prstGeom>
+          <a:ln w="28575"/>
         </p:spPr>
         <p:style>
           <a:lnRef idx="1">
@@ -11675,12 +15590,13 @@
         </p:nvCxnSpPr>
         <p:spPr>
           <a:xfrm flipV="1">
-            <a:off x="584464" y="3267860"/>
-            <a:ext cx="0" cy="3152401"/>
+            <a:off x="584464" y="3281992"/>
+            <a:ext cx="0" cy="3138270"/>
           </a:xfrm>
           <a:prstGeom prst="line">
             <a:avLst/>
           </a:prstGeom>
+          <a:ln w="28575"/>
         </p:spPr>
         <p:style>
           <a:lnRef idx="1">
@@ -11719,7 +15635,7 @@
           <a:prstGeom prst="straightConnector1">
             <a:avLst/>
           </a:prstGeom>
-          <a:ln>
+          <a:ln w="28575">
             <a:tailEnd type="triangle"/>
           </a:ln>
         </p:spPr>
@@ -11753,7 +15669,7 @@
         <p:spPr>
           <a:xfrm>
             <a:off x="9682952" y="4998641"/>
-            <a:ext cx="2554664" cy="369332"/>
+            <a:ext cx="2554664" cy="646331"/>
           </a:xfrm>
           <a:prstGeom prst="rect">
             <a:avLst/>
@@ -11767,7 +15683,7 @@
           <a:lstStyle/>
           <a:p>
             <a:r>
-              <a:rPr lang="en-US" dirty="0"/>
+              <a:rPr lang="en-US" b="1" dirty="0"/>
               <a:t>[Rematch Requested]</a:t>
             </a:r>
           </a:p>
@@ -11783,6 +15699,1526 @@
   <p:clrMapOvr>
     <a:masterClrMapping/>
   </p:clrMapOvr>
+  <mc:AlternateContent xmlns:mc="http://schemas.openxmlformats.org/markup-compatibility/2006" xmlns:p159="http://schemas.microsoft.com/office/powerpoint/2015/09/main">
+    <mc:Choice Requires="p159">
+      <p:transition xmlns:p14="http://schemas.microsoft.com/office/powerpoint/2010/main" spd="slow" p14:dur="2000">
+        <p159:morph option="byObject"/>
+      </p:transition>
+    </mc:Choice>
+    <mc:Fallback xmlns="">
+      <p:transition spd="slow">
+        <p:fade/>
+      </p:transition>
+    </mc:Fallback>
+  </mc:AlternateContent>
+  <p:timing>
+    <p:tnLst>
+      <p:par>
+        <p:cTn id="1" dur="indefinite" restart="never" nodeType="tmRoot">
+          <p:childTnLst>
+            <p:seq concurrent="1" nextAc="seek">
+              <p:cTn id="2" dur="indefinite" nodeType="mainSeq">
+                <p:childTnLst>
+                  <p:par>
+                    <p:cTn id="3" fill="hold">
+                      <p:stCondLst>
+                        <p:cond delay="indefinite"/>
+                      </p:stCondLst>
+                      <p:childTnLst>
+                        <p:par>
+                          <p:cTn id="4" fill="hold">
+                            <p:stCondLst>
+                              <p:cond delay="0"/>
+                            </p:stCondLst>
+                            <p:childTnLst>
+                              <p:par>
+                                <p:cTn id="5" presetID="10" presetClass="entr" presetSubtype="0" fill="hold" grpId="0" nodeType="clickEffect">
+                                  <p:stCondLst>
+                                    <p:cond delay="0"/>
+                                  </p:stCondLst>
+                                  <p:childTnLst>
+                                    <p:set>
+                                      <p:cBhvr>
+                                        <p:cTn id="6" dur="1" fill="hold">
+                                          <p:stCondLst>
+                                            <p:cond delay="0"/>
+                                          </p:stCondLst>
+                                        </p:cTn>
+                                        <p:tgtEl>
+                                          <p:spTgt spid="5"/>
+                                        </p:tgtEl>
+                                        <p:attrNameLst>
+                                          <p:attrName>style.visibility</p:attrName>
+                                        </p:attrNameLst>
+                                      </p:cBhvr>
+                                      <p:to>
+                                        <p:strVal val="visible"/>
+                                      </p:to>
+                                    </p:set>
+                                    <p:animEffect transition="in" filter="fade">
+                                      <p:cBhvr>
+                                        <p:cTn id="7" dur="500"/>
+                                        <p:tgtEl>
+                                          <p:spTgt spid="5"/>
+                                        </p:tgtEl>
+                                      </p:cBhvr>
+                                    </p:animEffect>
+                                  </p:childTnLst>
+                                </p:cTn>
+                              </p:par>
+                              <p:par>
+                                <p:cTn id="8" presetID="10" presetClass="entr" presetSubtype="0" fill="hold" grpId="0" nodeType="withEffect">
+                                  <p:stCondLst>
+                                    <p:cond delay="0"/>
+                                  </p:stCondLst>
+                                  <p:childTnLst>
+                                    <p:set>
+                                      <p:cBhvr>
+                                        <p:cTn id="9" dur="1" fill="hold">
+                                          <p:stCondLst>
+                                            <p:cond delay="0"/>
+                                          </p:stCondLst>
+                                        </p:cTn>
+                                        <p:tgtEl>
+                                          <p:spTgt spid="8"/>
+                                        </p:tgtEl>
+                                        <p:attrNameLst>
+                                          <p:attrName>style.visibility</p:attrName>
+                                        </p:attrNameLst>
+                                      </p:cBhvr>
+                                      <p:to>
+                                        <p:strVal val="visible"/>
+                                      </p:to>
+                                    </p:set>
+                                    <p:animEffect transition="in" filter="fade">
+                                      <p:cBhvr>
+                                        <p:cTn id="10" dur="500"/>
+                                        <p:tgtEl>
+                                          <p:spTgt spid="8"/>
+                                        </p:tgtEl>
+                                      </p:cBhvr>
+                                    </p:animEffect>
+                                  </p:childTnLst>
+                                </p:cTn>
+                              </p:par>
+                              <p:par>
+                                <p:cTn id="11" presetID="10" presetClass="entr" presetSubtype="0" fill="hold" nodeType="withEffect">
+                                  <p:stCondLst>
+                                    <p:cond delay="0"/>
+                                  </p:stCondLst>
+                                  <p:childTnLst>
+                                    <p:set>
+                                      <p:cBhvr>
+                                        <p:cTn id="12" dur="1" fill="hold">
+                                          <p:stCondLst>
+                                            <p:cond delay="0"/>
+                                          </p:stCondLst>
+                                        </p:cTn>
+                                        <p:tgtEl>
+                                          <p:spTgt spid="12"/>
+                                        </p:tgtEl>
+                                        <p:attrNameLst>
+                                          <p:attrName>style.visibility</p:attrName>
+                                        </p:attrNameLst>
+                                      </p:cBhvr>
+                                      <p:to>
+                                        <p:strVal val="visible"/>
+                                      </p:to>
+                                    </p:set>
+                                    <p:animEffect transition="in" filter="fade">
+                                      <p:cBhvr>
+                                        <p:cTn id="13" dur="500"/>
+                                        <p:tgtEl>
+                                          <p:spTgt spid="12"/>
+                                        </p:tgtEl>
+                                      </p:cBhvr>
+                                    </p:animEffect>
+                                  </p:childTnLst>
+                                </p:cTn>
+                              </p:par>
+                              <p:par>
+                                <p:cTn id="14" presetID="10" presetClass="entr" presetSubtype="0" fill="hold" grpId="0" nodeType="withEffect">
+                                  <p:stCondLst>
+                                    <p:cond delay="0"/>
+                                  </p:stCondLst>
+                                  <p:childTnLst>
+                                    <p:set>
+                                      <p:cBhvr>
+                                        <p:cTn id="15" dur="1" fill="hold">
+                                          <p:stCondLst>
+                                            <p:cond delay="0"/>
+                                          </p:stCondLst>
+                                        </p:cTn>
+                                        <p:tgtEl>
+                                          <p:spTgt spid="13"/>
+                                        </p:tgtEl>
+                                        <p:attrNameLst>
+                                          <p:attrName>style.visibility</p:attrName>
+                                        </p:attrNameLst>
+                                      </p:cBhvr>
+                                      <p:to>
+                                        <p:strVal val="visible"/>
+                                      </p:to>
+                                    </p:set>
+                                    <p:animEffect transition="in" filter="fade">
+                                      <p:cBhvr>
+                                        <p:cTn id="16" dur="500"/>
+                                        <p:tgtEl>
+                                          <p:spTgt spid="13"/>
+                                        </p:tgtEl>
+                                      </p:cBhvr>
+                                    </p:animEffect>
+                                  </p:childTnLst>
+                                </p:cTn>
+                              </p:par>
+                              <p:par>
+                                <p:cTn id="17" presetID="10" presetClass="entr" presetSubtype="0" fill="hold" nodeType="withEffect">
+                                  <p:stCondLst>
+                                    <p:cond delay="0"/>
+                                  </p:stCondLst>
+                                  <p:childTnLst>
+                                    <p:set>
+                                      <p:cBhvr>
+                                        <p:cTn id="18" dur="1" fill="hold">
+                                          <p:stCondLst>
+                                            <p:cond delay="0"/>
+                                          </p:stCondLst>
+                                        </p:cTn>
+                                        <p:tgtEl>
+                                          <p:spTgt spid="14"/>
+                                        </p:tgtEl>
+                                        <p:attrNameLst>
+                                          <p:attrName>style.visibility</p:attrName>
+                                        </p:attrNameLst>
+                                      </p:cBhvr>
+                                      <p:to>
+                                        <p:strVal val="visible"/>
+                                      </p:to>
+                                    </p:set>
+                                    <p:animEffect transition="in" filter="fade">
+                                      <p:cBhvr>
+                                        <p:cTn id="19" dur="500"/>
+                                        <p:tgtEl>
+                                          <p:spTgt spid="14"/>
+                                        </p:tgtEl>
+                                      </p:cBhvr>
+                                    </p:animEffect>
+                                  </p:childTnLst>
+                                </p:cTn>
+                              </p:par>
+                              <p:par>
+                                <p:cTn id="20" presetID="10" presetClass="entr" presetSubtype="0" fill="hold" grpId="0" nodeType="withEffect">
+                                  <p:stCondLst>
+                                    <p:cond delay="0"/>
+                                  </p:stCondLst>
+                                  <p:childTnLst>
+                                    <p:set>
+                                      <p:cBhvr>
+                                        <p:cTn id="21" dur="1" fill="hold">
+                                          <p:stCondLst>
+                                            <p:cond delay="0"/>
+                                          </p:stCondLst>
+                                        </p:cTn>
+                                        <p:tgtEl>
+                                          <p:spTgt spid="16"/>
+                                        </p:tgtEl>
+                                        <p:attrNameLst>
+                                          <p:attrName>style.visibility</p:attrName>
+                                        </p:attrNameLst>
+                                      </p:cBhvr>
+                                      <p:to>
+                                        <p:strVal val="visible"/>
+                                      </p:to>
+                                    </p:set>
+                                    <p:animEffect transition="in" filter="fade">
+                                      <p:cBhvr>
+                                        <p:cTn id="22" dur="500"/>
+                                        <p:tgtEl>
+                                          <p:spTgt spid="16"/>
+                                        </p:tgtEl>
+                                      </p:cBhvr>
+                                    </p:animEffect>
+                                  </p:childTnLst>
+                                </p:cTn>
+                              </p:par>
+                              <p:par>
+                                <p:cTn id="23" presetID="10" presetClass="entr" presetSubtype="0" fill="hold" nodeType="withEffect">
+                                  <p:stCondLst>
+                                    <p:cond delay="0"/>
+                                  </p:stCondLst>
+                                  <p:childTnLst>
+                                    <p:set>
+                                      <p:cBhvr>
+                                        <p:cTn id="24" dur="1" fill="hold">
+                                          <p:stCondLst>
+                                            <p:cond delay="0"/>
+                                          </p:stCondLst>
+                                        </p:cTn>
+                                        <p:tgtEl>
+                                          <p:spTgt spid="18"/>
+                                        </p:tgtEl>
+                                        <p:attrNameLst>
+                                          <p:attrName>style.visibility</p:attrName>
+                                        </p:attrNameLst>
+                                      </p:cBhvr>
+                                      <p:to>
+                                        <p:strVal val="visible"/>
+                                      </p:to>
+                                    </p:set>
+                                    <p:animEffect transition="in" filter="fade">
+                                      <p:cBhvr>
+                                        <p:cTn id="25" dur="500"/>
+                                        <p:tgtEl>
+                                          <p:spTgt spid="18"/>
+                                        </p:tgtEl>
+                                      </p:cBhvr>
+                                    </p:animEffect>
+                                  </p:childTnLst>
+                                </p:cTn>
+                              </p:par>
+                              <p:par>
+                                <p:cTn id="26" presetID="10" presetClass="entr" presetSubtype="0" fill="hold" grpId="0" nodeType="withEffect">
+                                  <p:stCondLst>
+                                    <p:cond delay="0"/>
+                                  </p:stCondLst>
+                                  <p:childTnLst>
+                                    <p:set>
+                                      <p:cBhvr>
+                                        <p:cTn id="27" dur="1" fill="hold">
+                                          <p:stCondLst>
+                                            <p:cond delay="0"/>
+                                          </p:stCondLst>
+                                        </p:cTn>
+                                        <p:tgtEl>
+                                          <p:spTgt spid="20"/>
+                                        </p:tgtEl>
+                                        <p:attrNameLst>
+                                          <p:attrName>style.visibility</p:attrName>
+                                        </p:attrNameLst>
+                                      </p:cBhvr>
+                                      <p:to>
+                                        <p:strVal val="visible"/>
+                                      </p:to>
+                                    </p:set>
+                                    <p:animEffect transition="in" filter="fade">
+                                      <p:cBhvr>
+                                        <p:cTn id="28" dur="500"/>
+                                        <p:tgtEl>
+                                          <p:spTgt spid="20"/>
+                                        </p:tgtEl>
+                                      </p:cBhvr>
+                                    </p:animEffect>
+                                  </p:childTnLst>
+                                </p:cTn>
+                              </p:par>
+                              <p:par>
+                                <p:cTn id="29" presetID="10" presetClass="entr" presetSubtype="0" fill="hold" grpId="0" nodeType="withEffect">
+                                  <p:stCondLst>
+                                    <p:cond delay="0"/>
+                                  </p:stCondLst>
+                                  <p:childTnLst>
+                                    <p:set>
+                                      <p:cBhvr>
+                                        <p:cTn id="30" dur="1" fill="hold">
+                                          <p:stCondLst>
+                                            <p:cond delay="0"/>
+                                          </p:stCondLst>
+                                        </p:cTn>
+                                        <p:tgtEl>
+                                          <p:spTgt spid="21"/>
+                                        </p:tgtEl>
+                                        <p:attrNameLst>
+                                          <p:attrName>style.visibility</p:attrName>
+                                        </p:attrNameLst>
+                                      </p:cBhvr>
+                                      <p:to>
+                                        <p:strVal val="visible"/>
+                                      </p:to>
+                                    </p:set>
+                                    <p:animEffect transition="in" filter="fade">
+                                      <p:cBhvr>
+                                        <p:cTn id="31" dur="500"/>
+                                        <p:tgtEl>
+                                          <p:spTgt spid="21"/>
+                                        </p:tgtEl>
+                                      </p:cBhvr>
+                                    </p:animEffect>
+                                  </p:childTnLst>
+                                </p:cTn>
+                              </p:par>
+                              <p:par>
+                                <p:cTn id="32" presetID="10" presetClass="entr" presetSubtype="0" fill="hold" nodeType="withEffect">
+                                  <p:stCondLst>
+                                    <p:cond delay="0"/>
+                                  </p:stCondLst>
+                                  <p:childTnLst>
+                                    <p:set>
+                                      <p:cBhvr>
+                                        <p:cTn id="33" dur="1" fill="hold">
+                                          <p:stCondLst>
+                                            <p:cond delay="0"/>
+                                          </p:stCondLst>
+                                        </p:cTn>
+                                        <p:tgtEl>
+                                          <p:spTgt spid="22"/>
+                                        </p:tgtEl>
+                                        <p:attrNameLst>
+                                          <p:attrName>style.visibility</p:attrName>
+                                        </p:attrNameLst>
+                                      </p:cBhvr>
+                                      <p:to>
+                                        <p:strVal val="visible"/>
+                                      </p:to>
+                                    </p:set>
+                                    <p:animEffect transition="in" filter="fade">
+                                      <p:cBhvr>
+                                        <p:cTn id="34" dur="500"/>
+                                        <p:tgtEl>
+                                          <p:spTgt spid="22"/>
+                                        </p:tgtEl>
+                                      </p:cBhvr>
+                                    </p:animEffect>
+                                  </p:childTnLst>
+                                </p:cTn>
+                              </p:par>
+                              <p:par>
+                                <p:cTn id="35" presetID="10" presetClass="entr" presetSubtype="0" fill="hold" grpId="0" nodeType="withEffect">
+                                  <p:stCondLst>
+                                    <p:cond delay="0"/>
+                                  </p:stCondLst>
+                                  <p:childTnLst>
+                                    <p:set>
+                                      <p:cBhvr>
+                                        <p:cTn id="36" dur="1" fill="hold">
+                                          <p:stCondLst>
+                                            <p:cond delay="0"/>
+                                          </p:stCondLst>
+                                        </p:cTn>
+                                        <p:tgtEl>
+                                          <p:spTgt spid="24"/>
+                                        </p:tgtEl>
+                                        <p:attrNameLst>
+                                          <p:attrName>style.visibility</p:attrName>
+                                        </p:attrNameLst>
+                                      </p:cBhvr>
+                                      <p:to>
+                                        <p:strVal val="visible"/>
+                                      </p:to>
+                                    </p:set>
+                                    <p:animEffect transition="in" filter="fade">
+                                      <p:cBhvr>
+                                        <p:cTn id="37" dur="500"/>
+                                        <p:tgtEl>
+                                          <p:spTgt spid="24"/>
+                                        </p:tgtEl>
+                                      </p:cBhvr>
+                                    </p:animEffect>
+                                  </p:childTnLst>
+                                </p:cTn>
+                              </p:par>
+                              <p:par>
+                                <p:cTn id="38" presetID="10" presetClass="entr" presetSubtype="0" fill="hold" grpId="0" nodeType="withEffect">
+                                  <p:stCondLst>
+                                    <p:cond delay="0"/>
+                                  </p:stCondLst>
+                                  <p:childTnLst>
+                                    <p:set>
+                                      <p:cBhvr>
+                                        <p:cTn id="39" dur="1" fill="hold">
+                                          <p:stCondLst>
+                                            <p:cond delay="0"/>
+                                          </p:stCondLst>
+                                        </p:cTn>
+                                        <p:tgtEl>
+                                          <p:spTgt spid="25"/>
+                                        </p:tgtEl>
+                                        <p:attrNameLst>
+                                          <p:attrName>style.visibility</p:attrName>
+                                        </p:attrNameLst>
+                                      </p:cBhvr>
+                                      <p:to>
+                                        <p:strVal val="visible"/>
+                                      </p:to>
+                                    </p:set>
+                                    <p:animEffect transition="in" filter="fade">
+                                      <p:cBhvr>
+                                        <p:cTn id="40" dur="500"/>
+                                        <p:tgtEl>
+                                          <p:spTgt spid="25"/>
+                                        </p:tgtEl>
+                                      </p:cBhvr>
+                                    </p:animEffect>
+                                  </p:childTnLst>
+                                </p:cTn>
+                              </p:par>
+                              <p:par>
+                                <p:cTn id="41" presetID="10" presetClass="entr" presetSubtype="0" fill="hold" grpId="0" nodeType="withEffect">
+                                  <p:stCondLst>
+                                    <p:cond delay="0"/>
+                                  </p:stCondLst>
+                                  <p:childTnLst>
+                                    <p:set>
+                                      <p:cBhvr>
+                                        <p:cTn id="42" dur="1" fill="hold">
+                                          <p:stCondLst>
+                                            <p:cond delay="0"/>
+                                          </p:stCondLst>
+                                        </p:cTn>
+                                        <p:tgtEl>
+                                          <p:spTgt spid="26"/>
+                                        </p:tgtEl>
+                                        <p:attrNameLst>
+                                          <p:attrName>style.visibility</p:attrName>
+                                        </p:attrNameLst>
+                                      </p:cBhvr>
+                                      <p:to>
+                                        <p:strVal val="visible"/>
+                                      </p:to>
+                                    </p:set>
+                                    <p:animEffect transition="in" filter="fade">
+                                      <p:cBhvr>
+                                        <p:cTn id="43" dur="500"/>
+                                        <p:tgtEl>
+                                          <p:spTgt spid="26"/>
+                                        </p:tgtEl>
+                                      </p:cBhvr>
+                                    </p:animEffect>
+                                  </p:childTnLst>
+                                </p:cTn>
+                              </p:par>
+                              <p:par>
+                                <p:cTn id="44" presetID="10" presetClass="entr" presetSubtype="0" fill="hold" grpId="0" nodeType="withEffect">
+                                  <p:stCondLst>
+                                    <p:cond delay="0"/>
+                                  </p:stCondLst>
+                                  <p:childTnLst>
+                                    <p:set>
+                                      <p:cBhvr>
+                                        <p:cTn id="45" dur="1" fill="hold">
+                                          <p:stCondLst>
+                                            <p:cond delay="0"/>
+                                          </p:stCondLst>
+                                        </p:cTn>
+                                        <p:tgtEl>
+                                          <p:spTgt spid="27"/>
+                                        </p:tgtEl>
+                                        <p:attrNameLst>
+                                          <p:attrName>style.visibility</p:attrName>
+                                        </p:attrNameLst>
+                                      </p:cBhvr>
+                                      <p:to>
+                                        <p:strVal val="visible"/>
+                                      </p:to>
+                                    </p:set>
+                                    <p:animEffect transition="in" filter="fade">
+                                      <p:cBhvr>
+                                        <p:cTn id="46" dur="500"/>
+                                        <p:tgtEl>
+                                          <p:spTgt spid="27"/>
+                                        </p:tgtEl>
+                                      </p:cBhvr>
+                                    </p:animEffect>
+                                  </p:childTnLst>
+                                </p:cTn>
+                              </p:par>
+                              <p:par>
+                                <p:cTn id="47" presetID="10" presetClass="entr" presetSubtype="0" fill="hold" nodeType="withEffect">
+                                  <p:stCondLst>
+                                    <p:cond delay="0"/>
+                                  </p:stCondLst>
+                                  <p:childTnLst>
+                                    <p:set>
+                                      <p:cBhvr>
+                                        <p:cTn id="48" dur="1" fill="hold">
+                                          <p:stCondLst>
+                                            <p:cond delay="0"/>
+                                          </p:stCondLst>
+                                        </p:cTn>
+                                        <p:tgtEl>
+                                          <p:spTgt spid="29"/>
+                                        </p:tgtEl>
+                                        <p:attrNameLst>
+                                          <p:attrName>style.visibility</p:attrName>
+                                        </p:attrNameLst>
+                                      </p:cBhvr>
+                                      <p:to>
+                                        <p:strVal val="visible"/>
+                                      </p:to>
+                                    </p:set>
+                                    <p:animEffect transition="in" filter="fade">
+                                      <p:cBhvr>
+                                        <p:cTn id="49" dur="500"/>
+                                        <p:tgtEl>
+                                          <p:spTgt spid="29"/>
+                                        </p:tgtEl>
+                                      </p:cBhvr>
+                                    </p:animEffect>
+                                  </p:childTnLst>
+                                </p:cTn>
+                              </p:par>
+                              <p:par>
+                                <p:cTn id="50" presetID="10" presetClass="entr" presetSubtype="0" fill="hold" nodeType="withEffect">
+                                  <p:stCondLst>
+                                    <p:cond delay="0"/>
+                                  </p:stCondLst>
+                                  <p:childTnLst>
+                                    <p:set>
+                                      <p:cBhvr>
+                                        <p:cTn id="51" dur="1" fill="hold">
+                                          <p:stCondLst>
+                                            <p:cond delay="0"/>
+                                          </p:stCondLst>
+                                        </p:cTn>
+                                        <p:tgtEl>
+                                          <p:spTgt spid="31"/>
+                                        </p:tgtEl>
+                                        <p:attrNameLst>
+                                          <p:attrName>style.visibility</p:attrName>
+                                        </p:attrNameLst>
+                                      </p:cBhvr>
+                                      <p:to>
+                                        <p:strVal val="visible"/>
+                                      </p:to>
+                                    </p:set>
+                                    <p:animEffect transition="in" filter="fade">
+                                      <p:cBhvr>
+                                        <p:cTn id="52" dur="500"/>
+                                        <p:tgtEl>
+                                          <p:spTgt spid="31"/>
+                                        </p:tgtEl>
+                                      </p:cBhvr>
+                                    </p:animEffect>
+                                  </p:childTnLst>
+                                </p:cTn>
+                              </p:par>
+                              <p:par>
+                                <p:cTn id="53" presetID="10" presetClass="entr" presetSubtype="0" fill="hold" grpId="0" nodeType="withEffect">
+                                  <p:stCondLst>
+                                    <p:cond delay="0"/>
+                                  </p:stCondLst>
+                                  <p:childTnLst>
+                                    <p:set>
+                                      <p:cBhvr>
+                                        <p:cTn id="54" dur="1" fill="hold">
+                                          <p:stCondLst>
+                                            <p:cond delay="0"/>
+                                          </p:stCondLst>
+                                        </p:cTn>
+                                        <p:tgtEl>
+                                          <p:spTgt spid="32"/>
+                                        </p:tgtEl>
+                                        <p:attrNameLst>
+                                          <p:attrName>style.visibility</p:attrName>
+                                        </p:attrNameLst>
+                                      </p:cBhvr>
+                                      <p:to>
+                                        <p:strVal val="visible"/>
+                                      </p:to>
+                                    </p:set>
+                                    <p:animEffect transition="in" filter="fade">
+                                      <p:cBhvr>
+                                        <p:cTn id="55" dur="500"/>
+                                        <p:tgtEl>
+                                          <p:spTgt spid="32"/>
+                                        </p:tgtEl>
+                                      </p:cBhvr>
+                                    </p:animEffect>
+                                  </p:childTnLst>
+                                </p:cTn>
+                              </p:par>
+                              <p:par>
+                                <p:cTn id="56" presetID="10" presetClass="entr" presetSubtype="0" fill="hold" grpId="0" nodeType="withEffect">
+                                  <p:stCondLst>
+                                    <p:cond delay="0"/>
+                                  </p:stCondLst>
+                                  <p:childTnLst>
+                                    <p:set>
+                                      <p:cBhvr>
+                                        <p:cTn id="57" dur="1" fill="hold">
+                                          <p:stCondLst>
+                                            <p:cond delay="0"/>
+                                          </p:stCondLst>
+                                        </p:cTn>
+                                        <p:tgtEl>
+                                          <p:spTgt spid="34"/>
+                                        </p:tgtEl>
+                                        <p:attrNameLst>
+                                          <p:attrName>style.visibility</p:attrName>
+                                        </p:attrNameLst>
+                                      </p:cBhvr>
+                                      <p:to>
+                                        <p:strVal val="visible"/>
+                                      </p:to>
+                                    </p:set>
+                                    <p:animEffect transition="in" filter="fade">
+                                      <p:cBhvr>
+                                        <p:cTn id="58" dur="500"/>
+                                        <p:tgtEl>
+                                          <p:spTgt spid="34"/>
+                                        </p:tgtEl>
+                                      </p:cBhvr>
+                                    </p:animEffect>
+                                  </p:childTnLst>
+                                </p:cTn>
+                              </p:par>
+                              <p:par>
+                                <p:cTn id="59" presetID="10" presetClass="entr" presetSubtype="0" fill="hold" nodeType="withEffect">
+                                  <p:stCondLst>
+                                    <p:cond delay="0"/>
+                                  </p:stCondLst>
+                                  <p:childTnLst>
+                                    <p:set>
+                                      <p:cBhvr>
+                                        <p:cTn id="60" dur="1" fill="hold">
+                                          <p:stCondLst>
+                                            <p:cond delay="0"/>
+                                          </p:stCondLst>
+                                        </p:cTn>
+                                        <p:tgtEl>
+                                          <p:spTgt spid="36"/>
+                                        </p:tgtEl>
+                                        <p:attrNameLst>
+                                          <p:attrName>style.visibility</p:attrName>
+                                        </p:attrNameLst>
+                                      </p:cBhvr>
+                                      <p:to>
+                                        <p:strVal val="visible"/>
+                                      </p:to>
+                                    </p:set>
+                                    <p:animEffect transition="in" filter="fade">
+                                      <p:cBhvr>
+                                        <p:cTn id="61" dur="500"/>
+                                        <p:tgtEl>
+                                          <p:spTgt spid="36"/>
+                                        </p:tgtEl>
+                                      </p:cBhvr>
+                                    </p:animEffect>
+                                  </p:childTnLst>
+                                </p:cTn>
+                              </p:par>
+                              <p:par>
+                                <p:cTn id="62" presetID="10" presetClass="entr" presetSubtype="0" fill="hold" grpId="0" nodeType="withEffect">
+                                  <p:stCondLst>
+                                    <p:cond delay="0"/>
+                                  </p:stCondLst>
+                                  <p:childTnLst>
+                                    <p:set>
+                                      <p:cBhvr>
+                                        <p:cTn id="63" dur="1" fill="hold">
+                                          <p:stCondLst>
+                                            <p:cond delay="0"/>
+                                          </p:stCondLst>
+                                        </p:cTn>
+                                        <p:tgtEl>
+                                          <p:spTgt spid="37"/>
+                                        </p:tgtEl>
+                                        <p:attrNameLst>
+                                          <p:attrName>style.visibility</p:attrName>
+                                        </p:attrNameLst>
+                                      </p:cBhvr>
+                                      <p:to>
+                                        <p:strVal val="visible"/>
+                                      </p:to>
+                                    </p:set>
+                                    <p:animEffect transition="in" filter="fade">
+                                      <p:cBhvr>
+                                        <p:cTn id="64" dur="500"/>
+                                        <p:tgtEl>
+                                          <p:spTgt spid="37"/>
+                                        </p:tgtEl>
+                                      </p:cBhvr>
+                                    </p:animEffect>
+                                  </p:childTnLst>
+                                </p:cTn>
+                              </p:par>
+                              <p:par>
+                                <p:cTn id="65" presetID="10" presetClass="entr" presetSubtype="0" fill="hold" grpId="0" nodeType="withEffect">
+                                  <p:stCondLst>
+                                    <p:cond delay="0"/>
+                                  </p:stCondLst>
+                                  <p:childTnLst>
+                                    <p:set>
+                                      <p:cBhvr>
+                                        <p:cTn id="66" dur="1" fill="hold">
+                                          <p:stCondLst>
+                                            <p:cond delay="0"/>
+                                          </p:stCondLst>
+                                        </p:cTn>
+                                        <p:tgtEl>
+                                          <p:spTgt spid="38"/>
+                                        </p:tgtEl>
+                                        <p:attrNameLst>
+                                          <p:attrName>style.visibility</p:attrName>
+                                        </p:attrNameLst>
+                                      </p:cBhvr>
+                                      <p:to>
+                                        <p:strVal val="visible"/>
+                                      </p:to>
+                                    </p:set>
+                                    <p:animEffect transition="in" filter="fade">
+                                      <p:cBhvr>
+                                        <p:cTn id="67" dur="500"/>
+                                        <p:tgtEl>
+                                          <p:spTgt spid="38"/>
+                                        </p:tgtEl>
+                                      </p:cBhvr>
+                                    </p:animEffect>
+                                  </p:childTnLst>
+                                </p:cTn>
+                              </p:par>
+                              <p:par>
+                                <p:cTn id="68" presetID="10" presetClass="entr" presetSubtype="0" fill="hold" grpId="0" nodeType="withEffect">
+                                  <p:stCondLst>
+                                    <p:cond delay="0"/>
+                                  </p:stCondLst>
+                                  <p:childTnLst>
+                                    <p:set>
+                                      <p:cBhvr>
+                                        <p:cTn id="69" dur="1" fill="hold">
+                                          <p:stCondLst>
+                                            <p:cond delay="0"/>
+                                          </p:stCondLst>
+                                        </p:cTn>
+                                        <p:tgtEl>
+                                          <p:spTgt spid="42"/>
+                                        </p:tgtEl>
+                                        <p:attrNameLst>
+                                          <p:attrName>style.visibility</p:attrName>
+                                        </p:attrNameLst>
+                                      </p:cBhvr>
+                                      <p:to>
+                                        <p:strVal val="visible"/>
+                                      </p:to>
+                                    </p:set>
+                                    <p:animEffect transition="in" filter="fade">
+                                      <p:cBhvr>
+                                        <p:cTn id="70" dur="500"/>
+                                        <p:tgtEl>
+                                          <p:spTgt spid="42"/>
+                                        </p:tgtEl>
+                                      </p:cBhvr>
+                                    </p:animEffect>
+                                  </p:childTnLst>
+                                </p:cTn>
+                              </p:par>
+                              <p:par>
+                                <p:cTn id="71" presetID="10" presetClass="entr" presetSubtype="0" fill="hold" grpId="0" nodeType="withEffect">
+                                  <p:stCondLst>
+                                    <p:cond delay="0"/>
+                                  </p:stCondLst>
+                                  <p:childTnLst>
+                                    <p:set>
+                                      <p:cBhvr>
+                                        <p:cTn id="72" dur="1" fill="hold">
+                                          <p:stCondLst>
+                                            <p:cond delay="0"/>
+                                          </p:stCondLst>
+                                        </p:cTn>
+                                        <p:tgtEl>
+                                          <p:spTgt spid="44"/>
+                                        </p:tgtEl>
+                                        <p:attrNameLst>
+                                          <p:attrName>style.visibility</p:attrName>
+                                        </p:attrNameLst>
+                                      </p:cBhvr>
+                                      <p:to>
+                                        <p:strVal val="visible"/>
+                                      </p:to>
+                                    </p:set>
+                                    <p:animEffect transition="in" filter="fade">
+                                      <p:cBhvr>
+                                        <p:cTn id="73" dur="500"/>
+                                        <p:tgtEl>
+                                          <p:spTgt spid="44"/>
+                                        </p:tgtEl>
+                                      </p:cBhvr>
+                                    </p:animEffect>
+                                  </p:childTnLst>
+                                </p:cTn>
+                              </p:par>
+                              <p:par>
+                                <p:cTn id="74" presetID="10" presetClass="entr" presetSubtype="0" fill="hold" nodeType="withEffect">
+                                  <p:stCondLst>
+                                    <p:cond delay="0"/>
+                                  </p:stCondLst>
+                                  <p:childTnLst>
+                                    <p:set>
+                                      <p:cBhvr>
+                                        <p:cTn id="75" dur="1" fill="hold">
+                                          <p:stCondLst>
+                                            <p:cond delay="0"/>
+                                          </p:stCondLst>
+                                        </p:cTn>
+                                        <p:tgtEl>
+                                          <p:spTgt spid="48"/>
+                                        </p:tgtEl>
+                                        <p:attrNameLst>
+                                          <p:attrName>style.visibility</p:attrName>
+                                        </p:attrNameLst>
+                                      </p:cBhvr>
+                                      <p:to>
+                                        <p:strVal val="visible"/>
+                                      </p:to>
+                                    </p:set>
+                                    <p:animEffect transition="in" filter="fade">
+                                      <p:cBhvr>
+                                        <p:cTn id="76" dur="500"/>
+                                        <p:tgtEl>
+                                          <p:spTgt spid="48"/>
+                                        </p:tgtEl>
+                                      </p:cBhvr>
+                                    </p:animEffect>
+                                  </p:childTnLst>
+                                </p:cTn>
+                              </p:par>
+                              <p:par>
+                                <p:cTn id="77" presetID="10" presetClass="entr" presetSubtype="0" fill="hold" nodeType="withEffect">
+                                  <p:stCondLst>
+                                    <p:cond delay="0"/>
+                                  </p:stCondLst>
+                                  <p:childTnLst>
+                                    <p:set>
+                                      <p:cBhvr>
+                                        <p:cTn id="78" dur="1" fill="hold">
+                                          <p:stCondLst>
+                                            <p:cond delay="0"/>
+                                          </p:stCondLst>
+                                        </p:cTn>
+                                        <p:tgtEl>
+                                          <p:spTgt spid="50"/>
+                                        </p:tgtEl>
+                                        <p:attrNameLst>
+                                          <p:attrName>style.visibility</p:attrName>
+                                        </p:attrNameLst>
+                                      </p:cBhvr>
+                                      <p:to>
+                                        <p:strVal val="visible"/>
+                                      </p:to>
+                                    </p:set>
+                                    <p:animEffect transition="in" filter="fade">
+                                      <p:cBhvr>
+                                        <p:cTn id="79" dur="500"/>
+                                        <p:tgtEl>
+                                          <p:spTgt spid="50"/>
+                                        </p:tgtEl>
+                                      </p:cBhvr>
+                                    </p:animEffect>
+                                  </p:childTnLst>
+                                </p:cTn>
+                              </p:par>
+                              <p:par>
+                                <p:cTn id="80" presetID="10" presetClass="entr" presetSubtype="0" fill="hold" nodeType="withEffect">
+                                  <p:stCondLst>
+                                    <p:cond delay="0"/>
+                                  </p:stCondLst>
+                                  <p:childTnLst>
+                                    <p:set>
+                                      <p:cBhvr>
+                                        <p:cTn id="81" dur="1" fill="hold">
+                                          <p:stCondLst>
+                                            <p:cond delay="0"/>
+                                          </p:stCondLst>
+                                        </p:cTn>
+                                        <p:tgtEl>
+                                          <p:spTgt spid="52"/>
+                                        </p:tgtEl>
+                                        <p:attrNameLst>
+                                          <p:attrName>style.visibility</p:attrName>
+                                        </p:attrNameLst>
+                                      </p:cBhvr>
+                                      <p:to>
+                                        <p:strVal val="visible"/>
+                                      </p:to>
+                                    </p:set>
+                                    <p:animEffect transition="in" filter="fade">
+                                      <p:cBhvr>
+                                        <p:cTn id="82" dur="500"/>
+                                        <p:tgtEl>
+                                          <p:spTgt spid="52"/>
+                                        </p:tgtEl>
+                                      </p:cBhvr>
+                                    </p:animEffect>
+                                  </p:childTnLst>
+                                </p:cTn>
+                              </p:par>
+                              <p:par>
+                                <p:cTn id="83" presetID="10" presetClass="entr" presetSubtype="0" fill="hold" nodeType="withEffect">
+                                  <p:stCondLst>
+                                    <p:cond delay="0"/>
+                                  </p:stCondLst>
+                                  <p:childTnLst>
+                                    <p:set>
+                                      <p:cBhvr>
+                                        <p:cTn id="84" dur="1" fill="hold">
+                                          <p:stCondLst>
+                                            <p:cond delay="0"/>
+                                          </p:stCondLst>
+                                        </p:cTn>
+                                        <p:tgtEl>
+                                          <p:spTgt spid="54"/>
+                                        </p:tgtEl>
+                                        <p:attrNameLst>
+                                          <p:attrName>style.visibility</p:attrName>
+                                        </p:attrNameLst>
+                                      </p:cBhvr>
+                                      <p:to>
+                                        <p:strVal val="visible"/>
+                                      </p:to>
+                                    </p:set>
+                                    <p:animEffect transition="in" filter="fade">
+                                      <p:cBhvr>
+                                        <p:cTn id="85" dur="500"/>
+                                        <p:tgtEl>
+                                          <p:spTgt spid="54"/>
+                                        </p:tgtEl>
+                                      </p:cBhvr>
+                                    </p:animEffect>
+                                  </p:childTnLst>
+                                </p:cTn>
+                              </p:par>
+                              <p:par>
+                                <p:cTn id="86" presetID="10" presetClass="entr" presetSubtype="0" fill="hold" grpId="0" nodeType="withEffect">
+                                  <p:stCondLst>
+                                    <p:cond delay="0"/>
+                                  </p:stCondLst>
+                                  <p:childTnLst>
+                                    <p:set>
+                                      <p:cBhvr>
+                                        <p:cTn id="87" dur="1" fill="hold">
+                                          <p:stCondLst>
+                                            <p:cond delay="0"/>
+                                          </p:stCondLst>
+                                        </p:cTn>
+                                        <p:tgtEl>
+                                          <p:spTgt spid="55"/>
+                                        </p:tgtEl>
+                                        <p:attrNameLst>
+                                          <p:attrName>style.visibility</p:attrName>
+                                        </p:attrNameLst>
+                                      </p:cBhvr>
+                                      <p:to>
+                                        <p:strVal val="visible"/>
+                                      </p:to>
+                                    </p:set>
+                                    <p:animEffect transition="in" filter="fade">
+                                      <p:cBhvr>
+                                        <p:cTn id="88" dur="500"/>
+                                        <p:tgtEl>
+                                          <p:spTgt spid="55"/>
+                                        </p:tgtEl>
+                                      </p:cBhvr>
+                                    </p:animEffect>
+                                  </p:childTnLst>
+                                </p:cTn>
+                              </p:par>
+                              <p:par>
+                                <p:cTn id="89" presetID="10" presetClass="entr" presetSubtype="0" fill="hold" grpId="0" nodeType="withEffect">
+                                  <p:stCondLst>
+                                    <p:cond delay="0"/>
+                                  </p:stCondLst>
+                                  <p:childTnLst>
+                                    <p:set>
+                                      <p:cBhvr>
+                                        <p:cTn id="90" dur="1" fill="hold">
+                                          <p:stCondLst>
+                                            <p:cond delay="0"/>
+                                          </p:stCondLst>
+                                        </p:cTn>
+                                        <p:tgtEl>
+                                          <p:spTgt spid="56"/>
+                                        </p:tgtEl>
+                                        <p:attrNameLst>
+                                          <p:attrName>style.visibility</p:attrName>
+                                        </p:attrNameLst>
+                                      </p:cBhvr>
+                                      <p:to>
+                                        <p:strVal val="visible"/>
+                                      </p:to>
+                                    </p:set>
+                                    <p:animEffect transition="in" filter="fade">
+                                      <p:cBhvr>
+                                        <p:cTn id="91" dur="500"/>
+                                        <p:tgtEl>
+                                          <p:spTgt spid="56"/>
+                                        </p:tgtEl>
+                                      </p:cBhvr>
+                                    </p:animEffect>
+                                  </p:childTnLst>
+                                </p:cTn>
+                              </p:par>
+                              <p:par>
+                                <p:cTn id="92" presetID="10" presetClass="entr" presetSubtype="0" fill="hold" nodeType="withEffect">
+                                  <p:stCondLst>
+                                    <p:cond delay="0"/>
+                                  </p:stCondLst>
+                                  <p:childTnLst>
+                                    <p:set>
+                                      <p:cBhvr>
+                                        <p:cTn id="93" dur="1" fill="hold">
+                                          <p:stCondLst>
+                                            <p:cond delay="0"/>
+                                          </p:stCondLst>
+                                        </p:cTn>
+                                        <p:tgtEl>
+                                          <p:spTgt spid="60"/>
+                                        </p:tgtEl>
+                                        <p:attrNameLst>
+                                          <p:attrName>style.visibility</p:attrName>
+                                        </p:attrNameLst>
+                                      </p:cBhvr>
+                                      <p:to>
+                                        <p:strVal val="visible"/>
+                                      </p:to>
+                                    </p:set>
+                                    <p:animEffect transition="in" filter="fade">
+                                      <p:cBhvr>
+                                        <p:cTn id="94" dur="500"/>
+                                        <p:tgtEl>
+                                          <p:spTgt spid="60"/>
+                                        </p:tgtEl>
+                                      </p:cBhvr>
+                                    </p:animEffect>
+                                  </p:childTnLst>
+                                </p:cTn>
+                              </p:par>
+                              <p:par>
+                                <p:cTn id="95" presetID="10" presetClass="entr" presetSubtype="0" fill="hold" grpId="0" nodeType="withEffect">
+                                  <p:stCondLst>
+                                    <p:cond delay="0"/>
+                                  </p:stCondLst>
+                                  <p:childTnLst>
+                                    <p:set>
+                                      <p:cBhvr>
+                                        <p:cTn id="96" dur="1" fill="hold">
+                                          <p:stCondLst>
+                                            <p:cond delay="0"/>
+                                          </p:stCondLst>
+                                        </p:cTn>
+                                        <p:tgtEl>
+                                          <p:spTgt spid="61"/>
+                                        </p:tgtEl>
+                                        <p:attrNameLst>
+                                          <p:attrName>style.visibility</p:attrName>
+                                        </p:attrNameLst>
+                                      </p:cBhvr>
+                                      <p:to>
+                                        <p:strVal val="visible"/>
+                                      </p:to>
+                                    </p:set>
+                                    <p:animEffect transition="in" filter="fade">
+                                      <p:cBhvr>
+                                        <p:cTn id="97" dur="500"/>
+                                        <p:tgtEl>
+                                          <p:spTgt spid="61"/>
+                                        </p:tgtEl>
+                                      </p:cBhvr>
+                                    </p:animEffect>
+                                  </p:childTnLst>
+                                </p:cTn>
+                              </p:par>
+                              <p:par>
+                                <p:cTn id="98" presetID="10" presetClass="entr" presetSubtype="0" fill="hold" grpId="0" nodeType="withEffect">
+                                  <p:stCondLst>
+                                    <p:cond delay="0"/>
+                                  </p:stCondLst>
+                                  <p:childTnLst>
+                                    <p:set>
+                                      <p:cBhvr>
+                                        <p:cTn id="99" dur="1" fill="hold">
+                                          <p:stCondLst>
+                                            <p:cond delay="0"/>
+                                          </p:stCondLst>
+                                        </p:cTn>
+                                        <p:tgtEl>
+                                          <p:spTgt spid="67"/>
+                                        </p:tgtEl>
+                                        <p:attrNameLst>
+                                          <p:attrName>style.visibility</p:attrName>
+                                        </p:attrNameLst>
+                                      </p:cBhvr>
+                                      <p:to>
+                                        <p:strVal val="visible"/>
+                                      </p:to>
+                                    </p:set>
+                                    <p:animEffect transition="in" filter="fade">
+                                      <p:cBhvr>
+                                        <p:cTn id="100" dur="500"/>
+                                        <p:tgtEl>
+                                          <p:spTgt spid="67"/>
+                                        </p:tgtEl>
+                                      </p:cBhvr>
+                                    </p:animEffect>
+                                  </p:childTnLst>
+                                </p:cTn>
+                              </p:par>
+                              <p:par>
+                                <p:cTn id="101" presetID="10" presetClass="entr" presetSubtype="0" fill="hold" nodeType="withEffect">
+                                  <p:stCondLst>
+                                    <p:cond delay="0"/>
+                                  </p:stCondLst>
+                                  <p:childTnLst>
+                                    <p:set>
+                                      <p:cBhvr>
+                                        <p:cTn id="102" dur="1" fill="hold">
+                                          <p:stCondLst>
+                                            <p:cond delay="0"/>
+                                          </p:stCondLst>
+                                        </p:cTn>
+                                        <p:tgtEl>
+                                          <p:spTgt spid="68"/>
+                                        </p:tgtEl>
+                                        <p:attrNameLst>
+                                          <p:attrName>style.visibility</p:attrName>
+                                        </p:attrNameLst>
+                                      </p:cBhvr>
+                                      <p:to>
+                                        <p:strVal val="visible"/>
+                                      </p:to>
+                                    </p:set>
+                                    <p:animEffect transition="in" filter="fade">
+                                      <p:cBhvr>
+                                        <p:cTn id="103" dur="500"/>
+                                        <p:tgtEl>
+                                          <p:spTgt spid="68"/>
+                                        </p:tgtEl>
+                                      </p:cBhvr>
+                                    </p:animEffect>
+                                  </p:childTnLst>
+                                </p:cTn>
+                              </p:par>
+                              <p:par>
+                                <p:cTn id="104" presetID="10" presetClass="entr" presetSubtype="0" fill="hold" grpId="0" nodeType="withEffect">
+                                  <p:stCondLst>
+                                    <p:cond delay="0"/>
+                                  </p:stCondLst>
+                                  <p:childTnLst>
+                                    <p:set>
+                                      <p:cBhvr>
+                                        <p:cTn id="105" dur="1" fill="hold">
+                                          <p:stCondLst>
+                                            <p:cond delay="0"/>
+                                          </p:stCondLst>
+                                        </p:cTn>
+                                        <p:tgtEl>
+                                          <p:spTgt spid="69"/>
+                                        </p:tgtEl>
+                                        <p:attrNameLst>
+                                          <p:attrName>style.visibility</p:attrName>
+                                        </p:attrNameLst>
+                                      </p:cBhvr>
+                                      <p:to>
+                                        <p:strVal val="visible"/>
+                                      </p:to>
+                                    </p:set>
+                                    <p:animEffect transition="in" filter="fade">
+                                      <p:cBhvr>
+                                        <p:cTn id="106" dur="500"/>
+                                        <p:tgtEl>
+                                          <p:spTgt spid="69"/>
+                                        </p:tgtEl>
+                                      </p:cBhvr>
+                                    </p:animEffect>
+                                  </p:childTnLst>
+                                </p:cTn>
+                              </p:par>
+                              <p:par>
+                                <p:cTn id="107" presetID="10" presetClass="entr" presetSubtype="0" fill="hold" nodeType="withEffect">
+                                  <p:stCondLst>
+                                    <p:cond delay="0"/>
+                                  </p:stCondLst>
+                                  <p:childTnLst>
+                                    <p:set>
+                                      <p:cBhvr>
+                                        <p:cTn id="108" dur="1" fill="hold">
+                                          <p:stCondLst>
+                                            <p:cond delay="0"/>
+                                          </p:stCondLst>
+                                        </p:cTn>
+                                        <p:tgtEl>
+                                          <p:spTgt spid="71"/>
+                                        </p:tgtEl>
+                                        <p:attrNameLst>
+                                          <p:attrName>style.visibility</p:attrName>
+                                        </p:attrNameLst>
+                                      </p:cBhvr>
+                                      <p:to>
+                                        <p:strVal val="visible"/>
+                                      </p:to>
+                                    </p:set>
+                                    <p:animEffect transition="in" filter="fade">
+                                      <p:cBhvr>
+                                        <p:cTn id="109" dur="500"/>
+                                        <p:tgtEl>
+                                          <p:spTgt spid="71"/>
+                                        </p:tgtEl>
+                                      </p:cBhvr>
+                                    </p:animEffect>
+                                  </p:childTnLst>
+                                </p:cTn>
+                              </p:par>
+                              <p:par>
+                                <p:cTn id="110" presetID="10" presetClass="entr" presetSubtype="0" fill="hold" nodeType="withEffect">
+                                  <p:stCondLst>
+                                    <p:cond delay="0"/>
+                                  </p:stCondLst>
+                                  <p:childTnLst>
+                                    <p:set>
+                                      <p:cBhvr>
+                                        <p:cTn id="111" dur="1" fill="hold">
+                                          <p:stCondLst>
+                                            <p:cond delay="0"/>
+                                          </p:stCondLst>
+                                        </p:cTn>
+                                        <p:tgtEl>
+                                          <p:spTgt spid="73"/>
+                                        </p:tgtEl>
+                                        <p:attrNameLst>
+                                          <p:attrName>style.visibility</p:attrName>
+                                        </p:attrNameLst>
+                                      </p:cBhvr>
+                                      <p:to>
+                                        <p:strVal val="visible"/>
+                                      </p:to>
+                                    </p:set>
+                                    <p:animEffect transition="in" filter="fade">
+                                      <p:cBhvr>
+                                        <p:cTn id="112" dur="500"/>
+                                        <p:tgtEl>
+                                          <p:spTgt spid="73"/>
+                                        </p:tgtEl>
+                                      </p:cBhvr>
+                                    </p:animEffect>
+                                  </p:childTnLst>
+                                </p:cTn>
+                              </p:par>
+                              <p:par>
+                                <p:cTn id="113" presetID="10" presetClass="entr" presetSubtype="0" fill="hold" grpId="0" nodeType="withEffect">
+                                  <p:stCondLst>
+                                    <p:cond delay="0"/>
+                                  </p:stCondLst>
+                                  <p:childTnLst>
+                                    <p:set>
+                                      <p:cBhvr>
+                                        <p:cTn id="114" dur="1" fill="hold">
+                                          <p:stCondLst>
+                                            <p:cond delay="0"/>
+                                          </p:stCondLst>
+                                        </p:cTn>
+                                        <p:tgtEl>
+                                          <p:spTgt spid="74"/>
+                                        </p:tgtEl>
+                                        <p:attrNameLst>
+                                          <p:attrName>style.visibility</p:attrName>
+                                        </p:attrNameLst>
+                                      </p:cBhvr>
+                                      <p:to>
+                                        <p:strVal val="visible"/>
+                                      </p:to>
+                                    </p:set>
+                                    <p:animEffect transition="in" filter="fade">
+                                      <p:cBhvr>
+                                        <p:cTn id="115" dur="500"/>
+                                        <p:tgtEl>
+                                          <p:spTgt spid="74"/>
+                                        </p:tgtEl>
+                                      </p:cBhvr>
+                                    </p:animEffect>
+                                  </p:childTnLst>
+                                </p:cTn>
+                              </p:par>
+                              <p:par>
+                                <p:cTn id="116" presetID="10" presetClass="entr" presetSubtype="0" fill="hold" nodeType="withEffect">
+                                  <p:stCondLst>
+                                    <p:cond delay="0"/>
+                                  </p:stCondLst>
+                                  <p:childTnLst>
+                                    <p:set>
+                                      <p:cBhvr>
+                                        <p:cTn id="117" dur="1" fill="hold">
+                                          <p:stCondLst>
+                                            <p:cond delay="0"/>
+                                          </p:stCondLst>
+                                        </p:cTn>
+                                        <p:tgtEl>
+                                          <p:spTgt spid="76"/>
+                                        </p:tgtEl>
+                                        <p:attrNameLst>
+                                          <p:attrName>style.visibility</p:attrName>
+                                        </p:attrNameLst>
+                                      </p:cBhvr>
+                                      <p:to>
+                                        <p:strVal val="visible"/>
+                                      </p:to>
+                                    </p:set>
+                                    <p:animEffect transition="in" filter="fade">
+                                      <p:cBhvr>
+                                        <p:cTn id="118" dur="500"/>
+                                        <p:tgtEl>
+                                          <p:spTgt spid="76"/>
+                                        </p:tgtEl>
+                                      </p:cBhvr>
+                                    </p:animEffect>
+                                  </p:childTnLst>
+                                </p:cTn>
+                              </p:par>
+                              <p:par>
+                                <p:cTn id="119" presetID="10" presetClass="entr" presetSubtype="0" fill="hold" nodeType="withEffect">
+                                  <p:stCondLst>
+                                    <p:cond delay="0"/>
+                                  </p:stCondLst>
+                                  <p:childTnLst>
+                                    <p:set>
+                                      <p:cBhvr>
+                                        <p:cTn id="120" dur="1" fill="hold">
+                                          <p:stCondLst>
+                                            <p:cond delay="0"/>
+                                          </p:stCondLst>
+                                        </p:cTn>
+                                        <p:tgtEl>
+                                          <p:spTgt spid="82"/>
+                                        </p:tgtEl>
+                                        <p:attrNameLst>
+                                          <p:attrName>style.visibility</p:attrName>
+                                        </p:attrNameLst>
+                                      </p:cBhvr>
+                                      <p:to>
+                                        <p:strVal val="visible"/>
+                                      </p:to>
+                                    </p:set>
+                                    <p:animEffect transition="in" filter="fade">
+                                      <p:cBhvr>
+                                        <p:cTn id="121" dur="500"/>
+                                        <p:tgtEl>
+                                          <p:spTgt spid="82"/>
+                                        </p:tgtEl>
+                                      </p:cBhvr>
+                                    </p:animEffect>
+                                  </p:childTnLst>
+                                </p:cTn>
+                              </p:par>
+                              <p:par>
+                                <p:cTn id="122" presetID="10" presetClass="entr" presetSubtype="0" fill="hold" nodeType="withEffect">
+                                  <p:stCondLst>
+                                    <p:cond delay="0"/>
+                                  </p:stCondLst>
+                                  <p:childTnLst>
+                                    <p:set>
+                                      <p:cBhvr>
+                                        <p:cTn id="123" dur="1" fill="hold">
+                                          <p:stCondLst>
+                                            <p:cond delay="0"/>
+                                          </p:stCondLst>
+                                        </p:cTn>
+                                        <p:tgtEl>
+                                          <p:spTgt spid="84"/>
+                                        </p:tgtEl>
+                                        <p:attrNameLst>
+                                          <p:attrName>style.visibility</p:attrName>
+                                        </p:attrNameLst>
+                                      </p:cBhvr>
+                                      <p:to>
+                                        <p:strVal val="visible"/>
+                                      </p:to>
+                                    </p:set>
+                                    <p:animEffect transition="in" filter="fade">
+                                      <p:cBhvr>
+                                        <p:cTn id="124" dur="500"/>
+                                        <p:tgtEl>
+                                          <p:spTgt spid="84"/>
+                                        </p:tgtEl>
+                                      </p:cBhvr>
+                                    </p:animEffect>
+                                  </p:childTnLst>
+                                </p:cTn>
+                              </p:par>
+                              <p:par>
+                                <p:cTn id="125" presetID="10" presetClass="entr" presetSubtype="0" fill="hold" grpId="0" nodeType="withEffect">
+                                  <p:stCondLst>
+                                    <p:cond delay="0"/>
+                                  </p:stCondLst>
+                                  <p:childTnLst>
+                                    <p:set>
+                                      <p:cBhvr>
+                                        <p:cTn id="126" dur="1" fill="hold">
+                                          <p:stCondLst>
+                                            <p:cond delay="0"/>
+                                          </p:stCondLst>
+                                        </p:cTn>
+                                        <p:tgtEl>
+                                          <p:spTgt spid="89"/>
+                                        </p:tgtEl>
+                                        <p:attrNameLst>
+                                          <p:attrName>style.visibility</p:attrName>
+                                        </p:attrNameLst>
+                                      </p:cBhvr>
+                                      <p:to>
+                                        <p:strVal val="visible"/>
+                                      </p:to>
+                                    </p:set>
+                                    <p:animEffect transition="in" filter="fade">
+                                      <p:cBhvr>
+                                        <p:cTn id="127" dur="500"/>
+                                        <p:tgtEl>
+                                          <p:spTgt spid="89"/>
+                                        </p:tgtEl>
+                                      </p:cBhvr>
+                                    </p:animEffect>
+                                  </p:childTnLst>
+                                </p:cTn>
+                              </p:par>
+                            </p:childTnLst>
+                          </p:cTn>
+                        </p:par>
+                      </p:childTnLst>
+                    </p:cTn>
+                  </p:par>
+                </p:childTnLst>
+              </p:cTn>
+              <p:prevCondLst>
+                <p:cond evt="onPrev" delay="0">
+                  <p:tgtEl>
+                    <p:sldTgt/>
+                  </p:tgtEl>
+                </p:cond>
+              </p:prevCondLst>
+              <p:nextCondLst>
+                <p:cond evt="onNext" delay="0">
+                  <p:tgtEl>
+                    <p:sldTgt/>
+                  </p:tgtEl>
+                </p:cond>
+              </p:nextCondLst>
+            </p:seq>
+          </p:childTnLst>
+        </p:cTn>
+      </p:par>
+    </p:tnLst>
+    <p:bldLst>
+      <p:bldP spid="5" grpId="0" animBg="1"/>
+      <p:bldP spid="8" grpId="0" animBg="1"/>
+      <p:bldP spid="13" grpId="0"/>
+      <p:bldP spid="16" grpId="0" animBg="1"/>
+      <p:bldP spid="20" grpId="0" animBg="1"/>
+      <p:bldP spid="21" grpId="0"/>
+      <p:bldP spid="24" grpId="0" animBg="1"/>
+      <p:bldP spid="25" grpId="0"/>
+      <p:bldP spid="26" grpId="0"/>
+      <p:bldP spid="27" grpId="0"/>
+      <p:bldP spid="32" grpId="0" animBg="1"/>
+      <p:bldP spid="34" grpId="0"/>
+      <p:bldP spid="37" grpId="0" animBg="1"/>
+      <p:bldP spid="38" grpId="0"/>
+      <p:bldP spid="42" grpId="0"/>
+      <p:bldP spid="44" grpId="0"/>
+      <p:bldP spid="55" grpId="0" animBg="1"/>
+      <p:bldP spid="56" grpId="0"/>
+      <p:bldP spid="61" grpId="0" animBg="1"/>
+      <p:bldP spid="67" grpId="0"/>
+      <p:bldP spid="69" grpId="0" animBg="1"/>
+      <p:bldP spid="74" grpId="0"/>
+      <p:bldP spid="89" grpId="0"/>
+    </p:bldLst>
+  </p:timing>
 </p:sld>
 </file>
 
